--- a/prez1.pptx
+++ b/prez1.pptx
@@ -8,7 +8,7 @@
     <p:sldId id="256" r:id="rId2"/>
     <p:sldId id="261" r:id="rId3"/>
     <p:sldId id="262" r:id="rId4"/>
-    <p:sldId id="270" r:id="rId5"/>
+    <p:sldId id="271" r:id="rId5"/>
     <p:sldId id="268" r:id="rId6"/>
   </p:sldIdLst>
   <p:sldSz cx="12192000" cy="6858000"/>
@@ -149,7 +149,7 @@
           <p:cNvPr id="2" name="Title 1">
             <a:extLst>
               <a:ext uri="{FF2B5EF4-FFF2-40B4-BE49-F238E27FC236}">
-                <a16:creationId xmlns:a16="http://schemas.microsoft.com/office/drawing/2014/main" xmlns="" id="{02A5657B-0AFE-47AC-AAF9-229140F6D447}"/>
+                <a16:creationId xmlns="" xmlns:a16="http://schemas.microsoft.com/office/drawing/2014/main" id="{02A5657B-0AFE-47AC-AAF9-229140F6D447}"/>
               </a:ext>
             </a:extLst>
           </p:cNvPr>
@@ -186,7 +186,7 @@
           <p:cNvPr id="3" name="Subtitle 2">
             <a:extLst>
               <a:ext uri="{FF2B5EF4-FFF2-40B4-BE49-F238E27FC236}">
-                <a16:creationId xmlns:a16="http://schemas.microsoft.com/office/drawing/2014/main" xmlns="" id="{ECB5BF40-0159-4E33-8989-C7012249D679}"/>
+                <a16:creationId xmlns="" xmlns:a16="http://schemas.microsoft.com/office/drawing/2014/main" id="{ECB5BF40-0159-4E33-8989-C7012249D679}"/>
               </a:ext>
             </a:extLst>
           </p:cNvPr>
@@ -210,35 +210,35 @@
               <a:buNone/>
               <a:defRPr sz="2400"/>
             </a:lvl1pPr>
-            <a:lvl2pPr marL="457200" indent="0" algn="ctr">
+            <a:lvl2pPr marL="457189" indent="0" algn="ctr">
               <a:buNone/>
               <a:defRPr sz="2000"/>
             </a:lvl2pPr>
-            <a:lvl3pPr marL="914400" indent="0" algn="ctr">
+            <a:lvl3pPr marL="914377" indent="0" algn="ctr">
               <a:buNone/>
               <a:defRPr sz="1800"/>
             </a:lvl3pPr>
-            <a:lvl4pPr marL="1371600" indent="0" algn="ctr">
+            <a:lvl4pPr marL="1371566" indent="0" algn="ctr">
               <a:buNone/>
               <a:defRPr sz="1600"/>
             </a:lvl4pPr>
-            <a:lvl5pPr marL="1828800" indent="0" algn="ctr">
+            <a:lvl5pPr marL="1828754" indent="0" algn="ctr">
               <a:buNone/>
               <a:defRPr sz="1600"/>
             </a:lvl5pPr>
-            <a:lvl6pPr marL="2286000" indent="0" algn="ctr">
+            <a:lvl6pPr marL="2285943" indent="0" algn="ctr">
               <a:buNone/>
               <a:defRPr sz="1600"/>
             </a:lvl6pPr>
-            <a:lvl7pPr marL="2743200" indent="0" algn="ctr">
+            <a:lvl7pPr marL="2743131" indent="0" algn="ctr">
               <a:buNone/>
               <a:defRPr sz="1600"/>
             </a:lvl7pPr>
-            <a:lvl8pPr marL="3200400" indent="0" algn="ctr">
+            <a:lvl8pPr marL="3200320" indent="0" algn="ctr">
               <a:buNone/>
               <a:defRPr sz="1600"/>
             </a:lvl8pPr>
-            <a:lvl9pPr marL="3657600" indent="0" algn="ctr">
+            <a:lvl9pPr marL="3657509" indent="0" algn="ctr">
               <a:buNone/>
               <a:defRPr sz="1600"/>
             </a:lvl9pPr>
@@ -256,7 +256,7 @@
           <p:cNvPr id="4" name="Date Placeholder 3">
             <a:extLst>
               <a:ext uri="{FF2B5EF4-FFF2-40B4-BE49-F238E27FC236}">
-                <a16:creationId xmlns:a16="http://schemas.microsoft.com/office/drawing/2014/main" xmlns="" id="{22A2AA90-A079-4F81-9A1E-2DCE165DEACF}"/>
+                <a16:creationId xmlns="" xmlns:a16="http://schemas.microsoft.com/office/drawing/2014/main" id="{22A2AA90-A079-4F81-9A1E-2DCE165DEACF}"/>
               </a:ext>
             </a:extLst>
           </p:cNvPr>
@@ -274,7 +274,7 @@
           <a:p>
             <a:fld id="{B7C128EC-663C-4D57-BF43-C3C8410B93CC}" type="datetimeFigureOut">
               <a:rPr lang="en-US" smtClean="0"/>
-              <a:t>1/18/2022</a:t>
+              <a:t>1/20/2022</a:t>
             </a:fld>
             <a:endParaRPr lang="en-US"/>
           </a:p>
@@ -285,7 +285,7 @@
           <p:cNvPr id="5" name="Footer Placeholder 4">
             <a:extLst>
               <a:ext uri="{FF2B5EF4-FFF2-40B4-BE49-F238E27FC236}">
-                <a16:creationId xmlns:a16="http://schemas.microsoft.com/office/drawing/2014/main" xmlns="" id="{E49D64E2-4EA2-4B97-AAD0-318FEAF4D91A}"/>
+                <a16:creationId xmlns="" xmlns:a16="http://schemas.microsoft.com/office/drawing/2014/main" id="{E49D64E2-4EA2-4B97-AAD0-318FEAF4D91A}"/>
               </a:ext>
             </a:extLst>
           </p:cNvPr>
@@ -310,7 +310,7 @@
           <p:cNvPr id="6" name="Slide Number Placeholder 5">
             <a:extLst>
               <a:ext uri="{FF2B5EF4-FFF2-40B4-BE49-F238E27FC236}">
-                <a16:creationId xmlns:a16="http://schemas.microsoft.com/office/drawing/2014/main" xmlns="" id="{D404D4B6-0290-4207-96E0-CEB4633EA0D1}"/>
+                <a16:creationId xmlns="" xmlns:a16="http://schemas.microsoft.com/office/drawing/2014/main" id="{D404D4B6-0290-4207-96E0-CEB4633EA0D1}"/>
               </a:ext>
             </a:extLst>
           </p:cNvPr>
@@ -369,7 +369,7 @@
           <p:cNvPr id="2" name="Title 1">
             <a:extLst>
               <a:ext uri="{FF2B5EF4-FFF2-40B4-BE49-F238E27FC236}">
-                <a16:creationId xmlns:a16="http://schemas.microsoft.com/office/drawing/2014/main" xmlns="" id="{66B3FB76-AC2C-48EC-942E-32C7155B73F8}"/>
+                <a16:creationId xmlns="" xmlns:a16="http://schemas.microsoft.com/office/drawing/2014/main" id="{66B3FB76-AC2C-48EC-942E-32C7155B73F8}"/>
               </a:ext>
             </a:extLst>
           </p:cNvPr>
@@ -397,7 +397,7 @@
           <p:cNvPr id="3" name="Vertical Text Placeholder 2">
             <a:extLst>
               <a:ext uri="{FF2B5EF4-FFF2-40B4-BE49-F238E27FC236}">
-                <a16:creationId xmlns:a16="http://schemas.microsoft.com/office/drawing/2014/main" xmlns="" id="{6C045AF0-AB2A-4B82-940E-5EF4B7783A67}"/>
+                <a16:creationId xmlns="" xmlns:a16="http://schemas.microsoft.com/office/drawing/2014/main" id="{6C045AF0-AB2A-4B82-940E-5EF4B7783A67}"/>
               </a:ext>
             </a:extLst>
           </p:cNvPr>
@@ -454,7 +454,7 @@
           <p:cNvPr id="4" name="Date Placeholder 3">
             <a:extLst>
               <a:ext uri="{FF2B5EF4-FFF2-40B4-BE49-F238E27FC236}">
-                <a16:creationId xmlns:a16="http://schemas.microsoft.com/office/drawing/2014/main" xmlns="" id="{87775554-E24E-4254-8DD3-753B0FF9DD06}"/>
+                <a16:creationId xmlns="" xmlns:a16="http://schemas.microsoft.com/office/drawing/2014/main" id="{87775554-E24E-4254-8DD3-753B0FF9DD06}"/>
               </a:ext>
             </a:extLst>
           </p:cNvPr>
@@ -472,7 +472,7 @@
           <a:p>
             <a:fld id="{B7C128EC-663C-4D57-BF43-C3C8410B93CC}" type="datetimeFigureOut">
               <a:rPr lang="en-US" smtClean="0"/>
-              <a:t>1/18/2022</a:t>
+              <a:t>1/20/2022</a:t>
             </a:fld>
             <a:endParaRPr lang="en-US"/>
           </a:p>
@@ -483,7 +483,7 @@
           <p:cNvPr id="5" name="Footer Placeholder 4">
             <a:extLst>
               <a:ext uri="{FF2B5EF4-FFF2-40B4-BE49-F238E27FC236}">
-                <a16:creationId xmlns:a16="http://schemas.microsoft.com/office/drawing/2014/main" xmlns="" id="{7701ACFA-D3FC-44F3-BBDD-7A274884F6CB}"/>
+                <a16:creationId xmlns="" xmlns:a16="http://schemas.microsoft.com/office/drawing/2014/main" id="{7701ACFA-D3FC-44F3-BBDD-7A274884F6CB}"/>
               </a:ext>
             </a:extLst>
           </p:cNvPr>
@@ -508,7 +508,7 @@
           <p:cNvPr id="6" name="Slide Number Placeholder 5">
             <a:extLst>
               <a:ext uri="{FF2B5EF4-FFF2-40B4-BE49-F238E27FC236}">
-                <a16:creationId xmlns:a16="http://schemas.microsoft.com/office/drawing/2014/main" xmlns="" id="{F32CCBB4-10AE-4463-855F-8B71D3704229}"/>
+                <a16:creationId xmlns="" xmlns:a16="http://schemas.microsoft.com/office/drawing/2014/main" id="{F32CCBB4-10AE-4463-855F-8B71D3704229}"/>
               </a:ext>
             </a:extLst>
           </p:cNvPr>
@@ -567,7 +567,7 @@
           <p:cNvPr id="2" name="Vertical Title 1">
             <a:extLst>
               <a:ext uri="{FF2B5EF4-FFF2-40B4-BE49-F238E27FC236}">
-                <a16:creationId xmlns:a16="http://schemas.microsoft.com/office/drawing/2014/main" xmlns="" id="{55A213E1-011B-4F3A-A3E5-C907BD4BA054}"/>
+                <a16:creationId xmlns="" xmlns:a16="http://schemas.microsoft.com/office/drawing/2014/main" id="{55A213E1-011B-4F3A-A3E5-C907BD4BA054}"/>
               </a:ext>
             </a:extLst>
           </p:cNvPr>
@@ -580,7 +580,7 @@
         </p:nvSpPr>
         <p:spPr>
           <a:xfrm>
-            <a:off x="8724900" y="365125"/>
+            <a:off x="8724901" y="365125"/>
             <a:ext cx="2628900" cy="5811838"/>
           </a:xfrm>
         </p:spPr>
@@ -600,7 +600,7 @@
           <p:cNvPr id="3" name="Vertical Text Placeholder 2">
             <a:extLst>
               <a:ext uri="{FF2B5EF4-FFF2-40B4-BE49-F238E27FC236}">
-                <a16:creationId xmlns:a16="http://schemas.microsoft.com/office/drawing/2014/main" xmlns="" id="{A0AD08E5-51D0-4F66-9FEB-302A6515BC5F}"/>
+                <a16:creationId xmlns="" xmlns:a16="http://schemas.microsoft.com/office/drawing/2014/main" id="{A0AD08E5-51D0-4F66-9FEB-302A6515BC5F}"/>
               </a:ext>
             </a:extLst>
           </p:cNvPr>
@@ -613,7 +613,7 @@
         </p:nvSpPr>
         <p:spPr>
           <a:xfrm>
-            <a:off x="838200" y="365125"/>
+            <a:off x="838201" y="365125"/>
             <a:ext cx="7734300" cy="5811838"/>
           </a:xfrm>
         </p:spPr>
@@ -662,7 +662,7 @@
           <p:cNvPr id="4" name="Date Placeholder 3">
             <a:extLst>
               <a:ext uri="{FF2B5EF4-FFF2-40B4-BE49-F238E27FC236}">
-                <a16:creationId xmlns:a16="http://schemas.microsoft.com/office/drawing/2014/main" xmlns="" id="{D6E05A4A-5228-436D-A6E5-5AC0811591CD}"/>
+                <a16:creationId xmlns="" xmlns:a16="http://schemas.microsoft.com/office/drawing/2014/main" id="{D6E05A4A-5228-436D-A6E5-5AC0811591CD}"/>
               </a:ext>
             </a:extLst>
           </p:cNvPr>
@@ -680,7 +680,7 @@
           <a:p>
             <a:fld id="{B7C128EC-663C-4D57-BF43-C3C8410B93CC}" type="datetimeFigureOut">
               <a:rPr lang="en-US" smtClean="0"/>
-              <a:t>1/18/2022</a:t>
+              <a:t>1/20/2022</a:t>
             </a:fld>
             <a:endParaRPr lang="en-US"/>
           </a:p>
@@ -691,7 +691,7 @@
           <p:cNvPr id="5" name="Footer Placeholder 4">
             <a:extLst>
               <a:ext uri="{FF2B5EF4-FFF2-40B4-BE49-F238E27FC236}">
-                <a16:creationId xmlns:a16="http://schemas.microsoft.com/office/drawing/2014/main" xmlns="" id="{2186F2D4-ED9F-4B04-AD4D-6A87F704FA7B}"/>
+                <a16:creationId xmlns="" xmlns:a16="http://schemas.microsoft.com/office/drawing/2014/main" id="{2186F2D4-ED9F-4B04-AD4D-6A87F704FA7B}"/>
               </a:ext>
             </a:extLst>
           </p:cNvPr>
@@ -716,7 +716,7 @@
           <p:cNvPr id="6" name="Slide Number Placeholder 5">
             <a:extLst>
               <a:ext uri="{FF2B5EF4-FFF2-40B4-BE49-F238E27FC236}">
-                <a16:creationId xmlns:a16="http://schemas.microsoft.com/office/drawing/2014/main" xmlns="" id="{F21F5DBA-3B2C-4394-9A11-FC945343D744}"/>
+                <a16:creationId xmlns="" xmlns:a16="http://schemas.microsoft.com/office/drawing/2014/main" id="{F21F5DBA-3B2C-4394-9A11-FC945343D744}"/>
               </a:ext>
             </a:extLst>
           </p:cNvPr>
@@ -775,7 +775,7 @@
           <p:cNvPr id="2" name="Title 1">
             <a:extLst>
               <a:ext uri="{FF2B5EF4-FFF2-40B4-BE49-F238E27FC236}">
-                <a16:creationId xmlns:a16="http://schemas.microsoft.com/office/drawing/2014/main" xmlns="" id="{AA28A279-A8DE-4182-9031-2EC7BD013497}"/>
+                <a16:creationId xmlns="" xmlns:a16="http://schemas.microsoft.com/office/drawing/2014/main" id="{AA28A279-A8DE-4182-9031-2EC7BD013497}"/>
               </a:ext>
             </a:extLst>
           </p:cNvPr>
@@ -803,7 +803,7 @@
           <p:cNvPr id="3" name="Content Placeholder 2">
             <a:extLst>
               <a:ext uri="{FF2B5EF4-FFF2-40B4-BE49-F238E27FC236}">
-                <a16:creationId xmlns:a16="http://schemas.microsoft.com/office/drawing/2014/main" xmlns="" id="{09DE2094-DA34-4BB5-970B-710610E444F9}"/>
+                <a16:creationId xmlns="" xmlns:a16="http://schemas.microsoft.com/office/drawing/2014/main" id="{09DE2094-DA34-4BB5-970B-710610E444F9}"/>
               </a:ext>
             </a:extLst>
           </p:cNvPr>
@@ -860,7 +860,7 @@
           <p:cNvPr id="4" name="Date Placeholder 3">
             <a:extLst>
               <a:ext uri="{FF2B5EF4-FFF2-40B4-BE49-F238E27FC236}">
-                <a16:creationId xmlns:a16="http://schemas.microsoft.com/office/drawing/2014/main" xmlns="" id="{9CE58777-1E06-4E19-8BB2-FD7EA1765DEB}"/>
+                <a16:creationId xmlns="" xmlns:a16="http://schemas.microsoft.com/office/drawing/2014/main" id="{9CE58777-1E06-4E19-8BB2-FD7EA1765DEB}"/>
               </a:ext>
             </a:extLst>
           </p:cNvPr>
@@ -878,7 +878,7 @@
           <a:p>
             <a:fld id="{B7C128EC-663C-4D57-BF43-C3C8410B93CC}" type="datetimeFigureOut">
               <a:rPr lang="en-US" smtClean="0"/>
-              <a:t>1/18/2022</a:t>
+              <a:t>1/20/2022</a:t>
             </a:fld>
             <a:endParaRPr lang="en-US"/>
           </a:p>
@@ -889,7 +889,7 @@
           <p:cNvPr id="5" name="Footer Placeholder 4">
             <a:extLst>
               <a:ext uri="{FF2B5EF4-FFF2-40B4-BE49-F238E27FC236}">
-                <a16:creationId xmlns:a16="http://schemas.microsoft.com/office/drawing/2014/main" xmlns="" id="{F5A06C8D-A7AF-43B4-A07B-7AC9622F8009}"/>
+                <a16:creationId xmlns="" xmlns:a16="http://schemas.microsoft.com/office/drawing/2014/main" id="{F5A06C8D-A7AF-43B4-A07B-7AC9622F8009}"/>
               </a:ext>
             </a:extLst>
           </p:cNvPr>
@@ -914,7 +914,7 @@
           <p:cNvPr id="6" name="Slide Number Placeholder 5">
             <a:extLst>
               <a:ext uri="{FF2B5EF4-FFF2-40B4-BE49-F238E27FC236}">
-                <a16:creationId xmlns:a16="http://schemas.microsoft.com/office/drawing/2014/main" xmlns="" id="{8D963327-833D-4AE5-9B67-DCA86FA3BBFA}"/>
+                <a16:creationId xmlns="" xmlns:a16="http://schemas.microsoft.com/office/drawing/2014/main" id="{8D963327-833D-4AE5-9B67-DCA86FA3BBFA}"/>
               </a:ext>
             </a:extLst>
           </p:cNvPr>
@@ -973,7 +973,7 @@
           <p:cNvPr id="2" name="Title 1">
             <a:extLst>
               <a:ext uri="{FF2B5EF4-FFF2-40B4-BE49-F238E27FC236}">
-                <a16:creationId xmlns:a16="http://schemas.microsoft.com/office/drawing/2014/main" xmlns="" id="{30C269B0-3B94-42EE-8304-A669ECA41FF3}"/>
+                <a16:creationId xmlns="" xmlns:a16="http://schemas.microsoft.com/office/drawing/2014/main" id="{30C269B0-3B94-42EE-8304-A669ECA41FF3}"/>
               </a:ext>
             </a:extLst>
           </p:cNvPr>
@@ -986,7 +986,7 @@
         </p:nvSpPr>
         <p:spPr>
           <a:xfrm>
-            <a:off x="831850" y="1709738"/>
+            <a:off x="831851" y="1709740"/>
             <a:ext cx="10515600" cy="2852737"/>
           </a:xfrm>
         </p:spPr>
@@ -1010,7 +1010,7 @@
           <p:cNvPr id="3" name="Text Placeholder 2">
             <a:extLst>
               <a:ext uri="{FF2B5EF4-FFF2-40B4-BE49-F238E27FC236}">
-                <a16:creationId xmlns:a16="http://schemas.microsoft.com/office/drawing/2014/main" xmlns="" id="{E627B32F-D4A4-42DC-93B9-C6A9C0F9A750}"/>
+                <a16:creationId xmlns="" xmlns:a16="http://schemas.microsoft.com/office/drawing/2014/main" id="{E627B32F-D4A4-42DC-93B9-C6A9C0F9A750}"/>
               </a:ext>
             </a:extLst>
           </p:cNvPr>
@@ -1023,7 +1023,7 @@
         </p:nvSpPr>
         <p:spPr>
           <a:xfrm>
-            <a:off x="831850" y="4589463"/>
+            <a:off x="831851" y="4589465"/>
             <a:ext cx="10515600" cy="1500187"/>
           </a:xfrm>
         </p:spPr>
@@ -1040,7 +1040,7 @@
                 </a:solidFill>
               </a:defRPr>
             </a:lvl1pPr>
-            <a:lvl2pPr marL="457200" indent="0">
+            <a:lvl2pPr marL="457189" indent="0">
               <a:buNone/>
               <a:defRPr sz="2000">
                 <a:solidFill>
@@ -1050,7 +1050,7 @@
                 </a:solidFill>
               </a:defRPr>
             </a:lvl2pPr>
-            <a:lvl3pPr marL="914400" indent="0">
+            <a:lvl3pPr marL="914377" indent="0">
               <a:buNone/>
               <a:defRPr sz="1800">
                 <a:solidFill>
@@ -1060,7 +1060,7 @@
                 </a:solidFill>
               </a:defRPr>
             </a:lvl3pPr>
-            <a:lvl4pPr marL="1371600" indent="0">
+            <a:lvl4pPr marL="1371566" indent="0">
               <a:buNone/>
               <a:defRPr sz="1600">
                 <a:solidFill>
@@ -1070,7 +1070,7 @@
                 </a:solidFill>
               </a:defRPr>
             </a:lvl4pPr>
-            <a:lvl5pPr marL="1828800" indent="0">
+            <a:lvl5pPr marL="1828754" indent="0">
               <a:buNone/>
               <a:defRPr sz="1600">
                 <a:solidFill>
@@ -1080,7 +1080,7 @@
                 </a:solidFill>
               </a:defRPr>
             </a:lvl5pPr>
-            <a:lvl6pPr marL="2286000" indent="0">
+            <a:lvl6pPr marL="2285943" indent="0">
               <a:buNone/>
               <a:defRPr sz="1600">
                 <a:solidFill>
@@ -1090,7 +1090,7 @@
                 </a:solidFill>
               </a:defRPr>
             </a:lvl6pPr>
-            <a:lvl7pPr marL="2743200" indent="0">
+            <a:lvl7pPr marL="2743131" indent="0">
               <a:buNone/>
               <a:defRPr sz="1600">
                 <a:solidFill>
@@ -1100,7 +1100,7 @@
                 </a:solidFill>
               </a:defRPr>
             </a:lvl7pPr>
-            <a:lvl8pPr marL="3200400" indent="0">
+            <a:lvl8pPr marL="3200320" indent="0">
               <a:buNone/>
               <a:defRPr sz="1600">
                 <a:solidFill>
@@ -1110,7 +1110,7 @@
                 </a:solidFill>
               </a:defRPr>
             </a:lvl8pPr>
-            <a:lvl9pPr marL="3657600" indent="0">
+            <a:lvl9pPr marL="3657509" indent="0">
               <a:buNone/>
               <a:defRPr sz="1600">
                 <a:solidFill>
@@ -1135,7 +1135,7 @@
           <p:cNvPr id="4" name="Date Placeholder 3">
             <a:extLst>
               <a:ext uri="{FF2B5EF4-FFF2-40B4-BE49-F238E27FC236}">
-                <a16:creationId xmlns:a16="http://schemas.microsoft.com/office/drawing/2014/main" xmlns="" id="{0F2E79EE-31C9-486D-8BBB-DE992D9BC613}"/>
+                <a16:creationId xmlns="" xmlns:a16="http://schemas.microsoft.com/office/drawing/2014/main" id="{0F2E79EE-31C9-486D-8BBB-DE992D9BC613}"/>
               </a:ext>
             </a:extLst>
           </p:cNvPr>
@@ -1153,7 +1153,7 @@
           <a:p>
             <a:fld id="{B7C128EC-663C-4D57-BF43-C3C8410B93CC}" type="datetimeFigureOut">
               <a:rPr lang="en-US" smtClean="0"/>
-              <a:t>1/18/2022</a:t>
+              <a:t>1/20/2022</a:t>
             </a:fld>
             <a:endParaRPr lang="en-US"/>
           </a:p>
@@ -1164,7 +1164,7 @@
           <p:cNvPr id="5" name="Footer Placeholder 4">
             <a:extLst>
               <a:ext uri="{FF2B5EF4-FFF2-40B4-BE49-F238E27FC236}">
-                <a16:creationId xmlns:a16="http://schemas.microsoft.com/office/drawing/2014/main" xmlns="" id="{0CC74327-BC23-4EBB-AACF-7102D26DFDF1}"/>
+                <a16:creationId xmlns="" xmlns:a16="http://schemas.microsoft.com/office/drawing/2014/main" id="{0CC74327-BC23-4EBB-AACF-7102D26DFDF1}"/>
               </a:ext>
             </a:extLst>
           </p:cNvPr>
@@ -1189,7 +1189,7 @@
           <p:cNvPr id="6" name="Slide Number Placeholder 5">
             <a:extLst>
               <a:ext uri="{FF2B5EF4-FFF2-40B4-BE49-F238E27FC236}">
-                <a16:creationId xmlns:a16="http://schemas.microsoft.com/office/drawing/2014/main" xmlns="" id="{3FCBED19-DDB0-4F0F-BA61-7CFCF50C5842}"/>
+                <a16:creationId xmlns="" xmlns:a16="http://schemas.microsoft.com/office/drawing/2014/main" id="{3FCBED19-DDB0-4F0F-BA61-7CFCF50C5842}"/>
               </a:ext>
             </a:extLst>
           </p:cNvPr>
@@ -1248,7 +1248,7 @@
           <p:cNvPr id="2" name="Title 1">
             <a:extLst>
               <a:ext uri="{FF2B5EF4-FFF2-40B4-BE49-F238E27FC236}">
-                <a16:creationId xmlns:a16="http://schemas.microsoft.com/office/drawing/2014/main" xmlns="" id="{2D9D6F56-3817-4570-8565-818C9C8B11B2}"/>
+                <a16:creationId xmlns="" xmlns:a16="http://schemas.microsoft.com/office/drawing/2014/main" id="{2D9D6F56-3817-4570-8565-818C9C8B11B2}"/>
               </a:ext>
             </a:extLst>
           </p:cNvPr>
@@ -1276,7 +1276,7 @@
           <p:cNvPr id="3" name="Content Placeholder 2">
             <a:extLst>
               <a:ext uri="{FF2B5EF4-FFF2-40B4-BE49-F238E27FC236}">
-                <a16:creationId xmlns:a16="http://schemas.microsoft.com/office/drawing/2014/main" xmlns="" id="{7A58E894-0108-477A-AE4C-C3DF676B73A6}"/>
+                <a16:creationId xmlns="" xmlns:a16="http://schemas.microsoft.com/office/drawing/2014/main" id="{7A58E894-0108-477A-AE4C-C3DF676B73A6}"/>
               </a:ext>
             </a:extLst>
           </p:cNvPr>
@@ -1338,7 +1338,7 @@
           <p:cNvPr id="4" name="Content Placeholder 3">
             <a:extLst>
               <a:ext uri="{FF2B5EF4-FFF2-40B4-BE49-F238E27FC236}">
-                <a16:creationId xmlns:a16="http://schemas.microsoft.com/office/drawing/2014/main" xmlns="" id="{A2706C57-6A92-487E-A6AE-BD69D8F0D546}"/>
+                <a16:creationId xmlns="" xmlns:a16="http://schemas.microsoft.com/office/drawing/2014/main" id="{A2706C57-6A92-487E-A6AE-BD69D8F0D546}"/>
               </a:ext>
             </a:extLst>
           </p:cNvPr>
@@ -1400,7 +1400,7 @@
           <p:cNvPr id="5" name="Date Placeholder 4">
             <a:extLst>
               <a:ext uri="{FF2B5EF4-FFF2-40B4-BE49-F238E27FC236}">
-                <a16:creationId xmlns:a16="http://schemas.microsoft.com/office/drawing/2014/main" xmlns="" id="{B4A94CC6-F172-42E8-AFC0-944A89420B90}"/>
+                <a16:creationId xmlns="" xmlns:a16="http://schemas.microsoft.com/office/drawing/2014/main" id="{B4A94CC6-F172-42E8-AFC0-944A89420B90}"/>
               </a:ext>
             </a:extLst>
           </p:cNvPr>
@@ -1418,7 +1418,7 @@
           <a:p>
             <a:fld id="{B7C128EC-663C-4D57-BF43-C3C8410B93CC}" type="datetimeFigureOut">
               <a:rPr lang="en-US" smtClean="0"/>
-              <a:t>1/18/2022</a:t>
+              <a:t>1/20/2022</a:t>
             </a:fld>
             <a:endParaRPr lang="en-US"/>
           </a:p>
@@ -1429,7 +1429,7 @@
           <p:cNvPr id="6" name="Footer Placeholder 5">
             <a:extLst>
               <a:ext uri="{FF2B5EF4-FFF2-40B4-BE49-F238E27FC236}">
-                <a16:creationId xmlns:a16="http://schemas.microsoft.com/office/drawing/2014/main" xmlns="" id="{623F3D80-BFF3-49E1-9DA4-07356BA41CFB}"/>
+                <a16:creationId xmlns="" xmlns:a16="http://schemas.microsoft.com/office/drawing/2014/main" id="{623F3D80-BFF3-49E1-9DA4-07356BA41CFB}"/>
               </a:ext>
             </a:extLst>
           </p:cNvPr>
@@ -1454,7 +1454,7 @@
           <p:cNvPr id="7" name="Slide Number Placeholder 6">
             <a:extLst>
               <a:ext uri="{FF2B5EF4-FFF2-40B4-BE49-F238E27FC236}">
-                <a16:creationId xmlns:a16="http://schemas.microsoft.com/office/drawing/2014/main" xmlns="" id="{B7EB19E3-EDFD-4CAA-B809-22E09F36C19D}"/>
+                <a16:creationId xmlns="" xmlns:a16="http://schemas.microsoft.com/office/drawing/2014/main" id="{B7EB19E3-EDFD-4CAA-B809-22E09F36C19D}"/>
               </a:ext>
             </a:extLst>
           </p:cNvPr>
@@ -1513,7 +1513,7 @@
           <p:cNvPr id="2" name="Title 1">
             <a:extLst>
               <a:ext uri="{FF2B5EF4-FFF2-40B4-BE49-F238E27FC236}">
-                <a16:creationId xmlns:a16="http://schemas.microsoft.com/office/drawing/2014/main" xmlns="" id="{937E9327-AB10-41F8-B72A-51CE90EBBA9B}"/>
+                <a16:creationId xmlns="" xmlns:a16="http://schemas.microsoft.com/office/drawing/2014/main" id="{937E9327-AB10-41F8-B72A-51CE90EBBA9B}"/>
               </a:ext>
             </a:extLst>
           </p:cNvPr>
@@ -1526,7 +1526,7 @@
         </p:nvSpPr>
         <p:spPr>
           <a:xfrm>
-            <a:off x="839788" y="365125"/>
+            <a:off x="839788" y="365127"/>
             <a:ext cx="10515600" cy="1325563"/>
           </a:xfrm>
         </p:spPr>
@@ -1546,7 +1546,7 @@
           <p:cNvPr id="3" name="Text Placeholder 2">
             <a:extLst>
               <a:ext uri="{FF2B5EF4-FFF2-40B4-BE49-F238E27FC236}">
-                <a16:creationId xmlns:a16="http://schemas.microsoft.com/office/drawing/2014/main" xmlns="" id="{0A22F9CC-3AC9-4A17-9485-B45E47C4793D}"/>
+                <a16:creationId xmlns="" xmlns:a16="http://schemas.microsoft.com/office/drawing/2014/main" id="{0A22F9CC-3AC9-4A17-9485-B45E47C4793D}"/>
               </a:ext>
             </a:extLst>
           </p:cNvPr>
@@ -1559,7 +1559,7 @@
         </p:nvSpPr>
         <p:spPr>
           <a:xfrm>
-            <a:off x="839788" y="1681163"/>
+            <a:off x="839789" y="1681163"/>
             <a:ext cx="5157787" cy="823912"/>
           </a:xfrm>
         </p:spPr>
@@ -1570,35 +1570,35 @@
               <a:buNone/>
               <a:defRPr sz="2400" b="1"/>
             </a:lvl1pPr>
-            <a:lvl2pPr marL="457200" indent="0">
+            <a:lvl2pPr marL="457189" indent="0">
               <a:buNone/>
               <a:defRPr sz="2000" b="1"/>
             </a:lvl2pPr>
-            <a:lvl3pPr marL="914400" indent="0">
+            <a:lvl3pPr marL="914377" indent="0">
               <a:buNone/>
               <a:defRPr sz="1800" b="1"/>
             </a:lvl3pPr>
-            <a:lvl4pPr marL="1371600" indent="0">
+            <a:lvl4pPr marL="1371566" indent="0">
               <a:buNone/>
               <a:defRPr sz="1600" b="1"/>
             </a:lvl4pPr>
-            <a:lvl5pPr marL="1828800" indent="0">
+            <a:lvl5pPr marL="1828754" indent="0">
               <a:buNone/>
               <a:defRPr sz="1600" b="1"/>
             </a:lvl5pPr>
-            <a:lvl6pPr marL="2286000" indent="0">
+            <a:lvl6pPr marL="2285943" indent="0">
               <a:buNone/>
               <a:defRPr sz="1600" b="1"/>
             </a:lvl6pPr>
-            <a:lvl7pPr marL="2743200" indent="0">
+            <a:lvl7pPr marL="2743131" indent="0">
               <a:buNone/>
               <a:defRPr sz="1600" b="1"/>
             </a:lvl7pPr>
-            <a:lvl8pPr marL="3200400" indent="0">
+            <a:lvl8pPr marL="3200320" indent="0">
               <a:buNone/>
               <a:defRPr sz="1600" b="1"/>
             </a:lvl8pPr>
-            <a:lvl9pPr marL="3657600" indent="0">
+            <a:lvl9pPr marL="3657509" indent="0">
               <a:buNone/>
               <a:defRPr sz="1600" b="1"/>
             </a:lvl9pPr>
@@ -1617,7 +1617,7 @@
           <p:cNvPr id="4" name="Content Placeholder 3">
             <a:extLst>
               <a:ext uri="{FF2B5EF4-FFF2-40B4-BE49-F238E27FC236}">
-                <a16:creationId xmlns:a16="http://schemas.microsoft.com/office/drawing/2014/main" xmlns="" id="{A77B552B-FA56-457C-8F21-B1FBC7157DE3}"/>
+                <a16:creationId xmlns="" xmlns:a16="http://schemas.microsoft.com/office/drawing/2014/main" id="{A77B552B-FA56-457C-8F21-B1FBC7157DE3}"/>
               </a:ext>
             </a:extLst>
           </p:cNvPr>
@@ -1630,7 +1630,7 @@
         </p:nvSpPr>
         <p:spPr>
           <a:xfrm>
-            <a:off x="839788" y="2505075"/>
+            <a:off x="839789" y="2505075"/>
             <a:ext cx="5157787" cy="3684588"/>
           </a:xfrm>
         </p:spPr>
@@ -1679,7 +1679,7 @@
           <p:cNvPr id="5" name="Text Placeholder 4">
             <a:extLst>
               <a:ext uri="{FF2B5EF4-FFF2-40B4-BE49-F238E27FC236}">
-                <a16:creationId xmlns:a16="http://schemas.microsoft.com/office/drawing/2014/main" xmlns="" id="{2F6A2EE1-D88E-4678-9865-3E8686990FDE}"/>
+                <a16:creationId xmlns="" xmlns:a16="http://schemas.microsoft.com/office/drawing/2014/main" id="{2F6A2EE1-D88E-4678-9865-3E8686990FDE}"/>
               </a:ext>
             </a:extLst>
           </p:cNvPr>
@@ -1692,7 +1692,7 @@
         </p:nvSpPr>
         <p:spPr>
           <a:xfrm>
-            <a:off x="6172200" y="1681163"/>
+            <a:off x="6172201" y="1681163"/>
             <a:ext cx="5183188" cy="823912"/>
           </a:xfrm>
         </p:spPr>
@@ -1703,35 +1703,35 @@
               <a:buNone/>
               <a:defRPr sz="2400" b="1"/>
             </a:lvl1pPr>
-            <a:lvl2pPr marL="457200" indent="0">
+            <a:lvl2pPr marL="457189" indent="0">
               <a:buNone/>
               <a:defRPr sz="2000" b="1"/>
             </a:lvl2pPr>
-            <a:lvl3pPr marL="914400" indent="0">
+            <a:lvl3pPr marL="914377" indent="0">
               <a:buNone/>
               <a:defRPr sz="1800" b="1"/>
             </a:lvl3pPr>
-            <a:lvl4pPr marL="1371600" indent="0">
+            <a:lvl4pPr marL="1371566" indent="0">
               <a:buNone/>
               <a:defRPr sz="1600" b="1"/>
             </a:lvl4pPr>
-            <a:lvl5pPr marL="1828800" indent="0">
+            <a:lvl5pPr marL="1828754" indent="0">
               <a:buNone/>
               <a:defRPr sz="1600" b="1"/>
             </a:lvl5pPr>
-            <a:lvl6pPr marL="2286000" indent="0">
+            <a:lvl6pPr marL="2285943" indent="0">
               <a:buNone/>
               <a:defRPr sz="1600" b="1"/>
             </a:lvl6pPr>
-            <a:lvl7pPr marL="2743200" indent="0">
+            <a:lvl7pPr marL="2743131" indent="0">
               <a:buNone/>
               <a:defRPr sz="1600" b="1"/>
             </a:lvl7pPr>
-            <a:lvl8pPr marL="3200400" indent="0">
+            <a:lvl8pPr marL="3200320" indent="0">
               <a:buNone/>
               <a:defRPr sz="1600" b="1"/>
             </a:lvl8pPr>
-            <a:lvl9pPr marL="3657600" indent="0">
+            <a:lvl9pPr marL="3657509" indent="0">
               <a:buNone/>
               <a:defRPr sz="1600" b="1"/>
             </a:lvl9pPr>
@@ -1750,7 +1750,7 @@
           <p:cNvPr id="6" name="Content Placeholder 5">
             <a:extLst>
               <a:ext uri="{FF2B5EF4-FFF2-40B4-BE49-F238E27FC236}">
-                <a16:creationId xmlns:a16="http://schemas.microsoft.com/office/drawing/2014/main" xmlns="" id="{58C294D3-FF31-4EAA-AF86-E29192C8CA6E}"/>
+                <a16:creationId xmlns="" xmlns:a16="http://schemas.microsoft.com/office/drawing/2014/main" id="{58C294D3-FF31-4EAA-AF86-E29192C8CA6E}"/>
               </a:ext>
             </a:extLst>
           </p:cNvPr>
@@ -1763,7 +1763,7 @@
         </p:nvSpPr>
         <p:spPr>
           <a:xfrm>
-            <a:off x="6172200" y="2505075"/>
+            <a:off x="6172201" y="2505075"/>
             <a:ext cx="5183188" cy="3684588"/>
           </a:xfrm>
         </p:spPr>
@@ -1812,7 +1812,7 @@
           <p:cNvPr id="7" name="Date Placeholder 6">
             <a:extLst>
               <a:ext uri="{FF2B5EF4-FFF2-40B4-BE49-F238E27FC236}">
-                <a16:creationId xmlns:a16="http://schemas.microsoft.com/office/drawing/2014/main" xmlns="" id="{D5D23FAE-29A8-4CB8-8F41-42DEE070C2B3}"/>
+                <a16:creationId xmlns="" xmlns:a16="http://schemas.microsoft.com/office/drawing/2014/main" id="{D5D23FAE-29A8-4CB8-8F41-42DEE070C2B3}"/>
               </a:ext>
             </a:extLst>
           </p:cNvPr>
@@ -1830,7 +1830,7 @@
           <a:p>
             <a:fld id="{B7C128EC-663C-4D57-BF43-C3C8410B93CC}" type="datetimeFigureOut">
               <a:rPr lang="en-US" smtClean="0"/>
-              <a:t>1/18/2022</a:t>
+              <a:t>1/20/2022</a:t>
             </a:fld>
             <a:endParaRPr lang="en-US"/>
           </a:p>
@@ -1841,7 +1841,7 @@
           <p:cNvPr id="8" name="Footer Placeholder 7">
             <a:extLst>
               <a:ext uri="{FF2B5EF4-FFF2-40B4-BE49-F238E27FC236}">
-                <a16:creationId xmlns:a16="http://schemas.microsoft.com/office/drawing/2014/main" xmlns="" id="{1C633971-18F6-45E2-9575-6DCC69896A2C}"/>
+                <a16:creationId xmlns="" xmlns:a16="http://schemas.microsoft.com/office/drawing/2014/main" id="{1C633971-18F6-45E2-9575-6DCC69896A2C}"/>
               </a:ext>
             </a:extLst>
           </p:cNvPr>
@@ -1866,7 +1866,7 @@
           <p:cNvPr id="9" name="Slide Number Placeholder 8">
             <a:extLst>
               <a:ext uri="{FF2B5EF4-FFF2-40B4-BE49-F238E27FC236}">
-                <a16:creationId xmlns:a16="http://schemas.microsoft.com/office/drawing/2014/main" xmlns="" id="{4C27CF8C-6D4A-4BE4-8478-908E9135AAC1}"/>
+                <a16:creationId xmlns="" xmlns:a16="http://schemas.microsoft.com/office/drawing/2014/main" id="{4C27CF8C-6D4A-4BE4-8478-908E9135AAC1}"/>
               </a:ext>
             </a:extLst>
           </p:cNvPr>
@@ -1925,7 +1925,7 @@
           <p:cNvPr id="2" name="Title 1">
             <a:extLst>
               <a:ext uri="{FF2B5EF4-FFF2-40B4-BE49-F238E27FC236}">
-                <a16:creationId xmlns:a16="http://schemas.microsoft.com/office/drawing/2014/main" xmlns="" id="{B078E180-07CB-4ED1-B223-1A1831E3484F}"/>
+                <a16:creationId xmlns="" xmlns:a16="http://schemas.microsoft.com/office/drawing/2014/main" id="{B078E180-07CB-4ED1-B223-1A1831E3484F}"/>
               </a:ext>
             </a:extLst>
           </p:cNvPr>
@@ -1953,7 +1953,7 @@
           <p:cNvPr id="3" name="Date Placeholder 2">
             <a:extLst>
               <a:ext uri="{FF2B5EF4-FFF2-40B4-BE49-F238E27FC236}">
-                <a16:creationId xmlns:a16="http://schemas.microsoft.com/office/drawing/2014/main" xmlns="" id="{2D8F0DF8-65B3-4D1A-AFA6-F5033BA63097}"/>
+                <a16:creationId xmlns="" xmlns:a16="http://schemas.microsoft.com/office/drawing/2014/main" id="{2D8F0DF8-65B3-4D1A-AFA6-F5033BA63097}"/>
               </a:ext>
             </a:extLst>
           </p:cNvPr>
@@ -1971,7 +1971,7 @@
           <a:p>
             <a:fld id="{B7C128EC-663C-4D57-BF43-C3C8410B93CC}" type="datetimeFigureOut">
               <a:rPr lang="en-US" smtClean="0"/>
-              <a:t>1/18/2022</a:t>
+              <a:t>1/20/2022</a:t>
             </a:fld>
             <a:endParaRPr lang="en-US"/>
           </a:p>
@@ -1982,7 +1982,7 @@
           <p:cNvPr id="4" name="Footer Placeholder 3">
             <a:extLst>
               <a:ext uri="{FF2B5EF4-FFF2-40B4-BE49-F238E27FC236}">
-                <a16:creationId xmlns:a16="http://schemas.microsoft.com/office/drawing/2014/main" xmlns="" id="{7878FCBD-4C43-45D2-B971-31F00D8D9804}"/>
+                <a16:creationId xmlns="" xmlns:a16="http://schemas.microsoft.com/office/drawing/2014/main" id="{7878FCBD-4C43-45D2-B971-31F00D8D9804}"/>
               </a:ext>
             </a:extLst>
           </p:cNvPr>
@@ -2007,7 +2007,7 @@
           <p:cNvPr id="5" name="Slide Number Placeholder 4">
             <a:extLst>
               <a:ext uri="{FF2B5EF4-FFF2-40B4-BE49-F238E27FC236}">
-                <a16:creationId xmlns:a16="http://schemas.microsoft.com/office/drawing/2014/main" xmlns="" id="{D3A97295-7A62-43A0-933E-7C3998A4B062}"/>
+                <a16:creationId xmlns="" xmlns:a16="http://schemas.microsoft.com/office/drawing/2014/main" id="{D3A97295-7A62-43A0-933E-7C3998A4B062}"/>
               </a:ext>
             </a:extLst>
           </p:cNvPr>
@@ -2066,7 +2066,7 @@
           <p:cNvPr id="2" name="Date Placeholder 1">
             <a:extLst>
               <a:ext uri="{FF2B5EF4-FFF2-40B4-BE49-F238E27FC236}">
-                <a16:creationId xmlns:a16="http://schemas.microsoft.com/office/drawing/2014/main" xmlns="" id="{6055C9F3-D27C-46AF-9EC6-EA3F918325C2}"/>
+                <a16:creationId xmlns="" xmlns:a16="http://schemas.microsoft.com/office/drawing/2014/main" id="{6055C9F3-D27C-46AF-9EC6-EA3F918325C2}"/>
               </a:ext>
             </a:extLst>
           </p:cNvPr>
@@ -2084,7 +2084,7 @@
           <a:p>
             <a:fld id="{B7C128EC-663C-4D57-BF43-C3C8410B93CC}" type="datetimeFigureOut">
               <a:rPr lang="en-US" smtClean="0"/>
-              <a:t>1/18/2022</a:t>
+              <a:t>1/20/2022</a:t>
             </a:fld>
             <a:endParaRPr lang="en-US"/>
           </a:p>
@@ -2095,7 +2095,7 @@
           <p:cNvPr id="3" name="Footer Placeholder 2">
             <a:extLst>
               <a:ext uri="{FF2B5EF4-FFF2-40B4-BE49-F238E27FC236}">
-                <a16:creationId xmlns:a16="http://schemas.microsoft.com/office/drawing/2014/main" xmlns="" id="{BF61B62B-E785-4E6A-A687-77C5E4C11A47}"/>
+                <a16:creationId xmlns="" xmlns:a16="http://schemas.microsoft.com/office/drawing/2014/main" id="{BF61B62B-E785-4E6A-A687-77C5E4C11A47}"/>
               </a:ext>
             </a:extLst>
           </p:cNvPr>
@@ -2120,7 +2120,7 @@
           <p:cNvPr id="4" name="Slide Number Placeholder 3">
             <a:extLst>
               <a:ext uri="{FF2B5EF4-FFF2-40B4-BE49-F238E27FC236}">
-                <a16:creationId xmlns:a16="http://schemas.microsoft.com/office/drawing/2014/main" xmlns="" id="{0CE33EDA-F22B-455E-82E4-03804DB27330}"/>
+                <a16:creationId xmlns="" xmlns:a16="http://schemas.microsoft.com/office/drawing/2014/main" id="{0CE33EDA-F22B-455E-82E4-03804DB27330}"/>
               </a:ext>
             </a:extLst>
           </p:cNvPr>
@@ -2179,7 +2179,7 @@
           <p:cNvPr id="2" name="Title 1">
             <a:extLst>
               <a:ext uri="{FF2B5EF4-FFF2-40B4-BE49-F238E27FC236}">
-                <a16:creationId xmlns:a16="http://schemas.microsoft.com/office/drawing/2014/main" xmlns="" id="{979227EF-C862-4CFD-BECA-841F1A56BD78}"/>
+                <a16:creationId xmlns="" xmlns:a16="http://schemas.microsoft.com/office/drawing/2014/main" id="{979227EF-C862-4CFD-BECA-841F1A56BD78}"/>
               </a:ext>
             </a:extLst>
           </p:cNvPr>
@@ -2216,7 +2216,7 @@
           <p:cNvPr id="3" name="Content Placeholder 2">
             <a:extLst>
               <a:ext uri="{FF2B5EF4-FFF2-40B4-BE49-F238E27FC236}">
-                <a16:creationId xmlns:a16="http://schemas.microsoft.com/office/drawing/2014/main" xmlns="" id="{4AE6B4EA-3B1C-4A9D-8147-584741930D30}"/>
+                <a16:creationId xmlns="" xmlns:a16="http://schemas.microsoft.com/office/drawing/2014/main" id="{4AE6B4EA-3B1C-4A9D-8147-584741930D30}"/>
               </a:ext>
             </a:extLst>
           </p:cNvPr>
@@ -2229,7 +2229,7 @@
         </p:nvSpPr>
         <p:spPr>
           <a:xfrm>
-            <a:off x="5183188" y="987425"/>
+            <a:off x="5183188" y="987427"/>
             <a:ext cx="6172200" cy="4873625"/>
           </a:xfrm>
         </p:spPr>
@@ -2306,7 +2306,7 @@
           <p:cNvPr id="4" name="Text Placeholder 3">
             <a:extLst>
               <a:ext uri="{FF2B5EF4-FFF2-40B4-BE49-F238E27FC236}">
-                <a16:creationId xmlns:a16="http://schemas.microsoft.com/office/drawing/2014/main" xmlns="" id="{4C8E641B-3C7D-4BA2-9A57-470F7A540F2C}"/>
+                <a16:creationId xmlns="" xmlns:a16="http://schemas.microsoft.com/office/drawing/2014/main" id="{4C8E641B-3C7D-4BA2-9A57-470F7A540F2C}"/>
               </a:ext>
             </a:extLst>
           </p:cNvPr>
@@ -2330,35 +2330,35 @@
               <a:buNone/>
               <a:defRPr sz="1600"/>
             </a:lvl1pPr>
-            <a:lvl2pPr marL="457200" indent="0">
+            <a:lvl2pPr marL="457189" indent="0">
               <a:buNone/>
               <a:defRPr sz="1400"/>
             </a:lvl2pPr>
-            <a:lvl3pPr marL="914400" indent="0">
+            <a:lvl3pPr marL="914377" indent="0">
               <a:buNone/>
               <a:defRPr sz="1200"/>
             </a:lvl3pPr>
-            <a:lvl4pPr marL="1371600" indent="0">
+            <a:lvl4pPr marL="1371566" indent="0">
               <a:buNone/>
               <a:defRPr sz="1000"/>
             </a:lvl4pPr>
-            <a:lvl5pPr marL="1828800" indent="0">
+            <a:lvl5pPr marL="1828754" indent="0">
               <a:buNone/>
               <a:defRPr sz="1000"/>
             </a:lvl5pPr>
-            <a:lvl6pPr marL="2286000" indent="0">
+            <a:lvl6pPr marL="2285943" indent="0">
               <a:buNone/>
               <a:defRPr sz="1000"/>
             </a:lvl6pPr>
-            <a:lvl7pPr marL="2743200" indent="0">
+            <a:lvl7pPr marL="2743131" indent="0">
               <a:buNone/>
               <a:defRPr sz="1000"/>
             </a:lvl7pPr>
-            <a:lvl8pPr marL="3200400" indent="0">
+            <a:lvl8pPr marL="3200320" indent="0">
               <a:buNone/>
               <a:defRPr sz="1000"/>
             </a:lvl8pPr>
-            <a:lvl9pPr marL="3657600" indent="0">
+            <a:lvl9pPr marL="3657509" indent="0">
               <a:buNone/>
               <a:defRPr sz="1000"/>
             </a:lvl9pPr>
@@ -2377,7 +2377,7 @@
           <p:cNvPr id="5" name="Date Placeholder 4">
             <a:extLst>
               <a:ext uri="{FF2B5EF4-FFF2-40B4-BE49-F238E27FC236}">
-                <a16:creationId xmlns:a16="http://schemas.microsoft.com/office/drawing/2014/main" xmlns="" id="{5B59BDC6-1D4C-4B71-B92C-AD5DCF1D7437}"/>
+                <a16:creationId xmlns="" xmlns:a16="http://schemas.microsoft.com/office/drawing/2014/main" id="{5B59BDC6-1D4C-4B71-B92C-AD5DCF1D7437}"/>
               </a:ext>
             </a:extLst>
           </p:cNvPr>
@@ -2395,7 +2395,7 @@
           <a:p>
             <a:fld id="{B7C128EC-663C-4D57-BF43-C3C8410B93CC}" type="datetimeFigureOut">
               <a:rPr lang="en-US" smtClean="0"/>
-              <a:t>1/18/2022</a:t>
+              <a:t>1/20/2022</a:t>
             </a:fld>
             <a:endParaRPr lang="en-US"/>
           </a:p>
@@ -2406,7 +2406,7 @@
           <p:cNvPr id="6" name="Footer Placeholder 5">
             <a:extLst>
               <a:ext uri="{FF2B5EF4-FFF2-40B4-BE49-F238E27FC236}">
-                <a16:creationId xmlns:a16="http://schemas.microsoft.com/office/drawing/2014/main" xmlns="" id="{45DDE713-49AC-4292-B02E-BE655850CAD2}"/>
+                <a16:creationId xmlns="" xmlns:a16="http://schemas.microsoft.com/office/drawing/2014/main" id="{45DDE713-49AC-4292-B02E-BE655850CAD2}"/>
               </a:ext>
             </a:extLst>
           </p:cNvPr>
@@ -2431,7 +2431,7 @@
           <p:cNvPr id="7" name="Slide Number Placeholder 6">
             <a:extLst>
               <a:ext uri="{FF2B5EF4-FFF2-40B4-BE49-F238E27FC236}">
-                <a16:creationId xmlns:a16="http://schemas.microsoft.com/office/drawing/2014/main" xmlns="" id="{53CF6F08-0B67-4F2F-BCAE-49E9FA7E8BD4}"/>
+                <a16:creationId xmlns="" xmlns:a16="http://schemas.microsoft.com/office/drawing/2014/main" id="{53CF6F08-0B67-4F2F-BCAE-49E9FA7E8BD4}"/>
               </a:ext>
             </a:extLst>
           </p:cNvPr>
@@ -2490,7 +2490,7 @@
           <p:cNvPr id="2" name="Title 1">
             <a:extLst>
               <a:ext uri="{FF2B5EF4-FFF2-40B4-BE49-F238E27FC236}">
-                <a16:creationId xmlns:a16="http://schemas.microsoft.com/office/drawing/2014/main" xmlns="" id="{F4419AF4-2E3A-4491-A647-FF9EC52A8526}"/>
+                <a16:creationId xmlns="" xmlns:a16="http://schemas.microsoft.com/office/drawing/2014/main" id="{F4419AF4-2E3A-4491-A647-FF9EC52A8526}"/>
               </a:ext>
             </a:extLst>
           </p:cNvPr>
@@ -2527,7 +2527,7 @@
           <p:cNvPr id="3" name="Picture Placeholder 2">
             <a:extLst>
               <a:ext uri="{FF2B5EF4-FFF2-40B4-BE49-F238E27FC236}">
-                <a16:creationId xmlns:a16="http://schemas.microsoft.com/office/drawing/2014/main" xmlns="" id="{C8993EBF-ED3B-45FD-BE9A-E906FDF2645A}"/>
+                <a16:creationId xmlns="" xmlns:a16="http://schemas.microsoft.com/office/drawing/2014/main" id="{C8993EBF-ED3B-45FD-BE9A-E906FDF2645A}"/>
               </a:ext>
             </a:extLst>
           </p:cNvPr>
@@ -2540,7 +2540,7 @@
         </p:nvSpPr>
         <p:spPr>
           <a:xfrm>
-            <a:off x="5183188" y="987425"/>
+            <a:off x="5183188" y="987427"/>
             <a:ext cx="6172200" cy="4873625"/>
           </a:xfrm>
         </p:spPr>
@@ -2551,35 +2551,35 @@
               <a:buNone/>
               <a:defRPr sz="3200"/>
             </a:lvl1pPr>
-            <a:lvl2pPr marL="457200" indent="0">
+            <a:lvl2pPr marL="457189" indent="0">
               <a:buNone/>
               <a:defRPr sz="2800"/>
             </a:lvl2pPr>
-            <a:lvl3pPr marL="914400" indent="0">
+            <a:lvl3pPr marL="914377" indent="0">
               <a:buNone/>
               <a:defRPr sz="2400"/>
             </a:lvl3pPr>
-            <a:lvl4pPr marL="1371600" indent="0">
+            <a:lvl4pPr marL="1371566" indent="0">
               <a:buNone/>
               <a:defRPr sz="2000"/>
             </a:lvl4pPr>
-            <a:lvl5pPr marL="1828800" indent="0">
+            <a:lvl5pPr marL="1828754" indent="0">
               <a:buNone/>
               <a:defRPr sz="2000"/>
             </a:lvl5pPr>
-            <a:lvl6pPr marL="2286000" indent="0">
+            <a:lvl6pPr marL="2285943" indent="0">
               <a:buNone/>
               <a:defRPr sz="2000"/>
             </a:lvl6pPr>
-            <a:lvl7pPr marL="2743200" indent="0">
+            <a:lvl7pPr marL="2743131" indent="0">
               <a:buNone/>
               <a:defRPr sz="2000"/>
             </a:lvl7pPr>
-            <a:lvl8pPr marL="3200400" indent="0">
+            <a:lvl8pPr marL="3200320" indent="0">
               <a:buNone/>
               <a:defRPr sz="2000"/>
             </a:lvl8pPr>
-            <a:lvl9pPr marL="3657600" indent="0">
+            <a:lvl9pPr marL="3657509" indent="0">
               <a:buNone/>
               <a:defRPr sz="2000"/>
             </a:lvl9pPr>
@@ -2594,7 +2594,7 @@
           <p:cNvPr id="4" name="Text Placeholder 3">
             <a:extLst>
               <a:ext uri="{FF2B5EF4-FFF2-40B4-BE49-F238E27FC236}">
-                <a16:creationId xmlns:a16="http://schemas.microsoft.com/office/drawing/2014/main" xmlns="" id="{F980B06F-81AD-4CCC-B368-31C68D34D55E}"/>
+                <a16:creationId xmlns="" xmlns:a16="http://schemas.microsoft.com/office/drawing/2014/main" id="{F980B06F-81AD-4CCC-B368-31C68D34D55E}"/>
               </a:ext>
             </a:extLst>
           </p:cNvPr>
@@ -2618,35 +2618,35 @@
               <a:buNone/>
               <a:defRPr sz="1600"/>
             </a:lvl1pPr>
-            <a:lvl2pPr marL="457200" indent="0">
+            <a:lvl2pPr marL="457189" indent="0">
               <a:buNone/>
               <a:defRPr sz="1400"/>
             </a:lvl2pPr>
-            <a:lvl3pPr marL="914400" indent="0">
+            <a:lvl3pPr marL="914377" indent="0">
               <a:buNone/>
               <a:defRPr sz="1200"/>
             </a:lvl3pPr>
-            <a:lvl4pPr marL="1371600" indent="0">
+            <a:lvl4pPr marL="1371566" indent="0">
               <a:buNone/>
               <a:defRPr sz="1000"/>
             </a:lvl4pPr>
-            <a:lvl5pPr marL="1828800" indent="0">
+            <a:lvl5pPr marL="1828754" indent="0">
               <a:buNone/>
               <a:defRPr sz="1000"/>
             </a:lvl5pPr>
-            <a:lvl6pPr marL="2286000" indent="0">
+            <a:lvl6pPr marL="2285943" indent="0">
               <a:buNone/>
               <a:defRPr sz="1000"/>
             </a:lvl6pPr>
-            <a:lvl7pPr marL="2743200" indent="0">
+            <a:lvl7pPr marL="2743131" indent="0">
               <a:buNone/>
               <a:defRPr sz="1000"/>
             </a:lvl7pPr>
-            <a:lvl8pPr marL="3200400" indent="0">
+            <a:lvl8pPr marL="3200320" indent="0">
               <a:buNone/>
               <a:defRPr sz="1000"/>
             </a:lvl8pPr>
-            <a:lvl9pPr marL="3657600" indent="0">
+            <a:lvl9pPr marL="3657509" indent="0">
               <a:buNone/>
               <a:defRPr sz="1000"/>
             </a:lvl9pPr>
@@ -2665,7 +2665,7 @@
           <p:cNvPr id="5" name="Date Placeholder 4">
             <a:extLst>
               <a:ext uri="{FF2B5EF4-FFF2-40B4-BE49-F238E27FC236}">
-                <a16:creationId xmlns:a16="http://schemas.microsoft.com/office/drawing/2014/main" xmlns="" id="{CC9E5323-0EB7-4395-A75E-F6CBA4B238E4}"/>
+                <a16:creationId xmlns="" xmlns:a16="http://schemas.microsoft.com/office/drawing/2014/main" id="{CC9E5323-0EB7-4395-A75E-F6CBA4B238E4}"/>
               </a:ext>
             </a:extLst>
           </p:cNvPr>
@@ -2683,7 +2683,7 @@
           <a:p>
             <a:fld id="{B7C128EC-663C-4D57-BF43-C3C8410B93CC}" type="datetimeFigureOut">
               <a:rPr lang="en-US" smtClean="0"/>
-              <a:t>1/18/2022</a:t>
+              <a:t>1/20/2022</a:t>
             </a:fld>
             <a:endParaRPr lang="en-US"/>
           </a:p>
@@ -2694,7 +2694,7 @@
           <p:cNvPr id="6" name="Footer Placeholder 5">
             <a:extLst>
               <a:ext uri="{FF2B5EF4-FFF2-40B4-BE49-F238E27FC236}">
-                <a16:creationId xmlns:a16="http://schemas.microsoft.com/office/drawing/2014/main" xmlns="" id="{97666571-75BA-4289-BB59-75DD44BE3A68}"/>
+                <a16:creationId xmlns="" xmlns:a16="http://schemas.microsoft.com/office/drawing/2014/main" id="{97666571-75BA-4289-BB59-75DD44BE3A68}"/>
               </a:ext>
             </a:extLst>
           </p:cNvPr>
@@ -2719,7 +2719,7 @@
           <p:cNvPr id="7" name="Slide Number Placeholder 6">
             <a:extLst>
               <a:ext uri="{FF2B5EF4-FFF2-40B4-BE49-F238E27FC236}">
-                <a16:creationId xmlns:a16="http://schemas.microsoft.com/office/drawing/2014/main" xmlns="" id="{86B831C5-CEC6-463C-9B76-CAC3461DB302}"/>
+                <a16:creationId xmlns="" xmlns:a16="http://schemas.microsoft.com/office/drawing/2014/main" id="{86B831C5-CEC6-463C-9B76-CAC3461DB302}"/>
               </a:ext>
             </a:extLst>
           </p:cNvPr>
@@ -2783,7 +2783,7 @@
           <p:cNvPr id="2" name="Title Placeholder 1">
             <a:extLst>
               <a:ext uri="{FF2B5EF4-FFF2-40B4-BE49-F238E27FC236}">
-                <a16:creationId xmlns:a16="http://schemas.microsoft.com/office/drawing/2014/main" xmlns="" id="{9AA96EAF-E4CB-4CB1-A72A-99124D8A4D86}"/>
+                <a16:creationId xmlns="" xmlns:a16="http://schemas.microsoft.com/office/drawing/2014/main" id="{9AA96EAF-E4CB-4CB1-A72A-99124D8A4D86}"/>
               </a:ext>
             </a:extLst>
           </p:cNvPr>
@@ -2796,7 +2796,7 @@
         </p:nvSpPr>
         <p:spPr>
           <a:xfrm>
-            <a:off x="838200" y="365125"/>
+            <a:off x="838200" y="365127"/>
             <a:ext cx="10515600" cy="1325563"/>
           </a:xfrm>
           <a:prstGeom prst="rect">
@@ -2821,7 +2821,7 @@
           <p:cNvPr id="3" name="Text Placeholder 2">
             <a:extLst>
               <a:ext uri="{FF2B5EF4-FFF2-40B4-BE49-F238E27FC236}">
-                <a16:creationId xmlns:a16="http://schemas.microsoft.com/office/drawing/2014/main" xmlns="" id="{B849B998-C6D0-4B13-A90E-6ADA66F5BCBF}"/>
+                <a16:creationId xmlns="" xmlns:a16="http://schemas.microsoft.com/office/drawing/2014/main" id="{B849B998-C6D0-4B13-A90E-6ADA66F5BCBF}"/>
               </a:ext>
             </a:extLst>
           </p:cNvPr>
@@ -2888,7 +2888,7 @@
           <p:cNvPr id="4" name="Date Placeholder 3">
             <a:extLst>
               <a:ext uri="{FF2B5EF4-FFF2-40B4-BE49-F238E27FC236}">
-                <a16:creationId xmlns:a16="http://schemas.microsoft.com/office/drawing/2014/main" xmlns="" id="{5B2C03A5-798C-4F08-AD6C-A91A74BBF66B}"/>
+                <a16:creationId xmlns="" xmlns:a16="http://schemas.microsoft.com/office/drawing/2014/main" id="{5B2C03A5-798C-4F08-AD6C-A91A74BBF66B}"/>
               </a:ext>
             </a:extLst>
           </p:cNvPr>
@@ -2901,7 +2901,7 @@
         </p:nvSpPr>
         <p:spPr>
           <a:xfrm>
-            <a:off x="838200" y="6356350"/>
+            <a:off x="838200" y="6356352"/>
             <a:ext cx="2743200" cy="365125"/>
           </a:xfrm>
           <a:prstGeom prst="rect">
@@ -2924,7 +2924,7 @@
           <a:p>
             <a:fld id="{B7C128EC-663C-4D57-BF43-C3C8410B93CC}" type="datetimeFigureOut">
               <a:rPr lang="en-US" smtClean="0"/>
-              <a:t>1/18/2022</a:t>
+              <a:t>1/20/2022</a:t>
             </a:fld>
             <a:endParaRPr lang="en-US"/>
           </a:p>
@@ -2935,7 +2935,7 @@
           <p:cNvPr id="5" name="Footer Placeholder 4">
             <a:extLst>
               <a:ext uri="{FF2B5EF4-FFF2-40B4-BE49-F238E27FC236}">
-                <a16:creationId xmlns:a16="http://schemas.microsoft.com/office/drawing/2014/main" xmlns="" id="{8C9A1606-3CF2-4582-B143-EAA693CC0CD2}"/>
+                <a16:creationId xmlns="" xmlns:a16="http://schemas.microsoft.com/office/drawing/2014/main" id="{8C9A1606-3CF2-4582-B143-EAA693CC0CD2}"/>
               </a:ext>
             </a:extLst>
           </p:cNvPr>
@@ -2948,7 +2948,7 @@
         </p:nvSpPr>
         <p:spPr>
           <a:xfrm>
-            <a:off x="4038600" y="6356350"/>
+            <a:off x="4038600" y="6356352"/>
             <a:ext cx="4114800" cy="365125"/>
           </a:xfrm>
           <a:prstGeom prst="rect">
@@ -2978,7 +2978,7 @@
           <p:cNvPr id="6" name="Slide Number Placeholder 5">
             <a:extLst>
               <a:ext uri="{FF2B5EF4-FFF2-40B4-BE49-F238E27FC236}">
-                <a16:creationId xmlns:a16="http://schemas.microsoft.com/office/drawing/2014/main" xmlns="" id="{62150A1E-0974-45AB-93A3-1BECD0FF424E}"/>
+                <a16:creationId xmlns="" xmlns:a16="http://schemas.microsoft.com/office/drawing/2014/main" id="{62150A1E-0974-45AB-93A3-1BECD0FF424E}"/>
               </a:ext>
             </a:extLst>
           </p:cNvPr>
@@ -2991,7 +2991,7 @@
         </p:nvSpPr>
         <p:spPr>
           <a:xfrm>
-            <a:off x="8610600" y="6356350"/>
+            <a:off x="8610600" y="6356352"/>
             <a:ext cx="2743200" cy="365125"/>
           </a:xfrm>
           <a:prstGeom prst="rect">
@@ -3043,7 +3043,7 @@
   </p:sldLayoutIdLst>
   <p:txStyles>
     <p:titleStyle>
-      <a:lvl1pPr algn="l" defTabSz="914400" rtl="0" eaLnBrk="1" latinLnBrk="0" hangingPunct="1">
+      <a:lvl1pPr algn="l" defTabSz="914377" rtl="0" eaLnBrk="1" latinLnBrk="0" hangingPunct="1">
         <a:lnSpc>
           <a:spcPct val="90000"/>
         </a:lnSpc>
@@ -3062,7 +3062,7 @@
       </a:lvl1pPr>
     </p:titleStyle>
     <p:bodyStyle>
-      <a:lvl1pPr marL="228600" indent="-228600" algn="l" defTabSz="914400" rtl="0" eaLnBrk="1" latinLnBrk="0" hangingPunct="1">
+      <a:lvl1pPr marL="228594" indent="-228594" algn="l" defTabSz="914377" rtl="0" eaLnBrk="1" latinLnBrk="0" hangingPunct="1">
         <a:lnSpc>
           <a:spcPct val="90000"/>
         </a:lnSpc>
@@ -3080,7 +3080,7 @@
           <a:cs typeface="+mn-cs"/>
         </a:defRPr>
       </a:lvl1pPr>
-      <a:lvl2pPr marL="685800" indent="-228600" algn="l" defTabSz="914400" rtl="0" eaLnBrk="1" latinLnBrk="0" hangingPunct="1">
+      <a:lvl2pPr marL="685783" indent="-228594" algn="l" defTabSz="914377" rtl="0" eaLnBrk="1" latinLnBrk="0" hangingPunct="1">
         <a:lnSpc>
           <a:spcPct val="90000"/>
         </a:lnSpc>
@@ -3098,7 +3098,7 @@
           <a:cs typeface="+mn-cs"/>
         </a:defRPr>
       </a:lvl2pPr>
-      <a:lvl3pPr marL="1143000" indent="-228600" algn="l" defTabSz="914400" rtl="0" eaLnBrk="1" latinLnBrk="0" hangingPunct="1">
+      <a:lvl3pPr marL="1142971" indent="-228594" algn="l" defTabSz="914377" rtl="0" eaLnBrk="1" latinLnBrk="0" hangingPunct="1">
         <a:lnSpc>
           <a:spcPct val="90000"/>
         </a:lnSpc>
@@ -3116,7 +3116,7 @@
           <a:cs typeface="+mn-cs"/>
         </a:defRPr>
       </a:lvl3pPr>
-      <a:lvl4pPr marL="1600200" indent="-228600" algn="l" defTabSz="914400" rtl="0" eaLnBrk="1" latinLnBrk="0" hangingPunct="1">
+      <a:lvl4pPr marL="1600160" indent="-228594" algn="l" defTabSz="914377" rtl="0" eaLnBrk="1" latinLnBrk="0" hangingPunct="1">
         <a:lnSpc>
           <a:spcPct val="90000"/>
         </a:lnSpc>
@@ -3134,7 +3134,7 @@
           <a:cs typeface="+mn-cs"/>
         </a:defRPr>
       </a:lvl4pPr>
-      <a:lvl5pPr marL="2057400" indent="-228600" algn="l" defTabSz="914400" rtl="0" eaLnBrk="1" latinLnBrk="0" hangingPunct="1">
+      <a:lvl5pPr marL="2057349" indent="-228594" algn="l" defTabSz="914377" rtl="0" eaLnBrk="1" latinLnBrk="0" hangingPunct="1">
         <a:lnSpc>
           <a:spcPct val="90000"/>
         </a:lnSpc>
@@ -3152,7 +3152,7 @@
           <a:cs typeface="+mn-cs"/>
         </a:defRPr>
       </a:lvl5pPr>
-      <a:lvl6pPr marL="2514600" indent="-228600" algn="l" defTabSz="914400" rtl="0" eaLnBrk="1" latinLnBrk="0" hangingPunct="1">
+      <a:lvl6pPr marL="2514537" indent="-228594" algn="l" defTabSz="914377" rtl="0" eaLnBrk="1" latinLnBrk="0" hangingPunct="1">
         <a:lnSpc>
           <a:spcPct val="90000"/>
         </a:lnSpc>
@@ -3170,7 +3170,7 @@
           <a:cs typeface="+mn-cs"/>
         </a:defRPr>
       </a:lvl6pPr>
-      <a:lvl7pPr marL="2971800" indent="-228600" algn="l" defTabSz="914400" rtl="0" eaLnBrk="1" latinLnBrk="0" hangingPunct="1">
+      <a:lvl7pPr marL="2971726" indent="-228594" algn="l" defTabSz="914377" rtl="0" eaLnBrk="1" latinLnBrk="0" hangingPunct="1">
         <a:lnSpc>
           <a:spcPct val="90000"/>
         </a:lnSpc>
@@ -3188,7 +3188,7 @@
           <a:cs typeface="+mn-cs"/>
         </a:defRPr>
       </a:lvl7pPr>
-      <a:lvl8pPr marL="3429000" indent="-228600" algn="l" defTabSz="914400" rtl="0" eaLnBrk="1" latinLnBrk="0" hangingPunct="1">
+      <a:lvl8pPr marL="3428914" indent="-228594" algn="l" defTabSz="914377" rtl="0" eaLnBrk="1" latinLnBrk="0" hangingPunct="1">
         <a:lnSpc>
           <a:spcPct val="90000"/>
         </a:lnSpc>
@@ -3206,7 +3206,7 @@
           <a:cs typeface="+mn-cs"/>
         </a:defRPr>
       </a:lvl8pPr>
-      <a:lvl9pPr marL="3886200" indent="-228600" algn="l" defTabSz="914400" rtl="0" eaLnBrk="1" latinLnBrk="0" hangingPunct="1">
+      <a:lvl9pPr marL="3886103" indent="-228594" algn="l" defTabSz="914377" rtl="0" eaLnBrk="1" latinLnBrk="0" hangingPunct="1">
         <a:lnSpc>
           <a:spcPct val="90000"/>
         </a:lnSpc>
@@ -3229,7 +3229,7 @@
       <a:defPPr>
         <a:defRPr lang="en-US"/>
       </a:defPPr>
-      <a:lvl1pPr marL="0" algn="l" defTabSz="914400" rtl="0" eaLnBrk="1" latinLnBrk="0" hangingPunct="1">
+      <a:lvl1pPr marL="0" algn="l" defTabSz="914377" rtl="0" eaLnBrk="1" latinLnBrk="0" hangingPunct="1">
         <a:defRPr sz="1800" kern="1200">
           <a:solidFill>
             <a:schemeClr val="tx1"/>
@@ -3239,7 +3239,7 @@
           <a:cs typeface="+mn-cs"/>
         </a:defRPr>
       </a:lvl1pPr>
-      <a:lvl2pPr marL="457200" algn="l" defTabSz="914400" rtl="0" eaLnBrk="1" latinLnBrk="0" hangingPunct="1">
+      <a:lvl2pPr marL="457189" algn="l" defTabSz="914377" rtl="0" eaLnBrk="1" latinLnBrk="0" hangingPunct="1">
         <a:defRPr sz="1800" kern="1200">
           <a:solidFill>
             <a:schemeClr val="tx1"/>
@@ -3249,7 +3249,7 @@
           <a:cs typeface="+mn-cs"/>
         </a:defRPr>
       </a:lvl2pPr>
-      <a:lvl3pPr marL="914400" algn="l" defTabSz="914400" rtl="0" eaLnBrk="1" latinLnBrk="0" hangingPunct="1">
+      <a:lvl3pPr marL="914377" algn="l" defTabSz="914377" rtl="0" eaLnBrk="1" latinLnBrk="0" hangingPunct="1">
         <a:defRPr sz="1800" kern="1200">
           <a:solidFill>
             <a:schemeClr val="tx1"/>
@@ -3259,7 +3259,7 @@
           <a:cs typeface="+mn-cs"/>
         </a:defRPr>
       </a:lvl3pPr>
-      <a:lvl4pPr marL="1371600" algn="l" defTabSz="914400" rtl="0" eaLnBrk="1" latinLnBrk="0" hangingPunct="1">
+      <a:lvl4pPr marL="1371566" algn="l" defTabSz="914377" rtl="0" eaLnBrk="1" latinLnBrk="0" hangingPunct="1">
         <a:defRPr sz="1800" kern="1200">
           <a:solidFill>
             <a:schemeClr val="tx1"/>
@@ -3269,7 +3269,7 @@
           <a:cs typeface="+mn-cs"/>
         </a:defRPr>
       </a:lvl4pPr>
-      <a:lvl5pPr marL="1828800" algn="l" defTabSz="914400" rtl="0" eaLnBrk="1" latinLnBrk="0" hangingPunct="1">
+      <a:lvl5pPr marL="1828754" algn="l" defTabSz="914377" rtl="0" eaLnBrk="1" latinLnBrk="0" hangingPunct="1">
         <a:defRPr sz="1800" kern="1200">
           <a:solidFill>
             <a:schemeClr val="tx1"/>
@@ -3279,7 +3279,7 @@
           <a:cs typeface="+mn-cs"/>
         </a:defRPr>
       </a:lvl5pPr>
-      <a:lvl6pPr marL="2286000" algn="l" defTabSz="914400" rtl="0" eaLnBrk="1" latinLnBrk="0" hangingPunct="1">
+      <a:lvl6pPr marL="2285943" algn="l" defTabSz="914377" rtl="0" eaLnBrk="1" latinLnBrk="0" hangingPunct="1">
         <a:defRPr sz="1800" kern="1200">
           <a:solidFill>
             <a:schemeClr val="tx1"/>
@@ -3289,7 +3289,7 @@
           <a:cs typeface="+mn-cs"/>
         </a:defRPr>
       </a:lvl6pPr>
-      <a:lvl7pPr marL="2743200" algn="l" defTabSz="914400" rtl="0" eaLnBrk="1" latinLnBrk="0" hangingPunct="1">
+      <a:lvl7pPr marL="2743131" algn="l" defTabSz="914377" rtl="0" eaLnBrk="1" latinLnBrk="0" hangingPunct="1">
         <a:defRPr sz="1800" kern="1200">
           <a:solidFill>
             <a:schemeClr val="tx1"/>
@@ -3299,7 +3299,7 @@
           <a:cs typeface="+mn-cs"/>
         </a:defRPr>
       </a:lvl7pPr>
-      <a:lvl8pPr marL="3200400" algn="l" defTabSz="914400" rtl="0" eaLnBrk="1" latinLnBrk="0" hangingPunct="1">
+      <a:lvl8pPr marL="3200320" algn="l" defTabSz="914377" rtl="0" eaLnBrk="1" latinLnBrk="0" hangingPunct="1">
         <a:defRPr sz="1800" kern="1200">
           <a:solidFill>
             <a:schemeClr val="tx1"/>
@@ -3309,7 +3309,7 @@
           <a:cs typeface="+mn-cs"/>
         </a:defRPr>
       </a:lvl8pPr>
-      <a:lvl9pPr marL="3657600" algn="l" defTabSz="914400" rtl="0" eaLnBrk="1" latinLnBrk="0" hangingPunct="1">
+      <a:lvl9pPr marL="3657509" algn="l" defTabSz="914377" rtl="0" eaLnBrk="1" latinLnBrk="0" hangingPunct="1">
         <a:defRPr sz="1800" kern="1200">
           <a:solidFill>
             <a:schemeClr val="tx1"/>
@@ -3346,7 +3346,7 @@
           <p:cNvPr id="4" name="Rectangle 3">
             <a:extLst>
               <a:ext uri="{FF2B5EF4-FFF2-40B4-BE49-F238E27FC236}">
-                <a16:creationId xmlns:a16="http://schemas.microsoft.com/office/drawing/2014/main" xmlns="" id="{33F222A8-AF2A-4292-8A95-0C3AD37A109D}"/>
+                <a16:creationId xmlns="" xmlns:a16="http://schemas.microsoft.com/office/drawing/2014/main" id="{33F222A8-AF2A-4292-8A95-0C3AD37A109D}"/>
               </a:ext>
             </a:extLst>
           </p:cNvPr>
@@ -3355,14 +3355,14 @@
         </p:nvSpPr>
         <p:spPr>
           <a:xfrm>
-            <a:off x="6096000" y="0"/>
+            <a:off x="6096001" y="0"/>
             <a:ext cx="5734929" cy="6858000"/>
           </a:xfrm>
           <a:prstGeom prst="rect">
             <a:avLst/>
           </a:prstGeom>
           <a:solidFill>
-            <a:srgbClr val="46CF76"/>
+            <a:srgbClr val="322B80"/>
           </a:solidFill>
           <a:ln>
             <a:noFill/>
@@ -3405,7 +3405,7 @@
           <p:cNvPr id="10" name="Group 9">
             <a:extLst>
               <a:ext uri="{FF2B5EF4-FFF2-40B4-BE49-F238E27FC236}">
-                <a16:creationId xmlns:a16="http://schemas.microsoft.com/office/drawing/2014/main" xmlns="" id="{AEE5042A-E067-4FB7-BCFF-00BB33BFEDEC}"/>
+                <a16:creationId xmlns="" xmlns:a16="http://schemas.microsoft.com/office/drawing/2014/main" id="{AEE5042A-E067-4FB7-BCFF-00BB33BFEDEC}"/>
               </a:ext>
             </a:extLst>
           </p:cNvPr>
@@ -3414,7 +3414,7 @@
         </p:nvGrpSpPr>
         <p:grpSpPr>
           <a:xfrm>
-            <a:off x="5805714" y="119550"/>
+            <a:off x="5805715" y="119551"/>
             <a:ext cx="580573" cy="386869"/>
             <a:chOff x="5805714" y="609691"/>
             <a:chExt cx="580573" cy="386869"/>
@@ -3425,7 +3425,7 @@
             <p:cNvPr id="5" name="Rectangle 4">
               <a:extLst>
                 <a:ext uri="{FF2B5EF4-FFF2-40B4-BE49-F238E27FC236}">
-                  <a16:creationId xmlns:a16="http://schemas.microsoft.com/office/drawing/2014/main" xmlns="" id="{9ECC8D50-758B-45D1-9832-058DA749338C}"/>
+                  <a16:creationId xmlns="" xmlns:a16="http://schemas.microsoft.com/office/drawing/2014/main" id="{9ECC8D50-758B-45D1-9832-058DA749338C}"/>
                 </a:ext>
               </a:extLst>
             </p:cNvPr>
@@ -3486,7 +3486,7 @@
             <p:cNvPr id="9" name="Arc 8">
               <a:extLst>
                 <a:ext uri="{FF2B5EF4-FFF2-40B4-BE49-F238E27FC236}">
-                  <a16:creationId xmlns:a16="http://schemas.microsoft.com/office/drawing/2014/main" xmlns="" id="{FC783E55-1922-4926-8D97-EC60526709F7}"/>
+                  <a16:creationId xmlns="" xmlns:a16="http://schemas.microsoft.com/office/drawing/2014/main" id="{FC783E55-1922-4926-8D97-EC60526709F7}"/>
                 </a:ext>
               </a:extLst>
             </p:cNvPr>
@@ -3565,7 +3565,7 @@
           <p:cNvPr id="78" name="Group 77">
             <a:extLst>
               <a:ext uri="{FF2B5EF4-FFF2-40B4-BE49-F238E27FC236}">
-                <a16:creationId xmlns:a16="http://schemas.microsoft.com/office/drawing/2014/main" xmlns="" id="{E48E30C9-A74F-4C52-AD04-FC9A5CBD8258}"/>
+                <a16:creationId xmlns="" xmlns:a16="http://schemas.microsoft.com/office/drawing/2014/main" id="{E48E30C9-A74F-4C52-AD04-FC9A5CBD8258}"/>
               </a:ext>
             </a:extLst>
           </p:cNvPr>
@@ -3574,7 +3574,7 @@
         </p:nvGrpSpPr>
         <p:grpSpPr>
           <a:xfrm>
-            <a:off x="5805714" y="430573"/>
+            <a:off x="5805715" y="430574"/>
             <a:ext cx="580573" cy="386869"/>
             <a:chOff x="5805714" y="609691"/>
             <a:chExt cx="580573" cy="386869"/>
@@ -3585,7 +3585,7 @@
             <p:cNvPr id="79" name="Rectangle 78">
               <a:extLst>
                 <a:ext uri="{FF2B5EF4-FFF2-40B4-BE49-F238E27FC236}">
-                  <a16:creationId xmlns:a16="http://schemas.microsoft.com/office/drawing/2014/main" xmlns="" id="{9D80A7DB-810E-4588-BE25-E9F7C34D3DB1}"/>
+                  <a16:creationId xmlns="" xmlns:a16="http://schemas.microsoft.com/office/drawing/2014/main" id="{9D80A7DB-810E-4588-BE25-E9F7C34D3DB1}"/>
                 </a:ext>
               </a:extLst>
             </p:cNvPr>
@@ -3646,7 +3646,7 @@
             <p:cNvPr id="80" name="Arc 79">
               <a:extLst>
                 <a:ext uri="{FF2B5EF4-FFF2-40B4-BE49-F238E27FC236}">
-                  <a16:creationId xmlns:a16="http://schemas.microsoft.com/office/drawing/2014/main" xmlns="" id="{0CEE252C-3F6B-425D-A974-8C322FD62AA8}"/>
+                  <a16:creationId xmlns="" xmlns:a16="http://schemas.microsoft.com/office/drawing/2014/main" id="{0CEE252C-3F6B-425D-A974-8C322FD62AA8}"/>
                 </a:ext>
               </a:extLst>
             </p:cNvPr>
@@ -3725,7 +3725,7 @@
           <p:cNvPr id="81" name="Group 80">
             <a:extLst>
               <a:ext uri="{FF2B5EF4-FFF2-40B4-BE49-F238E27FC236}">
-                <a16:creationId xmlns:a16="http://schemas.microsoft.com/office/drawing/2014/main" xmlns="" id="{BDE4CAF1-67FB-4A00-A957-F84932EF37EA}"/>
+                <a16:creationId xmlns="" xmlns:a16="http://schemas.microsoft.com/office/drawing/2014/main" id="{BDE4CAF1-67FB-4A00-A957-F84932EF37EA}"/>
               </a:ext>
             </a:extLst>
           </p:cNvPr>
@@ -3734,7 +3734,7 @@
         </p:nvGrpSpPr>
         <p:grpSpPr>
           <a:xfrm>
-            <a:off x="5805714" y="741596"/>
+            <a:off x="5805715" y="741596"/>
             <a:ext cx="580573" cy="386869"/>
             <a:chOff x="5805714" y="609691"/>
             <a:chExt cx="580573" cy="386869"/>
@@ -3745,7 +3745,7 @@
             <p:cNvPr id="82" name="Rectangle 81">
               <a:extLst>
                 <a:ext uri="{FF2B5EF4-FFF2-40B4-BE49-F238E27FC236}">
-                  <a16:creationId xmlns:a16="http://schemas.microsoft.com/office/drawing/2014/main" xmlns="" id="{74C944AF-D50A-425E-A441-BD46E8CB9783}"/>
+                  <a16:creationId xmlns="" xmlns:a16="http://schemas.microsoft.com/office/drawing/2014/main" id="{74C944AF-D50A-425E-A441-BD46E8CB9783}"/>
                 </a:ext>
               </a:extLst>
             </p:cNvPr>
@@ -3806,7 +3806,7 @@
             <p:cNvPr id="83" name="Arc 82">
               <a:extLst>
                 <a:ext uri="{FF2B5EF4-FFF2-40B4-BE49-F238E27FC236}">
-                  <a16:creationId xmlns:a16="http://schemas.microsoft.com/office/drawing/2014/main" xmlns="" id="{AE95EC9D-DB78-417E-AF31-C543DE84C1EE}"/>
+                  <a16:creationId xmlns="" xmlns:a16="http://schemas.microsoft.com/office/drawing/2014/main" id="{AE95EC9D-DB78-417E-AF31-C543DE84C1EE}"/>
                 </a:ext>
               </a:extLst>
             </p:cNvPr>
@@ -3885,7 +3885,7 @@
           <p:cNvPr id="84" name="Group 83">
             <a:extLst>
               <a:ext uri="{FF2B5EF4-FFF2-40B4-BE49-F238E27FC236}">
-                <a16:creationId xmlns:a16="http://schemas.microsoft.com/office/drawing/2014/main" xmlns="" id="{EC3E0684-8AE8-4214-BF7B-4AAB6B86F600}"/>
+                <a16:creationId xmlns="" xmlns:a16="http://schemas.microsoft.com/office/drawing/2014/main" id="{EC3E0684-8AE8-4214-BF7B-4AAB6B86F600}"/>
               </a:ext>
             </a:extLst>
           </p:cNvPr>
@@ -3894,7 +3894,7 @@
         </p:nvGrpSpPr>
         <p:grpSpPr>
           <a:xfrm>
-            <a:off x="5805714" y="1052619"/>
+            <a:off x="5805715" y="1052620"/>
             <a:ext cx="580573" cy="386869"/>
             <a:chOff x="5805714" y="609691"/>
             <a:chExt cx="580573" cy="386869"/>
@@ -3905,7 +3905,7 @@
             <p:cNvPr id="85" name="Rectangle 84">
               <a:extLst>
                 <a:ext uri="{FF2B5EF4-FFF2-40B4-BE49-F238E27FC236}">
-                  <a16:creationId xmlns:a16="http://schemas.microsoft.com/office/drawing/2014/main" xmlns="" id="{CF8E04A3-B6B4-4F3C-BB6B-AF9929DDA237}"/>
+                  <a16:creationId xmlns="" xmlns:a16="http://schemas.microsoft.com/office/drawing/2014/main" id="{CF8E04A3-B6B4-4F3C-BB6B-AF9929DDA237}"/>
                 </a:ext>
               </a:extLst>
             </p:cNvPr>
@@ -3966,7 +3966,7 @@
             <p:cNvPr id="86" name="Arc 85">
               <a:extLst>
                 <a:ext uri="{FF2B5EF4-FFF2-40B4-BE49-F238E27FC236}">
-                  <a16:creationId xmlns:a16="http://schemas.microsoft.com/office/drawing/2014/main" xmlns="" id="{18A95974-DAB2-4BF8-9192-96278D1744CD}"/>
+                  <a16:creationId xmlns="" xmlns:a16="http://schemas.microsoft.com/office/drawing/2014/main" id="{18A95974-DAB2-4BF8-9192-96278D1744CD}"/>
                 </a:ext>
               </a:extLst>
             </p:cNvPr>
@@ -4045,7 +4045,7 @@
           <p:cNvPr id="87" name="Group 86">
             <a:extLst>
               <a:ext uri="{FF2B5EF4-FFF2-40B4-BE49-F238E27FC236}">
-                <a16:creationId xmlns:a16="http://schemas.microsoft.com/office/drawing/2014/main" xmlns="" id="{C97BDBFC-6DCF-4D05-9235-AF24FD08B7BA}"/>
+                <a16:creationId xmlns="" xmlns:a16="http://schemas.microsoft.com/office/drawing/2014/main" id="{C97BDBFC-6DCF-4D05-9235-AF24FD08B7BA}"/>
               </a:ext>
             </a:extLst>
           </p:cNvPr>
@@ -4054,7 +4054,7 @@
         </p:nvGrpSpPr>
         <p:grpSpPr>
           <a:xfrm>
-            <a:off x="5805714" y="1363642"/>
+            <a:off x="5805715" y="1363643"/>
             <a:ext cx="580573" cy="386869"/>
             <a:chOff x="5805714" y="609691"/>
             <a:chExt cx="580573" cy="386869"/>
@@ -4065,7 +4065,7 @@
             <p:cNvPr id="88" name="Rectangle 87">
               <a:extLst>
                 <a:ext uri="{FF2B5EF4-FFF2-40B4-BE49-F238E27FC236}">
-                  <a16:creationId xmlns:a16="http://schemas.microsoft.com/office/drawing/2014/main" xmlns="" id="{4AB8CE96-3DF3-4063-9F27-D4DB07BB75EF}"/>
+                  <a16:creationId xmlns="" xmlns:a16="http://schemas.microsoft.com/office/drawing/2014/main" id="{4AB8CE96-3DF3-4063-9F27-D4DB07BB75EF}"/>
                 </a:ext>
               </a:extLst>
             </p:cNvPr>
@@ -4126,7 +4126,7 @@
             <p:cNvPr id="89" name="Arc 88">
               <a:extLst>
                 <a:ext uri="{FF2B5EF4-FFF2-40B4-BE49-F238E27FC236}">
-                  <a16:creationId xmlns:a16="http://schemas.microsoft.com/office/drawing/2014/main" xmlns="" id="{309BD817-14B6-4AA7-A1F6-6EAEFBC3A86F}"/>
+                  <a16:creationId xmlns="" xmlns:a16="http://schemas.microsoft.com/office/drawing/2014/main" id="{309BD817-14B6-4AA7-A1F6-6EAEFBC3A86F}"/>
                 </a:ext>
               </a:extLst>
             </p:cNvPr>
@@ -4205,7 +4205,7 @@
           <p:cNvPr id="90" name="Group 89">
             <a:extLst>
               <a:ext uri="{FF2B5EF4-FFF2-40B4-BE49-F238E27FC236}">
-                <a16:creationId xmlns:a16="http://schemas.microsoft.com/office/drawing/2014/main" xmlns="" id="{C6951FED-2BD7-4859-B333-5B1CAEF8AB8D}"/>
+                <a16:creationId xmlns="" xmlns:a16="http://schemas.microsoft.com/office/drawing/2014/main" id="{C6951FED-2BD7-4859-B333-5B1CAEF8AB8D}"/>
               </a:ext>
             </a:extLst>
           </p:cNvPr>
@@ -4214,7 +4214,7 @@
         </p:nvGrpSpPr>
         <p:grpSpPr>
           <a:xfrm>
-            <a:off x="5805714" y="1674665"/>
+            <a:off x="5805715" y="1674666"/>
             <a:ext cx="580573" cy="386869"/>
             <a:chOff x="5805714" y="609691"/>
             <a:chExt cx="580573" cy="386869"/>
@@ -4225,7 +4225,7 @@
             <p:cNvPr id="91" name="Rectangle 90">
               <a:extLst>
                 <a:ext uri="{FF2B5EF4-FFF2-40B4-BE49-F238E27FC236}">
-                  <a16:creationId xmlns:a16="http://schemas.microsoft.com/office/drawing/2014/main" xmlns="" id="{FE30C63D-F045-40E9-8C54-26DA5BDA0F44}"/>
+                  <a16:creationId xmlns="" xmlns:a16="http://schemas.microsoft.com/office/drawing/2014/main" id="{FE30C63D-F045-40E9-8C54-26DA5BDA0F44}"/>
                 </a:ext>
               </a:extLst>
             </p:cNvPr>
@@ -4286,7 +4286,7 @@
             <p:cNvPr id="92" name="Arc 91">
               <a:extLst>
                 <a:ext uri="{FF2B5EF4-FFF2-40B4-BE49-F238E27FC236}">
-                  <a16:creationId xmlns:a16="http://schemas.microsoft.com/office/drawing/2014/main" xmlns="" id="{434A2720-2A66-40B1-AC7E-5C244C6E6EB9}"/>
+                  <a16:creationId xmlns="" xmlns:a16="http://schemas.microsoft.com/office/drawing/2014/main" id="{434A2720-2A66-40B1-AC7E-5C244C6E6EB9}"/>
                 </a:ext>
               </a:extLst>
             </p:cNvPr>
@@ -4365,7 +4365,7 @@
           <p:cNvPr id="93" name="Group 92">
             <a:extLst>
               <a:ext uri="{FF2B5EF4-FFF2-40B4-BE49-F238E27FC236}">
-                <a16:creationId xmlns:a16="http://schemas.microsoft.com/office/drawing/2014/main" xmlns="" id="{3253887B-E245-4C89-84BB-C89576187B4D}"/>
+                <a16:creationId xmlns="" xmlns:a16="http://schemas.microsoft.com/office/drawing/2014/main" id="{3253887B-E245-4C89-84BB-C89576187B4D}"/>
               </a:ext>
             </a:extLst>
           </p:cNvPr>
@@ -4374,7 +4374,7 @@
         </p:nvGrpSpPr>
         <p:grpSpPr>
           <a:xfrm>
-            <a:off x="5805714" y="1985688"/>
+            <a:off x="5805715" y="1985688"/>
             <a:ext cx="580573" cy="386869"/>
             <a:chOff x="5805714" y="609691"/>
             <a:chExt cx="580573" cy="386869"/>
@@ -4385,7 +4385,7 @@
             <p:cNvPr id="94" name="Rectangle 93">
               <a:extLst>
                 <a:ext uri="{FF2B5EF4-FFF2-40B4-BE49-F238E27FC236}">
-                  <a16:creationId xmlns:a16="http://schemas.microsoft.com/office/drawing/2014/main" xmlns="" id="{C2935527-C9EF-4950-89BB-EB1207B25EAD}"/>
+                  <a16:creationId xmlns="" xmlns:a16="http://schemas.microsoft.com/office/drawing/2014/main" id="{C2935527-C9EF-4950-89BB-EB1207B25EAD}"/>
                 </a:ext>
               </a:extLst>
             </p:cNvPr>
@@ -4446,7 +4446,7 @@
             <p:cNvPr id="95" name="Arc 94">
               <a:extLst>
                 <a:ext uri="{FF2B5EF4-FFF2-40B4-BE49-F238E27FC236}">
-                  <a16:creationId xmlns:a16="http://schemas.microsoft.com/office/drawing/2014/main" xmlns="" id="{B885AD0D-2A97-4761-A7E2-81AE7730FF98}"/>
+                  <a16:creationId xmlns="" xmlns:a16="http://schemas.microsoft.com/office/drawing/2014/main" id="{B885AD0D-2A97-4761-A7E2-81AE7730FF98}"/>
                 </a:ext>
               </a:extLst>
             </p:cNvPr>
@@ -4525,7 +4525,7 @@
           <p:cNvPr id="96" name="Group 95">
             <a:extLst>
               <a:ext uri="{FF2B5EF4-FFF2-40B4-BE49-F238E27FC236}">
-                <a16:creationId xmlns:a16="http://schemas.microsoft.com/office/drawing/2014/main" xmlns="" id="{B20895E6-FBAD-4249-90F9-43369FD2080F}"/>
+                <a16:creationId xmlns="" xmlns:a16="http://schemas.microsoft.com/office/drawing/2014/main" id="{B20895E6-FBAD-4249-90F9-43369FD2080F}"/>
               </a:ext>
             </a:extLst>
           </p:cNvPr>
@@ -4534,7 +4534,7 @@
         </p:nvGrpSpPr>
         <p:grpSpPr>
           <a:xfrm>
-            <a:off x="5805714" y="2296711"/>
+            <a:off x="5805715" y="2296712"/>
             <a:ext cx="580573" cy="386869"/>
             <a:chOff x="5805714" y="609691"/>
             <a:chExt cx="580573" cy="386869"/>
@@ -4545,7 +4545,7 @@
             <p:cNvPr id="97" name="Rectangle 96">
               <a:extLst>
                 <a:ext uri="{FF2B5EF4-FFF2-40B4-BE49-F238E27FC236}">
-                  <a16:creationId xmlns:a16="http://schemas.microsoft.com/office/drawing/2014/main" xmlns="" id="{416F99E9-E132-4AB6-9501-719E390B2951}"/>
+                  <a16:creationId xmlns="" xmlns:a16="http://schemas.microsoft.com/office/drawing/2014/main" id="{416F99E9-E132-4AB6-9501-719E390B2951}"/>
                 </a:ext>
               </a:extLst>
             </p:cNvPr>
@@ -4606,7 +4606,7 @@
             <p:cNvPr id="98" name="Arc 97">
               <a:extLst>
                 <a:ext uri="{FF2B5EF4-FFF2-40B4-BE49-F238E27FC236}">
-                  <a16:creationId xmlns:a16="http://schemas.microsoft.com/office/drawing/2014/main" xmlns="" id="{7BF41422-E1EF-4A49-906D-7C9E43200378}"/>
+                  <a16:creationId xmlns="" xmlns:a16="http://schemas.microsoft.com/office/drawing/2014/main" id="{7BF41422-E1EF-4A49-906D-7C9E43200378}"/>
                 </a:ext>
               </a:extLst>
             </p:cNvPr>
@@ -4685,7 +4685,7 @@
           <p:cNvPr id="99" name="Group 98">
             <a:extLst>
               <a:ext uri="{FF2B5EF4-FFF2-40B4-BE49-F238E27FC236}">
-                <a16:creationId xmlns:a16="http://schemas.microsoft.com/office/drawing/2014/main" xmlns="" id="{3A6C8FCE-3906-4A51-8C51-53A21458A79D}"/>
+                <a16:creationId xmlns="" xmlns:a16="http://schemas.microsoft.com/office/drawing/2014/main" id="{3A6C8FCE-3906-4A51-8C51-53A21458A79D}"/>
               </a:ext>
             </a:extLst>
           </p:cNvPr>
@@ -4694,7 +4694,7 @@
         </p:nvGrpSpPr>
         <p:grpSpPr>
           <a:xfrm>
-            <a:off x="5805714" y="2607734"/>
+            <a:off x="5805715" y="2607735"/>
             <a:ext cx="580573" cy="386869"/>
             <a:chOff x="5805714" y="609691"/>
             <a:chExt cx="580573" cy="386869"/>
@@ -4705,7 +4705,7 @@
             <p:cNvPr id="100" name="Rectangle 99">
               <a:extLst>
                 <a:ext uri="{FF2B5EF4-FFF2-40B4-BE49-F238E27FC236}">
-                  <a16:creationId xmlns:a16="http://schemas.microsoft.com/office/drawing/2014/main" xmlns="" id="{01B7306C-C82A-4CBC-8810-B196E2B85FD9}"/>
+                  <a16:creationId xmlns="" xmlns:a16="http://schemas.microsoft.com/office/drawing/2014/main" id="{01B7306C-C82A-4CBC-8810-B196E2B85FD9}"/>
                 </a:ext>
               </a:extLst>
             </p:cNvPr>
@@ -4766,7 +4766,7 @@
             <p:cNvPr id="101" name="Arc 100">
               <a:extLst>
                 <a:ext uri="{FF2B5EF4-FFF2-40B4-BE49-F238E27FC236}">
-                  <a16:creationId xmlns:a16="http://schemas.microsoft.com/office/drawing/2014/main" xmlns="" id="{4309EB4B-A1C1-41B8-9E71-43E4632DE81A}"/>
+                  <a16:creationId xmlns="" xmlns:a16="http://schemas.microsoft.com/office/drawing/2014/main" id="{4309EB4B-A1C1-41B8-9E71-43E4632DE81A}"/>
                 </a:ext>
               </a:extLst>
             </p:cNvPr>
@@ -4845,7 +4845,7 @@
           <p:cNvPr id="102" name="Group 101">
             <a:extLst>
               <a:ext uri="{FF2B5EF4-FFF2-40B4-BE49-F238E27FC236}">
-                <a16:creationId xmlns:a16="http://schemas.microsoft.com/office/drawing/2014/main" xmlns="" id="{C74B4894-B5D2-4362-964C-D4DC0546060A}"/>
+                <a16:creationId xmlns="" xmlns:a16="http://schemas.microsoft.com/office/drawing/2014/main" id="{C74B4894-B5D2-4362-964C-D4DC0546060A}"/>
               </a:ext>
             </a:extLst>
           </p:cNvPr>
@@ -4854,7 +4854,7 @@
         </p:nvGrpSpPr>
         <p:grpSpPr>
           <a:xfrm>
-            <a:off x="5805714" y="2918757"/>
+            <a:off x="5805715" y="2918758"/>
             <a:ext cx="580573" cy="386869"/>
             <a:chOff x="5805714" y="609691"/>
             <a:chExt cx="580573" cy="386869"/>
@@ -4865,7 +4865,7 @@
             <p:cNvPr id="103" name="Rectangle 102">
               <a:extLst>
                 <a:ext uri="{FF2B5EF4-FFF2-40B4-BE49-F238E27FC236}">
-                  <a16:creationId xmlns:a16="http://schemas.microsoft.com/office/drawing/2014/main" xmlns="" id="{DA95D981-4D5B-4F4F-8A82-69838938508F}"/>
+                  <a16:creationId xmlns="" xmlns:a16="http://schemas.microsoft.com/office/drawing/2014/main" id="{DA95D981-4D5B-4F4F-8A82-69838938508F}"/>
                 </a:ext>
               </a:extLst>
             </p:cNvPr>
@@ -4926,7 +4926,7 @@
             <p:cNvPr id="104" name="Arc 103">
               <a:extLst>
                 <a:ext uri="{FF2B5EF4-FFF2-40B4-BE49-F238E27FC236}">
-                  <a16:creationId xmlns:a16="http://schemas.microsoft.com/office/drawing/2014/main" xmlns="" id="{E4822634-A39A-4B0D-8399-883328FCA1EE}"/>
+                  <a16:creationId xmlns="" xmlns:a16="http://schemas.microsoft.com/office/drawing/2014/main" id="{E4822634-A39A-4B0D-8399-883328FCA1EE}"/>
                 </a:ext>
               </a:extLst>
             </p:cNvPr>
@@ -5005,7 +5005,7 @@
           <p:cNvPr id="105" name="Group 104">
             <a:extLst>
               <a:ext uri="{FF2B5EF4-FFF2-40B4-BE49-F238E27FC236}">
-                <a16:creationId xmlns:a16="http://schemas.microsoft.com/office/drawing/2014/main" xmlns="" id="{AC0C8900-7AAE-4DAD-9853-250BA8E46217}"/>
+                <a16:creationId xmlns="" xmlns:a16="http://schemas.microsoft.com/office/drawing/2014/main" id="{AC0C8900-7AAE-4DAD-9853-250BA8E46217}"/>
               </a:ext>
             </a:extLst>
           </p:cNvPr>
@@ -5014,7 +5014,7 @@
         </p:nvGrpSpPr>
         <p:grpSpPr>
           <a:xfrm>
-            <a:off x="5805714" y="3229780"/>
+            <a:off x="5805715" y="3229780"/>
             <a:ext cx="580573" cy="386869"/>
             <a:chOff x="5805714" y="609691"/>
             <a:chExt cx="580573" cy="386869"/>
@@ -5025,7 +5025,7 @@
             <p:cNvPr id="106" name="Rectangle 105">
               <a:extLst>
                 <a:ext uri="{FF2B5EF4-FFF2-40B4-BE49-F238E27FC236}">
-                  <a16:creationId xmlns:a16="http://schemas.microsoft.com/office/drawing/2014/main" xmlns="" id="{8F16C3F5-5111-4385-95DB-684995C5DA9E}"/>
+                  <a16:creationId xmlns="" xmlns:a16="http://schemas.microsoft.com/office/drawing/2014/main" id="{8F16C3F5-5111-4385-95DB-684995C5DA9E}"/>
                 </a:ext>
               </a:extLst>
             </p:cNvPr>
@@ -5086,7 +5086,7 @@
             <p:cNvPr id="107" name="Arc 106">
               <a:extLst>
                 <a:ext uri="{FF2B5EF4-FFF2-40B4-BE49-F238E27FC236}">
-                  <a16:creationId xmlns:a16="http://schemas.microsoft.com/office/drawing/2014/main" xmlns="" id="{C8E4EC42-A513-472E-AE69-66EF8F71937C}"/>
+                  <a16:creationId xmlns="" xmlns:a16="http://schemas.microsoft.com/office/drawing/2014/main" id="{C8E4EC42-A513-472E-AE69-66EF8F71937C}"/>
                 </a:ext>
               </a:extLst>
             </p:cNvPr>
@@ -5165,7 +5165,7 @@
           <p:cNvPr id="108" name="Group 107">
             <a:extLst>
               <a:ext uri="{FF2B5EF4-FFF2-40B4-BE49-F238E27FC236}">
-                <a16:creationId xmlns:a16="http://schemas.microsoft.com/office/drawing/2014/main" xmlns="" id="{B9DF2A69-06AC-4DC9-B6C7-9A1B9D012585}"/>
+                <a16:creationId xmlns="" xmlns:a16="http://schemas.microsoft.com/office/drawing/2014/main" id="{B9DF2A69-06AC-4DC9-B6C7-9A1B9D012585}"/>
               </a:ext>
             </a:extLst>
           </p:cNvPr>
@@ -5174,7 +5174,7 @@
         </p:nvGrpSpPr>
         <p:grpSpPr>
           <a:xfrm>
-            <a:off x="5805714" y="3540803"/>
+            <a:off x="5805715" y="3540804"/>
             <a:ext cx="580573" cy="386869"/>
             <a:chOff x="5805714" y="609691"/>
             <a:chExt cx="580573" cy="386869"/>
@@ -5185,7 +5185,7 @@
             <p:cNvPr id="109" name="Rectangle 108">
               <a:extLst>
                 <a:ext uri="{FF2B5EF4-FFF2-40B4-BE49-F238E27FC236}">
-                  <a16:creationId xmlns:a16="http://schemas.microsoft.com/office/drawing/2014/main" xmlns="" id="{66D59475-186E-4F7A-A501-ABEDCC08DC98}"/>
+                  <a16:creationId xmlns="" xmlns:a16="http://schemas.microsoft.com/office/drawing/2014/main" id="{66D59475-186E-4F7A-A501-ABEDCC08DC98}"/>
                 </a:ext>
               </a:extLst>
             </p:cNvPr>
@@ -5246,7 +5246,7 @@
             <p:cNvPr id="110" name="Arc 109">
               <a:extLst>
                 <a:ext uri="{FF2B5EF4-FFF2-40B4-BE49-F238E27FC236}">
-                  <a16:creationId xmlns:a16="http://schemas.microsoft.com/office/drawing/2014/main" xmlns="" id="{55C929AA-C5D4-4A29-94FC-BF99C03F9430}"/>
+                  <a16:creationId xmlns="" xmlns:a16="http://schemas.microsoft.com/office/drawing/2014/main" id="{55C929AA-C5D4-4A29-94FC-BF99C03F9430}"/>
                 </a:ext>
               </a:extLst>
             </p:cNvPr>
@@ -5325,7 +5325,7 @@
           <p:cNvPr id="111" name="Group 110">
             <a:extLst>
               <a:ext uri="{FF2B5EF4-FFF2-40B4-BE49-F238E27FC236}">
-                <a16:creationId xmlns:a16="http://schemas.microsoft.com/office/drawing/2014/main" xmlns="" id="{26F5DDE8-77F1-4A19-9A73-FA16AD387091}"/>
+                <a16:creationId xmlns="" xmlns:a16="http://schemas.microsoft.com/office/drawing/2014/main" id="{26F5DDE8-77F1-4A19-9A73-FA16AD387091}"/>
               </a:ext>
             </a:extLst>
           </p:cNvPr>
@@ -5334,7 +5334,7 @@
         </p:nvGrpSpPr>
         <p:grpSpPr>
           <a:xfrm>
-            <a:off x="5805714" y="3851826"/>
+            <a:off x="5805715" y="3851827"/>
             <a:ext cx="580573" cy="386869"/>
             <a:chOff x="5805714" y="609691"/>
             <a:chExt cx="580573" cy="386869"/>
@@ -5345,7 +5345,7 @@
             <p:cNvPr id="112" name="Rectangle 111">
               <a:extLst>
                 <a:ext uri="{FF2B5EF4-FFF2-40B4-BE49-F238E27FC236}">
-                  <a16:creationId xmlns:a16="http://schemas.microsoft.com/office/drawing/2014/main" xmlns="" id="{3975D25C-1E30-46E2-BA99-3037ADE31704}"/>
+                  <a16:creationId xmlns="" xmlns:a16="http://schemas.microsoft.com/office/drawing/2014/main" id="{3975D25C-1E30-46E2-BA99-3037ADE31704}"/>
                 </a:ext>
               </a:extLst>
             </p:cNvPr>
@@ -5406,7 +5406,7 @@
             <p:cNvPr id="113" name="Arc 112">
               <a:extLst>
                 <a:ext uri="{FF2B5EF4-FFF2-40B4-BE49-F238E27FC236}">
-                  <a16:creationId xmlns:a16="http://schemas.microsoft.com/office/drawing/2014/main" xmlns="" id="{5489E9B8-DC06-4350-B467-61A9DA0B02A7}"/>
+                  <a16:creationId xmlns="" xmlns:a16="http://schemas.microsoft.com/office/drawing/2014/main" id="{5489E9B8-DC06-4350-B467-61A9DA0B02A7}"/>
                 </a:ext>
               </a:extLst>
             </p:cNvPr>
@@ -5485,7 +5485,7 @@
           <p:cNvPr id="114" name="Group 113">
             <a:extLst>
               <a:ext uri="{FF2B5EF4-FFF2-40B4-BE49-F238E27FC236}">
-                <a16:creationId xmlns:a16="http://schemas.microsoft.com/office/drawing/2014/main" xmlns="" id="{0375CE18-5EC1-4881-8142-DC1BC91AD094}"/>
+                <a16:creationId xmlns="" xmlns:a16="http://schemas.microsoft.com/office/drawing/2014/main" id="{0375CE18-5EC1-4881-8142-DC1BC91AD094}"/>
               </a:ext>
             </a:extLst>
           </p:cNvPr>
@@ -5494,7 +5494,7 @@
         </p:nvGrpSpPr>
         <p:grpSpPr>
           <a:xfrm>
-            <a:off x="5805714" y="4162849"/>
+            <a:off x="5805715" y="4162850"/>
             <a:ext cx="580573" cy="386869"/>
             <a:chOff x="5805714" y="609691"/>
             <a:chExt cx="580573" cy="386869"/>
@@ -5505,7 +5505,7 @@
             <p:cNvPr id="115" name="Rectangle 114">
               <a:extLst>
                 <a:ext uri="{FF2B5EF4-FFF2-40B4-BE49-F238E27FC236}">
-                  <a16:creationId xmlns:a16="http://schemas.microsoft.com/office/drawing/2014/main" xmlns="" id="{10A76D25-919A-40D9-9554-EFE2D3956BE4}"/>
+                  <a16:creationId xmlns="" xmlns:a16="http://schemas.microsoft.com/office/drawing/2014/main" id="{10A76D25-919A-40D9-9554-EFE2D3956BE4}"/>
                 </a:ext>
               </a:extLst>
             </p:cNvPr>
@@ -5566,7 +5566,7 @@
             <p:cNvPr id="116" name="Arc 115">
               <a:extLst>
                 <a:ext uri="{FF2B5EF4-FFF2-40B4-BE49-F238E27FC236}">
-                  <a16:creationId xmlns:a16="http://schemas.microsoft.com/office/drawing/2014/main" xmlns="" id="{F541D253-66CC-4C59-909C-302800ABEEFC}"/>
+                  <a16:creationId xmlns="" xmlns:a16="http://schemas.microsoft.com/office/drawing/2014/main" id="{F541D253-66CC-4C59-909C-302800ABEEFC}"/>
                 </a:ext>
               </a:extLst>
             </p:cNvPr>
@@ -5645,7 +5645,7 @@
           <p:cNvPr id="117" name="Group 116">
             <a:extLst>
               <a:ext uri="{FF2B5EF4-FFF2-40B4-BE49-F238E27FC236}">
-                <a16:creationId xmlns:a16="http://schemas.microsoft.com/office/drawing/2014/main" xmlns="" id="{D86A99F9-8CBA-4BBB-88F7-14582E27C64C}"/>
+                <a16:creationId xmlns="" xmlns:a16="http://schemas.microsoft.com/office/drawing/2014/main" id="{D86A99F9-8CBA-4BBB-88F7-14582E27C64C}"/>
               </a:ext>
             </a:extLst>
           </p:cNvPr>
@@ -5654,7 +5654,7 @@
         </p:nvGrpSpPr>
         <p:grpSpPr>
           <a:xfrm>
-            <a:off x="5805714" y="4473872"/>
+            <a:off x="5805715" y="4473872"/>
             <a:ext cx="580573" cy="386869"/>
             <a:chOff x="5805714" y="609691"/>
             <a:chExt cx="580573" cy="386869"/>
@@ -5665,7 +5665,7 @@
             <p:cNvPr id="118" name="Rectangle 117">
               <a:extLst>
                 <a:ext uri="{FF2B5EF4-FFF2-40B4-BE49-F238E27FC236}">
-                  <a16:creationId xmlns:a16="http://schemas.microsoft.com/office/drawing/2014/main" xmlns="" id="{16259704-CA38-4525-8489-D1FECD12BDBC}"/>
+                  <a16:creationId xmlns="" xmlns:a16="http://schemas.microsoft.com/office/drawing/2014/main" id="{16259704-CA38-4525-8489-D1FECD12BDBC}"/>
                 </a:ext>
               </a:extLst>
             </p:cNvPr>
@@ -5726,7 +5726,7 @@
             <p:cNvPr id="119" name="Arc 118">
               <a:extLst>
                 <a:ext uri="{FF2B5EF4-FFF2-40B4-BE49-F238E27FC236}">
-                  <a16:creationId xmlns:a16="http://schemas.microsoft.com/office/drawing/2014/main" xmlns="" id="{40F4FCA1-5992-49D0-8CE6-8488CF6BAF04}"/>
+                  <a16:creationId xmlns="" xmlns:a16="http://schemas.microsoft.com/office/drawing/2014/main" id="{40F4FCA1-5992-49D0-8CE6-8488CF6BAF04}"/>
                 </a:ext>
               </a:extLst>
             </p:cNvPr>
@@ -5805,7 +5805,7 @@
           <p:cNvPr id="120" name="Group 119">
             <a:extLst>
               <a:ext uri="{FF2B5EF4-FFF2-40B4-BE49-F238E27FC236}">
-                <a16:creationId xmlns:a16="http://schemas.microsoft.com/office/drawing/2014/main" xmlns="" id="{F5C59377-7214-4209-BA16-86D5D1DAE2B0}"/>
+                <a16:creationId xmlns="" xmlns:a16="http://schemas.microsoft.com/office/drawing/2014/main" id="{F5C59377-7214-4209-BA16-86D5D1DAE2B0}"/>
               </a:ext>
             </a:extLst>
           </p:cNvPr>
@@ -5814,7 +5814,7 @@
         </p:nvGrpSpPr>
         <p:grpSpPr>
           <a:xfrm>
-            <a:off x="5805714" y="4784895"/>
+            <a:off x="5805715" y="4784896"/>
             <a:ext cx="580573" cy="386869"/>
             <a:chOff x="5805714" y="609691"/>
             <a:chExt cx="580573" cy="386869"/>
@@ -5825,7 +5825,7 @@
             <p:cNvPr id="121" name="Rectangle 120">
               <a:extLst>
                 <a:ext uri="{FF2B5EF4-FFF2-40B4-BE49-F238E27FC236}">
-                  <a16:creationId xmlns:a16="http://schemas.microsoft.com/office/drawing/2014/main" xmlns="" id="{959A5D35-C7AE-458F-BBB5-71CD3A3F97F8}"/>
+                  <a16:creationId xmlns="" xmlns:a16="http://schemas.microsoft.com/office/drawing/2014/main" id="{959A5D35-C7AE-458F-BBB5-71CD3A3F97F8}"/>
                 </a:ext>
               </a:extLst>
             </p:cNvPr>
@@ -5886,7 +5886,7 @@
             <p:cNvPr id="122" name="Arc 121">
               <a:extLst>
                 <a:ext uri="{FF2B5EF4-FFF2-40B4-BE49-F238E27FC236}">
-                  <a16:creationId xmlns:a16="http://schemas.microsoft.com/office/drawing/2014/main" xmlns="" id="{F490A229-65A6-4DFF-870F-4B92A114A66A}"/>
+                  <a16:creationId xmlns="" xmlns:a16="http://schemas.microsoft.com/office/drawing/2014/main" id="{F490A229-65A6-4DFF-870F-4B92A114A66A}"/>
                 </a:ext>
               </a:extLst>
             </p:cNvPr>
@@ -5965,7 +5965,7 @@
           <p:cNvPr id="123" name="Group 122">
             <a:extLst>
               <a:ext uri="{FF2B5EF4-FFF2-40B4-BE49-F238E27FC236}">
-                <a16:creationId xmlns:a16="http://schemas.microsoft.com/office/drawing/2014/main" xmlns="" id="{9EC6FFFF-2006-4366-8566-0113AD9F036A}"/>
+                <a16:creationId xmlns="" xmlns:a16="http://schemas.microsoft.com/office/drawing/2014/main" id="{9EC6FFFF-2006-4366-8566-0113AD9F036A}"/>
               </a:ext>
             </a:extLst>
           </p:cNvPr>
@@ -5974,7 +5974,7 @@
         </p:nvGrpSpPr>
         <p:grpSpPr>
           <a:xfrm>
-            <a:off x="5805714" y="5095918"/>
+            <a:off x="5805715" y="5095919"/>
             <a:ext cx="580573" cy="386869"/>
             <a:chOff x="5805714" y="609691"/>
             <a:chExt cx="580573" cy="386869"/>
@@ -5985,7 +5985,7 @@
             <p:cNvPr id="124" name="Rectangle 123">
               <a:extLst>
                 <a:ext uri="{FF2B5EF4-FFF2-40B4-BE49-F238E27FC236}">
-                  <a16:creationId xmlns:a16="http://schemas.microsoft.com/office/drawing/2014/main" xmlns="" id="{595E399E-0521-4D5B-914F-29C3ADDF2B72}"/>
+                  <a16:creationId xmlns="" xmlns:a16="http://schemas.microsoft.com/office/drawing/2014/main" id="{595E399E-0521-4D5B-914F-29C3ADDF2B72}"/>
                 </a:ext>
               </a:extLst>
             </p:cNvPr>
@@ -6046,7 +6046,7 @@
             <p:cNvPr id="125" name="Arc 124">
               <a:extLst>
                 <a:ext uri="{FF2B5EF4-FFF2-40B4-BE49-F238E27FC236}">
-                  <a16:creationId xmlns:a16="http://schemas.microsoft.com/office/drawing/2014/main" xmlns="" id="{14739334-2472-4756-B880-7780C40DA407}"/>
+                  <a16:creationId xmlns="" xmlns:a16="http://schemas.microsoft.com/office/drawing/2014/main" id="{14739334-2472-4756-B880-7780C40DA407}"/>
                 </a:ext>
               </a:extLst>
             </p:cNvPr>
@@ -6125,7 +6125,7 @@
           <p:cNvPr id="126" name="Group 125">
             <a:extLst>
               <a:ext uri="{FF2B5EF4-FFF2-40B4-BE49-F238E27FC236}">
-                <a16:creationId xmlns:a16="http://schemas.microsoft.com/office/drawing/2014/main" xmlns="" id="{6D7FEFCF-F5E2-48A4-8DA2-466E3FA530E8}"/>
+                <a16:creationId xmlns="" xmlns:a16="http://schemas.microsoft.com/office/drawing/2014/main" id="{6D7FEFCF-F5E2-48A4-8DA2-466E3FA530E8}"/>
               </a:ext>
             </a:extLst>
           </p:cNvPr>
@@ -6134,7 +6134,7 @@
         </p:nvGrpSpPr>
         <p:grpSpPr>
           <a:xfrm>
-            <a:off x="5805714" y="5406941"/>
+            <a:off x="5805715" y="5406942"/>
             <a:ext cx="580573" cy="386869"/>
             <a:chOff x="5805714" y="609691"/>
             <a:chExt cx="580573" cy="386869"/>
@@ -6145,7 +6145,7 @@
             <p:cNvPr id="127" name="Rectangle 126">
               <a:extLst>
                 <a:ext uri="{FF2B5EF4-FFF2-40B4-BE49-F238E27FC236}">
-                  <a16:creationId xmlns:a16="http://schemas.microsoft.com/office/drawing/2014/main" xmlns="" id="{5B8C7798-2FB8-447C-BA5C-ECB75C74E5AD}"/>
+                  <a16:creationId xmlns="" xmlns:a16="http://schemas.microsoft.com/office/drawing/2014/main" id="{5B8C7798-2FB8-447C-BA5C-ECB75C74E5AD}"/>
                 </a:ext>
               </a:extLst>
             </p:cNvPr>
@@ -6206,7 +6206,7 @@
             <p:cNvPr id="128" name="Arc 127">
               <a:extLst>
                 <a:ext uri="{FF2B5EF4-FFF2-40B4-BE49-F238E27FC236}">
-                  <a16:creationId xmlns:a16="http://schemas.microsoft.com/office/drawing/2014/main" xmlns="" id="{DDFE7CA2-AC7D-4CF0-A779-1F7EC6161969}"/>
+                  <a16:creationId xmlns="" xmlns:a16="http://schemas.microsoft.com/office/drawing/2014/main" id="{DDFE7CA2-AC7D-4CF0-A779-1F7EC6161969}"/>
                 </a:ext>
               </a:extLst>
             </p:cNvPr>
@@ -6285,7 +6285,7 @@
           <p:cNvPr id="129" name="Group 128">
             <a:extLst>
               <a:ext uri="{FF2B5EF4-FFF2-40B4-BE49-F238E27FC236}">
-                <a16:creationId xmlns:a16="http://schemas.microsoft.com/office/drawing/2014/main" xmlns="" id="{EF6B5FAD-EB1F-43DC-8B99-11CAD21D64C9}"/>
+                <a16:creationId xmlns="" xmlns:a16="http://schemas.microsoft.com/office/drawing/2014/main" id="{EF6B5FAD-EB1F-43DC-8B99-11CAD21D64C9}"/>
               </a:ext>
             </a:extLst>
           </p:cNvPr>
@@ -6294,7 +6294,7 @@
         </p:nvGrpSpPr>
         <p:grpSpPr>
           <a:xfrm>
-            <a:off x="5805714" y="5717964"/>
+            <a:off x="5805715" y="5717964"/>
             <a:ext cx="580573" cy="386869"/>
             <a:chOff x="5805714" y="609691"/>
             <a:chExt cx="580573" cy="386869"/>
@@ -6305,7 +6305,7 @@
             <p:cNvPr id="130" name="Rectangle 129">
               <a:extLst>
                 <a:ext uri="{FF2B5EF4-FFF2-40B4-BE49-F238E27FC236}">
-                  <a16:creationId xmlns:a16="http://schemas.microsoft.com/office/drawing/2014/main" xmlns="" id="{B817890A-729D-4FBB-8EF7-DAFD6F73427B}"/>
+                  <a16:creationId xmlns="" xmlns:a16="http://schemas.microsoft.com/office/drawing/2014/main" id="{B817890A-729D-4FBB-8EF7-DAFD6F73427B}"/>
                 </a:ext>
               </a:extLst>
             </p:cNvPr>
@@ -6366,7 +6366,7 @@
             <p:cNvPr id="131" name="Arc 130">
               <a:extLst>
                 <a:ext uri="{FF2B5EF4-FFF2-40B4-BE49-F238E27FC236}">
-                  <a16:creationId xmlns:a16="http://schemas.microsoft.com/office/drawing/2014/main" xmlns="" id="{EAD6132E-2435-4771-A3CC-CCE94E7A9600}"/>
+                  <a16:creationId xmlns="" xmlns:a16="http://schemas.microsoft.com/office/drawing/2014/main" id="{EAD6132E-2435-4771-A3CC-CCE94E7A9600}"/>
                 </a:ext>
               </a:extLst>
             </p:cNvPr>
@@ -6445,7 +6445,7 @@
           <p:cNvPr id="132" name="Group 131">
             <a:extLst>
               <a:ext uri="{FF2B5EF4-FFF2-40B4-BE49-F238E27FC236}">
-                <a16:creationId xmlns:a16="http://schemas.microsoft.com/office/drawing/2014/main" xmlns="" id="{2B7006E1-B188-46BA-BAA5-15A960905F4C}"/>
+                <a16:creationId xmlns="" xmlns:a16="http://schemas.microsoft.com/office/drawing/2014/main" id="{2B7006E1-B188-46BA-BAA5-15A960905F4C}"/>
               </a:ext>
             </a:extLst>
           </p:cNvPr>
@@ -6454,7 +6454,7 @@
         </p:nvGrpSpPr>
         <p:grpSpPr>
           <a:xfrm>
-            <a:off x="5805714" y="6028987"/>
+            <a:off x="5805715" y="6028988"/>
             <a:ext cx="580573" cy="386869"/>
             <a:chOff x="5805714" y="609691"/>
             <a:chExt cx="580573" cy="386869"/>
@@ -6465,7 +6465,7 @@
             <p:cNvPr id="133" name="Rectangle 132">
               <a:extLst>
                 <a:ext uri="{FF2B5EF4-FFF2-40B4-BE49-F238E27FC236}">
-                  <a16:creationId xmlns:a16="http://schemas.microsoft.com/office/drawing/2014/main" xmlns="" id="{D01250CF-AFA1-4A19-B3C7-7F163609380B}"/>
+                  <a16:creationId xmlns="" xmlns:a16="http://schemas.microsoft.com/office/drawing/2014/main" id="{D01250CF-AFA1-4A19-B3C7-7F163609380B}"/>
                 </a:ext>
               </a:extLst>
             </p:cNvPr>
@@ -6526,7 +6526,7 @@
             <p:cNvPr id="134" name="Arc 133">
               <a:extLst>
                 <a:ext uri="{FF2B5EF4-FFF2-40B4-BE49-F238E27FC236}">
-                  <a16:creationId xmlns:a16="http://schemas.microsoft.com/office/drawing/2014/main" xmlns="" id="{1014BA5C-C370-44EB-84DA-2D69E36CE6C3}"/>
+                  <a16:creationId xmlns="" xmlns:a16="http://schemas.microsoft.com/office/drawing/2014/main" id="{1014BA5C-C370-44EB-84DA-2D69E36CE6C3}"/>
                 </a:ext>
               </a:extLst>
             </p:cNvPr>
@@ -6605,7 +6605,7 @@
           <p:cNvPr id="135" name="Group 134">
             <a:extLst>
               <a:ext uri="{FF2B5EF4-FFF2-40B4-BE49-F238E27FC236}">
-                <a16:creationId xmlns:a16="http://schemas.microsoft.com/office/drawing/2014/main" xmlns="" id="{AD8CB7E5-EBC4-4791-B93B-D0B41B862B83}"/>
+                <a16:creationId xmlns="" xmlns:a16="http://schemas.microsoft.com/office/drawing/2014/main" id="{AD8CB7E5-EBC4-4791-B93B-D0B41B862B83}"/>
               </a:ext>
             </a:extLst>
           </p:cNvPr>
@@ -6614,7 +6614,7 @@
         </p:nvGrpSpPr>
         <p:grpSpPr>
           <a:xfrm>
-            <a:off x="5805714" y="6340004"/>
+            <a:off x="5805715" y="6340004"/>
             <a:ext cx="580573" cy="386869"/>
             <a:chOff x="5805714" y="609691"/>
             <a:chExt cx="580573" cy="386869"/>
@@ -6625,7 +6625,7 @@
             <p:cNvPr id="136" name="Rectangle 135">
               <a:extLst>
                 <a:ext uri="{FF2B5EF4-FFF2-40B4-BE49-F238E27FC236}">
-                  <a16:creationId xmlns:a16="http://schemas.microsoft.com/office/drawing/2014/main" xmlns="" id="{CF456FF3-391C-4C8E-A128-A413BDBBB225}"/>
+                  <a16:creationId xmlns="" xmlns:a16="http://schemas.microsoft.com/office/drawing/2014/main" id="{CF456FF3-391C-4C8E-A128-A413BDBBB225}"/>
                 </a:ext>
               </a:extLst>
             </p:cNvPr>
@@ -6686,7 +6686,7 @@
             <p:cNvPr id="137" name="Arc 136">
               <a:extLst>
                 <a:ext uri="{FF2B5EF4-FFF2-40B4-BE49-F238E27FC236}">
-                  <a16:creationId xmlns:a16="http://schemas.microsoft.com/office/drawing/2014/main" xmlns="" id="{8838FE2A-04D7-44E3-97C3-54338832CB9A}"/>
+                  <a16:creationId xmlns="" xmlns:a16="http://schemas.microsoft.com/office/drawing/2014/main" id="{8838FE2A-04D7-44E3-97C3-54338832CB9A}"/>
                 </a:ext>
               </a:extLst>
             </p:cNvPr>
@@ -6765,7 +6765,7 @@
           <p:cNvPr id="138" name="TextBox 137">
             <a:extLst>
               <a:ext uri="{FF2B5EF4-FFF2-40B4-BE49-F238E27FC236}">
-                <a16:creationId xmlns:a16="http://schemas.microsoft.com/office/drawing/2014/main" xmlns="" id="{A92F286C-434D-41FA-B624-1519DC144791}"/>
+                <a16:creationId xmlns="" xmlns:a16="http://schemas.microsoft.com/office/drawing/2014/main" id="{A92F286C-434D-41FA-B624-1519DC144791}"/>
               </a:ext>
             </a:extLst>
           </p:cNvPr>
@@ -6774,8 +6774,8 @@
         </p:nvSpPr>
         <p:spPr>
           <a:xfrm>
-            <a:off x="6902821" y="2699939"/>
-            <a:ext cx="4411574" cy="1446550"/>
+            <a:off x="6902822" y="2699939"/>
+            <a:ext cx="4411575" cy="1446550"/>
           </a:xfrm>
           <a:prstGeom prst="rect">
             <a:avLst/>
@@ -6790,7 +6790,7 @@
           <a:p>
             <a:pPr algn="ctr"/>
             <a:r>
-              <a:rPr lang="pl-PL" sz="8800" b="1" dirty="0" smtClean="0">
+              <a:rPr lang="pl-PL" sz="8800" b="1" dirty="0">
                 <a:solidFill>
                   <a:schemeClr val="bg1"/>
                 </a:solidFill>
@@ -6863,7 +6863,7 @@
           <p:cNvPr id="66" name="Rectangle 65">
             <a:extLst>
               <a:ext uri="{FF2B5EF4-FFF2-40B4-BE49-F238E27FC236}">
-                <a16:creationId xmlns:a16="http://schemas.microsoft.com/office/drawing/2014/main" xmlns="" id="{C03955BB-E41C-4E77-BB48-325360470229}"/>
+                <a16:creationId xmlns="" xmlns:a16="http://schemas.microsoft.com/office/drawing/2014/main" id="{C03955BB-E41C-4E77-BB48-325360470229}"/>
               </a:ext>
             </a:extLst>
           </p:cNvPr>
@@ -6872,14 +6872,14 @@
         </p:nvSpPr>
         <p:spPr>
           <a:xfrm>
-            <a:off x="275044" y="-5786"/>
+            <a:off x="275045" y="-5785"/>
             <a:ext cx="5681417" cy="6858000"/>
           </a:xfrm>
           <a:prstGeom prst="rect">
             <a:avLst/>
           </a:prstGeom>
           <a:solidFill>
-            <a:srgbClr val="46CF76"/>
+            <a:srgbClr val="322B80"/>
           </a:solidFill>
           <a:ln>
             <a:noFill/>
@@ -6922,7 +6922,7 @@
           <p:cNvPr id="4" name="Rectangle 3">
             <a:extLst>
               <a:ext uri="{FF2B5EF4-FFF2-40B4-BE49-F238E27FC236}">
-                <a16:creationId xmlns:a16="http://schemas.microsoft.com/office/drawing/2014/main" xmlns="" id="{33F222A8-AF2A-4292-8A95-0C3AD37A109D}"/>
+                <a16:creationId xmlns="" xmlns:a16="http://schemas.microsoft.com/office/drawing/2014/main" id="{33F222A8-AF2A-4292-8A95-0C3AD37A109D}"/>
               </a:ext>
             </a:extLst>
           </p:cNvPr>
@@ -6931,14 +6931,14 @@
         </p:nvSpPr>
         <p:spPr>
           <a:xfrm>
-            <a:off x="6096000" y="0"/>
+            <a:off x="6096001" y="0"/>
             <a:ext cx="5660571" cy="6858000"/>
           </a:xfrm>
           <a:prstGeom prst="rect">
             <a:avLst/>
           </a:prstGeom>
           <a:solidFill>
-            <a:srgbClr val="46CF76"/>
+            <a:srgbClr val="322B80"/>
           </a:solidFill>
           <a:ln>
             <a:noFill/>
@@ -6981,7 +6981,7 @@
           <p:cNvPr id="20" name="Group 19">
             <a:extLst>
               <a:ext uri="{FF2B5EF4-FFF2-40B4-BE49-F238E27FC236}">
-                <a16:creationId xmlns:a16="http://schemas.microsoft.com/office/drawing/2014/main" xmlns="" id="{92E12EE0-D677-4B3E-B6CE-0E062AA8ADF2}"/>
+                <a16:creationId xmlns="" xmlns:a16="http://schemas.microsoft.com/office/drawing/2014/main" id="{92E12EE0-D677-4B3E-B6CE-0E062AA8ADF2}"/>
               </a:ext>
             </a:extLst>
           </p:cNvPr>
@@ -6990,7 +6990,7 @@
         </p:nvGrpSpPr>
         <p:grpSpPr>
           <a:xfrm>
-            <a:off x="6128872" y="119550"/>
+            <a:off x="6128874" y="119551"/>
             <a:ext cx="5541663" cy="6778315"/>
             <a:chOff x="6128872" y="119550"/>
             <a:chExt cx="5541663" cy="6778315"/>
@@ -7001,7 +7001,7 @@
             <p:cNvPr id="18" name="Rectangle 17">
               <a:extLst>
                 <a:ext uri="{FF2B5EF4-FFF2-40B4-BE49-F238E27FC236}">
-                  <a16:creationId xmlns:a16="http://schemas.microsoft.com/office/drawing/2014/main" xmlns="" id="{89A7C9A0-1A85-4F30-A93E-652DADAEA768}"/>
+                  <a16:creationId xmlns="" xmlns:a16="http://schemas.microsoft.com/office/drawing/2014/main" id="{89A7C9A0-1A85-4F30-A93E-652DADAEA768}"/>
                 </a:ext>
               </a:extLst>
             </p:cNvPr>
@@ -7017,7 +7017,7 @@
               <a:avLst/>
             </a:prstGeom>
             <a:solidFill>
-              <a:srgbClr val="FFC000"/>
+              <a:srgbClr val="C10E1A"/>
             </a:solidFill>
             <a:ln>
               <a:noFill/>
@@ -7070,7 +7070,7 @@
             <p:cNvPr id="159" name="Freeform: Shape 158">
               <a:extLst>
                 <a:ext uri="{FF2B5EF4-FFF2-40B4-BE49-F238E27FC236}">
-                  <a16:creationId xmlns:a16="http://schemas.microsoft.com/office/drawing/2014/main" xmlns="" id="{844EE657-B388-4FBA-B129-7B78DAC63F27}"/>
+                  <a16:creationId xmlns="" xmlns:a16="http://schemas.microsoft.com/office/drawing/2014/main" id="{844EE657-B388-4FBA-B129-7B78DAC63F27}"/>
                 </a:ext>
               </a:extLst>
             </p:cNvPr>
@@ -7206,7 +7206,7 @@
             <p:cNvPr id="19" name="TextBox 18">
               <a:extLst>
                 <a:ext uri="{FF2B5EF4-FFF2-40B4-BE49-F238E27FC236}">
-                  <a16:creationId xmlns:a16="http://schemas.microsoft.com/office/drawing/2014/main" xmlns="" id="{C4AF6244-7532-4141-B434-8E2F38097B0C}"/>
+                  <a16:creationId xmlns="" xmlns:a16="http://schemas.microsoft.com/office/drawing/2014/main" id="{C4AF6244-7532-4141-B434-8E2F38097B0C}"/>
                 </a:ext>
               </a:extLst>
             </p:cNvPr>
@@ -7236,11 +7236,7 @@
               </a:r>
               <a:r>
                 <a:rPr lang="en-US" dirty="0"/>
-                <a:t> </a:t>
-              </a:r>
-              <a:r>
-                <a:rPr lang="en-US" dirty="0"/>
-                <a:t>01</a:t>
+                <a:t> 01</a:t>
               </a:r>
             </a:p>
           </p:txBody>
@@ -7251,7 +7247,7 @@
           <p:cNvPr id="3" name="Group 2">
             <a:extLst>
               <a:ext uri="{FF2B5EF4-FFF2-40B4-BE49-F238E27FC236}">
-                <a16:creationId xmlns:a16="http://schemas.microsoft.com/office/drawing/2014/main" xmlns="" id="{0F1A4B53-3DA8-4B08-87F6-99E2B5780CCB}"/>
+                <a16:creationId xmlns="" xmlns:a16="http://schemas.microsoft.com/office/drawing/2014/main" id="{0F1A4B53-3DA8-4B08-87F6-99E2B5780CCB}"/>
               </a:ext>
             </a:extLst>
           </p:cNvPr>
@@ -7260,7 +7256,7 @@
         </p:nvGrpSpPr>
         <p:grpSpPr>
           <a:xfrm>
-            <a:off x="5604611" y="119550"/>
+            <a:off x="5604612" y="119551"/>
             <a:ext cx="812157" cy="6607323"/>
             <a:chOff x="5604611" y="119550"/>
             <a:chExt cx="812157" cy="6607323"/>
@@ -7271,7 +7267,7 @@
             <p:cNvPr id="67" name="Rectangle 66">
               <a:extLst>
                 <a:ext uri="{FF2B5EF4-FFF2-40B4-BE49-F238E27FC236}">
-                  <a16:creationId xmlns:a16="http://schemas.microsoft.com/office/drawing/2014/main" xmlns="" id="{D119F2DB-0E38-4A31-831F-2BAF295D2A25}"/>
+                  <a16:creationId xmlns="" xmlns:a16="http://schemas.microsoft.com/office/drawing/2014/main" id="{D119F2DB-0E38-4A31-831F-2BAF295D2A25}"/>
                 </a:ext>
               </a:extLst>
             </p:cNvPr>
@@ -7337,7 +7333,7 @@
             <p:cNvPr id="10" name="Group 9">
               <a:extLst>
                 <a:ext uri="{FF2B5EF4-FFF2-40B4-BE49-F238E27FC236}">
-                  <a16:creationId xmlns:a16="http://schemas.microsoft.com/office/drawing/2014/main" xmlns="" id="{AEE5042A-E067-4FB7-BCFF-00BB33BFEDEC}"/>
+                  <a16:creationId xmlns="" xmlns:a16="http://schemas.microsoft.com/office/drawing/2014/main" id="{AEE5042A-E067-4FB7-BCFF-00BB33BFEDEC}"/>
                 </a:ext>
               </a:extLst>
             </p:cNvPr>
@@ -7357,7 +7353,7 @@
               <p:cNvPr id="5" name="Rectangle 4">
                 <a:extLst>
                   <a:ext uri="{FF2B5EF4-FFF2-40B4-BE49-F238E27FC236}">
-                    <a16:creationId xmlns:a16="http://schemas.microsoft.com/office/drawing/2014/main" xmlns="" id="{9ECC8D50-758B-45D1-9832-058DA749338C}"/>
+                    <a16:creationId xmlns="" xmlns:a16="http://schemas.microsoft.com/office/drawing/2014/main" id="{9ECC8D50-758B-45D1-9832-058DA749338C}"/>
                   </a:ext>
                 </a:extLst>
               </p:cNvPr>
@@ -7373,7 +7369,7 @@
                 <a:avLst/>
               </a:prstGeom>
               <a:solidFill>
-                <a:srgbClr val="46CF76"/>
+                <a:srgbClr val="322B80"/>
               </a:solidFill>
               <a:ln>
                 <a:noFill/>
@@ -7416,7 +7412,7 @@
               <p:cNvPr id="9" name="Arc 8">
                 <a:extLst>
                   <a:ext uri="{FF2B5EF4-FFF2-40B4-BE49-F238E27FC236}">
-                    <a16:creationId xmlns:a16="http://schemas.microsoft.com/office/drawing/2014/main" xmlns="" id="{FC783E55-1922-4926-8D97-EC60526709F7}"/>
+                    <a16:creationId xmlns="" xmlns:a16="http://schemas.microsoft.com/office/drawing/2014/main" id="{FC783E55-1922-4926-8D97-EC60526709F7}"/>
                   </a:ext>
                 </a:extLst>
               </p:cNvPr>
@@ -7495,7 +7491,7 @@
             <p:cNvPr id="68" name="Rectangle 67">
               <a:extLst>
                 <a:ext uri="{FF2B5EF4-FFF2-40B4-BE49-F238E27FC236}">
-                  <a16:creationId xmlns:a16="http://schemas.microsoft.com/office/drawing/2014/main" xmlns="" id="{FCB92E0C-F05E-4602-8A6C-A561815032EC}"/>
+                  <a16:creationId xmlns="" xmlns:a16="http://schemas.microsoft.com/office/drawing/2014/main" id="{FCB92E0C-F05E-4602-8A6C-A561815032EC}"/>
                 </a:ext>
               </a:extLst>
             </p:cNvPr>
@@ -7561,7 +7557,7 @@
             <p:cNvPr id="78" name="Group 77">
               <a:extLst>
                 <a:ext uri="{FF2B5EF4-FFF2-40B4-BE49-F238E27FC236}">
-                  <a16:creationId xmlns:a16="http://schemas.microsoft.com/office/drawing/2014/main" xmlns="" id="{E48E30C9-A74F-4C52-AD04-FC9A5CBD8258}"/>
+                  <a16:creationId xmlns="" xmlns:a16="http://schemas.microsoft.com/office/drawing/2014/main" id="{E48E30C9-A74F-4C52-AD04-FC9A5CBD8258}"/>
                 </a:ext>
               </a:extLst>
             </p:cNvPr>
@@ -7581,7 +7577,7 @@
               <p:cNvPr id="79" name="Rectangle 78">
                 <a:extLst>
                   <a:ext uri="{FF2B5EF4-FFF2-40B4-BE49-F238E27FC236}">
-                    <a16:creationId xmlns:a16="http://schemas.microsoft.com/office/drawing/2014/main" xmlns="" id="{9D80A7DB-810E-4588-BE25-E9F7C34D3DB1}"/>
+                    <a16:creationId xmlns="" xmlns:a16="http://schemas.microsoft.com/office/drawing/2014/main" id="{9D80A7DB-810E-4588-BE25-E9F7C34D3DB1}"/>
                   </a:ext>
                 </a:extLst>
               </p:cNvPr>
@@ -7597,7 +7593,7 @@
                 <a:avLst/>
               </a:prstGeom>
               <a:solidFill>
-                <a:srgbClr val="46CF76"/>
+                <a:srgbClr val="322B80"/>
               </a:solidFill>
               <a:ln>
                 <a:noFill/>
@@ -7640,7 +7636,7 @@
               <p:cNvPr id="80" name="Arc 79">
                 <a:extLst>
                   <a:ext uri="{FF2B5EF4-FFF2-40B4-BE49-F238E27FC236}">
-                    <a16:creationId xmlns:a16="http://schemas.microsoft.com/office/drawing/2014/main" xmlns="" id="{0CEE252C-3F6B-425D-A974-8C322FD62AA8}"/>
+                    <a16:creationId xmlns="" xmlns:a16="http://schemas.microsoft.com/office/drawing/2014/main" id="{0CEE252C-3F6B-425D-A974-8C322FD62AA8}"/>
                   </a:ext>
                 </a:extLst>
               </p:cNvPr>
@@ -7719,7 +7715,7 @@
             <p:cNvPr id="69" name="Rectangle 68">
               <a:extLst>
                 <a:ext uri="{FF2B5EF4-FFF2-40B4-BE49-F238E27FC236}">
-                  <a16:creationId xmlns:a16="http://schemas.microsoft.com/office/drawing/2014/main" xmlns="" id="{A4620A41-830E-412F-B7F4-82B17531460F}"/>
+                  <a16:creationId xmlns="" xmlns:a16="http://schemas.microsoft.com/office/drawing/2014/main" id="{A4620A41-830E-412F-B7F4-82B17531460F}"/>
                 </a:ext>
               </a:extLst>
             </p:cNvPr>
@@ -7785,7 +7781,7 @@
             <p:cNvPr id="70" name="Rectangle 69">
               <a:extLst>
                 <a:ext uri="{FF2B5EF4-FFF2-40B4-BE49-F238E27FC236}">
-                  <a16:creationId xmlns:a16="http://schemas.microsoft.com/office/drawing/2014/main" xmlns="" id="{B8C591D4-C50C-4B67-805A-961945693BE6}"/>
+                  <a16:creationId xmlns="" xmlns:a16="http://schemas.microsoft.com/office/drawing/2014/main" id="{B8C591D4-C50C-4B67-805A-961945693BE6}"/>
                 </a:ext>
               </a:extLst>
             </p:cNvPr>
@@ -7851,7 +7847,7 @@
             <p:cNvPr id="71" name="Rectangle 70">
               <a:extLst>
                 <a:ext uri="{FF2B5EF4-FFF2-40B4-BE49-F238E27FC236}">
-                  <a16:creationId xmlns:a16="http://schemas.microsoft.com/office/drawing/2014/main" xmlns="" id="{461F08B5-15BF-4C63-B54C-7D2001EDCAD3}"/>
+                  <a16:creationId xmlns="" xmlns:a16="http://schemas.microsoft.com/office/drawing/2014/main" id="{461F08B5-15BF-4C63-B54C-7D2001EDCAD3}"/>
                 </a:ext>
               </a:extLst>
             </p:cNvPr>
@@ -7917,7 +7913,7 @@
             <p:cNvPr id="72" name="Rectangle 71">
               <a:extLst>
                 <a:ext uri="{FF2B5EF4-FFF2-40B4-BE49-F238E27FC236}">
-                  <a16:creationId xmlns:a16="http://schemas.microsoft.com/office/drawing/2014/main" xmlns="" id="{D12C5631-8C0A-4256-BD3E-88D081A7321B}"/>
+                  <a16:creationId xmlns="" xmlns:a16="http://schemas.microsoft.com/office/drawing/2014/main" id="{D12C5631-8C0A-4256-BD3E-88D081A7321B}"/>
                 </a:ext>
               </a:extLst>
             </p:cNvPr>
@@ -7983,7 +7979,7 @@
             <p:cNvPr id="73" name="Rectangle 72">
               <a:extLst>
                 <a:ext uri="{FF2B5EF4-FFF2-40B4-BE49-F238E27FC236}">
-                  <a16:creationId xmlns:a16="http://schemas.microsoft.com/office/drawing/2014/main" xmlns="" id="{D3030D9B-44CF-4F4E-A86E-18A79322376D}"/>
+                  <a16:creationId xmlns="" xmlns:a16="http://schemas.microsoft.com/office/drawing/2014/main" id="{D3030D9B-44CF-4F4E-A86E-18A79322376D}"/>
                 </a:ext>
               </a:extLst>
             </p:cNvPr>
@@ -8049,7 +8045,7 @@
             <p:cNvPr id="74" name="Rectangle 73">
               <a:extLst>
                 <a:ext uri="{FF2B5EF4-FFF2-40B4-BE49-F238E27FC236}">
-                  <a16:creationId xmlns:a16="http://schemas.microsoft.com/office/drawing/2014/main" xmlns="" id="{0E9F8D11-58D9-4493-A410-DACB43B5E48F}"/>
+                  <a16:creationId xmlns="" xmlns:a16="http://schemas.microsoft.com/office/drawing/2014/main" id="{0E9F8D11-58D9-4493-A410-DACB43B5E48F}"/>
                 </a:ext>
               </a:extLst>
             </p:cNvPr>
@@ -8115,7 +8111,7 @@
             <p:cNvPr id="75" name="Rectangle 74">
               <a:extLst>
                 <a:ext uri="{FF2B5EF4-FFF2-40B4-BE49-F238E27FC236}">
-                  <a16:creationId xmlns:a16="http://schemas.microsoft.com/office/drawing/2014/main" xmlns="" id="{880FA994-AF36-4890-A98D-4750B71B3C59}"/>
+                  <a16:creationId xmlns="" xmlns:a16="http://schemas.microsoft.com/office/drawing/2014/main" id="{880FA994-AF36-4890-A98D-4750B71B3C59}"/>
                 </a:ext>
               </a:extLst>
             </p:cNvPr>
@@ -8181,7 +8177,7 @@
             <p:cNvPr id="76" name="Rectangle 75">
               <a:extLst>
                 <a:ext uri="{FF2B5EF4-FFF2-40B4-BE49-F238E27FC236}">
-                  <a16:creationId xmlns:a16="http://schemas.microsoft.com/office/drawing/2014/main" xmlns="" id="{9E5C2FB6-992A-4537-B467-2FCB0FDBDB9F}"/>
+                  <a16:creationId xmlns="" xmlns:a16="http://schemas.microsoft.com/office/drawing/2014/main" id="{9E5C2FB6-992A-4537-B467-2FCB0FDBDB9F}"/>
                 </a:ext>
               </a:extLst>
             </p:cNvPr>
@@ -8247,7 +8243,7 @@
             <p:cNvPr id="77" name="Rectangle 76">
               <a:extLst>
                 <a:ext uri="{FF2B5EF4-FFF2-40B4-BE49-F238E27FC236}">
-                  <a16:creationId xmlns:a16="http://schemas.microsoft.com/office/drawing/2014/main" xmlns="" id="{73193785-12A4-408F-9E7C-27DDBEAFA7BD}"/>
+                  <a16:creationId xmlns="" xmlns:a16="http://schemas.microsoft.com/office/drawing/2014/main" id="{73193785-12A4-408F-9E7C-27DDBEAFA7BD}"/>
                 </a:ext>
               </a:extLst>
             </p:cNvPr>
@@ -8313,7 +8309,7 @@
             <p:cNvPr id="138" name="Rectangle 137">
               <a:extLst>
                 <a:ext uri="{FF2B5EF4-FFF2-40B4-BE49-F238E27FC236}">
-                  <a16:creationId xmlns:a16="http://schemas.microsoft.com/office/drawing/2014/main" xmlns="" id="{FF68EA0C-3323-4279-9322-583E0496C340}"/>
+                  <a16:creationId xmlns="" xmlns:a16="http://schemas.microsoft.com/office/drawing/2014/main" id="{FF68EA0C-3323-4279-9322-583E0496C340}"/>
                 </a:ext>
               </a:extLst>
             </p:cNvPr>
@@ -8379,7 +8375,7 @@
             <p:cNvPr id="139" name="Rectangle 138">
               <a:extLst>
                 <a:ext uri="{FF2B5EF4-FFF2-40B4-BE49-F238E27FC236}">
-                  <a16:creationId xmlns:a16="http://schemas.microsoft.com/office/drawing/2014/main" xmlns="" id="{DA8F7F98-A2C1-4622-86E7-4F2038831BBE}"/>
+                  <a16:creationId xmlns="" xmlns:a16="http://schemas.microsoft.com/office/drawing/2014/main" id="{DA8F7F98-A2C1-4622-86E7-4F2038831BBE}"/>
                 </a:ext>
               </a:extLst>
             </p:cNvPr>
@@ -8445,7 +8441,7 @@
             <p:cNvPr id="140" name="Rectangle 139">
               <a:extLst>
                 <a:ext uri="{FF2B5EF4-FFF2-40B4-BE49-F238E27FC236}">
-                  <a16:creationId xmlns:a16="http://schemas.microsoft.com/office/drawing/2014/main" xmlns="" id="{0A05E640-BFCE-401E-8E58-B95F9FAC8DFA}"/>
+                  <a16:creationId xmlns="" xmlns:a16="http://schemas.microsoft.com/office/drawing/2014/main" id="{0A05E640-BFCE-401E-8E58-B95F9FAC8DFA}"/>
                 </a:ext>
               </a:extLst>
             </p:cNvPr>
@@ -8511,7 +8507,7 @@
             <p:cNvPr id="141" name="Rectangle 140">
               <a:extLst>
                 <a:ext uri="{FF2B5EF4-FFF2-40B4-BE49-F238E27FC236}">
-                  <a16:creationId xmlns:a16="http://schemas.microsoft.com/office/drawing/2014/main" xmlns="" id="{E054FE0A-3727-4A81-B405-7B2AD3CF46C1}"/>
+                  <a16:creationId xmlns="" xmlns:a16="http://schemas.microsoft.com/office/drawing/2014/main" id="{E054FE0A-3727-4A81-B405-7B2AD3CF46C1}"/>
                 </a:ext>
               </a:extLst>
             </p:cNvPr>
@@ -8577,7 +8573,7 @@
             <p:cNvPr id="142" name="Rectangle 141">
               <a:extLst>
                 <a:ext uri="{FF2B5EF4-FFF2-40B4-BE49-F238E27FC236}">
-                  <a16:creationId xmlns:a16="http://schemas.microsoft.com/office/drawing/2014/main" xmlns="" id="{181F776C-2AF8-48ED-A45F-6043E45954BF}"/>
+                  <a16:creationId xmlns="" xmlns:a16="http://schemas.microsoft.com/office/drawing/2014/main" id="{181F776C-2AF8-48ED-A45F-6043E45954BF}"/>
                 </a:ext>
               </a:extLst>
             </p:cNvPr>
@@ -8643,7 +8639,7 @@
             <p:cNvPr id="143" name="Rectangle 142">
               <a:extLst>
                 <a:ext uri="{FF2B5EF4-FFF2-40B4-BE49-F238E27FC236}">
-                  <a16:creationId xmlns:a16="http://schemas.microsoft.com/office/drawing/2014/main" xmlns="" id="{F411B93B-64DC-40ED-8351-A38502F83EC2}"/>
+                  <a16:creationId xmlns="" xmlns:a16="http://schemas.microsoft.com/office/drawing/2014/main" id="{F411B93B-64DC-40ED-8351-A38502F83EC2}"/>
                 </a:ext>
               </a:extLst>
             </p:cNvPr>
@@ -8709,7 +8705,7 @@
             <p:cNvPr id="144" name="Rectangle 143">
               <a:extLst>
                 <a:ext uri="{FF2B5EF4-FFF2-40B4-BE49-F238E27FC236}">
-                  <a16:creationId xmlns:a16="http://schemas.microsoft.com/office/drawing/2014/main" xmlns="" id="{6D4EF766-AAA1-4FD1-9EB8-BC7CCAF80F4C}"/>
+                  <a16:creationId xmlns="" xmlns:a16="http://schemas.microsoft.com/office/drawing/2014/main" id="{6D4EF766-AAA1-4FD1-9EB8-BC7CCAF80F4C}"/>
                 </a:ext>
               </a:extLst>
             </p:cNvPr>
@@ -8775,7 +8771,7 @@
             <p:cNvPr id="145" name="Rectangle 144">
               <a:extLst>
                 <a:ext uri="{FF2B5EF4-FFF2-40B4-BE49-F238E27FC236}">
-                  <a16:creationId xmlns:a16="http://schemas.microsoft.com/office/drawing/2014/main" xmlns="" id="{CA3BC80A-A5C7-4031-AE04-E1DBB065F990}"/>
+                  <a16:creationId xmlns="" xmlns:a16="http://schemas.microsoft.com/office/drawing/2014/main" id="{CA3BC80A-A5C7-4031-AE04-E1DBB065F990}"/>
                 </a:ext>
               </a:extLst>
             </p:cNvPr>
@@ -8841,7 +8837,7 @@
             <p:cNvPr id="146" name="Rectangle 145">
               <a:extLst>
                 <a:ext uri="{FF2B5EF4-FFF2-40B4-BE49-F238E27FC236}">
-                  <a16:creationId xmlns:a16="http://schemas.microsoft.com/office/drawing/2014/main" xmlns="" id="{B2C4E260-0390-4C3C-B29D-AB4732D5F312}"/>
+                  <a16:creationId xmlns="" xmlns:a16="http://schemas.microsoft.com/office/drawing/2014/main" id="{B2C4E260-0390-4C3C-B29D-AB4732D5F312}"/>
                 </a:ext>
               </a:extLst>
             </p:cNvPr>
@@ -8907,7 +8903,7 @@
             <p:cNvPr id="147" name="Rectangle 146">
               <a:extLst>
                 <a:ext uri="{FF2B5EF4-FFF2-40B4-BE49-F238E27FC236}">
-                  <a16:creationId xmlns:a16="http://schemas.microsoft.com/office/drawing/2014/main" xmlns="" id="{9CF30D03-0768-4F4A-876B-4064ADC4B962}"/>
+                  <a16:creationId xmlns="" xmlns:a16="http://schemas.microsoft.com/office/drawing/2014/main" id="{9CF30D03-0768-4F4A-876B-4064ADC4B962}"/>
                 </a:ext>
               </a:extLst>
             </p:cNvPr>
@@ -8973,7 +8969,7 @@
             <p:cNvPr id="81" name="Group 80">
               <a:extLst>
                 <a:ext uri="{FF2B5EF4-FFF2-40B4-BE49-F238E27FC236}">
-                  <a16:creationId xmlns:a16="http://schemas.microsoft.com/office/drawing/2014/main" xmlns="" id="{BDE4CAF1-67FB-4A00-A957-F84932EF37EA}"/>
+                  <a16:creationId xmlns="" xmlns:a16="http://schemas.microsoft.com/office/drawing/2014/main" id="{BDE4CAF1-67FB-4A00-A957-F84932EF37EA}"/>
                 </a:ext>
               </a:extLst>
             </p:cNvPr>
@@ -8993,7 +8989,7 @@
               <p:cNvPr id="82" name="Rectangle 81">
                 <a:extLst>
                   <a:ext uri="{FF2B5EF4-FFF2-40B4-BE49-F238E27FC236}">
-                    <a16:creationId xmlns:a16="http://schemas.microsoft.com/office/drawing/2014/main" xmlns="" id="{74C944AF-D50A-425E-A441-BD46E8CB9783}"/>
+                    <a16:creationId xmlns="" xmlns:a16="http://schemas.microsoft.com/office/drawing/2014/main" id="{74C944AF-D50A-425E-A441-BD46E8CB9783}"/>
                   </a:ext>
                 </a:extLst>
               </p:cNvPr>
@@ -9009,7 +9005,7 @@
                 <a:avLst/>
               </a:prstGeom>
               <a:solidFill>
-                <a:srgbClr val="46CF76"/>
+                <a:srgbClr val="322B80"/>
               </a:solidFill>
               <a:ln>
                 <a:noFill/>
@@ -9052,7 +9048,7 @@
               <p:cNvPr id="83" name="Arc 82">
                 <a:extLst>
                   <a:ext uri="{FF2B5EF4-FFF2-40B4-BE49-F238E27FC236}">
-                    <a16:creationId xmlns:a16="http://schemas.microsoft.com/office/drawing/2014/main" xmlns="" id="{AE95EC9D-DB78-417E-AF31-C543DE84C1EE}"/>
+                    <a16:creationId xmlns="" xmlns:a16="http://schemas.microsoft.com/office/drawing/2014/main" id="{AE95EC9D-DB78-417E-AF31-C543DE84C1EE}"/>
                   </a:ext>
                 </a:extLst>
               </p:cNvPr>
@@ -9131,7 +9127,7 @@
             <p:cNvPr id="84" name="Group 83">
               <a:extLst>
                 <a:ext uri="{FF2B5EF4-FFF2-40B4-BE49-F238E27FC236}">
-                  <a16:creationId xmlns:a16="http://schemas.microsoft.com/office/drawing/2014/main" xmlns="" id="{EC3E0684-8AE8-4214-BF7B-4AAB6B86F600}"/>
+                  <a16:creationId xmlns="" xmlns:a16="http://schemas.microsoft.com/office/drawing/2014/main" id="{EC3E0684-8AE8-4214-BF7B-4AAB6B86F600}"/>
                 </a:ext>
               </a:extLst>
             </p:cNvPr>
@@ -9151,7 +9147,7 @@
               <p:cNvPr id="85" name="Rectangle 84">
                 <a:extLst>
                   <a:ext uri="{FF2B5EF4-FFF2-40B4-BE49-F238E27FC236}">
-                    <a16:creationId xmlns:a16="http://schemas.microsoft.com/office/drawing/2014/main" xmlns="" id="{CF8E04A3-B6B4-4F3C-BB6B-AF9929DDA237}"/>
+                    <a16:creationId xmlns="" xmlns:a16="http://schemas.microsoft.com/office/drawing/2014/main" id="{CF8E04A3-B6B4-4F3C-BB6B-AF9929DDA237}"/>
                   </a:ext>
                 </a:extLst>
               </p:cNvPr>
@@ -9167,7 +9163,7 @@
                 <a:avLst/>
               </a:prstGeom>
               <a:solidFill>
-                <a:srgbClr val="46CF76"/>
+                <a:srgbClr val="322B80"/>
               </a:solidFill>
               <a:ln>
                 <a:noFill/>
@@ -9210,7 +9206,7 @@
               <p:cNvPr id="86" name="Arc 85">
                 <a:extLst>
                   <a:ext uri="{FF2B5EF4-FFF2-40B4-BE49-F238E27FC236}">
-                    <a16:creationId xmlns:a16="http://schemas.microsoft.com/office/drawing/2014/main" xmlns="" id="{18A95974-DAB2-4BF8-9192-96278D1744CD}"/>
+                    <a16:creationId xmlns="" xmlns:a16="http://schemas.microsoft.com/office/drawing/2014/main" id="{18A95974-DAB2-4BF8-9192-96278D1744CD}"/>
                   </a:ext>
                 </a:extLst>
               </p:cNvPr>
@@ -9289,7 +9285,7 @@
             <p:cNvPr id="87" name="Group 86">
               <a:extLst>
                 <a:ext uri="{FF2B5EF4-FFF2-40B4-BE49-F238E27FC236}">
-                  <a16:creationId xmlns:a16="http://schemas.microsoft.com/office/drawing/2014/main" xmlns="" id="{C97BDBFC-6DCF-4D05-9235-AF24FD08B7BA}"/>
+                  <a16:creationId xmlns="" xmlns:a16="http://schemas.microsoft.com/office/drawing/2014/main" id="{C97BDBFC-6DCF-4D05-9235-AF24FD08B7BA}"/>
                 </a:ext>
               </a:extLst>
             </p:cNvPr>
@@ -9309,7 +9305,7 @@
               <p:cNvPr id="88" name="Rectangle 87">
                 <a:extLst>
                   <a:ext uri="{FF2B5EF4-FFF2-40B4-BE49-F238E27FC236}">
-                    <a16:creationId xmlns:a16="http://schemas.microsoft.com/office/drawing/2014/main" xmlns="" id="{4AB8CE96-3DF3-4063-9F27-D4DB07BB75EF}"/>
+                    <a16:creationId xmlns="" xmlns:a16="http://schemas.microsoft.com/office/drawing/2014/main" id="{4AB8CE96-3DF3-4063-9F27-D4DB07BB75EF}"/>
                   </a:ext>
                 </a:extLst>
               </p:cNvPr>
@@ -9325,7 +9321,7 @@
                 <a:avLst/>
               </a:prstGeom>
               <a:solidFill>
-                <a:srgbClr val="46CF76"/>
+                <a:srgbClr val="322B80"/>
               </a:solidFill>
               <a:ln>
                 <a:noFill/>
@@ -9368,7 +9364,7 @@
               <p:cNvPr id="89" name="Arc 88">
                 <a:extLst>
                   <a:ext uri="{FF2B5EF4-FFF2-40B4-BE49-F238E27FC236}">
-                    <a16:creationId xmlns:a16="http://schemas.microsoft.com/office/drawing/2014/main" xmlns="" id="{309BD817-14B6-4AA7-A1F6-6EAEFBC3A86F}"/>
+                    <a16:creationId xmlns="" xmlns:a16="http://schemas.microsoft.com/office/drawing/2014/main" id="{309BD817-14B6-4AA7-A1F6-6EAEFBC3A86F}"/>
                   </a:ext>
                 </a:extLst>
               </p:cNvPr>
@@ -9447,7 +9443,7 @@
             <p:cNvPr id="90" name="Group 89">
               <a:extLst>
                 <a:ext uri="{FF2B5EF4-FFF2-40B4-BE49-F238E27FC236}">
-                  <a16:creationId xmlns:a16="http://schemas.microsoft.com/office/drawing/2014/main" xmlns="" id="{C6951FED-2BD7-4859-B333-5B1CAEF8AB8D}"/>
+                  <a16:creationId xmlns="" xmlns:a16="http://schemas.microsoft.com/office/drawing/2014/main" id="{C6951FED-2BD7-4859-B333-5B1CAEF8AB8D}"/>
                 </a:ext>
               </a:extLst>
             </p:cNvPr>
@@ -9467,7 +9463,7 @@
               <p:cNvPr id="91" name="Rectangle 90">
                 <a:extLst>
                   <a:ext uri="{FF2B5EF4-FFF2-40B4-BE49-F238E27FC236}">
-                    <a16:creationId xmlns:a16="http://schemas.microsoft.com/office/drawing/2014/main" xmlns="" id="{FE30C63D-F045-40E9-8C54-26DA5BDA0F44}"/>
+                    <a16:creationId xmlns="" xmlns:a16="http://schemas.microsoft.com/office/drawing/2014/main" id="{FE30C63D-F045-40E9-8C54-26DA5BDA0F44}"/>
                   </a:ext>
                 </a:extLst>
               </p:cNvPr>
@@ -9483,7 +9479,7 @@
                 <a:avLst/>
               </a:prstGeom>
               <a:solidFill>
-                <a:srgbClr val="46CF76"/>
+                <a:srgbClr val="322B80"/>
               </a:solidFill>
               <a:ln>
                 <a:noFill/>
@@ -9526,7 +9522,7 @@
               <p:cNvPr id="92" name="Arc 91">
                 <a:extLst>
                   <a:ext uri="{FF2B5EF4-FFF2-40B4-BE49-F238E27FC236}">
-                    <a16:creationId xmlns:a16="http://schemas.microsoft.com/office/drawing/2014/main" xmlns="" id="{434A2720-2A66-40B1-AC7E-5C244C6E6EB9}"/>
+                    <a16:creationId xmlns="" xmlns:a16="http://schemas.microsoft.com/office/drawing/2014/main" id="{434A2720-2A66-40B1-AC7E-5C244C6E6EB9}"/>
                   </a:ext>
                 </a:extLst>
               </p:cNvPr>
@@ -9605,7 +9601,7 @@
             <p:cNvPr id="93" name="Group 92">
               <a:extLst>
                 <a:ext uri="{FF2B5EF4-FFF2-40B4-BE49-F238E27FC236}">
-                  <a16:creationId xmlns:a16="http://schemas.microsoft.com/office/drawing/2014/main" xmlns="" id="{3253887B-E245-4C89-84BB-C89576187B4D}"/>
+                  <a16:creationId xmlns="" xmlns:a16="http://schemas.microsoft.com/office/drawing/2014/main" id="{3253887B-E245-4C89-84BB-C89576187B4D}"/>
                 </a:ext>
               </a:extLst>
             </p:cNvPr>
@@ -9625,7 +9621,7 @@
               <p:cNvPr id="94" name="Rectangle 93">
                 <a:extLst>
                   <a:ext uri="{FF2B5EF4-FFF2-40B4-BE49-F238E27FC236}">
-                    <a16:creationId xmlns:a16="http://schemas.microsoft.com/office/drawing/2014/main" xmlns="" id="{C2935527-C9EF-4950-89BB-EB1207B25EAD}"/>
+                    <a16:creationId xmlns="" xmlns:a16="http://schemas.microsoft.com/office/drawing/2014/main" id="{C2935527-C9EF-4950-89BB-EB1207B25EAD}"/>
                   </a:ext>
                 </a:extLst>
               </p:cNvPr>
@@ -9641,7 +9637,7 @@
                 <a:avLst/>
               </a:prstGeom>
               <a:solidFill>
-                <a:srgbClr val="46CF76"/>
+                <a:srgbClr val="322B80"/>
               </a:solidFill>
               <a:ln>
                 <a:noFill/>
@@ -9684,7 +9680,7 @@
               <p:cNvPr id="95" name="Arc 94">
                 <a:extLst>
                   <a:ext uri="{FF2B5EF4-FFF2-40B4-BE49-F238E27FC236}">
-                    <a16:creationId xmlns:a16="http://schemas.microsoft.com/office/drawing/2014/main" xmlns="" id="{B885AD0D-2A97-4761-A7E2-81AE7730FF98}"/>
+                    <a16:creationId xmlns="" xmlns:a16="http://schemas.microsoft.com/office/drawing/2014/main" id="{B885AD0D-2A97-4761-A7E2-81AE7730FF98}"/>
                   </a:ext>
                 </a:extLst>
               </p:cNvPr>
@@ -9763,7 +9759,7 @@
             <p:cNvPr id="96" name="Group 95">
               <a:extLst>
                 <a:ext uri="{FF2B5EF4-FFF2-40B4-BE49-F238E27FC236}">
-                  <a16:creationId xmlns:a16="http://schemas.microsoft.com/office/drawing/2014/main" xmlns="" id="{B20895E6-FBAD-4249-90F9-43369FD2080F}"/>
+                  <a16:creationId xmlns="" xmlns:a16="http://schemas.microsoft.com/office/drawing/2014/main" id="{B20895E6-FBAD-4249-90F9-43369FD2080F}"/>
                 </a:ext>
               </a:extLst>
             </p:cNvPr>
@@ -9783,7 +9779,7 @@
               <p:cNvPr id="97" name="Rectangle 96">
                 <a:extLst>
                   <a:ext uri="{FF2B5EF4-FFF2-40B4-BE49-F238E27FC236}">
-                    <a16:creationId xmlns:a16="http://schemas.microsoft.com/office/drawing/2014/main" xmlns="" id="{416F99E9-E132-4AB6-9501-719E390B2951}"/>
+                    <a16:creationId xmlns="" xmlns:a16="http://schemas.microsoft.com/office/drawing/2014/main" id="{416F99E9-E132-4AB6-9501-719E390B2951}"/>
                   </a:ext>
                 </a:extLst>
               </p:cNvPr>
@@ -9799,7 +9795,7 @@
                 <a:avLst/>
               </a:prstGeom>
               <a:solidFill>
-                <a:srgbClr val="46CF76"/>
+                <a:srgbClr val="322B80"/>
               </a:solidFill>
               <a:ln>
                 <a:noFill/>
@@ -9842,7 +9838,7 @@
               <p:cNvPr id="98" name="Arc 97">
                 <a:extLst>
                   <a:ext uri="{FF2B5EF4-FFF2-40B4-BE49-F238E27FC236}">
-                    <a16:creationId xmlns:a16="http://schemas.microsoft.com/office/drawing/2014/main" xmlns="" id="{7BF41422-E1EF-4A49-906D-7C9E43200378}"/>
+                    <a16:creationId xmlns="" xmlns:a16="http://schemas.microsoft.com/office/drawing/2014/main" id="{7BF41422-E1EF-4A49-906D-7C9E43200378}"/>
                   </a:ext>
                 </a:extLst>
               </p:cNvPr>
@@ -9921,7 +9917,7 @@
             <p:cNvPr id="99" name="Group 98">
               <a:extLst>
                 <a:ext uri="{FF2B5EF4-FFF2-40B4-BE49-F238E27FC236}">
-                  <a16:creationId xmlns:a16="http://schemas.microsoft.com/office/drawing/2014/main" xmlns="" id="{3A6C8FCE-3906-4A51-8C51-53A21458A79D}"/>
+                  <a16:creationId xmlns="" xmlns:a16="http://schemas.microsoft.com/office/drawing/2014/main" id="{3A6C8FCE-3906-4A51-8C51-53A21458A79D}"/>
                 </a:ext>
               </a:extLst>
             </p:cNvPr>
@@ -9941,7 +9937,7 @@
               <p:cNvPr id="100" name="Rectangle 99">
                 <a:extLst>
                   <a:ext uri="{FF2B5EF4-FFF2-40B4-BE49-F238E27FC236}">
-                    <a16:creationId xmlns:a16="http://schemas.microsoft.com/office/drawing/2014/main" xmlns="" id="{01B7306C-C82A-4CBC-8810-B196E2B85FD9}"/>
+                    <a16:creationId xmlns="" xmlns:a16="http://schemas.microsoft.com/office/drawing/2014/main" id="{01B7306C-C82A-4CBC-8810-B196E2B85FD9}"/>
                   </a:ext>
                 </a:extLst>
               </p:cNvPr>
@@ -9957,7 +9953,7 @@
                 <a:avLst/>
               </a:prstGeom>
               <a:solidFill>
-                <a:srgbClr val="46CF76"/>
+                <a:srgbClr val="322B80"/>
               </a:solidFill>
               <a:ln>
                 <a:noFill/>
@@ -10000,7 +9996,7 @@
               <p:cNvPr id="101" name="Arc 100">
                 <a:extLst>
                   <a:ext uri="{FF2B5EF4-FFF2-40B4-BE49-F238E27FC236}">
-                    <a16:creationId xmlns:a16="http://schemas.microsoft.com/office/drawing/2014/main" xmlns="" id="{4309EB4B-A1C1-41B8-9E71-43E4632DE81A}"/>
+                    <a16:creationId xmlns="" xmlns:a16="http://schemas.microsoft.com/office/drawing/2014/main" id="{4309EB4B-A1C1-41B8-9E71-43E4632DE81A}"/>
                   </a:ext>
                 </a:extLst>
               </p:cNvPr>
@@ -10079,7 +10075,7 @@
             <p:cNvPr id="102" name="Group 101">
               <a:extLst>
                 <a:ext uri="{FF2B5EF4-FFF2-40B4-BE49-F238E27FC236}">
-                  <a16:creationId xmlns:a16="http://schemas.microsoft.com/office/drawing/2014/main" xmlns="" id="{C74B4894-B5D2-4362-964C-D4DC0546060A}"/>
+                  <a16:creationId xmlns="" xmlns:a16="http://schemas.microsoft.com/office/drawing/2014/main" id="{C74B4894-B5D2-4362-964C-D4DC0546060A}"/>
                 </a:ext>
               </a:extLst>
             </p:cNvPr>
@@ -10099,7 +10095,7 @@
               <p:cNvPr id="103" name="Rectangle 102">
                 <a:extLst>
                   <a:ext uri="{FF2B5EF4-FFF2-40B4-BE49-F238E27FC236}">
-                    <a16:creationId xmlns:a16="http://schemas.microsoft.com/office/drawing/2014/main" xmlns="" id="{DA95D981-4D5B-4F4F-8A82-69838938508F}"/>
+                    <a16:creationId xmlns="" xmlns:a16="http://schemas.microsoft.com/office/drawing/2014/main" id="{DA95D981-4D5B-4F4F-8A82-69838938508F}"/>
                   </a:ext>
                 </a:extLst>
               </p:cNvPr>
@@ -10115,7 +10111,7 @@
                 <a:avLst/>
               </a:prstGeom>
               <a:solidFill>
-                <a:srgbClr val="46CF76"/>
+                <a:srgbClr val="322B80"/>
               </a:solidFill>
               <a:ln>
                 <a:noFill/>
@@ -10158,7 +10154,7 @@
               <p:cNvPr id="104" name="Arc 103">
                 <a:extLst>
                   <a:ext uri="{FF2B5EF4-FFF2-40B4-BE49-F238E27FC236}">
-                    <a16:creationId xmlns:a16="http://schemas.microsoft.com/office/drawing/2014/main" xmlns="" id="{E4822634-A39A-4B0D-8399-883328FCA1EE}"/>
+                    <a16:creationId xmlns="" xmlns:a16="http://schemas.microsoft.com/office/drawing/2014/main" id="{E4822634-A39A-4B0D-8399-883328FCA1EE}"/>
                   </a:ext>
                 </a:extLst>
               </p:cNvPr>
@@ -10237,7 +10233,7 @@
             <p:cNvPr id="105" name="Group 104">
               <a:extLst>
                 <a:ext uri="{FF2B5EF4-FFF2-40B4-BE49-F238E27FC236}">
-                  <a16:creationId xmlns:a16="http://schemas.microsoft.com/office/drawing/2014/main" xmlns="" id="{AC0C8900-7AAE-4DAD-9853-250BA8E46217}"/>
+                  <a16:creationId xmlns="" xmlns:a16="http://schemas.microsoft.com/office/drawing/2014/main" id="{AC0C8900-7AAE-4DAD-9853-250BA8E46217}"/>
                 </a:ext>
               </a:extLst>
             </p:cNvPr>
@@ -10257,7 +10253,7 @@
               <p:cNvPr id="106" name="Rectangle 105">
                 <a:extLst>
                   <a:ext uri="{FF2B5EF4-FFF2-40B4-BE49-F238E27FC236}">
-                    <a16:creationId xmlns:a16="http://schemas.microsoft.com/office/drawing/2014/main" xmlns="" id="{8F16C3F5-5111-4385-95DB-684995C5DA9E}"/>
+                    <a16:creationId xmlns="" xmlns:a16="http://schemas.microsoft.com/office/drawing/2014/main" id="{8F16C3F5-5111-4385-95DB-684995C5DA9E}"/>
                   </a:ext>
                 </a:extLst>
               </p:cNvPr>
@@ -10273,7 +10269,7 @@
                 <a:avLst/>
               </a:prstGeom>
               <a:solidFill>
-                <a:srgbClr val="46CF76"/>
+                <a:srgbClr val="322B80"/>
               </a:solidFill>
               <a:ln>
                 <a:noFill/>
@@ -10316,7 +10312,7 @@
               <p:cNvPr id="107" name="Arc 106">
                 <a:extLst>
                   <a:ext uri="{FF2B5EF4-FFF2-40B4-BE49-F238E27FC236}">
-                    <a16:creationId xmlns:a16="http://schemas.microsoft.com/office/drawing/2014/main" xmlns="" id="{C8E4EC42-A513-472E-AE69-66EF8F71937C}"/>
+                    <a16:creationId xmlns="" xmlns:a16="http://schemas.microsoft.com/office/drawing/2014/main" id="{C8E4EC42-A513-472E-AE69-66EF8F71937C}"/>
                   </a:ext>
                 </a:extLst>
               </p:cNvPr>
@@ -10395,7 +10391,7 @@
             <p:cNvPr id="108" name="Group 107">
               <a:extLst>
                 <a:ext uri="{FF2B5EF4-FFF2-40B4-BE49-F238E27FC236}">
-                  <a16:creationId xmlns:a16="http://schemas.microsoft.com/office/drawing/2014/main" xmlns="" id="{B9DF2A69-06AC-4DC9-B6C7-9A1B9D012585}"/>
+                  <a16:creationId xmlns="" xmlns:a16="http://schemas.microsoft.com/office/drawing/2014/main" id="{B9DF2A69-06AC-4DC9-B6C7-9A1B9D012585}"/>
                 </a:ext>
               </a:extLst>
             </p:cNvPr>
@@ -10415,7 +10411,7 @@
               <p:cNvPr id="109" name="Rectangle 108">
                 <a:extLst>
                   <a:ext uri="{FF2B5EF4-FFF2-40B4-BE49-F238E27FC236}">
-                    <a16:creationId xmlns:a16="http://schemas.microsoft.com/office/drawing/2014/main" xmlns="" id="{66D59475-186E-4F7A-A501-ABEDCC08DC98}"/>
+                    <a16:creationId xmlns="" xmlns:a16="http://schemas.microsoft.com/office/drawing/2014/main" id="{66D59475-186E-4F7A-A501-ABEDCC08DC98}"/>
                   </a:ext>
                 </a:extLst>
               </p:cNvPr>
@@ -10431,7 +10427,7 @@
                 <a:avLst/>
               </a:prstGeom>
               <a:solidFill>
-                <a:srgbClr val="46CF76"/>
+                <a:srgbClr val="322B80"/>
               </a:solidFill>
               <a:ln>
                 <a:noFill/>
@@ -10474,7 +10470,7 @@
               <p:cNvPr id="110" name="Arc 109">
                 <a:extLst>
                   <a:ext uri="{FF2B5EF4-FFF2-40B4-BE49-F238E27FC236}">
-                    <a16:creationId xmlns:a16="http://schemas.microsoft.com/office/drawing/2014/main" xmlns="" id="{55C929AA-C5D4-4A29-94FC-BF99C03F9430}"/>
+                    <a16:creationId xmlns="" xmlns:a16="http://schemas.microsoft.com/office/drawing/2014/main" id="{55C929AA-C5D4-4A29-94FC-BF99C03F9430}"/>
                   </a:ext>
                 </a:extLst>
               </p:cNvPr>
@@ -10553,7 +10549,7 @@
             <p:cNvPr id="111" name="Group 110">
               <a:extLst>
                 <a:ext uri="{FF2B5EF4-FFF2-40B4-BE49-F238E27FC236}">
-                  <a16:creationId xmlns:a16="http://schemas.microsoft.com/office/drawing/2014/main" xmlns="" id="{26F5DDE8-77F1-4A19-9A73-FA16AD387091}"/>
+                  <a16:creationId xmlns="" xmlns:a16="http://schemas.microsoft.com/office/drawing/2014/main" id="{26F5DDE8-77F1-4A19-9A73-FA16AD387091}"/>
                 </a:ext>
               </a:extLst>
             </p:cNvPr>
@@ -10573,7 +10569,7 @@
               <p:cNvPr id="112" name="Rectangle 111">
                 <a:extLst>
                   <a:ext uri="{FF2B5EF4-FFF2-40B4-BE49-F238E27FC236}">
-                    <a16:creationId xmlns:a16="http://schemas.microsoft.com/office/drawing/2014/main" xmlns="" id="{3975D25C-1E30-46E2-BA99-3037ADE31704}"/>
+                    <a16:creationId xmlns="" xmlns:a16="http://schemas.microsoft.com/office/drawing/2014/main" id="{3975D25C-1E30-46E2-BA99-3037ADE31704}"/>
                   </a:ext>
                 </a:extLst>
               </p:cNvPr>
@@ -10589,7 +10585,7 @@
                 <a:avLst/>
               </a:prstGeom>
               <a:solidFill>
-                <a:srgbClr val="46CF76"/>
+                <a:srgbClr val="322B80"/>
               </a:solidFill>
               <a:ln>
                 <a:noFill/>
@@ -10632,7 +10628,7 @@
               <p:cNvPr id="113" name="Arc 112">
                 <a:extLst>
                   <a:ext uri="{FF2B5EF4-FFF2-40B4-BE49-F238E27FC236}">
-                    <a16:creationId xmlns:a16="http://schemas.microsoft.com/office/drawing/2014/main" xmlns="" id="{5489E9B8-DC06-4350-B467-61A9DA0B02A7}"/>
+                    <a16:creationId xmlns="" xmlns:a16="http://schemas.microsoft.com/office/drawing/2014/main" id="{5489E9B8-DC06-4350-B467-61A9DA0B02A7}"/>
                   </a:ext>
                 </a:extLst>
               </p:cNvPr>
@@ -10711,7 +10707,7 @@
             <p:cNvPr id="114" name="Group 113">
               <a:extLst>
                 <a:ext uri="{FF2B5EF4-FFF2-40B4-BE49-F238E27FC236}">
-                  <a16:creationId xmlns:a16="http://schemas.microsoft.com/office/drawing/2014/main" xmlns="" id="{0375CE18-5EC1-4881-8142-DC1BC91AD094}"/>
+                  <a16:creationId xmlns="" xmlns:a16="http://schemas.microsoft.com/office/drawing/2014/main" id="{0375CE18-5EC1-4881-8142-DC1BC91AD094}"/>
                 </a:ext>
               </a:extLst>
             </p:cNvPr>
@@ -10731,7 +10727,7 @@
               <p:cNvPr id="115" name="Rectangle 114">
                 <a:extLst>
                   <a:ext uri="{FF2B5EF4-FFF2-40B4-BE49-F238E27FC236}">
-                    <a16:creationId xmlns:a16="http://schemas.microsoft.com/office/drawing/2014/main" xmlns="" id="{10A76D25-919A-40D9-9554-EFE2D3956BE4}"/>
+                    <a16:creationId xmlns="" xmlns:a16="http://schemas.microsoft.com/office/drawing/2014/main" id="{10A76D25-919A-40D9-9554-EFE2D3956BE4}"/>
                   </a:ext>
                 </a:extLst>
               </p:cNvPr>
@@ -10747,7 +10743,7 @@
                 <a:avLst/>
               </a:prstGeom>
               <a:solidFill>
-                <a:srgbClr val="46CF76"/>
+                <a:srgbClr val="322B80"/>
               </a:solidFill>
               <a:ln>
                 <a:noFill/>
@@ -10790,7 +10786,7 @@
               <p:cNvPr id="116" name="Arc 115">
                 <a:extLst>
                   <a:ext uri="{FF2B5EF4-FFF2-40B4-BE49-F238E27FC236}">
-                    <a16:creationId xmlns:a16="http://schemas.microsoft.com/office/drawing/2014/main" xmlns="" id="{F541D253-66CC-4C59-909C-302800ABEEFC}"/>
+                    <a16:creationId xmlns="" xmlns:a16="http://schemas.microsoft.com/office/drawing/2014/main" id="{F541D253-66CC-4C59-909C-302800ABEEFC}"/>
                   </a:ext>
                 </a:extLst>
               </p:cNvPr>
@@ -10869,7 +10865,7 @@
             <p:cNvPr id="117" name="Group 116">
               <a:extLst>
                 <a:ext uri="{FF2B5EF4-FFF2-40B4-BE49-F238E27FC236}">
-                  <a16:creationId xmlns:a16="http://schemas.microsoft.com/office/drawing/2014/main" xmlns="" id="{D86A99F9-8CBA-4BBB-88F7-14582E27C64C}"/>
+                  <a16:creationId xmlns="" xmlns:a16="http://schemas.microsoft.com/office/drawing/2014/main" id="{D86A99F9-8CBA-4BBB-88F7-14582E27C64C}"/>
                 </a:ext>
               </a:extLst>
             </p:cNvPr>
@@ -10879,9 +10875,9 @@
           <p:grpSpPr>
             <a:xfrm>
               <a:off x="5805714" y="4473872"/>
-              <a:ext cx="580573" cy="386869"/>
+              <a:ext cx="598865" cy="386869"/>
               <a:chOff x="5805714" y="609691"/>
-              <a:chExt cx="580573" cy="386869"/>
+              <a:chExt cx="598865" cy="386869"/>
             </a:xfrm>
           </p:grpSpPr>
           <p:sp>
@@ -10889,7 +10885,7 @@
               <p:cNvPr id="118" name="Rectangle 117">
                 <a:extLst>
                   <a:ext uri="{FF2B5EF4-FFF2-40B4-BE49-F238E27FC236}">
-                    <a16:creationId xmlns:a16="http://schemas.microsoft.com/office/drawing/2014/main" xmlns="" id="{16259704-CA38-4525-8489-D1FECD12BDBC}"/>
+                    <a16:creationId xmlns="" xmlns:a16="http://schemas.microsoft.com/office/drawing/2014/main" id="{16259704-CA38-4525-8489-D1FECD12BDBC}"/>
                   </a:ext>
                 </a:extLst>
               </p:cNvPr>
@@ -10898,14 +10894,14 @@
             </p:nvSpPr>
             <p:spPr>
               <a:xfrm>
-                <a:off x="6126481" y="682263"/>
+                <a:off x="6144773" y="694361"/>
                 <a:ext cx="259806" cy="145054"/>
               </a:xfrm>
               <a:prstGeom prst="rect">
                 <a:avLst/>
               </a:prstGeom>
               <a:solidFill>
-                <a:srgbClr val="46CF76"/>
+                <a:srgbClr val="322B80"/>
               </a:solidFill>
               <a:ln>
                 <a:noFill/>
@@ -10948,7 +10944,7 @@
               <p:cNvPr id="119" name="Arc 118">
                 <a:extLst>
                   <a:ext uri="{FF2B5EF4-FFF2-40B4-BE49-F238E27FC236}">
-                    <a16:creationId xmlns:a16="http://schemas.microsoft.com/office/drawing/2014/main" xmlns="" id="{40F4FCA1-5992-49D0-8CE6-8488CF6BAF04}"/>
+                    <a16:creationId xmlns="" xmlns:a16="http://schemas.microsoft.com/office/drawing/2014/main" id="{40F4FCA1-5992-49D0-8CE6-8488CF6BAF04}"/>
                   </a:ext>
                 </a:extLst>
               </p:cNvPr>
@@ -11027,7 +11023,7 @@
             <p:cNvPr id="120" name="Group 119">
               <a:extLst>
                 <a:ext uri="{FF2B5EF4-FFF2-40B4-BE49-F238E27FC236}">
-                  <a16:creationId xmlns:a16="http://schemas.microsoft.com/office/drawing/2014/main" xmlns="" id="{F5C59377-7214-4209-BA16-86D5D1DAE2B0}"/>
+                  <a16:creationId xmlns="" xmlns:a16="http://schemas.microsoft.com/office/drawing/2014/main" id="{F5C59377-7214-4209-BA16-86D5D1DAE2B0}"/>
                 </a:ext>
               </a:extLst>
             </p:cNvPr>
@@ -11037,9 +11033,9 @@
           <p:grpSpPr>
             <a:xfrm>
               <a:off x="5805714" y="4784895"/>
-              <a:ext cx="580573" cy="386869"/>
+              <a:ext cx="601170" cy="386869"/>
               <a:chOff x="5805714" y="609691"/>
-              <a:chExt cx="580573" cy="386869"/>
+              <a:chExt cx="601170" cy="386869"/>
             </a:xfrm>
           </p:grpSpPr>
           <p:sp>
@@ -11047,7 +11043,7 @@
               <p:cNvPr id="121" name="Rectangle 120">
                 <a:extLst>
                   <a:ext uri="{FF2B5EF4-FFF2-40B4-BE49-F238E27FC236}">
-                    <a16:creationId xmlns:a16="http://schemas.microsoft.com/office/drawing/2014/main" xmlns="" id="{959A5D35-C7AE-458F-BBB5-71CD3A3F97F8}"/>
+                    <a16:creationId xmlns="" xmlns:a16="http://schemas.microsoft.com/office/drawing/2014/main" id="{959A5D35-C7AE-458F-BBB5-71CD3A3F97F8}"/>
                   </a:ext>
                 </a:extLst>
               </p:cNvPr>
@@ -11056,14 +11052,14 @@
             </p:nvSpPr>
             <p:spPr>
               <a:xfrm>
-                <a:off x="6126481" y="682263"/>
+                <a:off x="6147078" y="688907"/>
                 <a:ext cx="259806" cy="145054"/>
               </a:xfrm>
               <a:prstGeom prst="rect">
                 <a:avLst/>
               </a:prstGeom>
               <a:solidFill>
-                <a:srgbClr val="46CF76"/>
+                <a:srgbClr val="322B80"/>
               </a:solidFill>
               <a:ln>
                 <a:noFill/>
@@ -11106,7 +11102,7 @@
               <p:cNvPr id="122" name="Arc 121">
                 <a:extLst>
                   <a:ext uri="{FF2B5EF4-FFF2-40B4-BE49-F238E27FC236}">
-                    <a16:creationId xmlns:a16="http://schemas.microsoft.com/office/drawing/2014/main" xmlns="" id="{F490A229-65A6-4DFF-870F-4B92A114A66A}"/>
+                    <a16:creationId xmlns="" xmlns:a16="http://schemas.microsoft.com/office/drawing/2014/main" id="{F490A229-65A6-4DFF-870F-4B92A114A66A}"/>
                   </a:ext>
                 </a:extLst>
               </p:cNvPr>
@@ -11185,7 +11181,7 @@
             <p:cNvPr id="123" name="Group 122">
               <a:extLst>
                 <a:ext uri="{FF2B5EF4-FFF2-40B4-BE49-F238E27FC236}">
-                  <a16:creationId xmlns:a16="http://schemas.microsoft.com/office/drawing/2014/main" xmlns="" id="{9EC6FFFF-2006-4366-8566-0113AD9F036A}"/>
+                  <a16:creationId xmlns="" xmlns:a16="http://schemas.microsoft.com/office/drawing/2014/main" id="{9EC6FFFF-2006-4366-8566-0113AD9F036A}"/>
                 </a:ext>
               </a:extLst>
             </p:cNvPr>
@@ -11195,9 +11191,9 @@
           <p:grpSpPr>
             <a:xfrm>
               <a:off x="5805714" y="5095918"/>
-              <a:ext cx="580573" cy="386869"/>
+              <a:ext cx="606488" cy="386869"/>
               <a:chOff x="5805714" y="609691"/>
-              <a:chExt cx="580573" cy="386869"/>
+              <a:chExt cx="606488" cy="386869"/>
             </a:xfrm>
           </p:grpSpPr>
           <p:sp>
@@ -11205,7 +11201,7 @@
               <p:cNvPr id="124" name="Rectangle 123">
                 <a:extLst>
                   <a:ext uri="{FF2B5EF4-FFF2-40B4-BE49-F238E27FC236}">
-                    <a16:creationId xmlns:a16="http://schemas.microsoft.com/office/drawing/2014/main" xmlns="" id="{595E399E-0521-4D5B-914F-29C3ADDF2B72}"/>
+                    <a16:creationId xmlns="" xmlns:a16="http://schemas.microsoft.com/office/drawing/2014/main" id="{595E399E-0521-4D5B-914F-29C3ADDF2B72}"/>
                   </a:ext>
                 </a:extLst>
               </p:cNvPr>
@@ -11214,14 +11210,14 @@
             </p:nvSpPr>
             <p:spPr>
               <a:xfrm>
-                <a:off x="6126481" y="682263"/>
+                <a:off x="6152396" y="678938"/>
                 <a:ext cx="259806" cy="145054"/>
               </a:xfrm>
               <a:prstGeom prst="rect">
                 <a:avLst/>
               </a:prstGeom>
               <a:solidFill>
-                <a:srgbClr val="46CF76"/>
+                <a:srgbClr val="322B80"/>
               </a:solidFill>
               <a:ln>
                 <a:noFill/>
@@ -11264,7 +11260,7 @@
               <p:cNvPr id="125" name="Arc 124">
                 <a:extLst>
                   <a:ext uri="{FF2B5EF4-FFF2-40B4-BE49-F238E27FC236}">
-                    <a16:creationId xmlns:a16="http://schemas.microsoft.com/office/drawing/2014/main" xmlns="" id="{14739334-2472-4756-B880-7780C40DA407}"/>
+                    <a16:creationId xmlns="" xmlns:a16="http://schemas.microsoft.com/office/drawing/2014/main" id="{14739334-2472-4756-B880-7780C40DA407}"/>
                   </a:ext>
                 </a:extLst>
               </p:cNvPr>
@@ -11343,7 +11339,7 @@
             <p:cNvPr id="126" name="Group 125">
               <a:extLst>
                 <a:ext uri="{FF2B5EF4-FFF2-40B4-BE49-F238E27FC236}">
-                  <a16:creationId xmlns:a16="http://schemas.microsoft.com/office/drawing/2014/main" xmlns="" id="{6D7FEFCF-F5E2-48A4-8DA2-466E3FA530E8}"/>
+                  <a16:creationId xmlns="" xmlns:a16="http://schemas.microsoft.com/office/drawing/2014/main" id="{6D7FEFCF-F5E2-48A4-8DA2-466E3FA530E8}"/>
                 </a:ext>
               </a:extLst>
             </p:cNvPr>
@@ -11353,9 +11349,9 @@
           <p:grpSpPr>
             <a:xfrm>
               <a:off x="5805714" y="5406941"/>
-              <a:ext cx="580573" cy="386869"/>
+              <a:ext cx="597310" cy="386869"/>
               <a:chOff x="5805714" y="609691"/>
-              <a:chExt cx="580573" cy="386869"/>
+              <a:chExt cx="597310" cy="386869"/>
             </a:xfrm>
           </p:grpSpPr>
           <p:sp>
@@ -11363,7 +11359,7 @@
               <p:cNvPr id="127" name="Rectangle 126">
                 <a:extLst>
                   <a:ext uri="{FF2B5EF4-FFF2-40B4-BE49-F238E27FC236}">
-                    <a16:creationId xmlns:a16="http://schemas.microsoft.com/office/drawing/2014/main" xmlns="" id="{5B8C7798-2FB8-447C-BA5C-ECB75C74E5AD}"/>
+                    <a16:creationId xmlns="" xmlns:a16="http://schemas.microsoft.com/office/drawing/2014/main" id="{5B8C7798-2FB8-447C-BA5C-ECB75C74E5AD}"/>
                   </a:ext>
                 </a:extLst>
               </p:cNvPr>
@@ -11372,14 +11368,14 @@
             </p:nvSpPr>
             <p:spPr>
               <a:xfrm>
-                <a:off x="6126481" y="682263"/>
+                <a:off x="6143218" y="685582"/>
                 <a:ext cx="259806" cy="145054"/>
               </a:xfrm>
               <a:prstGeom prst="rect">
                 <a:avLst/>
               </a:prstGeom>
               <a:solidFill>
-                <a:srgbClr val="46CF76"/>
+                <a:srgbClr val="322B80"/>
               </a:solidFill>
               <a:ln>
                 <a:noFill/>
@@ -11422,7 +11418,7 @@
               <p:cNvPr id="128" name="Arc 127">
                 <a:extLst>
                   <a:ext uri="{FF2B5EF4-FFF2-40B4-BE49-F238E27FC236}">
-                    <a16:creationId xmlns:a16="http://schemas.microsoft.com/office/drawing/2014/main" xmlns="" id="{DDFE7CA2-AC7D-4CF0-A779-1F7EC6161969}"/>
+                    <a16:creationId xmlns="" xmlns:a16="http://schemas.microsoft.com/office/drawing/2014/main" id="{DDFE7CA2-AC7D-4CF0-A779-1F7EC6161969}"/>
                   </a:ext>
                 </a:extLst>
               </p:cNvPr>
@@ -11501,7 +11497,7 @@
             <p:cNvPr id="129" name="Group 128">
               <a:extLst>
                 <a:ext uri="{FF2B5EF4-FFF2-40B4-BE49-F238E27FC236}">
-                  <a16:creationId xmlns:a16="http://schemas.microsoft.com/office/drawing/2014/main" xmlns="" id="{EF6B5FAD-EB1F-43DC-8B99-11CAD21D64C9}"/>
+                  <a16:creationId xmlns="" xmlns:a16="http://schemas.microsoft.com/office/drawing/2014/main" id="{EF6B5FAD-EB1F-43DC-8B99-11CAD21D64C9}"/>
                 </a:ext>
               </a:extLst>
             </p:cNvPr>
@@ -11521,7 +11517,7 @@
               <p:cNvPr id="130" name="Rectangle 129">
                 <a:extLst>
                   <a:ext uri="{FF2B5EF4-FFF2-40B4-BE49-F238E27FC236}">
-                    <a16:creationId xmlns:a16="http://schemas.microsoft.com/office/drawing/2014/main" xmlns="" id="{B817890A-729D-4FBB-8EF7-DAFD6F73427B}"/>
+                    <a16:creationId xmlns="" xmlns:a16="http://schemas.microsoft.com/office/drawing/2014/main" id="{B817890A-729D-4FBB-8EF7-DAFD6F73427B}"/>
                   </a:ext>
                 </a:extLst>
               </p:cNvPr>
@@ -11537,7 +11533,7 @@
                 <a:avLst/>
               </a:prstGeom>
               <a:solidFill>
-                <a:srgbClr val="46CF76"/>
+                <a:srgbClr val="322B80"/>
               </a:solidFill>
               <a:ln>
                 <a:noFill/>
@@ -11580,7 +11576,7 @@
               <p:cNvPr id="131" name="Arc 130">
                 <a:extLst>
                   <a:ext uri="{FF2B5EF4-FFF2-40B4-BE49-F238E27FC236}">
-                    <a16:creationId xmlns:a16="http://schemas.microsoft.com/office/drawing/2014/main" xmlns="" id="{EAD6132E-2435-4771-A3CC-CCE94E7A9600}"/>
+                    <a16:creationId xmlns="" xmlns:a16="http://schemas.microsoft.com/office/drawing/2014/main" id="{EAD6132E-2435-4771-A3CC-CCE94E7A9600}"/>
                   </a:ext>
                 </a:extLst>
               </p:cNvPr>
@@ -11659,7 +11655,7 @@
             <p:cNvPr id="132" name="Group 131">
               <a:extLst>
                 <a:ext uri="{FF2B5EF4-FFF2-40B4-BE49-F238E27FC236}">
-                  <a16:creationId xmlns:a16="http://schemas.microsoft.com/office/drawing/2014/main" xmlns="" id="{2B7006E1-B188-46BA-BAA5-15A960905F4C}"/>
+                  <a16:creationId xmlns="" xmlns:a16="http://schemas.microsoft.com/office/drawing/2014/main" id="{2B7006E1-B188-46BA-BAA5-15A960905F4C}"/>
                 </a:ext>
               </a:extLst>
             </p:cNvPr>
@@ -11669,9 +11665,9 @@
           <p:grpSpPr>
             <a:xfrm>
               <a:off x="5805714" y="6028987"/>
-              <a:ext cx="580573" cy="386869"/>
+              <a:ext cx="606488" cy="386869"/>
               <a:chOff x="5805714" y="609691"/>
-              <a:chExt cx="580573" cy="386869"/>
+              <a:chExt cx="606488" cy="386869"/>
             </a:xfrm>
           </p:grpSpPr>
           <p:sp>
@@ -11679,7 +11675,7 @@
               <p:cNvPr id="133" name="Rectangle 132">
                 <a:extLst>
                   <a:ext uri="{FF2B5EF4-FFF2-40B4-BE49-F238E27FC236}">
-                    <a16:creationId xmlns:a16="http://schemas.microsoft.com/office/drawing/2014/main" xmlns="" id="{D01250CF-AFA1-4A19-B3C7-7F163609380B}"/>
+                    <a16:creationId xmlns="" xmlns:a16="http://schemas.microsoft.com/office/drawing/2014/main" id="{D01250CF-AFA1-4A19-B3C7-7F163609380B}"/>
                   </a:ext>
                 </a:extLst>
               </p:cNvPr>
@@ -11688,14 +11684,14 @@
             </p:nvSpPr>
             <p:spPr>
               <a:xfrm>
-                <a:off x="6126481" y="682263"/>
+                <a:off x="6152396" y="692226"/>
                 <a:ext cx="259806" cy="145054"/>
               </a:xfrm>
               <a:prstGeom prst="rect">
                 <a:avLst/>
               </a:prstGeom>
               <a:solidFill>
-                <a:srgbClr val="46CF76"/>
+                <a:srgbClr val="322B80"/>
               </a:solidFill>
               <a:ln>
                 <a:noFill/>
@@ -11738,7 +11734,7 @@
               <p:cNvPr id="134" name="Arc 133">
                 <a:extLst>
                   <a:ext uri="{FF2B5EF4-FFF2-40B4-BE49-F238E27FC236}">
-                    <a16:creationId xmlns:a16="http://schemas.microsoft.com/office/drawing/2014/main" xmlns="" id="{1014BA5C-C370-44EB-84DA-2D69E36CE6C3}"/>
+                    <a16:creationId xmlns="" xmlns:a16="http://schemas.microsoft.com/office/drawing/2014/main" id="{1014BA5C-C370-44EB-84DA-2D69E36CE6C3}"/>
                   </a:ext>
                 </a:extLst>
               </p:cNvPr>
@@ -11817,7 +11813,7 @@
             <p:cNvPr id="135" name="Group 134">
               <a:extLst>
                 <a:ext uri="{FF2B5EF4-FFF2-40B4-BE49-F238E27FC236}">
-                  <a16:creationId xmlns:a16="http://schemas.microsoft.com/office/drawing/2014/main" xmlns="" id="{AD8CB7E5-EBC4-4791-B93B-D0B41B862B83}"/>
+                  <a16:creationId xmlns="" xmlns:a16="http://schemas.microsoft.com/office/drawing/2014/main" id="{AD8CB7E5-EBC4-4791-B93B-D0B41B862B83}"/>
                 </a:ext>
               </a:extLst>
             </p:cNvPr>
@@ -11837,7 +11833,7 @@
               <p:cNvPr id="136" name="Rectangle 135">
                 <a:extLst>
                   <a:ext uri="{FF2B5EF4-FFF2-40B4-BE49-F238E27FC236}">
-                    <a16:creationId xmlns:a16="http://schemas.microsoft.com/office/drawing/2014/main" xmlns="" id="{CF456FF3-391C-4C8E-A128-A413BDBBB225}"/>
+                    <a16:creationId xmlns="" xmlns:a16="http://schemas.microsoft.com/office/drawing/2014/main" id="{CF456FF3-391C-4C8E-A128-A413BDBBB225}"/>
                   </a:ext>
                 </a:extLst>
               </p:cNvPr>
@@ -11853,7 +11849,7 @@
                 <a:avLst/>
               </a:prstGeom>
               <a:solidFill>
-                <a:srgbClr val="46CF76"/>
+                <a:srgbClr val="322B80"/>
               </a:solidFill>
               <a:ln>
                 <a:noFill/>
@@ -11896,7 +11892,7 @@
               <p:cNvPr id="137" name="Arc 136">
                 <a:extLst>
                   <a:ext uri="{FF2B5EF4-FFF2-40B4-BE49-F238E27FC236}">
-                    <a16:creationId xmlns:a16="http://schemas.microsoft.com/office/drawing/2014/main" xmlns="" id="{8838FE2A-04D7-44E3-97C3-54338832CB9A}"/>
+                    <a16:creationId xmlns="" xmlns:a16="http://schemas.microsoft.com/office/drawing/2014/main" id="{8838FE2A-04D7-44E3-97C3-54338832CB9A}"/>
                   </a:ext>
                 </a:extLst>
               </p:cNvPr>
@@ -11976,7 +11972,7 @@
           <p:cNvPr id="21" name="TextBox 20">
             <a:extLst>
               <a:ext uri="{FF2B5EF4-FFF2-40B4-BE49-F238E27FC236}">
-                <a16:creationId xmlns:a16="http://schemas.microsoft.com/office/drawing/2014/main" xmlns="" id="{A965834C-80E1-4270-9F5A-A3582A7BB7F7}"/>
+                <a16:creationId xmlns="" xmlns:a16="http://schemas.microsoft.com/office/drawing/2014/main" id="{A965834C-80E1-4270-9F5A-A3582A7BB7F7}"/>
               </a:ext>
             </a:extLst>
           </p:cNvPr>
@@ -11985,8 +11981,8 @@
         </p:nvSpPr>
         <p:spPr>
           <a:xfrm>
-            <a:off x="6416768" y="430573"/>
-            <a:ext cx="2278250" cy="461665"/>
+            <a:off x="6416768" y="430574"/>
+            <a:ext cx="2278251" cy="461665"/>
           </a:xfrm>
           <a:prstGeom prst="rect">
             <a:avLst/>
@@ -12000,14 +11996,14 @@
           <a:lstStyle/>
           <a:p>
             <a:r>
-              <a:rPr lang="pl-PL" sz="2400" dirty="0" err="1" smtClean="0">
+              <a:rPr lang="pl-PL" sz="2400" dirty="0" err="1">
                 <a:latin typeface="Hand Of Sean" panose="02000500000000000000" pitchFamily="2" charset="-128"/>
                 <a:ea typeface="Hand Of Sean" panose="02000500000000000000" pitchFamily="2" charset="-128"/>
               </a:rPr>
               <a:t>Rodział</a:t>
             </a:r>
             <a:r>
-              <a:rPr lang="pl-PL" sz="2400" dirty="0" smtClean="0">
+              <a:rPr lang="pl-PL" sz="2400" dirty="0">
                 <a:latin typeface="Hand Of Sean" panose="02000500000000000000" pitchFamily="2" charset="-128"/>
                 <a:ea typeface="Hand Of Sean" panose="02000500000000000000" pitchFamily="2" charset="-128"/>
               </a:rPr>
@@ -12025,7 +12021,7 @@
           <p:cNvPr id="22" name="TextBox 21">
             <a:extLst>
               <a:ext uri="{FF2B5EF4-FFF2-40B4-BE49-F238E27FC236}">
-                <a16:creationId xmlns:a16="http://schemas.microsoft.com/office/drawing/2014/main" xmlns="" id="{77554162-8FC4-47E5-A14D-FAA80F7E6F08}"/>
+                <a16:creationId xmlns="" xmlns:a16="http://schemas.microsoft.com/office/drawing/2014/main" id="{77554162-8FC4-47E5-A14D-FAA80F7E6F08}"/>
               </a:ext>
             </a:extLst>
           </p:cNvPr>
@@ -12034,7 +12030,7 @@
         </p:nvSpPr>
         <p:spPr>
           <a:xfrm>
-            <a:off x="6525826" y="1203261"/>
+            <a:off x="6525827" y="1203261"/>
             <a:ext cx="4963748" cy="3862596"/>
           </a:xfrm>
           <a:prstGeom prst="rect">
@@ -12061,14 +12057,14 @@
               <a:t>Lorem ipsum </a:t>
             </a:r>
             <a:r>
-              <a:rPr lang="en-US" sz="1400" dirty="0" err="1" smtClean="0">
+              <a:rPr lang="en-US" sz="1400" dirty="0" err="1">
                 <a:latin typeface="Hand Of Sean" panose="02000500000000000000" pitchFamily="2" charset="-128"/>
                 <a:ea typeface="Hand Of Sean" panose="02000500000000000000" pitchFamily="2" charset="-128"/>
               </a:rPr>
               <a:t>dlor</a:t>
             </a:r>
             <a:r>
-              <a:rPr lang="en-US" sz="1400" dirty="0" smtClean="0">
+              <a:rPr lang="en-US" sz="1400" dirty="0">
                 <a:latin typeface="Hand Of Sean" panose="02000500000000000000" pitchFamily="2" charset="-128"/>
                 <a:ea typeface="Hand Of Sean" panose="02000500000000000000" pitchFamily="2" charset="-128"/>
               </a:rPr>
@@ -12149,7 +12145,7 @@
           <p:cNvPr id="66" name="Rectangle 65">
             <a:extLst>
               <a:ext uri="{FF2B5EF4-FFF2-40B4-BE49-F238E27FC236}">
-                <a16:creationId xmlns:a16="http://schemas.microsoft.com/office/drawing/2014/main" xmlns="" id="{C03955BB-E41C-4E77-BB48-325360470229}"/>
+                <a16:creationId xmlns="" xmlns:a16="http://schemas.microsoft.com/office/drawing/2014/main" id="{C03955BB-E41C-4E77-BB48-325360470229}"/>
               </a:ext>
             </a:extLst>
           </p:cNvPr>
@@ -12158,14 +12154,14 @@
         </p:nvSpPr>
         <p:spPr>
           <a:xfrm>
-            <a:off x="275044" y="-5786"/>
+            <a:off x="275045" y="-5785"/>
             <a:ext cx="5681417" cy="6858000"/>
           </a:xfrm>
           <a:prstGeom prst="rect">
             <a:avLst/>
           </a:prstGeom>
           <a:solidFill>
-            <a:srgbClr val="46CF76"/>
+            <a:srgbClr val="322B80"/>
           </a:solidFill>
           <a:ln>
             <a:noFill/>
@@ -12208,7 +12204,7 @@
           <p:cNvPr id="4" name="Rectangle 3">
             <a:extLst>
               <a:ext uri="{FF2B5EF4-FFF2-40B4-BE49-F238E27FC236}">
-                <a16:creationId xmlns:a16="http://schemas.microsoft.com/office/drawing/2014/main" xmlns="" id="{33F222A8-AF2A-4292-8A95-0C3AD37A109D}"/>
+                <a16:creationId xmlns="" xmlns:a16="http://schemas.microsoft.com/office/drawing/2014/main" id="{33F222A8-AF2A-4292-8A95-0C3AD37A109D}"/>
               </a:ext>
             </a:extLst>
           </p:cNvPr>
@@ -12217,14 +12213,14 @@
         </p:nvSpPr>
         <p:spPr>
           <a:xfrm>
-            <a:off x="6096000" y="0"/>
+            <a:off x="6096001" y="0"/>
             <a:ext cx="5660571" cy="6858000"/>
           </a:xfrm>
           <a:prstGeom prst="rect">
             <a:avLst/>
           </a:prstGeom>
           <a:solidFill>
-            <a:srgbClr val="46CF76"/>
+            <a:srgbClr val="322B80"/>
           </a:solidFill>
           <a:ln>
             <a:noFill/>
@@ -12267,7 +12263,7 @@
           <p:cNvPr id="190" name="Group 189">
             <a:extLst>
               <a:ext uri="{FF2B5EF4-FFF2-40B4-BE49-F238E27FC236}">
-                <a16:creationId xmlns:a16="http://schemas.microsoft.com/office/drawing/2014/main" xmlns="" id="{B1C4F1B1-18D1-4F24-A7B4-A913BFFF45E6}"/>
+                <a16:creationId xmlns="" xmlns:a16="http://schemas.microsoft.com/office/drawing/2014/main" id="{B1C4F1B1-18D1-4F24-A7B4-A913BFFF45E6}"/>
               </a:ext>
             </a:extLst>
           </p:cNvPr>
@@ -12276,7 +12272,7 @@
         </p:nvGrpSpPr>
         <p:grpSpPr>
           <a:xfrm>
-            <a:off x="6129219" y="117015"/>
+            <a:off x="6129221" y="117015"/>
             <a:ext cx="5541663" cy="6662468"/>
             <a:chOff x="6128872" y="119550"/>
             <a:chExt cx="5541663" cy="6662468"/>
@@ -12287,7 +12283,7 @@
             <p:cNvPr id="191" name="Rectangle 190">
               <a:extLst>
                 <a:ext uri="{FF2B5EF4-FFF2-40B4-BE49-F238E27FC236}">
-                  <a16:creationId xmlns:a16="http://schemas.microsoft.com/office/drawing/2014/main" xmlns="" id="{479DEB60-7570-45B4-8336-36827F8A3ED2}"/>
+                  <a16:creationId xmlns="" xmlns:a16="http://schemas.microsoft.com/office/drawing/2014/main" id="{479DEB60-7570-45B4-8336-36827F8A3ED2}"/>
                 </a:ext>
               </a:extLst>
             </p:cNvPr>
@@ -12303,7 +12299,7 @@
               <a:avLst/>
             </a:prstGeom>
             <a:solidFill>
-              <a:srgbClr val="FF3399"/>
+              <a:srgbClr val="C10E1A"/>
             </a:solidFill>
             <a:ln>
               <a:noFill/>
@@ -12351,7 +12347,7 @@
             <p:cNvPr id="192" name="Freeform: Shape 191">
               <a:extLst>
                 <a:ext uri="{FF2B5EF4-FFF2-40B4-BE49-F238E27FC236}">
-                  <a16:creationId xmlns:a16="http://schemas.microsoft.com/office/drawing/2014/main" xmlns="" id="{1F0B4A1C-B94A-47CE-AED1-2D2A4BE4CFF9}"/>
+                  <a16:creationId xmlns="" xmlns:a16="http://schemas.microsoft.com/office/drawing/2014/main" id="{1F0B4A1C-B94A-47CE-AED1-2D2A4BE4CFF9}"/>
                 </a:ext>
               </a:extLst>
             </p:cNvPr>
@@ -12487,7 +12483,7 @@
             <p:cNvPr id="205" name="TextBox 204">
               <a:extLst>
                 <a:ext uri="{FF2B5EF4-FFF2-40B4-BE49-F238E27FC236}">
-                  <a16:creationId xmlns:a16="http://schemas.microsoft.com/office/drawing/2014/main" xmlns="" id="{B1FBF4D5-CE44-480D-BC29-B88EB2D96005}"/>
+                  <a16:creationId xmlns="" xmlns:a16="http://schemas.microsoft.com/office/drawing/2014/main" id="{B1FBF4D5-CE44-480D-BC29-B88EB2D96005}"/>
                 </a:ext>
               </a:extLst>
             </p:cNvPr>
@@ -12520,11 +12516,11 @@
                 <a:t> </a:t>
               </a:r>
               <a:r>
-                <a:rPr lang="en-US" b="1" dirty="0" smtClean="0"/>
+                <a:rPr lang="en-US" b="1" dirty="0"/>
                 <a:t>0</a:t>
               </a:r>
               <a:r>
-                <a:rPr lang="pl-PL" b="1" dirty="0" smtClean="0"/>
+                <a:rPr lang="pl-PL" b="1" dirty="0"/>
                 <a:t>3</a:t>
               </a:r>
               <a:endParaRPr lang="en-US" b="1" dirty="0"/>
@@ -12537,7 +12533,7 @@
           <p:cNvPr id="174" name="Group 173">
             <a:extLst>
               <a:ext uri="{FF2B5EF4-FFF2-40B4-BE49-F238E27FC236}">
-                <a16:creationId xmlns:a16="http://schemas.microsoft.com/office/drawing/2014/main" xmlns="" id="{4D3EC6F6-41B8-42EA-9450-9660D30297B3}"/>
+                <a16:creationId xmlns="" xmlns:a16="http://schemas.microsoft.com/office/drawing/2014/main" id="{4D3EC6F6-41B8-42EA-9450-9660D30297B3}"/>
               </a:ext>
             </a:extLst>
           </p:cNvPr>
@@ -12546,8 +12542,8 @@
         </p:nvGrpSpPr>
         <p:grpSpPr>
           <a:xfrm flipH="1">
-            <a:off x="334709" y="89189"/>
-            <a:ext cx="5558399" cy="6630702"/>
+            <a:off x="334710" y="89190"/>
+            <a:ext cx="5558399" cy="6630703"/>
             <a:chOff x="6128872" y="119550"/>
             <a:chExt cx="5558399" cy="6630702"/>
           </a:xfrm>
@@ -12557,7 +12553,7 @@
             <p:cNvPr id="175" name="Rectangle 174">
               <a:extLst>
                 <a:ext uri="{FF2B5EF4-FFF2-40B4-BE49-F238E27FC236}">
-                  <a16:creationId xmlns:a16="http://schemas.microsoft.com/office/drawing/2014/main" xmlns="" id="{BC45525F-CA64-4D1D-A75E-E6290B229999}"/>
+                  <a16:creationId xmlns="" xmlns:a16="http://schemas.microsoft.com/office/drawing/2014/main" id="{BC45525F-CA64-4D1D-A75E-E6290B229999}"/>
                 </a:ext>
               </a:extLst>
             </p:cNvPr>
@@ -12573,7 +12569,7 @@
               <a:avLst/>
             </a:prstGeom>
             <a:solidFill>
-              <a:srgbClr val="CC00FF"/>
+              <a:srgbClr val="C10E1A"/>
             </a:solidFill>
             <a:ln>
               <a:noFill/>
@@ -12621,7 +12617,7 @@
             <p:cNvPr id="176" name="Freeform: Shape 175">
               <a:extLst>
                 <a:ext uri="{FF2B5EF4-FFF2-40B4-BE49-F238E27FC236}">
-                  <a16:creationId xmlns:a16="http://schemas.microsoft.com/office/drawing/2014/main" xmlns="" id="{4CCDAA36-0014-487F-9FC8-FB18AD79A536}"/>
+                  <a16:creationId xmlns="" xmlns:a16="http://schemas.microsoft.com/office/drawing/2014/main" id="{4CCDAA36-0014-487F-9FC8-FB18AD79A536}"/>
                 </a:ext>
               </a:extLst>
             </p:cNvPr>
@@ -12757,7 +12753,7 @@
             <p:cNvPr id="189" name="TextBox 188">
               <a:extLst>
                 <a:ext uri="{FF2B5EF4-FFF2-40B4-BE49-F238E27FC236}">
-                  <a16:creationId xmlns:a16="http://schemas.microsoft.com/office/drawing/2014/main" xmlns="" id="{028D77CE-26CC-48A3-92E2-0D112FD9E9FA}"/>
+                  <a16:creationId xmlns="" xmlns:a16="http://schemas.microsoft.com/office/drawing/2014/main" id="{028D77CE-26CC-48A3-92E2-0D112FD9E9FA}"/>
                 </a:ext>
               </a:extLst>
             </p:cNvPr>
@@ -12766,7 +12762,7 @@
           </p:nvSpPr>
           <p:spPr>
             <a:xfrm>
-              <a:off x="11176000" y="5437302"/>
+              <a:off x="11176000" y="5437301"/>
               <a:ext cx="461665" cy="1302505"/>
             </a:xfrm>
             <a:prstGeom prst="rect">
@@ -12790,7 +12786,7 @@
                 <a:t> </a:t>
               </a:r>
               <a:r>
-                <a:rPr lang="en-US" b="1" dirty="0" smtClean="0"/>
+                <a:rPr lang="en-US" b="1" dirty="0"/>
                 <a:t>0</a:t>
               </a:r>
               <a:r>
@@ -12807,7 +12803,7 @@
           <p:cNvPr id="3" name="Group 2">
             <a:extLst>
               <a:ext uri="{FF2B5EF4-FFF2-40B4-BE49-F238E27FC236}">
-                <a16:creationId xmlns:a16="http://schemas.microsoft.com/office/drawing/2014/main" xmlns="" id="{0F1A4B53-3DA8-4B08-87F6-99E2B5780CCB}"/>
+                <a16:creationId xmlns="" xmlns:a16="http://schemas.microsoft.com/office/drawing/2014/main" id="{0F1A4B53-3DA8-4B08-87F6-99E2B5780CCB}"/>
               </a:ext>
             </a:extLst>
           </p:cNvPr>
@@ -12816,7 +12812,7 @@
         </p:nvGrpSpPr>
         <p:grpSpPr>
           <a:xfrm>
-            <a:off x="5599563" y="119550"/>
+            <a:off x="5599565" y="119551"/>
             <a:ext cx="793897" cy="6607323"/>
             <a:chOff x="5599563" y="119550"/>
             <a:chExt cx="793897" cy="6607323"/>
@@ -12827,7 +12823,7 @@
             <p:cNvPr id="67" name="Rectangle 66">
               <a:extLst>
                 <a:ext uri="{FF2B5EF4-FFF2-40B4-BE49-F238E27FC236}">
-                  <a16:creationId xmlns:a16="http://schemas.microsoft.com/office/drawing/2014/main" xmlns="" id="{D119F2DB-0E38-4A31-831F-2BAF295D2A25}"/>
+                  <a16:creationId xmlns="" xmlns:a16="http://schemas.microsoft.com/office/drawing/2014/main" id="{D119F2DB-0E38-4A31-831F-2BAF295D2A25}"/>
                 </a:ext>
               </a:extLst>
             </p:cNvPr>
@@ -12836,14 +12832,14 @@
           </p:nvSpPr>
           <p:spPr>
             <a:xfrm>
-              <a:off x="5613909" y="221362"/>
+              <a:off x="5613909" y="205615"/>
               <a:ext cx="259806" cy="145054"/>
             </a:xfrm>
             <a:prstGeom prst="rect">
               <a:avLst/>
             </a:prstGeom>
             <a:solidFill>
-              <a:srgbClr val="46CF76"/>
+              <a:srgbClr val="322B80"/>
             </a:solidFill>
             <a:ln>
               <a:noFill/>
@@ -12891,7 +12887,7 @@
             <p:cNvPr id="10" name="Group 9">
               <a:extLst>
                 <a:ext uri="{FF2B5EF4-FFF2-40B4-BE49-F238E27FC236}">
-                  <a16:creationId xmlns:a16="http://schemas.microsoft.com/office/drawing/2014/main" xmlns="" id="{AEE5042A-E067-4FB7-BCFF-00BB33BFEDEC}"/>
+                  <a16:creationId xmlns="" xmlns:a16="http://schemas.microsoft.com/office/drawing/2014/main" id="{AEE5042A-E067-4FB7-BCFF-00BB33BFEDEC}"/>
                 </a:ext>
               </a:extLst>
             </p:cNvPr>
@@ -12911,7 +12907,7 @@
               <p:cNvPr id="5" name="Rectangle 4">
                 <a:extLst>
                   <a:ext uri="{FF2B5EF4-FFF2-40B4-BE49-F238E27FC236}">
-                    <a16:creationId xmlns:a16="http://schemas.microsoft.com/office/drawing/2014/main" xmlns="" id="{9ECC8D50-758B-45D1-9832-058DA749338C}"/>
+                    <a16:creationId xmlns="" xmlns:a16="http://schemas.microsoft.com/office/drawing/2014/main" id="{9ECC8D50-758B-45D1-9832-058DA749338C}"/>
                   </a:ext>
                 </a:extLst>
               </p:cNvPr>
@@ -12927,7 +12923,7 @@
                 <a:avLst/>
               </a:prstGeom>
               <a:solidFill>
-                <a:srgbClr val="46CF76"/>
+                <a:srgbClr val="322B80"/>
               </a:solidFill>
               <a:ln>
                 <a:noFill/>
@@ -12970,7 +12966,7 @@
               <p:cNvPr id="9" name="Arc 8">
                 <a:extLst>
                   <a:ext uri="{FF2B5EF4-FFF2-40B4-BE49-F238E27FC236}">
-                    <a16:creationId xmlns:a16="http://schemas.microsoft.com/office/drawing/2014/main" xmlns="" id="{FC783E55-1922-4926-8D97-EC60526709F7}"/>
+                    <a16:creationId xmlns="" xmlns:a16="http://schemas.microsoft.com/office/drawing/2014/main" id="{FC783E55-1922-4926-8D97-EC60526709F7}"/>
                   </a:ext>
                 </a:extLst>
               </p:cNvPr>
@@ -13049,7 +13045,7 @@
             <p:cNvPr id="68" name="Rectangle 67">
               <a:extLst>
                 <a:ext uri="{FF2B5EF4-FFF2-40B4-BE49-F238E27FC236}">
-                  <a16:creationId xmlns:a16="http://schemas.microsoft.com/office/drawing/2014/main" xmlns="" id="{FCB92E0C-F05E-4602-8A6C-A561815032EC}"/>
+                  <a16:creationId xmlns="" xmlns:a16="http://schemas.microsoft.com/office/drawing/2014/main" id="{FCB92E0C-F05E-4602-8A6C-A561815032EC}"/>
                 </a:ext>
               </a:extLst>
             </p:cNvPr>
@@ -13058,14 +13054,14 @@
           </p:nvSpPr>
           <p:spPr>
             <a:xfrm>
-              <a:off x="5626987" y="498049"/>
+              <a:off x="5626987" y="482302"/>
               <a:ext cx="259806" cy="145054"/>
             </a:xfrm>
             <a:prstGeom prst="rect">
               <a:avLst/>
             </a:prstGeom>
             <a:solidFill>
-              <a:srgbClr val="46CF76"/>
+              <a:srgbClr val="322B80"/>
             </a:solidFill>
             <a:ln>
               <a:noFill/>
@@ -13113,7 +13109,7 @@
             <p:cNvPr id="78" name="Group 77">
               <a:extLst>
                 <a:ext uri="{FF2B5EF4-FFF2-40B4-BE49-F238E27FC236}">
-                  <a16:creationId xmlns:a16="http://schemas.microsoft.com/office/drawing/2014/main" xmlns="" id="{E48E30C9-A74F-4C52-AD04-FC9A5CBD8258}"/>
+                  <a16:creationId xmlns="" xmlns:a16="http://schemas.microsoft.com/office/drawing/2014/main" id="{E48E30C9-A74F-4C52-AD04-FC9A5CBD8258}"/>
                 </a:ext>
               </a:extLst>
             </p:cNvPr>
@@ -13133,7 +13129,7 @@
               <p:cNvPr id="79" name="Rectangle 78">
                 <a:extLst>
                   <a:ext uri="{FF2B5EF4-FFF2-40B4-BE49-F238E27FC236}">
-                    <a16:creationId xmlns:a16="http://schemas.microsoft.com/office/drawing/2014/main" xmlns="" id="{9D80A7DB-810E-4588-BE25-E9F7C34D3DB1}"/>
+                    <a16:creationId xmlns="" xmlns:a16="http://schemas.microsoft.com/office/drawing/2014/main" id="{9D80A7DB-810E-4588-BE25-E9F7C34D3DB1}"/>
                   </a:ext>
                 </a:extLst>
               </p:cNvPr>
@@ -13149,7 +13145,7 @@
                 <a:avLst/>
               </a:prstGeom>
               <a:solidFill>
-                <a:srgbClr val="46CF76"/>
+                <a:srgbClr val="322B80"/>
               </a:solidFill>
               <a:ln>
                 <a:noFill/>
@@ -13192,7 +13188,7 @@
               <p:cNvPr id="80" name="Arc 79">
                 <a:extLst>
                   <a:ext uri="{FF2B5EF4-FFF2-40B4-BE49-F238E27FC236}">
-                    <a16:creationId xmlns:a16="http://schemas.microsoft.com/office/drawing/2014/main" xmlns="" id="{0CEE252C-3F6B-425D-A974-8C322FD62AA8}"/>
+                    <a16:creationId xmlns="" xmlns:a16="http://schemas.microsoft.com/office/drawing/2014/main" id="{0CEE252C-3F6B-425D-A974-8C322FD62AA8}"/>
                   </a:ext>
                 </a:extLst>
               </p:cNvPr>
@@ -13271,7 +13267,7 @@
             <p:cNvPr id="69" name="Rectangle 68">
               <a:extLst>
                 <a:ext uri="{FF2B5EF4-FFF2-40B4-BE49-F238E27FC236}">
-                  <a16:creationId xmlns:a16="http://schemas.microsoft.com/office/drawing/2014/main" xmlns="" id="{A4620A41-830E-412F-B7F4-82B17531460F}"/>
+                  <a16:creationId xmlns="" xmlns:a16="http://schemas.microsoft.com/office/drawing/2014/main" id="{A4620A41-830E-412F-B7F4-82B17531460F}"/>
                 </a:ext>
               </a:extLst>
             </p:cNvPr>
@@ -13280,14 +13276,14 @@
           </p:nvSpPr>
           <p:spPr>
             <a:xfrm>
-              <a:off x="5615436" y="821937"/>
+              <a:off x="5615436" y="806190"/>
               <a:ext cx="259806" cy="145054"/>
             </a:xfrm>
             <a:prstGeom prst="rect">
               <a:avLst/>
             </a:prstGeom>
             <a:solidFill>
-              <a:srgbClr val="46CF76"/>
+              <a:srgbClr val="322B80"/>
             </a:solidFill>
             <a:ln>
               <a:noFill/>
@@ -13335,7 +13331,7 @@
             <p:cNvPr id="70" name="Rectangle 69">
               <a:extLst>
                 <a:ext uri="{FF2B5EF4-FFF2-40B4-BE49-F238E27FC236}">
-                  <a16:creationId xmlns:a16="http://schemas.microsoft.com/office/drawing/2014/main" xmlns="" id="{B8C591D4-C50C-4B67-805A-961945693BE6}"/>
+                  <a16:creationId xmlns="" xmlns:a16="http://schemas.microsoft.com/office/drawing/2014/main" id="{B8C591D4-C50C-4B67-805A-961945693BE6}"/>
                 </a:ext>
               </a:extLst>
             </p:cNvPr>
@@ -13344,14 +13340,14 @@
           </p:nvSpPr>
           <p:spPr>
             <a:xfrm>
-              <a:off x="5611655" y="1122345"/>
+              <a:off x="5611655" y="1106598"/>
               <a:ext cx="259806" cy="145054"/>
             </a:xfrm>
             <a:prstGeom prst="rect">
               <a:avLst/>
             </a:prstGeom>
             <a:solidFill>
-              <a:srgbClr val="46CF76"/>
+              <a:srgbClr val="322B80"/>
             </a:solidFill>
             <a:ln>
               <a:noFill/>
@@ -13399,7 +13395,7 @@
             <p:cNvPr id="71" name="Rectangle 70">
               <a:extLst>
                 <a:ext uri="{FF2B5EF4-FFF2-40B4-BE49-F238E27FC236}">
-                  <a16:creationId xmlns:a16="http://schemas.microsoft.com/office/drawing/2014/main" xmlns="" id="{461F08B5-15BF-4C63-B54C-7D2001EDCAD3}"/>
+                  <a16:creationId xmlns="" xmlns:a16="http://schemas.microsoft.com/office/drawing/2014/main" id="{461F08B5-15BF-4C63-B54C-7D2001EDCAD3}"/>
                 </a:ext>
               </a:extLst>
             </p:cNvPr>
@@ -13408,14 +13404,14 @@
           </p:nvSpPr>
           <p:spPr>
             <a:xfrm>
-              <a:off x="5612847" y="1445936"/>
+              <a:off x="5612847" y="1430189"/>
               <a:ext cx="259806" cy="145054"/>
             </a:xfrm>
             <a:prstGeom prst="rect">
               <a:avLst/>
             </a:prstGeom>
             <a:solidFill>
-              <a:srgbClr val="46CF76"/>
+              <a:srgbClr val="322B80"/>
             </a:solidFill>
             <a:ln>
               <a:noFill/>
@@ -13463,7 +13459,7 @@
             <p:cNvPr id="72" name="Rectangle 71">
               <a:extLst>
                 <a:ext uri="{FF2B5EF4-FFF2-40B4-BE49-F238E27FC236}">
-                  <a16:creationId xmlns:a16="http://schemas.microsoft.com/office/drawing/2014/main" xmlns="" id="{D12C5631-8C0A-4256-BD3E-88D081A7321B}"/>
+                  <a16:creationId xmlns="" xmlns:a16="http://schemas.microsoft.com/office/drawing/2014/main" id="{D12C5631-8C0A-4256-BD3E-88D081A7321B}"/>
                 </a:ext>
               </a:extLst>
             </p:cNvPr>
@@ -13472,14 +13468,14 @@
           </p:nvSpPr>
           <p:spPr>
             <a:xfrm>
-              <a:off x="5620749" y="1737828"/>
+              <a:off x="5620749" y="1722081"/>
               <a:ext cx="259806" cy="145054"/>
             </a:xfrm>
             <a:prstGeom prst="rect">
               <a:avLst/>
             </a:prstGeom>
             <a:solidFill>
-              <a:srgbClr val="46CF76"/>
+              <a:srgbClr val="322B80"/>
             </a:solidFill>
             <a:ln>
               <a:noFill/>
@@ -13527,7 +13523,7 @@
             <p:cNvPr id="73" name="Rectangle 72">
               <a:extLst>
                 <a:ext uri="{FF2B5EF4-FFF2-40B4-BE49-F238E27FC236}">
-                  <a16:creationId xmlns:a16="http://schemas.microsoft.com/office/drawing/2014/main" xmlns="" id="{D3030D9B-44CF-4F4E-A86E-18A79322376D}"/>
+                  <a16:creationId xmlns="" xmlns:a16="http://schemas.microsoft.com/office/drawing/2014/main" id="{D3030D9B-44CF-4F4E-A86E-18A79322376D}"/>
                 </a:ext>
               </a:extLst>
             </p:cNvPr>
@@ -13536,14 +13532,14 @@
           </p:nvSpPr>
           <p:spPr>
             <a:xfrm>
-              <a:off x="5626130" y="2064953"/>
+              <a:off x="5626130" y="2049206"/>
               <a:ext cx="259806" cy="145054"/>
             </a:xfrm>
             <a:prstGeom prst="rect">
               <a:avLst/>
             </a:prstGeom>
             <a:solidFill>
-              <a:srgbClr val="46CF76"/>
+              <a:srgbClr val="322B80"/>
             </a:solidFill>
             <a:ln>
               <a:noFill/>
@@ -13591,7 +13587,7 @@
             <p:cNvPr id="74" name="Rectangle 73">
               <a:extLst>
                 <a:ext uri="{FF2B5EF4-FFF2-40B4-BE49-F238E27FC236}">
-                  <a16:creationId xmlns:a16="http://schemas.microsoft.com/office/drawing/2014/main" xmlns="" id="{0E9F8D11-58D9-4493-A410-DACB43B5E48F}"/>
+                  <a16:creationId xmlns="" xmlns:a16="http://schemas.microsoft.com/office/drawing/2014/main" id="{0E9F8D11-58D9-4493-A410-DACB43B5E48F}"/>
                 </a:ext>
               </a:extLst>
             </p:cNvPr>
@@ -13600,14 +13596,14 @@
           </p:nvSpPr>
           <p:spPr>
             <a:xfrm>
-              <a:off x="5621082" y="2367124"/>
+              <a:off x="5621082" y="2351377"/>
               <a:ext cx="259806" cy="145054"/>
             </a:xfrm>
             <a:prstGeom prst="rect">
               <a:avLst/>
             </a:prstGeom>
             <a:solidFill>
-              <a:srgbClr val="46CF76"/>
+              <a:srgbClr val="322B80"/>
             </a:solidFill>
             <a:ln>
               <a:noFill/>
@@ -13655,7 +13651,7 @@
             <p:cNvPr id="75" name="Rectangle 74">
               <a:extLst>
                 <a:ext uri="{FF2B5EF4-FFF2-40B4-BE49-F238E27FC236}">
-                  <a16:creationId xmlns:a16="http://schemas.microsoft.com/office/drawing/2014/main" xmlns="" id="{880FA994-AF36-4890-A98D-4750B71B3C59}"/>
+                  <a16:creationId xmlns="" xmlns:a16="http://schemas.microsoft.com/office/drawing/2014/main" id="{880FA994-AF36-4890-A98D-4750B71B3C59}"/>
                 </a:ext>
               </a:extLst>
             </p:cNvPr>
@@ -13664,14 +13660,14 @@
           </p:nvSpPr>
           <p:spPr>
             <a:xfrm>
-              <a:off x="5628255" y="2679528"/>
+              <a:off x="5628255" y="2663781"/>
               <a:ext cx="259806" cy="145054"/>
             </a:xfrm>
             <a:prstGeom prst="rect">
               <a:avLst/>
             </a:prstGeom>
             <a:solidFill>
-              <a:srgbClr val="46CF76"/>
+              <a:srgbClr val="322B80"/>
             </a:solidFill>
             <a:ln>
               <a:noFill/>
@@ -13719,7 +13715,7 @@
             <p:cNvPr id="76" name="Rectangle 75">
               <a:extLst>
                 <a:ext uri="{FF2B5EF4-FFF2-40B4-BE49-F238E27FC236}">
-                  <a16:creationId xmlns:a16="http://schemas.microsoft.com/office/drawing/2014/main" xmlns="" id="{9E5C2FB6-992A-4537-B467-2FCB0FDBDB9F}"/>
+                  <a16:creationId xmlns="" xmlns:a16="http://schemas.microsoft.com/office/drawing/2014/main" id="{9E5C2FB6-992A-4537-B467-2FCB0FDBDB9F}"/>
                 </a:ext>
               </a:extLst>
             </p:cNvPr>
@@ -13728,14 +13724,14 @@
           </p:nvSpPr>
           <p:spPr>
             <a:xfrm>
-              <a:off x="5628255" y="2980994"/>
+              <a:off x="5628255" y="2965247"/>
               <a:ext cx="259806" cy="145054"/>
             </a:xfrm>
             <a:prstGeom prst="rect">
               <a:avLst/>
             </a:prstGeom>
             <a:solidFill>
-              <a:srgbClr val="46CF76"/>
+              <a:srgbClr val="322B80"/>
             </a:solidFill>
             <a:ln>
               <a:noFill/>
@@ -13783,7 +13779,7 @@
             <p:cNvPr id="77" name="Rectangle 76">
               <a:extLst>
                 <a:ext uri="{FF2B5EF4-FFF2-40B4-BE49-F238E27FC236}">
-                  <a16:creationId xmlns:a16="http://schemas.microsoft.com/office/drawing/2014/main" xmlns="" id="{73193785-12A4-408F-9E7C-27DDBEAFA7BD}"/>
+                  <a16:creationId xmlns="" xmlns:a16="http://schemas.microsoft.com/office/drawing/2014/main" id="{73193785-12A4-408F-9E7C-27DDBEAFA7BD}"/>
                 </a:ext>
               </a:extLst>
             </p:cNvPr>
@@ -13792,14 +13788,14 @@
           </p:nvSpPr>
           <p:spPr>
             <a:xfrm>
-              <a:off x="5621082" y="3303195"/>
+              <a:off x="5621082" y="3287448"/>
               <a:ext cx="259806" cy="145054"/>
             </a:xfrm>
             <a:prstGeom prst="rect">
               <a:avLst/>
             </a:prstGeom>
             <a:solidFill>
-              <a:srgbClr val="46CF76"/>
+              <a:srgbClr val="322B80"/>
             </a:solidFill>
             <a:ln>
               <a:noFill/>
@@ -13847,7 +13843,7 @@
             <p:cNvPr id="138" name="Rectangle 137">
               <a:extLst>
                 <a:ext uri="{FF2B5EF4-FFF2-40B4-BE49-F238E27FC236}">
-                  <a16:creationId xmlns:a16="http://schemas.microsoft.com/office/drawing/2014/main" xmlns="" id="{FF68EA0C-3323-4279-9322-583E0496C340}"/>
+                  <a16:creationId xmlns="" xmlns:a16="http://schemas.microsoft.com/office/drawing/2014/main" id="{FF68EA0C-3323-4279-9322-583E0496C340}"/>
                 </a:ext>
               </a:extLst>
             </p:cNvPr>
@@ -13856,14 +13852,14 @@
           </p:nvSpPr>
           <p:spPr>
             <a:xfrm>
-              <a:off x="5613909" y="3610108"/>
+              <a:off x="5613909" y="3594361"/>
               <a:ext cx="259806" cy="145054"/>
             </a:xfrm>
             <a:prstGeom prst="rect">
               <a:avLst/>
             </a:prstGeom>
             <a:solidFill>
-              <a:srgbClr val="46CF76"/>
+              <a:srgbClr val="322B80"/>
             </a:solidFill>
             <a:ln>
               <a:noFill/>
@@ -13911,7 +13907,7 @@
             <p:cNvPr id="139" name="Rectangle 138">
               <a:extLst>
                 <a:ext uri="{FF2B5EF4-FFF2-40B4-BE49-F238E27FC236}">
-                  <a16:creationId xmlns:a16="http://schemas.microsoft.com/office/drawing/2014/main" xmlns="" id="{DA8F7F98-A2C1-4622-86E7-4F2038831BBE}"/>
+                  <a16:creationId xmlns="" xmlns:a16="http://schemas.microsoft.com/office/drawing/2014/main" id="{DA8F7F98-A2C1-4622-86E7-4F2038831BBE}"/>
                 </a:ext>
               </a:extLst>
             </p:cNvPr>
@@ -13920,14 +13916,14 @@
           </p:nvSpPr>
           <p:spPr>
             <a:xfrm>
-              <a:off x="5599563" y="3922255"/>
+              <a:off x="5599563" y="3906508"/>
               <a:ext cx="259806" cy="145054"/>
             </a:xfrm>
             <a:prstGeom prst="rect">
               <a:avLst/>
             </a:prstGeom>
             <a:solidFill>
-              <a:srgbClr val="46CF76"/>
+              <a:srgbClr val="322B80"/>
             </a:solidFill>
             <a:ln>
               <a:noFill/>
@@ -13975,7 +13971,7 @@
             <p:cNvPr id="140" name="Rectangle 139">
               <a:extLst>
                 <a:ext uri="{FF2B5EF4-FFF2-40B4-BE49-F238E27FC236}">
-                  <a16:creationId xmlns:a16="http://schemas.microsoft.com/office/drawing/2014/main" xmlns="" id="{0A05E640-BFCE-401E-8E58-B95F9FAC8DFA}"/>
+                  <a16:creationId xmlns="" xmlns:a16="http://schemas.microsoft.com/office/drawing/2014/main" id="{0A05E640-BFCE-401E-8E58-B95F9FAC8DFA}"/>
                 </a:ext>
               </a:extLst>
             </p:cNvPr>
@@ -13991,7 +13987,7 @@
               <a:avLst/>
             </a:prstGeom>
             <a:solidFill>
-              <a:srgbClr val="46CF76"/>
+              <a:srgbClr val="322B80"/>
             </a:solidFill>
             <a:ln>
               <a:noFill/>
@@ -14039,7 +14035,7 @@
             <p:cNvPr id="141" name="Rectangle 140">
               <a:extLst>
                 <a:ext uri="{FF2B5EF4-FFF2-40B4-BE49-F238E27FC236}">
-                  <a16:creationId xmlns:a16="http://schemas.microsoft.com/office/drawing/2014/main" xmlns="" id="{E054FE0A-3727-4A81-B405-7B2AD3CF46C1}"/>
+                  <a16:creationId xmlns="" xmlns:a16="http://schemas.microsoft.com/office/drawing/2014/main" id="{E054FE0A-3727-4A81-B405-7B2AD3CF46C1}"/>
                 </a:ext>
               </a:extLst>
             </p:cNvPr>
@@ -14055,7 +14051,7 @@
               <a:avLst/>
             </a:prstGeom>
             <a:solidFill>
-              <a:srgbClr val="46CF76"/>
+              <a:srgbClr val="322B80"/>
             </a:solidFill>
             <a:ln>
               <a:noFill/>
@@ -14103,7 +14099,7 @@
             <p:cNvPr id="142" name="Rectangle 141">
               <a:extLst>
                 <a:ext uri="{FF2B5EF4-FFF2-40B4-BE49-F238E27FC236}">
-                  <a16:creationId xmlns:a16="http://schemas.microsoft.com/office/drawing/2014/main" xmlns="" id="{181F776C-2AF8-48ED-A45F-6043E45954BF}"/>
+                  <a16:creationId xmlns="" xmlns:a16="http://schemas.microsoft.com/office/drawing/2014/main" id="{181F776C-2AF8-48ED-A45F-6043E45954BF}"/>
                 </a:ext>
               </a:extLst>
             </p:cNvPr>
@@ -14119,7 +14115,7 @@
               <a:avLst/>
             </a:prstGeom>
             <a:solidFill>
-              <a:srgbClr val="46CF76"/>
+              <a:srgbClr val="322B80"/>
             </a:solidFill>
             <a:ln>
               <a:noFill/>
@@ -14167,7 +14163,7 @@
             <p:cNvPr id="143" name="Rectangle 142">
               <a:extLst>
                 <a:ext uri="{FF2B5EF4-FFF2-40B4-BE49-F238E27FC236}">
-                  <a16:creationId xmlns:a16="http://schemas.microsoft.com/office/drawing/2014/main" xmlns="" id="{F411B93B-64DC-40ED-8351-A38502F83EC2}"/>
+                  <a16:creationId xmlns="" xmlns:a16="http://schemas.microsoft.com/office/drawing/2014/main" id="{F411B93B-64DC-40ED-8351-A38502F83EC2}"/>
                 </a:ext>
               </a:extLst>
             </p:cNvPr>
@@ -14183,7 +14179,7 @@
               <a:avLst/>
             </a:prstGeom>
             <a:solidFill>
-              <a:srgbClr val="46CF76"/>
+              <a:srgbClr val="322B80"/>
             </a:solidFill>
             <a:ln>
               <a:noFill/>
@@ -14231,7 +14227,7 @@
             <p:cNvPr id="144" name="Rectangle 143">
               <a:extLst>
                 <a:ext uri="{FF2B5EF4-FFF2-40B4-BE49-F238E27FC236}">
-                  <a16:creationId xmlns:a16="http://schemas.microsoft.com/office/drawing/2014/main" xmlns="" id="{6D4EF766-AAA1-4FD1-9EB8-BC7CCAF80F4C}"/>
+                  <a16:creationId xmlns="" xmlns:a16="http://schemas.microsoft.com/office/drawing/2014/main" id="{6D4EF766-AAA1-4FD1-9EB8-BC7CCAF80F4C}"/>
                 </a:ext>
               </a:extLst>
             </p:cNvPr>
@@ -14247,7 +14243,7 @@
               <a:avLst/>
             </a:prstGeom>
             <a:solidFill>
-              <a:srgbClr val="46CF76"/>
+              <a:srgbClr val="322B80"/>
             </a:solidFill>
             <a:ln>
               <a:noFill/>
@@ -14295,7 +14291,7 @@
             <p:cNvPr id="145" name="Rectangle 144">
               <a:extLst>
                 <a:ext uri="{FF2B5EF4-FFF2-40B4-BE49-F238E27FC236}">
-                  <a16:creationId xmlns:a16="http://schemas.microsoft.com/office/drawing/2014/main" xmlns="" id="{CA3BC80A-A5C7-4031-AE04-E1DBB065F990}"/>
+                  <a16:creationId xmlns="" xmlns:a16="http://schemas.microsoft.com/office/drawing/2014/main" id="{CA3BC80A-A5C7-4031-AE04-E1DBB065F990}"/>
                 </a:ext>
               </a:extLst>
             </p:cNvPr>
@@ -14311,7 +14307,7 @@
               <a:avLst/>
             </a:prstGeom>
             <a:solidFill>
-              <a:srgbClr val="46CF76"/>
+              <a:srgbClr val="322B80"/>
             </a:solidFill>
             <a:ln>
               <a:noFill/>
@@ -14359,7 +14355,7 @@
             <p:cNvPr id="146" name="Rectangle 145">
               <a:extLst>
                 <a:ext uri="{FF2B5EF4-FFF2-40B4-BE49-F238E27FC236}">
-                  <a16:creationId xmlns:a16="http://schemas.microsoft.com/office/drawing/2014/main" xmlns="" id="{B2C4E260-0390-4C3C-B29D-AB4732D5F312}"/>
+                  <a16:creationId xmlns="" xmlns:a16="http://schemas.microsoft.com/office/drawing/2014/main" id="{B2C4E260-0390-4C3C-B29D-AB4732D5F312}"/>
                 </a:ext>
               </a:extLst>
             </p:cNvPr>
@@ -14375,7 +14371,7 @@
               <a:avLst/>
             </a:prstGeom>
             <a:solidFill>
-              <a:srgbClr val="46CF76"/>
+              <a:srgbClr val="322B80"/>
             </a:solidFill>
             <a:ln>
               <a:noFill/>
@@ -14423,7 +14419,7 @@
             <p:cNvPr id="147" name="Rectangle 146">
               <a:extLst>
                 <a:ext uri="{FF2B5EF4-FFF2-40B4-BE49-F238E27FC236}">
-                  <a16:creationId xmlns:a16="http://schemas.microsoft.com/office/drawing/2014/main" xmlns="" id="{9CF30D03-0768-4F4A-876B-4064ADC4B962}"/>
+                  <a16:creationId xmlns="" xmlns:a16="http://schemas.microsoft.com/office/drawing/2014/main" id="{9CF30D03-0768-4F4A-876B-4064ADC4B962}"/>
                 </a:ext>
               </a:extLst>
             </p:cNvPr>
@@ -14439,7 +14435,7 @@
               <a:avLst/>
             </a:prstGeom>
             <a:solidFill>
-              <a:srgbClr val="46CF76"/>
+              <a:srgbClr val="322B80"/>
             </a:solidFill>
             <a:ln>
               <a:noFill/>
@@ -14487,7 +14483,7 @@
             <p:cNvPr id="81" name="Group 80">
               <a:extLst>
                 <a:ext uri="{FF2B5EF4-FFF2-40B4-BE49-F238E27FC236}">
-                  <a16:creationId xmlns:a16="http://schemas.microsoft.com/office/drawing/2014/main" xmlns="" id="{BDE4CAF1-67FB-4A00-A957-F84932EF37EA}"/>
+                  <a16:creationId xmlns="" xmlns:a16="http://schemas.microsoft.com/office/drawing/2014/main" id="{BDE4CAF1-67FB-4A00-A957-F84932EF37EA}"/>
                 </a:ext>
               </a:extLst>
             </p:cNvPr>
@@ -14507,7 +14503,7 @@
               <p:cNvPr id="82" name="Rectangle 81">
                 <a:extLst>
                   <a:ext uri="{FF2B5EF4-FFF2-40B4-BE49-F238E27FC236}">
-                    <a16:creationId xmlns:a16="http://schemas.microsoft.com/office/drawing/2014/main" xmlns="" id="{74C944AF-D50A-425E-A441-BD46E8CB9783}"/>
+                    <a16:creationId xmlns="" xmlns:a16="http://schemas.microsoft.com/office/drawing/2014/main" id="{74C944AF-D50A-425E-A441-BD46E8CB9783}"/>
                   </a:ext>
                 </a:extLst>
               </p:cNvPr>
@@ -14523,7 +14519,7 @@
                 <a:avLst/>
               </a:prstGeom>
               <a:solidFill>
-                <a:srgbClr val="46CF76"/>
+                <a:srgbClr val="322B80"/>
               </a:solidFill>
               <a:ln>
                 <a:noFill/>
@@ -14566,7 +14562,7 @@
               <p:cNvPr id="83" name="Arc 82">
                 <a:extLst>
                   <a:ext uri="{FF2B5EF4-FFF2-40B4-BE49-F238E27FC236}">
-                    <a16:creationId xmlns:a16="http://schemas.microsoft.com/office/drawing/2014/main" xmlns="" id="{AE95EC9D-DB78-417E-AF31-C543DE84C1EE}"/>
+                    <a16:creationId xmlns="" xmlns:a16="http://schemas.microsoft.com/office/drawing/2014/main" id="{AE95EC9D-DB78-417E-AF31-C543DE84C1EE}"/>
                   </a:ext>
                 </a:extLst>
               </p:cNvPr>
@@ -14645,7 +14641,7 @@
             <p:cNvPr id="84" name="Group 83">
               <a:extLst>
                 <a:ext uri="{FF2B5EF4-FFF2-40B4-BE49-F238E27FC236}">
-                  <a16:creationId xmlns:a16="http://schemas.microsoft.com/office/drawing/2014/main" xmlns="" id="{EC3E0684-8AE8-4214-BF7B-4AAB6B86F600}"/>
+                  <a16:creationId xmlns="" xmlns:a16="http://schemas.microsoft.com/office/drawing/2014/main" id="{EC3E0684-8AE8-4214-BF7B-4AAB6B86F600}"/>
                 </a:ext>
               </a:extLst>
             </p:cNvPr>
@@ -14665,7 +14661,7 @@
               <p:cNvPr id="85" name="Rectangle 84">
                 <a:extLst>
                   <a:ext uri="{FF2B5EF4-FFF2-40B4-BE49-F238E27FC236}">
-                    <a16:creationId xmlns:a16="http://schemas.microsoft.com/office/drawing/2014/main" xmlns="" id="{CF8E04A3-B6B4-4F3C-BB6B-AF9929DDA237}"/>
+                    <a16:creationId xmlns="" xmlns:a16="http://schemas.microsoft.com/office/drawing/2014/main" id="{CF8E04A3-B6B4-4F3C-BB6B-AF9929DDA237}"/>
                   </a:ext>
                 </a:extLst>
               </p:cNvPr>
@@ -14681,7 +14677,7 @@
                 <a:avLst/>
               </a:prstGeom>
               <a:solidFill>
-                <a:srgbClr val="46CF76"/>
+                <a:srgbClr val="322B80"/>
               </a:solidFill>
               <a:ln>
                 <a:noFill/>
@@ -14724,7 +14720,7 @@
               <p:cNvPr id="86" name="Arc 85">
                 <a:extLst>
                   <a:ext uri="{FF2B5EF4-FFF2-40B4-BE49-F238E27FC236}">
-                    <a16:creationId xmlns:a16="http://schemas.microsoft.com/office/drawing/2014/main" xmlns="" id="{18A95974-DAB2-4BF8-9192-96278D1744CD}"/>
+                    <a16:creationId xmlns="" xmlns:a16="http://schemas.microsoft.com/office/drawing/2014/main" id="{18A95974-DAB2-4BF8-9192-96278D1744CD}"/>
                   </a:ext>
                 </a:extLst>
               </p:cNvPr>
@@ -14803,7 +14799,7 @@
             <p:cNvPr id="87" name="Group 86">
               <a:extLst>
                 <a:ext uri="{FF2B5EF4-FFF2-40B4-BE49-F238E27FC236}">
-                  <a16:creationId xmlns:a16="http://schemas.microsoft.com/office/drawing/2014/main" xmlns="" id="{C97BDBFC-6DCF-4D05-9235-AF24FD08B7BA}"/>
+                  <a16:creationId xmlns="" xmlns:a16="http://schemas.microsoft.com/office/drawing/2014/main" id="{C97BDBFC-6DCF-4D05-9235-AF24FD08B7BA}"/>
                 </a:ext>
               </a:extLst>
             </p:cNvPr>
@@ -14823,7 +14819,7 @@
               <p:cNvPr id="88" name="Rectangle 87">
                 <a:extLst>
                   <a:ext uri="{FF2B5EF4-FFF2-40B4-BE49-F238E27FC236}">
-                    <a16:creationId xmlns:a16="http://schemas.microsoft.com/office/drawing/2014/main" xmlns="" id="{4AB8CE96-3DF3-4063-9F27-D4DB07BB75EF}"/>
+                    <a16:creationId xmlns="" xmlns:a16="http://schemas.microsoft.com/office/drawing/2014/main" id="{4AB8CE96-3DF3-4063-9F27-D4DB07BB75EF}"/>
                   </a:ext>
                 </a:extLst>
               </p:cNvPr>
@@ -14839,7 +14835,7 @@
                 <a:avLst/>
               </a:prstGeom>
               <a:solidFill>
-                <a:srgbClr val="46CF76"/>
+                <a:srgbClr val="322B80"/>
               </a:solidFill>
               <a:ln>
                 <a:noFill/>
@@ -14882,7 +14878,7 @@
               <p:cNvPr id="89" name="Arc 88">
                 <a:extLst>
                   <a:ext uri="{FF2B5EF4-FFF2-40B4-BE49-F238E27FC236}">
-                    <a16:creationId xmlns:a16="http://schemas.microsoft.com/office/drawing/2014/main" xmlns="" id="{309BD817-14B6-4AA7-A1F6-6EAEFBC3A86F}"/>
+                    <a16:creationId xmlns="" xmlns:a16="http://schemas.microsoft.com/office/drawing/2014/main" id="{309BD817-14B6-4AA7-A1F6-6EAEFBC3A86F}"/>
                   </a:ext>
                 </a:extLst>
               </p:cNvPr>
@@ -14961,7 +14957,7 @@
             <p:cNvPr id="90" name="Group 89">
               <a:extLst>
                 <a:ext uri="{FF2B5EF4-FFF2-40B4-BE49-F238E27FC236}">
-                  <a16:creationId xmlns:a16="http://schemas.microsoft.com/office/drawing/2014/main" xmlns="" id="{C6951FED-2BD7-4859-B333-5B1CAEF8AB8D}"/>
+                  <a16:creationId xmlns="" xmlns:a16="http://schemas.microsoft.com/office/drawing/2014/main" id="{C6951FED-2BD7-4859-B333-5B1CAEF8AB8D}"/>
                 </a:ext>
               </a:extLst>
             </p:cNvPr>
@@ -14981,7 +14977,7 @@
               <p:cNvPr id="91" name="Rectangle 90">
                 <a:extLst>
                   <a:ext uri="{FF2B5EF4-FFF2-40B4-BE49-F238E27FC236}">
-                    <a16:creationId xmlns:a16="http://schemas.microsoft.com/office/drawing/2014/main" xmlns="" id="{FE30C63D-F045-40E9-8C54-26DA5BDA0F44}"/>
+                    <a16:creationId xmlns="" xmlns:a16="http://schemas.microsoft.com/office/drawing/2014/main" id="{FE30C63D-F045-40E9-8C54-26DA5BDA0F44}"/>
                   </a:ext>
                 </a:extLst>
               </p:cNvPr>
@@ -14997,7 +14993,7 @@
                 <a:avLst/>
               </a:prstGeom>
               <a:solidFill>
-                <a:srgbClr val="46CF76"/>
+                <a:srgbClr val="322B80"/>
               </a:solidFill>
               <a:ln>
                 <a:noFill/>
@@ -15040,7 +15036,7 @@
               <p:cNvPr id="92" name="Arc 91">
                 <a:extLst>
                   <a:ext uri="{FF2B5EF4-FFF2-40B4-BE49-F238E27FC236}">
-                    <a16:creationId xmlns:a16="http://schemas.microsoft.com/office/drawing/2014/main" xmlns="" id="{434A2720-2A66-40B1-AC7E-5C244C6E6EB9}"/>
+                    <a16:creationId xmlns="" xmlns:a16="http://schemas.microsoft.com/office/drawing/2014/main" id="{434A2720-2A66-40B1-AC7E-5C244C6E6EB9}"/>
                   </a:ext>
                 </a:extLst>
               </p:cNvPr>
@@ -15119,7 +15115,7 @@
             <p:cNvPr id="93" name="Group 92">
               <a:extLst>
                 <a:ext uri="{FF2B5EF4-FFF2-40B4-BE49-F238E27FC236}">
-                  <a16:creationId xmlns:a16="http://schemas.microsoft.com/office/drawing/2014/main" xmlns="" id="{3253887B-E245-4C89-84BB-C89576187B4D}"/>
+                  <a16:creationId xmlns="" xmlns:a16="http://schemas.microsoft.com/office/drawing/2014/main" id="{3253887B-E245-4C89-84BB-C89576187B4D}"/>
                 </a:ext>
               </a:extLst>
             </p:cNvPr>
@@ -15139,7 +15135,7 @@
               <p:cNvPr id="94" name="Rectangle 93">
                 <a:extLst>
                   <a:ext uri="{FF2B5EF4-FFF2-40B4-BE49-F238E27FC236}">
-                    <a16:creationId xmlns:a16="http://schemas.microsoft.com/office/drawing/2014/main" xmlns="" id="{C2935527-C9EF-4950-89BB-EB1207B25EAD}"/>
+                    <a16:creationId xmlns="" xmlns:a16="http://schemas.microsoft.com/office/drawing/2014/main" id="{C2935527-C9EF-4950-89BB-EB1207B25EAD}"/>
                   </a:ext>
                 </a:extLst>
               </p:cNvPr>
@@ -15155,7 +15151,7 @@
                 <a:avLst/>
               </a:prstGeom>
               <a:solidFill>
-                <a:srgbClr val="46CF76"/>
+                <a:srgbClr val="322B80"/>
               </a:solidFill>
               <a:ln>
                 <a:noFill/>
@@ -15198,7 +15194,7 @@
               <p:cNvPr id="95" name="Arc 94">
                 <a:extLst>
                   <a:ext uri="{FF2B5EF4-FFF2-40B4-BE49-F238E27FC236}">
-                    <a16:creationId xmlns:a16="http://schemas.microsoft.com/office/drawing/2014/main" xmlns="" id="{B885AD0D-2A97-4761-A7E2-81AE7730FF98}"/>
+                    <a16:creationId xmlns="" xmlns:a16="http://schemas.microsoft.com/office/drawing/2014/main" id="{B885AD0D-2A97-4761-A7E2-81AE7730FF98}"/>
                   </a:ext>
                 </a:extLst>
               </p:cNvPr>
@@ -15277,7 +15273,7 @@
             <p:cNvPr id="96" name="Group 95">
               <a:extLst>
                 <a:ext uri="{FF2B5EF4-FFF2-40B4-BE49-F238E27FC236}">
-                  <a16:creationId xmlns:a16="http://schemas.microsoft.com/office/drawing/2014/main" xmlns="" id="{B20895E6-FBAD-4249-90F9-43369FD2080F}"/>
+                  <a16:creationId xmlns="" xmlns:a16="http://schemas.microsoft.com/office/drawing/2014/main" id="{B20895E6-FBAD-4249-90F9-43369FD2080F}"/>
                 </a:ext>
               </a:extLst>
             </p:cNvPr>
@@ -15297,7 +15293,7 @@
               <p:cNvPr id="97" name="Rectangle 96">
                 <a:extLst>
                   <a:ext uri="{FF2B5EF4-FFF2-40B4-BE49-F238E27FC236}">
-                    <a16:creationId xmlns:a16="http://schemas.microsoft.com/office/drawing/2014/main" xmlns="" id="{416F99E9-E132-4AB6-9501-719E390B2951}"/>
+                    <a16:creationId xmlns="" xmlns:a16="http://schemas.microsoft.com/office/drawing/2014/main" id="{416F99E9-E132-4AB6-9501-719E390B2951}"/>
                   </a:ext>
                 </a:extLst>
               </p:cNvPr>
@@ -15313,7 +15309,7 @@
                 <a:avLst/>
               </a:prstGeom>
               <a:solidFill>
-                <a:srgbClr val="46CF76"/>
+                <a:srgbClr val="322B80"/>
               </a:solidFill>
               <a:ln>
                 <a:noFill/>
@@ -15356,7 +15352,7 @@
               <p:cNvPr id="98" name="Arc 97">
                 <a:extLst>
                   <a:ext uri="{FF2B5EF4-FFF2-40B4-BE49-F238E27FC236}">
-                    <a16:creationId xmlns:a16="http://schemas.microsoft.com/office/drawing/2014/main" xmlns="" id="{7BF41422-E1EF-4A49-906D-7C9E43200378}"/>
+                    <a16:creationId xmlns="" xmlns:a16="http://schemas.microsoft.com/office/drawing/2014/main" id="{7BF41422-E1EF-4A49-906D-7C9E43200378}"/>
                   </a:ext>
                 </a:extLst>
               </p:cNvPr>
@@ -15435,7 +15431,7 @@
             <p:cNvPr id="99" name="Group 98">
               <a:extLst>
                 <a:ext uri="{FF2B5EF4-FFF2-40B4-BE49-F238E27FC236}">
-                  <a16:creationId xmlns:a16="http://schemas.microsoft.com/office/drawing/2014/main" xmlns="" id="{3A6C8FCE-3906-4A51-8C51-53A21458A79D}"/>
+                  <a16:creationId xmlns="" xmlns:a16="http://schemas.microsoft.com/office/drawing/2014/main" id="{3A6C8FCE-3906-4A51-8C51-53A21458A79D}"/>
                 </a:ext>
               </a:extLst>
             </p:cNvPr>
@@ -15455,7 +15451,7 @@
               <p:cNvPr id="100" name="Rectangle 99">
                 <a:extLst>
                   <a:ext uri="{FF2B5EF4-FFF2-40B4-BE49-F238E27FC236}">
-                    <a16:creationId xmlns:a16="http://schemas.microsoft.com/office/drawing/2014/main" xmlns="" id="{01B7306C-C82A-4CBC-8810-B196E2B85FD9}"/>
+                    <a16:creationId xmlns="" xmlns:a16="http://schemas.microsoft.com/office/drawing/2014/main" id="{01B7306C-C82A-4CBC-8810-B196E2B85FD9}"/>
                   </a:ext>
                 </a:extLst>
               </p:cNvPr>
@@ -15471,7 +15467,7 @@
                 <a:avLst/>
               </a:prstGeom>
               <a:solidFill>
-                <a:srgbClr val="46CF76"/>
+                <a:srgbClr val="322B80"/>
               </a:solidFill>
               <a:ln>
                 <a:noFill/>
@@ -15514,7 +15510,7 @@
               <p:cNvPr id="101" name="Arc 100">
                 <a:extLst>
                   <a:ext uri="{FF2B5EF4-FFF2-40B4-BE49-F238E27FC236}">
-                    <a16:creationId xmlns:a16="http://schemas.microsoft.com/office/drawing/2014/main" xmlns="" id="{4309EB4B-A1C1-41B8-9E71-43E4632DE81A}"/>
+                    <a16:creationId xmlns="" xmlns:a16="http://schemas.microsoft.com/office/drawing/2014/main" id="{4309EB4B-A1C1-41B8-9E71-43E4632DE81A}"/>
                   </a:ext>
                 </a:extLst>
               </p:cNvPr>
@@ -15593,7 +15589,7 @@
             <p:cNvPr id="102" name="Group 101">
               <a:extLst>
                 <a:ext uri="{FF2B5EF4-FFF2-40B4-BE49-F238E27FC236}">
-                  <a16:creationId xmlns:a16="http://schemas.microsoft.com/office/drawing/2014/main" xmlns="" id="{C74B4894-B5D2-4362-964C-D4DC0546060A}"/>
+                  <a16:creationId xmlns="" xmlns:a16="http://schemas.microsoft.com/office/drawing/2014/main" id="{C74B4894-B5D2-4362-964C-D4DC0546060A}"/>
                 </a:ext>
               </a:extLst>
             </p:cNvPr>
@@ -15613,7 +15609,7 @@
               <p:cNvPr id="103" name="Rectangle 102">
                 <a:extLst>
                   <a:ext uri="{FF2B5EF4-FFF2-40B4-BE49-F238E27FC236}">
-                    <a16:creationId xmlns:a16="http://schemas.microsoft.com/office/drawing/2014/main" xmlns="" id="{DA95D981-4D5B-4F4F-8A82-69838938508F}"/>
+                    <a16:creationId xmlns="" xmlns:a16="http://schemas.microsoft.com/office/drawing/2014/main" id="{DA95D981-4D5B-4F4F-8A82-69838938508F}"/>
                   </a:ext>
                 </a:extLst>
               </p:cNvPr>
@@ -15622,14 +15618,14 @@
             </p:nvSpPr>
             <p:spPr>
               <a:xfrm>
-                <a:off x="6133654" y="683764"/>
+                <a:off x="6133654" y="668017"/>
                 <a:ext cx="259806" cy="145054"/>
               </a:xfrm>
               <a:prstGeom prst="rect">
                 <a:avLst/>
               </a:prstGeom>
               <a:solidFill>
-                <a:srgbClr val="46CF76"/>
+                <a:srgbClr val="322B80"/>
               </a:solidFill>
               <a:ln>
                 <a:noFill/>
@@ -15672,7 +15668,7 @@
               <p:cNvPr id="104" name="Arc 103">
                 <a:extLst>
                   <a:ext uri="{FF2B5EF4-FFF2-40B4-BE49-F238E27FC236}">
-                    <a16:creationId xmlns:a16="http://schemas.microsoft.com/office/drawing/2014/main" xmlns="" id="{E4822634-A39A-4B0D-8399-883328FCA1EE}"/>
+                    <a16:creationId xmlns="" xmlns:a16="http://schemas.microsoft.com/office/drawing/2014/main" id="{E4822634-A39A-4B0D-8399-883328FCA1EE}"/>
                   </a:ext>
                 </a:extLst>
               </p:cNvPr>
@@ -15751,7 +15747,7 @@
             <p:cNvPr id="105" name="Group 104">
               <a:extLst>
                 <a:ext uri="{FF2B5EF4-FFF2-40B4-BE49-F238E27FC236}">
-                  <a16:creationId xmlns:a16="http://schemas.microsoft.com/office/drawing/2014/main" xmlns="" id="{AC0C8900-7AAE-4DAD-9853-250BA8E46217}"/>
+                  <a16:creationId xmlns="" xmlns:a16="http://schemas.microsoft.com/office/drawing/2014/main" id="{AC0C8900-7AAE-4DAD-9853-250BA8E46217}"/>
                 </a:ext>
               </a:extLst>
             </p:cNvPr>
@@ -15771,7 +15767,7 @@
               <p:cNvPr id="106" name="Rectangle 105">
                 <a:extLst>
                   <a:ext uri="{FF2B5EF4-FFF2-40B4-BE49-F238E27FC236}">
-                    <a16:creationId xmlns:a16="http://schemas.microsoft.com/office/drawing/2014/main" xmlns="" id="{8F16C3F5-5111-4385-95DB-684995C5DA9E}"/>
+                    <a16:creationId xmlns="" xmlns:a16="http://schemas.microsoft.com/office/drawing/2014/main" id="{8F16C3F5-5111-4385-95DB-684995C5DA9E}"/>
                   </a:ext>
                 </a:extLst>
               </p:cNvPr>
@@ -15780,14 +15776,14 @@
             </p:nvSpPr>
             <p:spPr>
               <a:xfrm>
-                <a:off x="6133654" y="683764"/>
+                <a:off x="6133654" y="668017"/>
                 <a:ext cx="259806" cy="145054"/>
               </a:xfrm>
               <a:prstGeom prst="rect">
                 <a:avLst/>
               </a:prstGeom>
               <a:solidFill>
-                <a:srgbClr val="46CF76"/>
+                <a:srgbClr val="322B80"/>
               </a:solidFill>
               <a:ln>
                 <a:noFill/>
@@ -15830,7 +15826,7 @@
               <p:cNvPr id="107" name="Arc 106">
                 <a:extLst>
                   <a:ext uri="{FF2B5EF4-FFF2-40B4-BE49-F238E27FC236}">
-                    <a16:creationId xmlns:a16="http://schemas.microsoft.com/office/drawing/2014/main" xmlns="" id="{C8E4EC42-A513-472E-AE69-66EF8F71937C}"/>
+                    <a16:creationId xmlns="" xmlns:a16="http://schemas.microsoft.com/office/drawing/2014/main" id="{C8E4EC42-A513-472E-AE69-66EF8F71937C}"/>
                   </a:ext>
                 </a:extLst>
               </p:cNvPr>
@@ -15909,7 +15905,7 @@
             <p:cNvPr id="108" name="Group 107">
               <a:extLst>
                 <a:ext uri="{FF2B5EF4-FFF2-40B4-BE49-F238E27FC236}">
-                  <a16:creationId xmlns:a16="http://schemas.microsoft.com/office/drawing/2014/main" xmlns="" id="{B9DF2A69-06AC-4DC9-B6C7-9A1B9D012585}"/>
+                  <a16:creationId xmlns="" xmlns:a16="http://schemas.microsoft.com/office/drawing/2014/main" id="{B9DF2A69-06AC-4DC9-B6C7-9A1B9D012585}"/>
                 </a:ext>
               </a:extLst>
             </p:cNvPr>
@@ -15929,7 +15925,7 @@
               <p:cNvPr id="109" name="Rectangle 108">
                 <a:extLst>
                   <a:ext uri="{FF2B5EF4-FFF2-40B4-BE49-F238E27FC236}">
-                    <a16:creationId xmlns:a16="http://schemas.microsoft.com/office/drawing/2014/main" xmlns="" id="{66D59475-186E-4F7A-A501-ABEDCC08DC98}"/>
+                    <a16:creationId xmlns="" xmlns:a16="http://schemas.microsoft.com/office/drawing/2014/main" id="{66D59475-186E-4F7A-A501-ABEDCC08DC98}"/>
                   </a:ext>
                 </a:extLst>
               </p:cNvPr>
@@ -15938,14 +15934,14 @@
             </p:nvSpPr>
             <p:spPr>
               <a:xfrm>
-                <a:off x="6133654" y="683764"/>
+                <a:off x="6133654" y="668017"/>
                 <a:ext cx="259806" cy="145054"/>
               </a:xfrm>
               <a:prstGeom prst="rect">
                 <a:avLst/>
               </a:prstGeom>
               <a:solidFill>
-                <a:srgbClr val="46CF76"/>
+                <a:srgbClr val="322B80"/>
               </a:solidFill>
               <a:ln>
                 <a:noFill/>
@@ -15988,7 +15984,7 @@
               <p:cNvPr id="110" name="Arc 109">
                 <a:extLst>
                   <a:ext uri="{FF2B5EF4-FFF2-40B4-BE49-F238E27FC236}">
-                    <a16:creationId xmlns:a16="http://schemas.microsoft.com/office/drawing/2014/main" xmlns="" id="{55C929AA-C5D4-4A29-94FC-BF99C03F9430}"/>
+                    <a16:creationId xmlns="" xmlns:a16="http://schemas.microsoft.com/office/drawing/2014/main" id="{55C929AA-C5D4-4A29-94FC-BF99C03F9430}"/>
                   </a:ext>
                 </a:extLst>
               </p:cNvPr>
@@ -16067,7 +16063,7 @@
             <p:cNvPr id="111" name="Group 110">
               <a:extLst>
                 <a:ext uri="{FF2B5EF4-FFF2-40B4-BE49-F238E27FC236}">
-                  <a16:creationId xmlns:a16="http://schemas.microsoft.com/office/drawing/2014/main" xmlns="" id="{26F5DDE8-77F1-4A19-9A73-FA16AD387091}"/>
+                  <a16:creationId xmlns="" xmlns:a16="http://schemas.microsoft.com/office/drawing/2014/main" id="{26F5DDE8-77F1-4A19-9A73-FA16AD387091}"/>
                 </a:ext>
               </a:extLst>
             </p:cNvPr>
@@ -16087,7 +16083,7 @@
               <p:cNvPr id="112" name="Rectangle 111">
                 <a:extLst>
                   <a:ext uri="{FF2B5EF4-FFF2-40B4-BE49-F238E27FC236}">
-                    <a16:creationId xmlns:a16="http://schemas.microsoft.com/office/drawing/2014/main" xmlns="" id="{3975D25C-1E30-46E2-BA99-3037ADE31704}"/>
+                    <a16:creationId xmlns="" xmlns:a16="http://schemas.microsoft.com/office/drawing/2014/main" id="{3975D25C-1E30-46E2-BA99-3037ADE31704}"/>
                   </a:ext>
                 </a:extLst>
               </p:cNvPr>
@@ -16096,14 +16092,14 @@
             </p:nvSpPr>
             <p:spPr>
               <a:xfrm>
-                <a:off x="6133654" y="683764"/>
+                <a:off x="6133654" y="668017"/>
                 <a:ext cx="259806" cy="145054"/>
               </a:xfrm>
               <a:prstGeom prst="rect">
                 <a:avLst/>
               </a:prstGeom>
               <a:solidFill>
-                <a:srgbClr val="46CF76"/>
+                <a:srgbClr val="322B80"/>
               </a:solidFill>
               <a:ln>
                 <a:noFill/>
@@ -16146,7 +16142,7 @@
               <p:cNvPr id="113" name="Arc 112">
                 <a:extLst>
                   <a:ext uri="{FF2B5EF4-FFF2-40B4-BE49-F238E27FC236}">
-                    <a16:creationId xmlns:a16="http://schemas.microsoft.com/office/drawing/2014/main" xmlns="" id="{5489E9B8-DC06-4350-B467-61A9DA0B02A7}"/>
+                    <a16:creationId xmlns="" xmlns:a16="http://schemas.microsoft.com/office/drawing/2014/main" id="{5489E9B8-DC06-4350-B467-61A9DA0B02A7}"/>
                   </a:ext>
                 </a:extLst>
               </p:cNvPr>
@@ -16225,7 +16221,7 @@
             <p:cNvPr id="114" name="Group 113">
               <a:extLst>
                 <a:ext uri="{FF2B5EF4-FFF2-40B4-BE49-F238E27FC236}">
-                  <a16:creationId xmlns:a16="http://schemas.microsoft.com/office/drawing/2014/main" xmlns="" id="{0375CE18-5EC1-4881-8142-DC1BC91AD094}"/>
+                  <a16:creationId xmlns="" xmlns:a16="http://schemas.microsoft.com/office/drawing/2014/main" id="{0375CE18-5EC1-4881-8142-DC1BC91AD094}"/>
                 </a:ext>
               </a:extLst>
             </p:cNvPr>
@@ -16245,7 +16241,7 @@
               <p:cNvPr id="115" name="Rectangle 114">
                 <a:extLst>
                   <a:ext uri="{FF2B5EF4-FFF2-40B4-BE49-F238E27FC236}">
-                    <a16:creationId xmlns:a16="http://schemas.microsoft.com/office/drawing/2014/main" xmlns="" id="{10A76D25-919A-40D9-9554-EFE2D3956BE4}"/>
+                    <a16:creationId xmlns="" xmlns:a16="http://schemas.microsoft.com/office/drawing/2014/main" id="{10A76D25-919A-40D9-9554-EFE2D3956BE4}"/>
                   </a:ext>
                 </a:extLst>
               </p:cNvPr>
@@ -16261,7 +16257,7 @@
                 <a:avLst/>
               </a:prstGeom>
               <a:solidFill>
-                <a:srgbClr val="46CF76"/>
+                <a:srgbClr val="322B80"/>
               </a:solidFill>
               <a:ln>
                 <a:noFill/>
@@ -16304,7 +16300,7 @@
               <p:cNvPr id="116" name="Arc 115">
                 <a:extLst>
                   <a:ext uri="{FF2B5EF4-FFF2-40B4-BE49-F238E27FC236}">
-                    <a16:creationId xmlns:a16="http://schemas.microsoft.com/office/drawing/2014/main" xmlns="" id="{F541D253-66CC-4C59-909C-302800ABEEFC}"/>
+                    <a16:creationId xmlns="" xmlns:a16="http://schemas.microsoft.com/office/drawing/2014/main" id="{F541D253-66CC-4C59-909C-302800ABEEFC}"/>
                   </a:ext>
                 </a:extLst>
               </p:cNvPr>
@@ -16383,7 +16379,7 @@
             <p:cNvPr id="117" name="Group 116">
               <a:extLst>
                 <a:ext uri="{FF2B5EF4-FFF2-40B4-BE49-F238E27FC236}">
-                  <a16:creationId xmlns:a16="http://schemas.microsoft.com/office/drawing/2014/main" xmlns="" id="{D86A99F9-8CBA-4BBB-88F7-14582E27C64C}"/>
+                  <a16:creationId xmlns="" xmlns:a16="http://schemas.microsoft.com/office/drawing/2014/main" id="{D86A99F9-8CBA-4BBB-88F7-14582E27C64C}"/>
                 </a:ext>
               </a:extLst>
             </p:cNvPr>
@@ -16403,7 +16399,7 @@
               <p:cNvPr id="118" name="Rectangle 117">
                 <a:extLst>
                   <a:ext uri="{FF2B5EF4-FFF2-40B4-BE49-F238E27FC236}">
-                    <a16:creationId xmlns:a16="http://schemas.microsoft.com/office/drawing/2014/main" xmlns="" id="{16259704-CA38-4525-8489-D1FECD12BDBC}"/>
+                    <a16:creationId xmlns="" xmlns:a16="http://schemas.microsoft.com/office/drawing/2014/main" id="{16259704-CA38-4525-8489-D1FECD12BDBC}"/>
                   </a:ext>
                 </a:extLst>
               </p:cNvPr>
@@ -16419,7 +16415,7 @@
                 <a:avLst/>
               </a:prstGeom>
               <a:solidFill>
-                <a:srgbClr val="46CF76"/>
+                <a:srgbClr val="322B80"/>
               </a:solidFill>
               <a:ln>
                 <a:noFill/>
@@ -16462,7 +16458,7 @@
               <p:cNvPr id="119" name="Arc 118">
                 <a:extLst>
                   <a:ext uri="{FF2B5EF4-FFF2-40B4-BE49-F238E27FC236}">
-                    <a16:creationId xmlns:a16="http://schemas.microsoft.com/office/drawing/2014/main" xmlns="" id="{40F4FCA1-5992-49D0-8CE6-8488CF6BAF04}"/>
+                    <a16:creationId xmlns="" xmlns:a16="http://schemas.microsoft.com/office/drawing/2014/main" id="{40F4FCA1-5992-49D0-8CE6-8488CF6BAF04}"/>
                   </a:ext>
                 </a:extLst>
               </p:cNvPr>
@@ -16541,7 +16537,7 @@
             <p:cNvPr id="120" name="Group 119">
               <a:extLst>
                 <a:ext uri="{FF2B5EF4-FFF2-40B4-BE49-F238E27FC236}">
-                  <a16:creationId xmlns:a16="http://schemas.microsoft.com/office/drawing/2014/main" xmlns="" id="{F5C59377-7214-4209-BA16-86D5D1DAE2B0}"/>
+                  <a16:creationId xmlns="" xmlns:a16="http://schemas.microsoft.com/office/drawing/2014/main" id="{F5C59377-7214-4209-BA16-86D5D1DAE2B0}"/>
                 </a:ext>
               </a:extLst>
             </p:cNvPr>
@@ -16561,7 +16557,7 @@
               <p:cNvPr id="121" name="Rectangle 120">
                 <a:extLst>
                   <a:ext uri="{FF2B5EF4-FFF2-40B4-BE49-F238E27FC236}">
-                    <a16:creationId xmlns:a16="http://schemas.microsoft.com/office/drawing/2014/main" xmlns="" id="{959A5D35-C7AE-458F-BBB5-71CD3A3F97F8}"/>
+                    <a16:creationId xmlns="" xmlns:a16="http://schemas.microsoft.com/office/drawing/2014/main" id="{959A5D35-C7AE-458F-BBB5-71CD3A3F97F8}"/>
                   </a:ext>
                 </a:extLst>
               </p:cNvPr>
@@ -16577,7 +16573,7 @@
                 <a:avLst/>
               </a:prstGeom>
               <a:solidFill>
-                <a:srgbClr val="46CF76"/>
+                <a:srgbClr val="322B80"/>
               </a:solidFill>
               <a:ln>
                 <a:noFill/>
@@ -16620,7 +16616,7 @@
               <p:cNvPr id="122" name="Arc 121">
                 <a:extLst>
                   <a:ext uri="{FF2B5EF4-FFF2-40B4-BE49-F238E27FC236}">
-                    <a16:creationId xmlns:a16="http://schemas.microsoft.com/office/drawing/2014/main" xmlns="" id="{F490A229-65A6-4DFF-870F-4B92A114A66A}"/>
+                    <a16:creationId xmlns="" xmlns:a16="http://schemas.microsoft.com/office/drawing/2014/main" id="{F490A229-65A6-4DFF-870F-4B92A114A66A}"/>
                   </a:ext>
                 </a:extLst>
               </p:cNvPr>
@@ -16699,7 +16695,7 @@
             <p:cNvPr id="123" name="Group 122">
               <a:extLst>
                 <a:ext uri="{FF2B5EF4-FFF2-40B4-BE49-F238E27FC236}">
-                  <a16:creationId xmlns:a16="http://schemas.microsoft.com/office/drawing/2014/main" xmlns="" id="{9EC6FFFF-2006-4366-8566-0113AD9F036A}"/>
+                  <a16:creationId xmlns="" xmlns:a16="http://schemas.microsoft.com/office/drawing/2014/main" id="{9EC6FFFF-2006-4366-8566-0113AD9F036A}"/>
                 </a:ext>
               </a:extLst>
             </p:cNvPr>
@@ -16719,7 +16715,7 @@
               <p:cNvPr id="124" name="Rectangle 123">
                 <a:extLst>
                   <a:ext uri="{FF2B5EF4-FFF2-40B4-BE49-F238E27FC236}">
-                    <a16:creationId xmlns:a16="http://schemas.microsoft.com/office/drawing/2014/main" xmlns="" id="{595E399E-0521-4D5B-914F-29C3ADDF2B72}"/>
+                    <a16:creationId xmlns="" xmlns:a16="http://schemas.microsoft.com/office/drawing/2014/main" id="{595E399E-0521-4D5B-914F-29C3ADDF2B72}"/>
                   </a:ext>
                 </a:extLst>
               </p:cNvPr>
@@ -16735,7 +16731,7 @@
                 <a:avLst/>
               </a:prstGeom>
               <a:solidFill>
-                <a:srgbClr val="46CF76"/>
+                <a:srgbClr val="322B80"/>
               </a:solidFill>
               <a:ln>
                 <a:noFill/>
@@ -16778,7 +16774,7 @@
               <p:cNvPr id="125" name="Arc 124">
                 <a:extLst>
                   <a:ext uri="{FF2B5EF4-FFF2-40B4-BE49-F238E27FC236}">
-                    <a16:creationId xmlns:a16="http://schemas.microsoft.com/office/drawing/2014/main" xmlns="" id="{14739334-2472-4756-B880-7780C40DA407}"/>
+                    <a16:creationId xmlns="" xmlns:a16="http://schemas.microsoft.com/office/drawing/2014/main" id="{14739334-2472-4756-B880-7780C40DA407}"/>
                   </a:ext>
                 </a:extLst>
               </p:cNvPr>
@@ -16857,7 +16853,7 @@
             <p:cNvPr id="126" name="Group 125">
               <a:extLst>
                 <a:ext uri="{FF2B5EF4-FFF2-40B4-BE49-F238E27FC236}">
-                  <a16:creationId xmlns:a16="http://schemas.microsoft.com/office/drawing/2014/main" xmlns="" id="{6D7FEFCF-F5E2-48A4-8DA2-466E3FA530E8}"/>
+                  <a16:creationId xmlns="" xmlns:a16="http://schemas.microsoft.com/office/drawing/2014/main" id="{6D7FEFCF-F5E2-48A4-8DA2-466E3FA530E8}"/>
                 </a:ext>
               </a:extLst>
             </p:cNvPr>
@@ -16877,7 +16873,7 @@
               <p:cNvPr id="127" name="Rectangle 126">
                 <a:extLst>
                   <a:ext uri="{FF2B5EF4-FFF2-40B4-BE49-F238E27FC236}">
-                    <a16:creationId xmlns:a16="http://schemas.microsoft.com/office/drawing/2014/main" xmlns="" id="{5B8C7798-2FB8-447C-BA5C-ECB75C74E5AD}"/>
+                    <a16:creationId xmlns="" xmlns:a16="http://schemas.microsoft.com/office/drawing/2014/main" id="{5B8C7798-2FB8-447C-BA5C-ECB75C74E5AD}"/>
                   </a:ext>
                 </a:extLst>
               </p:cNvPr>
@@ -16893,7 +16889,7 @@
                 <a:avLst/>
               </a:prstGeom>
               <a:solidFill>
-                <a:srgbClr val="46CF76"/>
+                <a:srgbClr val="322B80"/>
               </a:solidFill>
               <a:ln>
                 <a:noFill/>
@@ -16936,7 +16932,7 @@
               <p:cNvPr id="128" name="Arc 127">
                 <a:extLst>
                   <a:ext uri="{FF2B5EF4-FFF2-40B4-BE49-F238E27FC236}">
-                    <a16:creationId xmlns:a16="http://schemas.microsoft.com/office/drawing/2014/main" xmlns="" id="{DDFE7CA2-AC7D-4CF0-A779-1F7EC6161969}"/>
+                    <a16:creationId xmlns="" xmlns:a16="http://schemas.microsoft.com/office/drawing/2014/main" id="{DDFE7CA2-AC7D-4CF0-A779-1F7EC6161969}"/>
                   </a:ext>
                 </a:extLst>
               </p:cNvPr>
@@ -17015,7 +17011,7 @@
             <p:cNvPr id="129" name="Group 128">
               <a:extLst>
                 <a:ext uri="{FF2B5EF4-FFF2-40B4-BE49-F238E27FC236}">
-                  <a16:creationId xmlns:a16="http://schemas.microsoft.com/office/drawing/2014/main" xmlns="" id="{EF6B5FAD-EB1F-43DC-8B99-11CAD21D64C9}"/>
+                  <a16:creationId xmlns="" xmlns:a16="http://schemas.microsoft.com/office/drawing/2014/main" id="{EF6B5FAD-EB1F-43DC-8B99-11CAD21D64C9}"/>
                 </a:ext>
               </a:extLst>
             </p:cNvPr>
@@ -17035,7 +17031,7 @@
               <p:cNvPr id="130" name="Rectangle 129">
                 <a:extLst>
                   <a:ext uri="{FF2B5EF4-FFF2-40B4-BE49-F238E27FC236}">
-                    <a16:creationId xmlns:a16="http://schemas.microsoft.com/office/drawing/2014/main" xmlns="" id="{B817890A-729D-4FBB-8EF7-DAFD6F73427B}"/>
+                    <a16:creationId xmlns="" xmlns:a16="http://schemas.microsoft.com/office/drawing/2014/main" id="{B817890A-729D-4FBB-8EF7-DAFD6F73427B}"/>
                   </a:ext>
                 </a:extLst>
               </p:cNvPr>
@@ -17051,7 +17047,7 @@
                 <a:avLst/>
               </a:prstGeom>
               <a:solidFill>
-                <a:srgbClr val="46CF76"/>
+                <a:srgbClr val="322B80"/>
               </a:solidFill>
               <a:ln>
                 <a:noFill/>
@@ -17094,7 +17090,7 @@
               <p:cNvPr id="131" name="Arc 130">
                 <a:extLst>
                   <a:ext uri="{FF2B5EF4-FFF2-40B4-BE49-F238E27FC236}">
-                    <a16:creationId xmlns:a16="http://schemas.microsoft.com/office/drawing/2014/main" xmlns="" id="{EAD6132E-2435-4771-A3CC-CCE94E7A9600}"/>
+                    <a16:creationId xmlns="" xmlns:a16="http://schemas.microsoft.com/office/drawing/2014/main" id="{EAD6132E-2435-4771-A3CC-CCE94E7A9600}"/>
                   </a:ext>
                 </a:extLst>
               </p:cNvPr>
@@ -17173,7 +17169,7 @@
             <p:cNvPr id="132" name="Group 131">
               <a:extLst>
                 <a:ext uri="{FF2B5EF4-FFF2-40B4-BE49-F238E27FC236}">
-                  <a16:creationId xmlns:a16="http://schemas.microsoft.com/office/drawing/2014/main" xmlns="" id="{2B7006E1-B188-46BA-BAA5-15A960905F4C}"/>
+                  <a16:creationId xmlns="" xmlns:a16="http://schemas.microsoft.com/office/drawing/2014/main" id="{2B7006E1-B188-46BA-BAA5-15A960905F4C}"/>
                 </a:ext>
               </a:extLst>
             </p:cNvPr>
@@ -17193,7 +17189,7 @@
               <p:cNvPr id="133" name="Rectangle 132">
                 <a:extLst>
                   <a:ext uri="{FF2B5EF4-FFF2-40B4-BE49-F238E27FC236}">
-                    <a16:creationId xmlns:a16="http://schemas.microsoft.com/office/drawing/2014/main" xmlns="" id="{D01250CF-AFA1-4A19-B3C7-7F163609380B}"/>
+                    <a16:creationId xmlns="" xmlns:a16="http://schemas.microsoft.com/office/drawing/2014/main" id="{D01250CF-AFA1-4A19-B3C7-7F163609380B}"/>
                   </a:ext>
                 </a:extLst>
               </p:cNvPr>
@@ -17209,7 +17205,7 @@
                 <a:avLst/>
               </a:prstGeom>
               <a:solidFill>
-                <a:srgbClr val="46CF76"/>
+                <a:srgbClr val="322B80"/>
               </a:solidFill>
               <a:ln>
                 <a:noFill/>
@@ -17252,7 +17248,7 @@
               <p:cNvPr id="134" name="Arc 133">
                 <a:extLst>
                   <a:ext uri="{FF2B5EF4-FFF2-40B4-BE49-F238E27FC236}">
-                    <a16:creationId xmlns:a16="http://schemas.microsoft.com/office/drawing/2014/main" xmlns="" id="{1014BA5C-C370-44EB-84DA-2D69E36CE6C3}"/>
+                    <a16:creationId xmlns="" xmlns:a16="http://schemas.microsoft.com/office/drawing/2014/main" id="{1014BA5C-C370-44EB-84DA-2D69E36CE6C3}"/>
                   </a:ext>
                 </a:extLst>
               </p:cNvPr>
@@ -17331,7 +17327,7 @@
             <p:cNvPr id="135" name="Group 134">
               <a:extLst>
                 <a:ext uri="{FF2B5EF4-FFF2-40B4-BE49-F238E27FC236}">
-                  <a16:creationId xmlns:a16="http://schemas.microsoft.com/office/drawing/2014/main" xmlns="" id="{AD8CB7E5-EBC4-4791-B93B-D0B41B862B83}"/>
+                  <a16:creationId xmlns="" xmlns:a16="http://schemas.microsoft.com/office/drawing/2014/main" id="{AD8CB7E5-EBC4-4791-B93B-D0B41B862B83}"/>
                 </a:ext>
               </a:extLst>
             </p:cNvPr>
@@ -17351,7 +17347,7 @@
               <p:cNvPr id="136" name="Rectangle 135">
                 <a:extLst>
                   <a:ext uri="{FF2B5EF4-FFF2-40B4-BE49-F238E27FC236}">
-                    <a16:creationId xmlns:a16="http://schemas.microsoft.com/office/drawing/2014/main" xmlns="" id="{CF456FF3-391C-4C8E-A128-A413BDBBB225}"/>
+                    <a16:creationId xmlns="" xmlns:a16="http://schemas.microsoft.com/office/drawing/2014/main" id="{CF456FF3-391C-4C8E-A128-A413BDBBB225}"/>
                   </a:ext>
                 </a:extLst>
               </p:cNvPr>
@@ -17367,7 +17363,7 @@
                 <a:avLst/>
               </a:prstGeom>
               <a:solidFill>
-                <a:srgbClr val="46CF76"/>
+                <a:srgbClr val="322B80"/>
               </a:solidFill>
               <a:ln>
                 <a:noFill/>
@@ -17410,7 +17406,7 @@
               <p:cNvPr id="137" name="Arc 136">
                 <a:extLst>
                   <a:ext uri="{FF2B5EF4-FFF2-40B4-BE49-F238E27FC236}">
-                    <a16:creationId xmlns:a16="http://schemas.microsoft.com/office/drawing/2014/main" xmlns="" id="{8838FE2A-04D7-44E3-97C3-54338832CB9A}"/>
+                    <a16:creationId xmlns="" xmlns:a16="http://schemas.microsoft.com/office/drawing/2014/main" id="{8838FE2A-04D7-44E3-97C3-54338832CB9A}"/>
                   </a:ext>
                 </a:extLst>
               </p:cNvPr>
@@ -17490,7 +17486,7 @@
           <p:cNvPr id="209" name="TextBox 208">
             <a:extLst>
               <a:ext uri="{FF2B5EF4-FFF2-40B4-BE49-F238E27FC236}">
-                <a16:creationId xmlns:a16="http://schemas.microsoft.com/office/drawing/2014/main" xmlns="" id="{97B6C5F2-384F-48A1-BC25-56C6849F9A23}"/>
+                <a16:creationId xmlns="" xmlns:a16="http://schemas.microsoft.com/office/drawing/2014/main" id="{97B6C5F2-384F-48A1-BC25-56C6849F9A23}"/>
               </a:ext>
             </a:extLst>
           </p:cNvPr>
@@ -17499,7 +17495,7 @@
         </p:nvSpPr>
         <p:spPr>
           <a:xfrm>
-            <a:off x="494513" y="459498"/>
+            <a:off x="494514" y="459500"/>
             <a:ext cx="3099191" cy="461665"/>
           </a:xfrm>
           <a:prstGeom prst="rect">
@@ -17514,14 +17510,14 @@
           <a:lstStyle/>
           <a:p>
             <a:r>
-              <a:rPr lang="pl-PL" sz="2400" dirty="0" err="1" smtClean="0">
+              <a:rPr lang="pl-PL" sz="2400" dirty="0" err="1">
                 <a:latin typeface="Hand Of Sean" panose="02000500000000000000" pitchFamily="2" charset="-128"/>
                 <a:ea typeface="Hand Of Sean" panose="02000500000000000000" pitchFamily="2" charset="-128"/>
               </a:rPr>
               <a:t>Rodzał</a:t>
             </a:r>
             <a:r>
-              <a:rPr lang="pl-PL" sz="2400" dirty="0" smtClean="0">
+              <a:rPr lang="pl-PL" sz="2400" dirty="0">
                 <a:latin typeface="Hand Of Sean" panose="02000500000000000000" pitchFamily="2" charset="-128"/>
                 <a:ea typeface="Hand Of Sean" panose="02000500000000000000" pitchFamily="2" charset="-128"/>
               </a:rPr>
@@ -17539,7 +17535,7 @@
           <p:cNvPr id="210" name="TextBox 209">
             <a:extLst>
               <a:ext uri="{FF2B5EF4-FFF2-40B4-BE49-F238E27FC236}">
-                <a16:creationId xmlns:a16="http://schemas.microsoft.com/office/drawing/2014/main" xmlns="" id="{3466BF93-A147-4F52-A7E5-9E9F8BDE7A42}"/>
+                <a16:creationId xmlns="" xmlns:a16="http://schemas.microsoft.com/office/drawing/2014/main" id="{3466BF93-A147-4F52-A7E5-9E9F8BDE7A42}"/>
               </a:ext>
             </a:extLst>
           </p:cNvPr>
@@ -17548,8 +17544,8 @@
         </p:nvSpPr>
         <p:spPr>
           <a:xfrm>
-            <a:off x="713653" y="1120627"/>
-            <a:ext cx="4963748" cy="2704587"/>
+            <a:off x="636549" y="1122224"/>
+            <a:ext cx="4963748" cy="3862596"/>
           </a:xfrm>
           <a:prstGeom prst="rect">
             <a:avLst/>
@@ -17652,7 +17648,7 @@
           <p:cNvPr id="66" name="Rectangle 65">
             <a:extLst>
               <a:ext uri="{FF2B5EF4-FFF2-40B4-BE49-F238E27FC236}">
-                <a16:creationId xmlns:a16="http://schemas.microsoft.com/office/drawing/2014/main" xmlns="" id="{C03955BB-E41C-4E77-BB48-325360470229}"/>
+                <a16:creationId xmlns="" xmlns:a16="http://schemas.microsoft.com/office/drawing/2014/main" id="{C03955BB-E41C-4E77-BB48-325360470229}"/>
               </a:ext>
             </a:extLst>
           </p:cNvPr>
@@ -17661,14 +17657,14 @@
         </p:nvSpPr>
         <p:spPr>
           <a:xfrm>
-            <a:off x="275044" y="-5786"/>
+            <a:off x="275045" y="-5785"/>
             <a:ext cx="5681417" cy="6858000"/>
           </a:xfrm>
           <a:prstGeom prst="rect">
             <a:avLst/>
           </a:prstGeom>
           <a:solidFill>
-            <a:srgbClr val="46CF76"/>
+            <a:srgbClr val="322B80"/>
           </a:solidFill>
           <a:ln>
             <a:noFill/>
@@ -17711,7 +17707,7 @@
           <p:cNvPr id="4" name="Rectangle 3">
             <a:extLst>
               <a:ext uri="{FF2B5EF4-FFF2-40B4-BE49-F238E27FC236}">
-                <a16:creationId xmlns:a16="http://schemas.microsoft.com/office/drawing/2014/main" xmlns="" id="{33F222A8-AF2A-4292-8A95-0C3AD37A109D}"/>
+                <a16:creationId xmlns="" xmlns:a16="http://schemas.microsoft.com/office/drawing/2014/main" id="{33F222A8-AF2A-4292-8A95-0C3AD37A109D}"/>
               </a:ext>
             </a:extLst>
           </p:cNvPr>
@@ -17720,14 +17716,14 @@
         </p:nvSpPr>
         <p:spPr>
           <a:xfrm>
-            <a:off x="6096000" y="0"/>
+            <a:off x="6096001" y="0"/>
             <a:ext cx="5660571" cy="6858000"/>
           </a:xfrm>
           <a:prstGeom prst="rect">
             <a:avLst/>
           </a:prstGeom>
           <a:solidFill>
-            <a:srgbClr val="46CF76"/>
+            <a:srgbClr val="322B80"/>
           </a:solidFill>
           <a:ln>
             <a:noFill/>
@@ -17770,7 +17766,7 @@
           <p:cNvPr id="190" name="Group 189">
             <a:extLst>
               <a:ext uri="{FF2B5EF4-FFF2-40B4-BE49-F238E27FC236}">
-                <a16:creationId xmlns:a16="http://schemas.microsoft.com/office/drawing/2014/main" xmlns="" id="{B1C4F1B1-18D1-4F24-A7B4-A913BFFF45E6}"/>
+                <a16:creationId xmlns="" xmlns:a16="http://schemas.microsoft.com/office/drawing/2014/main" id="{B1C4F1B1-18D1-4F24-A7B4-A913BFFF45E6}"/>
               </a:ext>
             </a:extLst>
           </p:cNvPr>
@@ -17779,10 +17775,10 @@
         </p:nvGrpSpPr>
         <p:grpSpPr>
           <a:xfrm>
-            <a:off x="6129219" y="117015"/>
-            <a:ext cx="5541663" cy="6662468"/>
+            <a:off x="6129221" y="117015"/>
+            <a:ext cx="5774860" cy="6662468"/>
             <a:chOff x="6128872" y="119550"/>
-            <a:chExt cx="5541663" cy="6662468"/>
+            <a:chExt cx="5774860" cy="6662468"/>
           </a:xfrm>
         </p:grpSpPr>
         <p:sp>
@@ -17790,7 +17786,7 @@
             <p:cNvPr id="191" name="Rectangle 190">
               <a:extLst>
                 <a:ext uri="{FF2B5EF4-FFF2-40B4-BE49-F238E27FC236}">
-                  <a16:creationId xmlns:a16="http://schemas.microsoft.com/office/drawing/2014/main" xmlns="" id="{479DEB60-7570-45B4-8336-36827F8A3ED2}"/>
+                  <a16:creationId xmlns="" xmlns:a16="http://schemas.microsoft.com/office/drawing/2014/main" id="{479DEB60-7570-45B4-8336-36827F8A3ED2}"/>
                 </a:ext>
               </a:extLst>
             </p:cNvPr>
@@ -17806,7 +17802,7 @@
               <a:avLst/>
             </a:prstGeom>
             <a:solidFill>
-              <a:srgbClr val="FF3399"/>
+              <a:srgbClr val="C10E1A"/>
             </a:solidFill>
             <a:ln>
               <a:noFill/>
@@ -17854,7 +17850,7 @@
             <p:cNvPr id="192" name="Freeform: Shape 191">
               <a:extLst>
                 <a:ext uri="{FF2B5EF4-FFF2-40B4-BE49-F238E27FC236}">
-                  <a16:creationId xmlns:a16="http://schemas.microsoft.com/office/drawing/2014/main" xmlns="" id="{1F0B4A1C-B94A-47CE-AED1-2D2A4BE4CFF9}"/>
+                  <a16:creationId xmlns="" xmlns:a16="http://schemas.microsoft.com/office/drawing/2014/main" id="{1F0B4A1C-B94A-47CE-AED1-2D2A4BE4CFF9}"/>
                 </a:ext>
               </a:extLst>
             </p:cNvPr>
@@ -17990,7 +17986,7 @@
             <p:cNvPr id="205" name="TextBox 204">
               <a:extLst>
                 <a:ext uri="{FF2B5EF4-FFF2-40B4-BE49-F238E27FC236}">
-                  <a16:creationId xmlns:a16="http://schemas.microsoft.com/office/drawing/2014/main" xmlns="" id="{B1FBF4D5-CE44-480D-BC29-B88EB2D96005}"/>
+                  <a16:creationId xmlns="" xmlns:a16="http://schemas.microsoft.com/office/drawing/2014/main" id="{B1FBF4D5-CE44-480D-BC29-B88EB2D96005}"/>
                 </a:ext>
               </a:extLst>
             </p:cNvPr>
@@ -18000,7 +17996,7 @@
           <p:spPr>
             <a:xfrm>
               <a:off x="11165068" y="5479513"/>
-              <a:ext cx="461665" cy="1302505"/>
+              <a:ext cx="738664" cy="1302505"/>
             </a:xfrm>
             <a:prstGeom prst="rect">
               <a:avLst/>
@@ -18028,8 +18024,11 @@
               </a:r>
               <a:r>
                 <a:rPr lang="pl-PL" b="1" dirty="0" smtClean="0"/>
-                <a:t>3</a:t>
+                <a:t>5</a:t>
               </a:r>
+            </a:p>
+            <a:p>
+              <a:pPr algn="ctr"/>
               <a:endParaRPr lang="en-US" b="1" dirty="0"/>
             </a:p>
           </p:txBody>
@@ -18040,7 +18039,7 @@
           <p:cNvPr id="174" name="Group 173">
             <a:extLst>
               <a:ext uri="{FF2B5EF4-FFF2-40B4-BE49-F238E27FC236}">
-                <a16:creationId xmlns:a16="http://schemas.microsoft.com/office/drawing/2014/main" xmlns="" id="{4D3EC6F6-41B8-42EA-9450-9660D30297B3}"/>
+                <a16:creationId xmlns="" xmlns:a16="http://schemas.microsoft.com/office/drawing/2014/main" id="{4D3EC6F6-41B8-42EA-9450-9660D30297B3}"/>
               </a:ext>
             </a:extLst>
           </p:cNvPr>
@@ -18049,8 +18048,8 @@
         </p:nvGrpSpPr>
         <p:grpSpPr>
           <a:xfrm flipH="1">
-            <a:off x="334709" y="89189"/>
-            <a:ext cx="5558399" cy="6630702"/>
+            <a:off x="334710" y="89190"/>
+            <a:ext cx="5558399" cy="6630703"/>
             <a:chOff x="6128872" y="119550"/>
             <a:chExt cx="5558399" cy="6630702"/>
           </a:xfrm>
@@ -18060,7 +18059,7 @@
             <p:cNvPr id="175" name="Rectangle 174">
               <a:extLst>
                 <a:ext uri="{FF2B5EF4-FFF2-40B4-BE49-F238E27FC236}">
-                  <a16:creationId xmlns:a16="http://schemas.microsoft.com/office/drawing/2014/main" xmlns="" id="{BC45525F-CA64-4D1D-A75E-E6290B229999}"/>
+                  <a16:creationId xmlns="" xmlns:a16="http://schemas.microsoft.com/office/drawing/2014/main" id="{BC45525F-CA64-4D1D-A75E-E6290B229999}"/>
                 </a:ext>
               </a:extLst>
             </p:cNvPr>
@@ -18076,7 +18075,7 @@
               <a:avLst/>
             </a:prstGeom>
             <a:solidFill>
-              <a:srgbClr val="CC00FF"/>
+              <a:srgbClr val="C10E1A"/>
             </a:solidFill>
             <a:ln>
               <a:noFill/>
@@ -18124,7 +18123,7 @@
             <p:cNvPr id="176" name="Freeform: Shape 175">
               <a:extLst>
                 <a:ext uri="{FF2B5EF4-FFF2-40B4-BE49-F238E27FC236}">
-                  <a16:creationId xmlns:a16="http://schemas.microsoft.com/office/drawing/2014/main" xmlns="" id="{4CCDAA36-0014-487F-9FC8-FB18AD79A536}"/>
+                  <a16:creationId xmlns="" xmlns:a16="http://schemas.microsoft.com/office/drawing/2014/main" id="{4CCDAA36-0014-487F-9FC8-FB18AD79A536}"/>
                 </a:ext>
               </a:extLst>
             </p:cNvPr>
@@ -18260,7 +18259,7 @@
             <p:cNvPr id="189" name="TextBox 188">
               <a:extLst>
                 <a:ext uri="{FF2B5EF4-FFF2-40B4-BE49-F238E27FC236}">
-                  <a16:creationId xmlns:a16="http://schemas.microsoft.com/office/drawing/2014/main" xmlns="" id="{028D77CE-26CC-48A3-92E2-0D112FD9E9FA}"/>
+                  <a16:creationId xmlns="" xmlns:a16="http://schemas.microsoft.com/office/drawing/2014/main" id="{028D77CE-26CC-48A3-92E2-0D112FD9E9FA}"/>
                 </a:ext>
               </a:extLst>
             </p:cNvPr>
@@ -18269,7 +18268,7 @@
           </p:nvSpPr>
           <p:spPr>
             <a:xfrm>
-              <a:off x="11176000" y="5437302"/>
+              <a:off x="11176000" y="5437301"/>
               <a:ext cx="461665" cy="1302505"/>
             </a:xfrm>
             <a:prstGeom prst="rect">
@@ -18298,7 +18297,7 @@
               </a:r>
               <a:r>
                 <a:rPr lang="pl-PL" b="1" dirty="0"/>
-                <a:t>2</a:t>
+                <a:t>4</a:t>
               </a:r>
               <a:endParaRPr lang="en-US" b="1" dirty="0"/>
             </a:p>
@@ -18310,7 +18309,7 @@
           <p:cNvPr id="3" name="Group 2">
             <a:extLst>
               <a:ext uri="{FF2B5EF4-FFF2-40B4-BE49-F238E27FC236}">
-                <a16:creationId xmlns:a16="http://schemas.microsoft.com/office/drawing/2014/main" xmlns="" id="{0F1A4B53-3DA8-4B08-87F6-99E2B5780CCB}"/>
+                <a16:creationId xmlns="" xmlns:a16="http://schemas.microsoft.com/office/drawing/2014/main" id="{0F1A4B53-3DA8-4B08-87F6-99E2B5780CCB}"/>
               </a:ext>
             </a:extLst>
           </p:cNvPr>
@@ -18319,7 +18318,7 @@
         </p:nvGrpSpPr>
         <p:grpSpPr>
           <a:xfrm>
-            <a:off x="5599563" y="119550"/>
+            <a:off x="5599565" y="119551"/>
             <a:ext cx="793897" cy="6607323"/>
             <a:chOff x="5599563" y="119550"/>
             <a:chExt cx="793897" cy="6607323"/>
@@ -18330,7 +18329,7 @@
             <p:cNvPr id="67" name="Rectangle 66">
               <a:extLst>
                 <a:ext uri="{FF2B5EF4-FFF2-40B4-BE49-F238E27FC236}">
-                  <a16:creationId xmlns:a16="http://schemas.microsoft.com/office/drawing/2014/main" xmlns="" id="{D119F2DB-0E38-4A31-831F-2BAF295D2A25}"/>
+                  <a16:creationId xmlns="" xmlns:a16="http://schemas.microsoft.com/office/drawing/2014/main" id="{D119F2DB-0E38-4A31-831F-2BAF295D2A25}"/>
                 </a:ext>
               </a:extLst>
             </p:cNvPr>
@@ -18339,14 +18338,14 @@
           </p:nvSpPr>
           <p:spPr>
             <a:xfrm>
-              <a:off x="5613909" y="221362"/>
+              <a:off x="5613909" y="205615"/>
               <a:ext cx="259806" cy="145054"/>
             </a:xfrm>
             <a:prstGeom prst="rect">
               <a:avLst/>
             </a:prstGeom>
             <a:solidFill>
-              <a:srgbClr val="46CF76"/>
+              <a:srgbClr val="322B80"/>
             </a:solidFill>
             <a:ln>
               <a:noFill/>
@@ -18394,7 +18393,7 @@
             <p:cNvPr id="10" name="Group 9">
               <a:extLst>
                 <a:ext uri="{FF2B5EF4-FFF2-40B4-BE49-F238E27FC236}">
-                  <a16:creationId xmlns:a16="http://schemas.microsoft.com/office/drawing/2014/main" xmlns="" id="{AEE5042A-E067-4FB7-BCFF-00BB33BFEDEC}"/>
+                  <a16:creationId xmlns="" xmlns:a16="http://schemas.microsoft.com/office/drawing/2014/main" id="{AEE5042A-E067-4FB7-BCFF-00BB33BFEDEC}"/>
                 </a:ext>
               </a:extLst>
             </p:cNvPr>
@@ -18414,7 +18413,7 @@
               <p:cNvPr id="5" name="Rectangle 4">
                 <a:extLst>
                   <a:ext uri="{FF2B5EF4-FFF2-40B4-BE49-F238E27FC236}">
-                    <a16:creationId xmlns:a16="http://schemas.microsoft.com/office/drawing/2014/main" xmlns="" id="{9ECC8D50-758B-45D1-9832-058DA749338C}"/>
+                    <a16:creationId xmlns="" xmlns:a16="http://schemas.microsoft.com/office/drawing/2014/main" id="{9ECC8D50-758B-45D1-9832-058DA749338C}"/>
                   </a:ext>
                 </a:extLst>
               </p:cNvPr>
@@ -18430,7 +18429,7 @@
                 <a:avLst/>
               </a:prstGeom>
               <a:solidFill>
-                <a:srgbClr val="46CF76"/>
+                <a:srgbClr val="322B80"/>
               </a:solidFill>
               <a:ln>
                 <a:noFill/>
@@ -18473,7 +18472,7 @@
               <p:cNvPr id="9" name="Arc 8">
                 <a:extLst>
                   <a:ext uri="{FF2B5EF4-FFF2-40B4-BE49-F238E27FC236}">
-                    <a16:creationId xmlns:a16="http://schemas.microsoft.com/office/drawing/2014/main" xmlns="" id="{FC783E55-1922-4926-8D97-EC60526709F7}"/>
+                    <a16:creationId xmlns="" xmlns:a16="http://schemas.microsoft.com/office/drawing/2014/main" id="{FC783E55-1922-4926-8D97-EC60526709F7}"/>
                   </a:ext>
                 </a:extLst>
               </p:cNvPr>
@@ -18552,7 +18551,7 @@
             <p:cNvPr id="68" name="Rectangle 67">
               <a:extLst>
                 <a:ext uri="{FF2B5EF4-FFF2-40B4-BE49-F238E27FC236}">
-                  <a16:creationId xmlns:a16="http://schemas.microsoft.com/office/drawing/2014/main" xmlns="" id="{FCB92E0C-F05E-4602-8A6C-A561815032EC}"/>
+                  <a16:creationId xmlns="" xmlns:a16="http://schemas.microsoft.com/office/drawing/2014/main" id="{FCB92E0C-F05E-4602-8A6C-A561815032EC}"/>
                 </a:ext>
               </a:extLst>
             </p:cNvPr>
@@ -18561,14 +18560,14 @@
           </p:nvSpPr>
           <p:spPr>
             <a:xfrm>
-              <a:off x="5626987" y="498049"/>
+              <a:off x="5626987" y="482302"/>
               <a:ext cx="259806" cy="145054"/>
             </a:xfrm>
             <a:prstGeom prst="rect">
               <a:avLst/>
             </a:prstGeom>
             <a:solidFill>
-              <a:srgbClr val="46CF76"/>
+              <a:srgbClr val="322B80"/>
             </a:solidFill>
             <a:ln>
               <a:noFill/>
@@ -18616,7 +18615,7 @@
             <p:cNvPr id="78" name="Group 77">
               <a:extLst>
                 <a:ext uri="{FF2B5EF4-FFF2-40B4-BE49-F238E27FC236}">
-                  <a16:creationId xmlns:a16="http://schemas.microsoft.com/office/drawing/2014/main" xmlns="" id="{E48E30C9-A74F-4C52-AD04-FC9A5CBD8258}"/>
+                  <a16:creationId xmlns="" xmlns:a16="http://schemas.microsoft.com/office/drawing/2014/main" id="{E48E30C9-A74F-4C52-AD04-FC9A5CBD8258}"/>
                 </a:ext>
               </a:extLst>
             </p:cNvPr>
@@ -18636,7 +18635,7 @@
               <p:cNvPr id="79" name="Rectangle 78">
                 <a:extLst>
                   <a:ext uri="{FF2B5EF4-FFF2-40B4-BE49-F238E27FC236}">
-                    <a16:creationId xmlns:a16="http://schemas.microsoft.com/office/drawing/2014/main" xmlns="" id="{9D80A7DB-810E-4588-BE25-E9F7C34D3DB1}"/>
+                    <a16:creationId xmlns="" xmlns:a16="http://schemas.microsoft.com/office/drawing/2014/main" id="{9D80A7DB-810E-4588-BE25-E9F7C34D3DB1}"/>
                   </a:ext>
                 </a:extLst>
               </p:cNvPr>
@@ -18652,7 +18651,7 @@
                 <a:avLst/>
               </a:prstGeom>
               <a:solidFill>
-                <a:srgbClr val="46CF76"/>
+                <a:srgbClr val="322B80"/>
               </a:solidFill>
               <a:ln>
                 <a:noFill/>
@@ -18695,7 +18694,7 @@
               <p:cNvPr id="80" name="Arc 79">
                 <a:extLst>
                   <a:ext uri="{FF2B5EF4-FFF2-40B4-BE49-F238E27FC236}">
-                    <a16:creationId xmlns:a16="http://schemas.microsoft.com/office/drawing/2014/main" xmlns="" id="{0CEE252C-3F6B-425D-A974-8C322FD62AA8}"/>
+                    <a16:creationId xmlns="" xmlns:a16="http://schemas.microsoft.com/office/drawing/2014/main" id="{0CEE252C-3F6B-425D-A974-8C322FD62AA8}"/>
                   </a:ext>
                 </a:extLst>
               </p:cNvPr>
@@ -18774,7 +18773,7 @@
             <p:cNvPr id="69" name="Rectangle 68">
               <a:extLst>
                 <a:ext uri="{FF2B5EF4-FFF2-40B4-BE49-F238E27FC236}">
-                  <a16:creationId xmlns:a16="http://schemas.microsoft.com/office/drawing/2014/main" xmlns="" id="{A4620A41-830E-412F-B7F4-82B17531460F}"/>
+                  <a16:creationId xmlns="" xmlns:a16="http://schemas.microsoft.com/office/drawing/2014/main" id="{A4620A41-830E-412F-B7F4-82B17531460F}"/>
                 </a:ext>
               </a:extLst>
             </p:cNvPr>
@@ -18783,14 +18782,14 @@
           </p:nvSpPr>
           <p:spPr>
             <a:xfrm>
-              <a:off x="5615436" y="821937"/>
+              <a:off x="5615436" y="806190"/>
               <a:ext cx="259806" cy="145054"/>
             </a:xfrm>
             <a:prstGeom prst="rect">
               <a:avLst/>
             </a:prstGeom>
             <a:solidFill>
-              <a:srgbClr val="46CF76"/>
+              <a:srgbClr val="322B80"/>
             </a:solidFill>
             <a:ln>
               <a:noFill/>
@@ -18838,7 +18837,7 @@
             <p:cNvPr id="70" name="Rectangle 69">
               <a:extLst>
                 <a:ext uri="{FF2B5EF4-FFF2-40B4-BE49-F238E27FC236}">
-                  <a16:creationId xmlns:a16="http://schemas.microsoft.com/office/drawing/2014/main" xmlns="" id="{B8C591D4-C50C-4B67-805A-961945693BE6}"/>
+                  <a16:creationId xmlns="" xmlns:a16="http://schemas.microsoft.com/office/drawing/2014/main" id="{B8C591D4-C50C-4B67-805A-961945693BE6}"/>
                 </a:ext>
               </a:extLst>
             </p:cNvPr>
@@ -18847,14 +18846,14 @@
           </p:nvSpPr>
           <p:spPr>
             <a:xfrm>
-              <a:off x="5611655" y="1122345"/>
+              <a:off x="5611655" y="1106598"/>
               <a:ext cx="259806" cy="145054"/>
             </a:xfrm>
             <a:prstGeom prst="rect">
               <a:avLst/>
             </a:prstGeom>
             <a:solidFill>
-              <a:srgbClr val="46CF76"/>
+              <a:srgbClr val="322B80"/>
             </a:solidFill>
             <a:ln>
               <a:noFill/>
@@ -18902,7 +18901,7 @@
             <p:cNvPr id="71" name="Rectangle 70">
               <a:extLst>
                 <a:ext uri="{FF2B5EF4-FFF2-40B4-BE49-F238E27FC236}">
-                  <a16:creationId xmlns:a16="http://schemas.microsoft.com/office/drawing/2014/main" xmlns="" id="{461F08B5-15BF-4C63-B54C-7D2001EDCAD3}"/>
+                  <a16:creationId xmlns="" xmlns:a16="http://schemas.microsoft.com/office/drawing/2014/main" id="{461F08B5-15BF-4C63-B54C-7D2001EDCAD3}"/>
                 </a:ext>
               </a:extLst>
             </p:cNvPr>
@@ -18911,14 +18910,14 @@
           </p:nvSpPr>
           <p:spPr>
             <a:xfrm>
-              <a:off x="5612847" y="1445936"/>
+              <a:off x="5612847" y="1430189"/>
               <a:ext cx="259806" cy="145054"/>
             </a:xfrm>
             <a:prstGeom prst="rect">
               <a:avLst/>
             </a:prstGeom>
             <a:solidFill>
-              <a:srgbClr val="46CF76"/>
+              <a:srgbClr val="322B80"/>
             </a:solidFill>
             <a:ln>
               <a:noFill/>
@@ -18966,7 +18965,7 @@
             <p:cNvPr id="72" name="Rectangle 71">
               <a:extLst>
                 <a:ext uri="{FF2B5EF4-FFF2-40B4-BE49-F238E27FC236}">
-                  <a16:creationId xmlns:a16="http://schemas.microsoft.com/office/drawing/2014/main" xmlns="" id="{D12C5631-8C0A-4256-BD3E-88D081A7321B}"/>
+                  <a16:creationId xmlns="" xmlns:a16="http://schemas.microsoft.com/office/drawing/2014/main" id="{D12C5631-8C0A-4256-BD3E-88D081A7321B}"/>
                 </a:ext>
               </a:extLst>
             </p:cNvPr>
@@ -18975,14 +18974,14 @@
           </p:nvSpPr>
           <p:spPr>
             <a:xfrm>
-              <a:off x="5620749" y="1737828"/>
+              <a:off x="5620749" y="1722081"/>
               <a:ext cx="259806" cy="145054"/>
             </a:xfrm>
             <a:prstGeom prst="rect">
               <a:avLst/>
             </a:prstGeom>
             <a:solidFill>
-              <a:srgbClr val="46CF76"/>
+              <a:srgbClr val="322B80"/>
             </a:solidFill>
             <a:ln>
               <a:noFill/>
@@ -19030,7 +19029,7 @@
             <p:cNvPr id="73" name="Rectangle 72">
               <a:extLst>
                 <a:ext uri="{FF2B5EF4-FFF2-40B4-BE49-F238E27FC236}">
-                  <a16:creationId xmlns:a16="http://schemas.microsoft.com/office/drawing/2014/main" xmlns="" id="{D3030D9B-44CF-4F4E-A86E-18A79322376D}"/>
+                  <a16:creationId xmlns="" xmlns:a16="http://schemas.microsoft.com/office/drawing/2014/main" id="{D3030D9B-44CF-4F4E-A86E-18A79322376D}"/>
                 </a:ext>
               </a:extLst>
             </p:cNvPr>
@@ -19039,14 +19038,14 @@
           </p:nvSpPr>
           <p:spPr>
             <a:xfrm>
-              <a:off x="5626130" y="2064953"/>
+              <a:off x="5626130" y="2049206"/>
               <a:ext cx="259806" cy="145054"/>
             </a:xfrm>
             <a:prstGeom prst="rect">
               <a:avLst/>
             </a:prstGeom>
             <a:solidFill>
-              <a:srgbClr val="46CF76"/>
+              <a:srgbClr val="322B80"/>
             </a:solidFill>
             <a:ln>
               <a:noFill/>
@@ -19094,7 +19093,7 @@
             <p:cNvPr id="74" name="Rectangle 73">
               <a:extLst>
                 <a:ext uri="{FF2B5EF4-FFF2-40B4-BE49-F238E27FC236}">
-                  <a16:creationId xmlns:a16="http://schemas.microsoft.com/office/drawing/2014/main" xmlns="" id="{0E9F8D11-58D9-4493-A410-DACB43B5E48F}"/>
+                  <a16:creationId xmlns="" xmlns:a16="http://schemas.microsoft.com/office/drawing/2014/main" id="{0E9F8D11-58D9-4493-A410-DACB43B5E48F}"/>
                 </a:ext>
               </a:extLst>
             </p:cNvPr>
@@ -19103,14 +19102,14 @@
           </p:nvSpPr>
           <p:spPr>
             <a:xfrm>
-              <a:off x="5621082" y="2367124"/>
+              <a:off x="5621082" y="2351377"/>
               <a:ext cx="259806" cy="145054"/>
             </a:xfrm>
             <a:prstGeom prst="rect">
               <a:avLst/>
             </a:prstGeom>
             <a:solidFill>
-              <a:srgbClr val="46CF76"/>
+              <a:srgbClr val="322B80"/>
             </a:solidFill>
             <a:ln>
               <a:noFill/>
@@ -19158,7 +19157,7 @@
             <p:cNvPr id="75" name="Rectangle 74">
               <a:extLst>
                 <a:ext uri="{FF2B5EF4-FFF2-40B4-BE49-F238E27FC236}">
-                  <a16:creationId xmlns:a16="http://schemas.microsoft.com/office/drawing/2014/main" xmlns="" id="{880FA994-AF36-4890-A98D-4750B71B3C59}"/>
+                  <a16:creationId xmlns="" xmlns:a16="http://schemas.microsoft.com/office/drawing/2014/main" id="{880FA994-AF36-4890-A98D-4750B71B3C59}"/>
                 </a:ext>
               </a:extLst>
             </p:cNvPr>
@@ -19167,14 +19166,14 @@
           </p:nvSpPr>
           <p:spPr>
             <a:xfrm>
-              <a:off x="5628255" y="2679528"/>
+              <a:off x="5628255" y="2663781"/>
               <a:ext cx="259806" cy="145054"/>
             </a:xfrm>
             <a:prstGeom prst="rect">
               <a:avLst/>
             </a:prstGeom>
             <a:solidFill>
-              <a:srgbClr val="46CF76"/>
+              <a:srgbClr val="322B80"/>
             </a:solidFill>
             <a:ln>
               <a:noFill/>
@@ -19222,7 +19221,7 @@
             <p:cNvPr id="76" name="Rectangle 75">
               <a:extLst>
                 <a:ext uri="{FF2B5EF4-FFF2-40B4-BE49-F238E27FC236}">
-                  <a16:creationId xmlns:a16="http://schemas.microsoft.com/office/drawing/2014/main" xmlns="" id="{9E5C2FB6-992A-4537-B467-2FCB0FDBDB9F}"/>
+                  <a16:creationId xmlns="" xmlns:a16="http://schemas.microsoft.com/office/drawing/2014/main" id="{9E5C2FB6-992A-4537-B467-2FCB0FDBDB9F}"/>
                 </a:ext>
               </a:extLst>
             </p:cNvPr>
@@ -19231,14 +19230,14 @@
           </p:nvSpPr>
           <p:spPr>
             <a:xfrm>
-              <a:off x="5628255" y="2980994"/>
+              <a:off x="5628255" y="2965247"/>
               <a:ext cx="259806" cy="145054"/>
             </a:xfrm>
             <a:prstGeom prst="rect">
               <a:avLst/>
             </a:prstGeom>
             <a:solidFill>
-              <a:srgbClr val="46CF76"/>
+              <a:srgbClr val="322B80"/>
             </a:solidFill>
             <a:ln>
               <a:noFill/>
@@ -19286,7 +19285,7 @@
             <p:cNvPr id="77" name="Rectangle 76">
               <a:extLst>
                 <a:ext uri="{FF2B5EF4-FFF2-40B4-BE49-F238E27FC236}">
-                  <a16:creationId xmlns:a16="http://schemas.microsoft.com/office/drawing/2014/main" xmlns="" id="{73193785-12A4-408F-9E7C-27DDBEAFA7BD}"/>
+                  <a16:creationId xmlns="" xmlns:a16="http://schemas.microsoft.com/office/drawing/2014/main" id="{73193785-12A4-408F-9E7C-27DDBEAFA7BD}"/>
                 </a:ext>
               </a:extLst>
             </p:cNvPr>
@@ -19295,14 +19294,14 @@
           </p:nvSpPr>
           <p:spPr>
             <a:xfrm>
-              <a:off x="5621082" y="3303195"/>
+              <a:off x="5621082" y="3287448"/>
               <a:ext cx="259806" cy="145054"/>
             </a:xfrm>
             <a:prstGeom prst="rect">
               <a:avLst/>
             </a:prstGeom>
             <a:solidFill>
-              <a:srgbClr val="46CF76"/>
+              <a:srgbClr val="322B80"/>
             </a:solidFill>
             <a:ln>
               <a:noFill/>
@@ -19350,7 +19349,7 @@
             <p:cNvPr id="138" name="Rectangle 137">
               <a:extLst>
                 <a:ext uri="{FF2B5EF4-FFF2-40B4-BE49-F238E27FC236}">
-                  <a16:creationId xmlns:a16="http://schemas.microsoft.com/office/drawing/2014/main" xmlns="" id="{FF68EA0C-3323-4279-9322-583E0496C340}"/>
+                  <a16:creationId xmlns="" xmlns:a16="http://schemas.microsoft.com/office/drawing/2014/main" id="{FF68EA0C-3323-4279-9322-583E0496C340}"/>
                 </a:ext>
               </a:extLst>
             </p:cNvPr>
@@ -19359,14 +19358,14 @@
           </p:nvSpPr>
           <p:spPr>
             <a:xfrm>
-              <a:off x="5613909" y="3610108"/>
+              <a:off x="5613909" y="3594361"/>
               <a:ext cx="259806" cy="145054"/>
             </a:xfrm>
             <a:prstGeom prst="rect">
               <a:avLst/>
             </a:prstGeom>
             <a:solidFill>
-              <a:srgbClr val="46CF76"/>
+              <a:srgbClr val="322B80"/>
             </a:solidFill>
             <a:ln>
               <a:noFill/>
@@ -19414,7 +19413,7 @@
             <p:cNvPr id="139" name="Rectangle 138">
               <a:extLst>
                 <a:ext uri="{FF2B5EF4-FFF2-40B4-BE49-F238E27FC236}">
-                  <a16:creationId xmlns:a16="http://schemas.microsoft.com/office/drawing/2014/main" xmlns="" id="{DA8F7F98-A2C1-4622-86E7-4F2038831BBE}"/>
+                  <a16:creationId xmlns="" xmlns:a16="http://schemas.microsoft.com/office/drawing/2014/main" id="{DA8F7F98-A2C1-4622-86E7-4F2038831BBE}"/>
                 </a:ext>
               </a:extLst>
             </p:cNvPr>
@@ -19423,14 +19422,14 @@
           </p:nvSpPr>
           <p:spPr>
             <a:xfrm>
-              <a:off x="5599563" y="3922255"/>
+              <a:off x="5599563" y="3906508"/>
               <a:ext cx="259806" cy="145054"/>
             </a:xfrm>
             <a:prstGeom prst="rect">
               <a:avLst/>
             </a:prstGeom>
             <a:solidFill>
-              <a:srgbClr val="46CF76"/>
+              <a:srgbClr val="322B80"/>
             </a:solidFill>
             <a:ln>
               <a:noFill/>
@@ -19478,7 +19477,7 @@
             <p:cNvPr id="140" name="Rectangle 139">
               <a:extLst>
                 <a:ext uri="{FF2B5EF4-FFF2-40B4-BE49-F238E27FC236}">
-                  <a16:creationId xmlns:a16="http://schemas.microsoft.com/office/drawing/2014/main" xmlns="" id="{0A05E640-BFCE-401E-8E58-B95F9FAC8DFA}"/>
+                  <a16:creationId xmlns="" xmlns:a16="http://schemas.microsoft.com/office/drawing/2014/main" id="{0A05E640-BFCE-401E-8E58-B95F9FAC8DFA}"/>
                 </a:ext>
               </a:extLst>
             </p:cNvPr>
@@ -19494,7 +19493,7 @@
               <a:avLst/>
             </a:prstGeom>
             <a:solidFill>
-              <a:srgbClr val="46CF76"/>
+              <a:srgbClr val="322B80"/>
             </a:solidFill>
             <a:ln>
               <a:noFill/>
@@ -19542,7 +19541,7 @@
             <p:cNvPr id="141" name="Rectangle 140">
               <a:extLst>
                 <a:ext uri="{FF2B5EF4-FFF2-40B4-BE49-F238E27FC236}">
-                  <a16:creationId xmlns:a16="http://schemas.microsoft.com/office/drawing/2014/main" xmlns="" id="{E054FE0A-3727-4A81-B405-7B2AD3CF46C1}"/>
+                  <a16:creationId xmlns="" xmlns:a16="http://schemas.microsoft.com/office/drawing/2014/main" id="{E054FE0A-3727-4A81-B405-7B2AD3CF46C1}"/>
                 </a:ext>
               </a:extLst>
             </p:cNvPr>
@@ -19558,7 +19557,7 @@
               <a:avLst/>
             </a:prstGeom>
             <a:solidFill>
-              <a:srgbClr val="46CF76"/>
+              <a:srgbClr val="322B80"/>
             </a:solidFill>
             <a:ln>
               <a:noFill/>
@@ -19606,7 +19605,7 @@
             <p:cNvPr id="142" name="Rectangle 141">
               <a:extLst>
                 <a:ext uri="{FF2B5EF4-FFF2-40B4-BE49-F238E27FC236}">
-                  <a16:creationId xmlns:a16="http://schemas.microsoft.com/office/drawing/2014/main" xmlns="" id="{181F776C-2AF8-48ED-A45F-6043E45954BF}"/>
+                  <a16:creationId xmlns="" xmlns:a16="http://schemas.microsoft.com/office/drawing/2014/main" id="{181F776C-2AF8-48ED-A45F-6043E45954BF}"/>
                 </a:ext>
               </a:extLst>
             </p:cNvPr>
@@ -19622,7 +19621,7 @@
               <a:avLst/>
             </a:prstGeom>
             <a:solidFill>
-              <a:srgbClr val="46CF76"/>
+              <a:srgbClr val="322B80"/>
             </a:solidFill>
             <a:ln>
               <a:noFill/>
@@ -19670,7 +19669,7 @@
             <p:cNvPr id="143" name="Rectangle 142">
               <a:extLst>
                 <a:ext uri="{FF2B5EF4-FFF2-40B4-BE49-F238E27FC236}">
-                  <a16:creationId xmlns:a16="http://schemas.microsoft.com/office/drawing/2014/main" xmlns="" id="{F411B93B-64DC-40ED-8351-A38502F83EC2}"/>
+                  <a16:creationId xmlns="" xmlns:a16="http://schemas.microsoft.com/office/drawing/2014/main" id="{F411B93B-64DC-40ED-8351-A38502F83EC2}"/>
                 </a:ext>
               </a:extLst>
             </p:cNvPr>
@@ -19686,7 +19685,7 @@
               <a:avLst/>
             </a:prstGeom>
             <a:solidFill>
-              <a:srgbClr val="46CF76"/>
+              <a:srgbClr val="322B80"/>
             </a:solidFill>
             <a:ln>
               <a:noFill/>
@@ -19734,7 +19733,7 @@
             <p:cNvPr id="144" name="Rectangle 143">
               <a:extLst>
                 <a:ext uri="{FF2B5EF4-FFF2-40B4-BE49-F238E27FC236}">
-                  <a16:creationId xmlns:a16="http://schemas.microsoft.com/office/drawing/2014/main" xmlns="" id="{6D4EF766-AAA1-4FD1-9EB8-BC7CCAF80F4C}"/>
+                  <a16:creationId xmlns="" xmlns:a16="http://schemas.microsoft.com/office/drawing/2014/main" id="{6D4EF766-AAA1-4FD1-9EB8-BC7CCAF80F4C}"/>
                 </a:ext>
               </a:extLst>
             </p:cNvPr>
@@ -19750,7 +19749,7 @@
               <a:avLst/>
             </a:prstGeom>
             <a:solidFill>
-              <a:srgbClr val="46CF76"/>
+              <a:srgbClr val="322B80"/>
             </a:solidFill>
             <a:ln>
               <a:noFill/>
@@ -19798,7 +19797,7 @@
             <p:cNvPr id="145" name="Rectangle 144">
               <a:extLst>
                 <a:ext uri="{FF2B5EF4-FFF2-40B4-BE49-F238E27FC236}">
-                  <a16:creationId xmlns:a16="http://schemas.microsoft.com/office/drawing/2014/main" xmlns="" id="{CA3BC80A-A5C7-4031-AE04-E1DBB065F990}"/>
+                  <a16:creationId xmlns="" xmlns:a16="http://schemas.microsoft.com/office/drawing/2014/main" id="{CA3BC80A-A5C7-4031-AE04-E1DBB065F990}"/>
                 </a:ext>
               </a:extLst>
             </p:cNvPr>
@@ -19814,7 +19813,7 @@
               <a:avLst/>
             </a:prstGeom>
             <a:solidFill>
-              <a:srgbClr val="46CF76"/>
+              <a:srgbClr val="322B80"/>
             </a:solidFill>
             <a:ln>
               <a:noFill/>
@@ -19862,7 +19861,7 @@
             <p:cNvPr id="146" name="Rectangle 145">
               <a:extLst>
                 <a:ext uri="{FF2B5EF4-FFF2-40B4-BE49-F238E27FC236}">
-                  <a16:creationId xmlns:a16="http://schemas.microsoft.com/office/drawing/2014/main" xmlns="" id="{B2C4E260-0390-4C3C-B29D-AB4732D5F312}"/>
+                  <a16:creationId xmlns="" xmlns:a16="http://schemas.microsoft.com/office/drawing/2014/main" id="{B2C4E260-0390-4C3C-B29D-AB4732D5F312}"/>
                 </a:ext>
               </a:extLst>
             </p:cNvPr>
@@ -19878,7 +19877,7 @@
               <a:avLst/>
             </a:prstGeom>
             <a:solidFill>
-              <a:srgbClr val="46CF76"/>
+              <a:srgbClr val="322B80"/>
             </a:solidFill>
             <a:ln>
               <a:noFill/>
@@ -19926,7 +19925,7 @@
             <p:cNvPr id="147" name="Rectangle 146">
               <a:extLst>
                 <a:ext uri="{FF2B5EF4-FFF2-40B4-BE49-F238E27FC236}">
-                  <a16:creationId xmlns:a16="http://schemas.microsoft.com/office/drawing/2014/main" xmlns="" id="{9CF30D03-0768-4F4A-876B-4064ADC4B962}"/>
+                  <a16:creationId xmlns="" xmlns:a16="http://schemas.microsoft.com/office/drawing/2014/main" id="{9CF30D03-0768-4F4A-876B-4064ADC4B962}"/>
                 </a:ext>
               </a:extLst>
             </p:cNvPr>
@@ -19942,7 +19941,7 @@
               <a:avLst/>
             </a:prstGeom>
             <a:solidFill>
-              <a:srgbClr val="46CF76"/>
+              <a:srgbClr val="322B80"/>
             </a:solidFill>
             <a:ln>
               <a:noFill/>
@@ -19990,7 +19989,7 @@
             <p:cNvPr id="81" name="Group 80">
               <a:extLst>
                 <a:ext uri="{FF2B5EF4-FFF2-40B4-BE49-F238E27FC236}">
-                  <a16:creationId xmlns:a16="http://schemas.microsoft.com/office/drawing/2014/main" xmlns="" id="{BDE4CAF1-67FB-4A00-A957-F84932EF37EA}"/>
+                  <a16:creationId xmlns="" xmlns:a16="http://schemas.microsoft.com/office/drawing/2014/main" id="{BDE4CAF1-67FB-4A00-A957-F84932EF37EA}"/>
                 </a:ext>
               </a:extLst>
             </p:cNvPr>
@@ -20010,7 +20009,7 @@
               <p:cNvPr id="82" name="Rectangle 81">
                 <a:extLst>
                   <a:ext uri="{FF2B5EF4-FFF2-40B4-BE49-F238E27FC236}">
-                    <a16:creationId xmlns:a16="http://schemas.microsoft.com/office/drawing/2014/main" xmlns="" id="{74C944AF-D50A-425E-A441-BD46E8CB9783}"/>
+                    <a16:creationId xmlns="" xmlns:a16="http://schemas.microsoft.com/office/drawing/2014/main" id="{74C944AF-D50A-425E-A441-BD46E8CB9783}"/>
                   </a:ext>
                 </a:extLst>
               </p:cNvPr>
@@ -20026,7 +20025,7 @@
                 <a:avLst/>
               </a:prstGeom>
               <a:solidFill>
-                <a:srgbClr val="46CF76"/>
+                <a:srgbClr val="322B80"/>
               </a:solidFill>
               <a:ln>
                 <a:noFill/>
@@ -20069,7 +20068,7 @@
               <p:cNvPr id="83" name="Arc 82">
                 <a:extLst>
                   <a:ext uri="{FF2B5EF4-FFF2-40B4-BE49-F238E27FC236}">
-                    <a16:creationId xmlns:a16="http://schemas.microsoft.com/office/drawing/2014/main" xmlns="" id="{AE95EC9D-DB78-417E-AF31-C543DE84C1EE}"/>
+                    <a16:creationId xmlns="" xmlns:a16="http://schemas.microsoft.com/office/drawing/2014/main" id="{AE95EC9D-DB78-417E-AF31-C543DE84C1EE}"/>
                   </a:ext>
                 </a:extLst>
               </p:cNvPr>
@@ -20148,7 +20147,7 @@
             <p:cNvPr id="84" name="Group 83">
               <a:extLst>
                 <a:ext uri="{FF2B5EF4-FFF2-40B4-BE49-F238E27FC236}">
-                  <a16:creationId xmlns:a16="http://schemas.microsoft.com/office/drawing/2014/main" xmlns="" id="{EC3E0684-8AE8-4214-BF7B-4AAB6B86F600}"/>
+                  <a16:creationId xmlns="" xmlns:a16="http://schemas.microsoft.com/office/drawing/2014/main" id="{EC3E0684-8AE8-4214-BF7B-4AAB6B86F600}"/>
                 </a:ext>
               </a:extLst>
             </p:cNvPr>
@@ -20168,7 +20167,7 @@
               <p:cNvPr id="85" name="Rectangle 84">
                 <a:extLst>
                   <a:ext uri="{FF2B5EF4-FFF2-40B4-BE49-F238E27FC236}">
-                    <a16:creationId xmlns:a16="http://schemas.microsoft.com/office/drawing/2014/main" xmlns="" id="{CF8E04A3-B6B4-4F3C-BB6B-AF9929DDA237}"/>
+                    <a16:creationId xmlns="" xmlns:a16="http://schemas.microsoft.com/office/drawing/2014/main" id="{CF8E04A3-B6B4-4F3C-BB6B-AF9929DDA237}"/>
                   </a:ext>
                 </a:extLst>
               </p:cNvPr>
@@ -20184,7 +20183,7 @@
                 <a:avLst/>
               </a:prstGeom>
               <a:solidFill>
-                <a:srgbClr val="46CF76"/>
+                <a:srgbClr val="322B80"/>
               </a:solidFill>
               <a:ln>
                 <a:noFill/>
@@ -20227,7 +20226,7 @@
               <p:cNvPr id="86" name="Arc 85">
                 <a:extLst>
                   <a:ext uri="{FF2B5EF4-FFF2-40B4-BE49-F238E27FC236}">
-                    <a16:creationId xmlns:a16="http://schemas.microsoft.com/office/drawing/2014/main" xmlns="" id="{18A95974-DAB2-4BF8-9192-96278D1744CD}"/>
+                    <a16:creationId xmlns="" xmlns:a16="http://schemas.microsoft.com/office/drawing/2014/main" id="{18A95974-DAB2-4BF8-9192-96278D1744CD}"/>
                   </a:ext>
                 </a:extLst>
               </p:cNvPr>
@@ -20306,7 +20305,7 @@
             <p:cNvPr id="87" name="Group 86">
               <a:extLst>
                 <a:ext uri="{FF2B5EF4-FFF2-40B4-BE49-F238E27FC236}">
-                  <a16:creationId xmlns:a16="http://schemas.microsoft.com/office/drawing/2014/main" xmlns="" id="{C97BDBFC-6DCF-4D05-9235-AF24FD08B7BA}"/>
+                  <a16:creationId xmlns="" xmlns:a16="http://schemas.microsoft.com/office/drawing/2014/main" id="{C97BDBFC-6DCF-4D05-9235-AF24FD08B7BA}"/>
                 </a:ext>
               </a:extLst>
             </p:cNvPr>
@@ -20326,7 +20325,7 @@
               <p:cNvPr id="88" name="Rectangle 87">
                 <a:extLst>
                   <a:ext uri="{FF2B5EF4-FFF2-40B4-BE49-F238E27FC236}">
-                    <a16:creationId xmlns:a16="http://schemas.microsoft.com/office/drawing/2014/main" xmlns="" id="{4AB8CE96-3DF3-4063-9F27-D4DB07BB75EF}"/>
+                    <a16:creationId xmlns="" xmlns:a16="http://schemas.microsoft.com/office/drawing/2014/main" id="{4AB8CE96-3DF3-4063-9F27-D4DB07BB75EF}"/>
                   </a:ext>
                 </a:extLst>
               </p:cNvPr>
@@ -20342,7 +20341,7 @@
                 <a:avLst/>
               </a:prstGeom>
               <a:solidFill>
-                <a:srgbClr val="46CF76"/>
+                <a:srgbClr val="322B80"/>
               </a:solidFill>
               <a:ln>
                 <a:noFill/>
@@ -20385,7 +20384,7 @@
               <p:cNvPr id="89" name="Arc 88">
                 <a:extLst>
                   <a:ext uri="{FF2B5EF4-FFF2-40B4-BE49-F238E27FC236}">
-                    <a16:creationId xmlns:a16="http://schemas.microsoft.com/office/drawing/2014/main" xmlns="" id="{309BD817-14B6-4AA7-A1F6-6EAEFBC3A86F}"/>
+                    <a16:creationId xmlns="" xmlns:a16="http://schemas.microsoft.com/office/drawing/2014/main" id="{309BD817-14B6-4AA7-A1F6-6EAEFBC3A86F}"/>
                   </a:ext>
                 </a:extLst>
               </p:cNvPr>
@@ -20464,7 +20463,7 @@
             <p:cNvPr id="90" name="Group 89">
               <a:extLst>
                 <a:ext uri="{FF2B5EF4-FFF2-40B4-BE49-F238E27FC236}">
-                  <a16:creationId xmlns:a16="http://schemas.microsoft.com/office/drawing/2014/main" xmlns="" id="{C6951FED-2BD7-4859-B333-5B1CAEF8AB8D}"/>
+                  <a16:creationId xmlns="" xmlns:a16="http://schemas.microsoft.com/office/drawing/2014/main" id="{C6951FED-2BD7-4859-B333-5B1CAEF8AB8D}"/>
                 </a:ext>
               </a:extLst>
             </p:cNvPr>
@@ -20484,7 +20483,7 @@
               <p:cNvPr id="91" name="Rectangle 90">
                 <a:extLst>
                   <a:ext uri="{FF2B5EF4-FFF2-40B4-BE49-F238E27FC236}">
-                    <a16:creationId xmlns:a16="http://schemas.microsoft.com/office/drawing/2014/main" xmlns="" id="{FE30C63D-F045-40E9-8C54-26DA5BDA0F44}"/>
+                    <a16:creationId xmlns="" xmlns:a16="http://schemas.microsoft.com/office/drawing/2014/main" id="{FE30C63D-F045-40E9-8C54-26DA5BDA0F44}"/>
                   </a:ext>
                 </a:extLst>
               </p:cNvPr>
@@ -20500,7 +20499,7 @@
                 <a:avLst/>
               </a:prstGeom>
               <a:solidFill>
-                <a:srgbClr val="46CF76"/>
+                <a:srgbClr val="322B80"/>
               </a:solidFill>
               <a:ln>
                 <a:noFill/>
@@ -20543,7 +20542,7 @@
               <p:cNvPr id="92" name="Arc 91">
                 <a:extLst>
                   <a:ext uri="{FF2B5EF4-FFF2-40B4-BE49-F238E27FC236}">
-                    <a16:creationId xmlns:a16="http://schemas.microsoft.com/office/drawing/2014/main" xmlns="" id="{434A2720-2A66-40B1-AC7E-5C244C6E6EB9}"/>
+                    <a16:creationId xmlns="" xmlns:a16="http://schemas.microsoft.com/office/drawing/2014/main" id="{434A2720-2A66-40B1-AC7E-5C244C6E6EB9}"/>
                   </a:ext>
                 </a:extLst>
               </p:cNvPr>
@@ -20622,7 +20621,7 @@
             <p:cNvPr id="93" name="Group 92">
               <a:extLst>
                 <a:ext uri="{FF2B5EF4-FFF2-40B4-BE49-F238E27FC236}">
-                  <a16:creationId xmlns:a16="http://schemas.microsoft.com/office/drawing/2014/main" xmlns="" id="{3253887B-E245-4C89-84BB-C89576187B4D}"/>
+                  <a16:creationId xmlns="" xmlns:a16="http://schemas.microsoft.com/office/drawing/2014/main" id="{3253887B-E245-4C89-84BB-C89576187B4D}"/>
                 </a:ext>
               </a:extLst>
             </p:cNvPr>
@@ -20642,7 +20641,7 @@
               <p:cNvPr id="94" name="Rectangle 93">
                 <a:extLst>
                   <a:ext uri="{FF2B5EF4-FFF2-40B4-BE49-F238E27FC236}">
-                    <a16:creationId xmlns:a16="http://schemas.microsoft.com/office/drawing/2014/main" xmlns="" id="{C2935527-C9EF-4950-89BB-EB1207B25EAD}"/>
+                    <a16:creationId xmlns="" xmlns:a16="http://schemas.microsoft.com/office/drawing/2014/main" id="{C2935527-C9EF-4950-89BB-EB1207B25EAD}"/>
                   </a:ext>
                 </a:extLst>
               </p:cNvPr>
@@ -20658,7 +20657,7 @@
                 <a:avLst/>
               </a:prstGeom>
               <a:solidFill>
-                <a:srgbClr val="46CF76"/>
+                <a:srgbClr val="322B80"/>
               </a:solidFill>
               <a:ln>
                 <a:noFill/>
@@ -20701,7 +20700,7 @@
               <p:cNvPr id="95" name="Arc 94">
                 <a:extLst>
                   <a:ext uri="{FF2B5EF4-FFF2-40B4-BE49-F238E27FC236}">
-                    <a16:creationId xmlns:a16="http://schemas.microsoft.com/office/drawing/2014/main" xmlns="" id="{B885AD0D-2A97-4761-A7E2-81AE7730FF98}"/>
+                    <a16:creationId xmlns="" xmlns:a16="http://schemas.microsoft.com/office/drawing/2014/main" id="{B885AD0D-2A97-4761-A7E2-81AE7730FF98}"/>
                   </a:ext>
                 </a:extLst>
               </p:cNvPr>
@@ -20780,7 +20779,7 @@
             <p:cNvPr id="96" name="Group 95">
               <a:extLst>
                 <a:ext uri="{FF2B5EF4-FFF2-40B4-BE49-F238E27FC236}">
-                  <a16:creationId xmlns:a16="http://schemas.microsoft.com/office/drawing/2014/main" xmlns="" id="{B20895E6-FBAD-4249-90F9-43369FD2080F}"/>
+                  <a16:creationId xmlns="" xmlns:a16="http://schemas.microsoft.com/office/drawing/2014/main" id="{B20895E6-FBAD-4249-90F9-43369FD2080F}"/>
                 </a:ext>
               </a:extLst>
             </p:cNvPr>
@@ -20800,7 +20799,7 @@
               <p:cNvPr id="97" name="Rectangle 96">
                 <a:extLst>
                   <a:ext uri="{FF2B5EF4-FFF2-40B4-BE49-F238E27FC236}">
-                    <a16:creationId xmlns:a16="http://schemas.microsoft.com/office/drawing/2014/main" xmlns="" id="{416F99E9-E132-4AB6-9501-719E390B2951}"/>
+                    <a16:creationId xmlns="" xmlns:a16="http://schemas.microsoft.com/office/drawing/2014/main" id="{416F99E9-E132-4AB6-9501-719E390B2951}"/>
                   </a:ext>
                 </a:extLst>
               </p:cNvPr>
@@ -20816,7 +20815,7 @@
                 <a:avLst/>
               </a:prstGeom>
               <a:solidFill>
-                <a:srgbClr val="46CF76"/>
+                <a:srgbClr val="322B80"/>
               </a:solidFill>
               <a:ln>
                 <a:noFill/>
@@ -20859,7 +20858,7 @@
               <p:cNvPr id="98" name="Arc 97">
                 <a:extLst>
                   <a:ext uri="{FF2B5EF4-FFF2-40B4-BE49-F238E27FC236}">
-                    <a16:creationId xmlns:a16="http://schemas.microsoft.com/office/drawing/2014/main" xmlns="" id="{7BF41422-E1EF-4A49-906D-7C9E43200378}"/>
+                    <a16:creationId xmlns="" xmlns:a16="http://schemas.microsoft.com/office/drawing/2014/main" id="{7BF41422-E1EF-4A49-906D-7C9E43200378}"/>
                   </a:ext>
                 </a:extLst>
               </p:cNvPr>
@@ -20938,7 +20937,7 @@
             <p:cNvPr id="99" name="Group 98">
               <a:extLst>
                 <a:ext uri="{FF2B5EF4-FFF2-40B4-BE49-F238E27FC236}">
-                  <a16:creationId xmlns:a16="http://schemas.microsoft.com/office/drawing/2014/main" xmlns="" id="{3A6C8FCE-3906-4A51-8C51-53A21458A79D}"/>
+                  <a16:creationId xmlns="" xmlns:a16="http://schemas.microsoft.com/office/drawing/2014/main" id="{3A6C8FCE-3906-4A51-8C51-53A21458A79D}"/>
                 </a:ext>
               </a:extLst>
             </p:cNvPr>
@@ -20958,7 +20957,7 @@
               <p:cNvPr id="100" name="Rectangle 99">
                 <a:extLst>
                   <a:ext uri="{FF2B5EF4-FFF2-40B4-BE49-F238E27FC236}">
-                    <a16:creationId xmlns:a16="http://schemas.microsoft.com/office/drawing/2014/main" xmlns="" id="{01B7306C-C82A-4CBC-8810-B196E2B85FD9}"/>
+                    <a16:creationId xmlns="" xmlns:a16="http://schemas.microsoft.com/office/drawing/2014/main" id="{01B7306C-C82A-4CBC-8810-B196E2B85FD9}"/>
                   </a:ext>
                 </a:extLst>
               </p:cNvPr>
@@ -20974,7 +20973,7 @@
                 <a:avLst/>
               </a:prstGeom>
               <a:solidFill>
-                <a:srgbClr val="46CF76"/>
+                <a:srgbClr val="322B80"/>
               </a:solidFill>
               <a:ln>
                 <a:noFill/>
@@ -21017,7 +21016,7 @@
               <p:cNvPr id="101" name="Arc 100">
                 <a:extLst>
                   <a:ext uri="{FF2B5EF4-FFF2-40B4-BE49-F238E27FC236}">
-                    <a16:creationId xmlns:a16="http://schemas.microsoft.com/office/drawing/2014/main" xmlns="" id="{4309EB4B-A1C1-41B8-9E71-43E4632DE81A}"/>
+                    <a16:creationId xmlns="" xmlns:a16="http://schemas.microsoft.com/office/drawing/2014/main" id="{4309EB4B-A1C1-41B8-9E71-43E4632DE81A}"/>
                   </a:ext>
                 </a:extLst>
               </p:cNvPr>
@@ -21096,7 +21095,7 @@
             <p:cNvPr id="102" name="Group 101">
               <a:extLst>
                 <a:ext uri="{FF2B5EF4-FFF2-40B4-BE49-F238E27FC236}">
-                  <a16:creationId xmlns:a16="http://schemas.microsoft.com/office/drawing/2014/main" xmlns="" id="{C74B4894-B5D2-4362-964C-D4DC0546060A}"/>
+                  <a16:creationId xmlns="" xmlns:a16="http://schemas.microsoft.com/office/drawing/2014/main" id="{C74B4894-B5D2-4362-964C-D4DC0546060A}"/>
                 </a:ext>
               </a:extLst>
             </p:cNvPr>
@@ -21116,7 +21115,7 @@
               <p:cNvPr id="103" name="Rectangle 102">
                 <a:extLst>
                   <a:ext uri="{FF2B5EF4-FFF2-40B4-BE49-F238E27FC236}">
-                    <a16:creationId xmlns:a16="http://schemas.microsoft.com/office/drawing/2014/main" xmlns="" id="{DA95D981-4D5B-4F4F-8A82-69838938508F}"/>
+                    <a16:creationId xmlns="" xmlns:a16="http://schemas.microsoft.com/office/drawing/2014/main" id="{DA95D981-4D5B-4F4F-8A82-69838938508F}"/>
                   </a:ext>
                 </a:extLst>
               </p:cNvPr>
@@ -21125,14 +21124,14 @@
             </p:nvSpPr>
             <p:spPr>
               <a:xfrm>
-                <a:off x="6133654" y="683764"/>
+                <a:off x="6133654" y="668017"/>
                 <a:ext cx="259806" cy="145054"/>
               </a:xfrm>
               <a:prstGeom prst="rect">
                 <a:avLst/>
               </a:prstGeom>
               <a:solidFill>
-                <a:srgbClr val="46CF76"/>
+                <a:srgbClr val="322B80"/>
               </a:solidFill>
               <a:ln>
                 <a:noFill/>
@@ -21175,7 +21174,7 @@
               <p:cNvPr id="104" name="Arc 103">
                 <a:extLst>
                   <a:ext uri="{FF2B5EF4-FFF2-40B4-BE49-F238E27FC236}">
-                    <a16:creationId xmlns:a16="http://schemas.microsoft.com/office/drawing/2014/main" xmlns="" id="{E4822634-A39A-4B0D-8399-883328FCA1EE}"/>
+                    <a16:creationId xmlns="" xmlns:a16="http://schemas.microsoft.com/office/drawing/2014/main" id="{E4822634-A39A-4B0D-8399-883328FCA1EE}"/>
                   </a:ext>
                 </a:extLst>
               </p:cNvPr>
@@ -21254,7 +21253,7 @@
             <p:cNvPr id="105" name="Group 104">
               <a:extLst>
                 <a:ext uri="{FF2B5EF4-FFF2-40B4-BE49-F238E27FC236}">
-                  <a16:creationId xmlns:a16="http://schemas.microsoft.com/office/drawing/2014/main" xmlns="" id="{AC0C8900-7AAE-4DAD-9853-250BA8E46217}"/>
+                  <a16:creationId xmlns="" xmlns:a16="http://schemas.microsoft.com/office/drawing/2014/main" id="{AC0C8900-7AAE-4DAD-9853-250BA8E46217}"/>
                 </a:ext>
               </a:extLst>
             </p:cNvPr>
@@ -21274,7 +21273,7 @@
               <p:cNvPr id="106" name="Rectangle 105">
                 <a:extLst>
                   <a:ext uri="{FF2B5EF4-FFF2-40B4-BE49-F238E27FC236}">
-                    <a16:creationId xmlns:a16="http://schemas.microsoft.com/office/drawing/2014/main" xmlns="" id="{8F16C3F5-5111-4385-95DB-684995C5DA9E}"/>
+                    <a16:creationId xmlns="" xmlns:a16="http://schemas.microsoft.com/office/drawing/2014/main" id="{8F16C3F5-5111-4385-95DB-684995C5DA9E}"/>
                   </a:ext>
                 </a:extLst>
               </p:cNvPr>
@@ -21283,14 +21282,14 @@
             </p:nvSpPr>
             <p:spPr>
               <a:xfrm>
-                <a:off x="6133654" y="683764"/>
+                <a:off x="6133654" y="668017"/>
                 <a:ext cx="259806" cy="145054"/>
               </a:xfrm>
               <a:prstGeom prst="rect">
                 <a:avLst/>
               </a:prstGeom>
               <a:solidFill>
-                <a:srgbClr val="46CF76"/>
+                <a:srgbClr val="322B80"/>
               </a:solidFill>
               <a:ln>
                 <a:noFill/>
@@ -21333,7 +21332,7 @@
               <p:cNvPr id="107" name="Arc 106">
                 <a:extLst>
                   <a:ext uri="{FF2B5EF4-FFF2-40B4-BE49-F238E27FC236}">
-                    <a16:creationId xmlns:a16="http://schemas.microsoft.com/office/drawing/2014/main" xmlns="" id="{C8E4EC42-A513-472E-AE69-66EF8F71937C}"/>
+                    <a16:creationId xmlns="" xmlns:a16="http://schemas.microsoft.com/office/drawing/2014/main" id="{C8E4EC42-A513-472E-AE69-66EF8F71937C}"/>
                   </a:ext>
                 </a:extLst>
               </p:cNvPr>
@@ -21412,7 +21411,7 @@
             <p:cNvPr id="108" name="Group 107">
               <a:extLst>
                 <a:ext uri="{FF2B5EF4-FFF2-40B4-BE49-F238E27FC236}">
-                  <a16:creationId xmlns:a16="http://schemas.microsoft.com/office/drawing/2014/main" xmlns="" id="{B9DF2A69-06AC-4DC9-B6C7-9A1B9D012585}"/>
+                  <a16:creationId xmlns="" xmlns:a16="http://schemas.microsoft.com/office/drawing/2014/main" id="{B9DF2A69-06AC-4DC9-B6C7-9A1B9D012585}"/>
                 </a:ext>
               </a:extLst>
             </p:cNvPr>
@@ -21432,7 +21431,7 @@
               <p:cNvPr id="109" name="Rectangle 108">
                 <a:extLst>
                   <a:ext uri="{FF2B5EF4-FFF2-40B4-BE49-F238E27FC236}">
-                    <a16:creationId xmlns:a16="http://schemas.microsoft.com/office/drawing/2014/main" xmlns="" id="{66D59475-186E-4F7A-A501-ABEDCC08DC98}"/>
+                    <a16:creationId xmlns="" xmlns:a16="http://schemas.microsoft.com/office/drawing/2014/main" id="{66D59475-186E-4F7A-A501-ABEDCC08DC98}"/>
                   </a:ext>
                 </a:extLst>
               </p:cNvPr>
@@ -21441,14 +21440,14 @@
             </p:nvSpPr>
             <p:spPr>
               <a:xfrm>
-                <a:off x="6133654" y="683764"/>
+                <a:off x="6133654" y="668017"/>
                 <a:ext cx="259806" cy="145054"/>
               </a:xfrm>
               <a:prstGeom prst="rect">
                 <a:avLst/>
               </a:prstGeom>
               <a:solidFill>
-                <a:srgbClr val="46CF76"/>
+                <a:srgbClr val="322B80"/>
               </a:solidFill>
               <a:ln>
                 <a:noFill/>
@@ -21491,7 +21490,7 @@
               <p:cNvPr id="110" name="Arc 109">
                 <a:extLst>
                   <a:ext uri="{FF2B5EF4-FFF2-40B4-BE49-F238E27FC236}">
-                    <a16:creationId xmlns:a16="http://schemas.microsoft.com/office/drawing/2014/main" xmlns="" id="{55C929AA-C5D4-4A29-94FC-BF99C03F9430}"/>
+                    <a16:creationId xmlns="" xmlns:a16="http://schemas.microsoft.com/office/drawing/2014/main" id="{55C929AA-C5D4-4A29-94FC-BF99C03F9430}"/>
                   </a:ext>
                 </a:extLst>
               </p:cNvPr>
@@ -21570,7 +21569,7 @@
             <p:cNvPr id="111" name="Group 110">
               <a:extLst>
                 <a:ext uri="{FF2B5EF4-FFF2-40B4-BE49-F238E27FC236}">
-                  <a16:creationId xmlns:a16="http://schemas.microsoft.com/office/drawing/2014/main" xmlns="" id="{26F5DDE8-77F1-4A19-9A73-FA16AD387091}"/>
+                  <a16:creationId xmlns="" xmlns:a16="http://schemas.microsoft.com/office/drawing/2014/main" id="{26F5DDE8-77F1-4A19-9A73-FA16AD387091}"/>
                 </a:ext>
               </a:extLst>
             </p:cNvPr>
@@ -21590,7 +21589,7 @@
               <p:cNvPr id="112" name="Rectangle 111">
                 <a:extLst>
                   <a:ext uri="{FF2B5EF4-FFF2-40B4-BE49-F238E27FC236}">
-                    <a16:creationId xmlns:a16="http://schemas.microsoft.com/office/drawing/2014/main" xmlns="" id="{3975D25C-1E30-46E2-BA99-3037ADE31704}"/>
+                    <a16:creationId xmlns="" xmlns:a16="http://schemas.microsoft.com/office/drawing/2014/main" id="{3975D25C-1E30-46E2-BA99-3037ADE31704}"/>
                   </a:ext>
                 </a:extLst>
               </p:cNvPr>
@@ -21599,14 +21598,14 @@
             </p:nvSpPr>
             <p:spPr>
               <a:xfrm>
-                <a:off x="6133654" y="683764"/>
+                <a:off x="6133654" y="668017"/>
                 <a:ext cx="259806" cy="145054"/>
               </a:xfrm>
               <a:prstGeom prst="rect">
                 <a:avLst/>
               </a:prstGeom>
               <a:solidFill>
-                <a:srgbClr val="46CF76"/>
+                <a:srgbClr val="322B80"/>
               </a:solidFill>
               <a:ln>
                 <a:noFill/>
@@ -21649,7 +21648,7 @@
               <p:cNvPr id="113" name="Arc 112">
                 <a:extLst>
                   <a:ext uri="{FF2B5EF4-FFF2-40B4-BE49-F238E27FC236}">
-                    <a16:creationId xmlns:a16="http://schemas.microsoft.com/office/drawing/2014/main" xmlns="" id="{5489E9B8-DC06-4350-B467-61A9DA0B02A7}"/>
+                    <a16:creationId xmlns="" xmlns:a16="http://schemas.microsoft.com/office/drawing/2014/main" id="{5489E9B8-DC06-4350-B467-61A9DA0B02A7}"/>
                   </a:ext>
                 </a:extLst>
               </p:cNvPr>
@@ -21728,7 +21727,7 @@
             <p:cNvPr id="114" name="Group 113">
               <a:extLst>
                 <a:ext uri="{FF2B5EF4-FFF2-40B4-BE49-F238E27FC236}">
-                  <a16:creationId xmlns:a16="http://schemas.microsoft.com/office/drawing/2014/main" xmlns="" id="{0375CE18-5EC1-4881-8142-DC1BC91AD094}"/>
+                  <a16:creationId xmlns="" xmlns:a16="http://schemas.microsoft.com/office/drawing/2014/main" id="{0375CE18-5EC1-4881-8142-DC1BC91AD094}"/>
                 </a:ext>
               </a:extLst>
             </p:cNvPr>
@@ -21748,7 +21747,7 @@
               <p:cNvPr id="115" name="Rectangle 114">
                 <a:extLst>
                   <a:ext uri="{FF2B5EF4-FFF2-40B4-BE49-F238E27FC236}">
-                    <a16:creationId xmlns:a16="http://schemas.microsoft.com/office/drawing/2014/main" xmlns="" id="{10A76D25-919A-40D9-9554-EFE2D3956BE4}"/>
+                    <a16:creationId xmlns="" xmlns:a16="http://schemas.microsoft.com/office/drawing/2014/main" id="{10A76D25-919A-40D9-9554-EFE2D3956BE4}"/>
                   </a:ext>
                 </a:extLst>
               </p:cNvPr>
@@ -21764,7 +21763,7 @@
                 <a:avLst/>
               </a:prstGeom>
               <a:solidFill>
-                <a:srgbClr val="46CF76"/>
+                <a:srgbClr val="322B80"/>
               </a:solidFill>
               <a:ln>
                 <a:noFill/>
@@ -21807,7 +21806,7 @@
               <p:cNvPr id="116" name="Arc 115">
                 <a:extLst>
                   <a:ext uri="{FF2B5EF4-FFF2-40B4-BE49-F238E27FC236}">
-                    <a16:creationId xmlns:a16="http://schemas.microsoft.com/office/drawing/2014/main" xmlns="" id="{F541D253-66CC-4C59-909C-302800ABEEFC}"/>
+                    <a16:creationId xmlns="" xmlns:a16="http://schemas.microsoft.com/office/drawing/2014/main" id="{F541D253-66CC-4C59-909C-302800ABEEFC}"/>
                   </a:ext>
                 </a:extLst>
               </p:cNvPr>
@@ -21886,7 +21885,7 @@
             <p:cNvPr id="117" name="Group 116">
               <a:extLst>
                 <a:ext uri="{FF2B5EF4-FFF2-40B4-BE49-F238E27FC236}">
-                  <a16:creationId xmlns:a16="http://schemas.microsoft.com/office/drawing/2014/main" xmlns="" id="{D86A99F9-8CBA-4BBB-88F7-14582E27C64C}"/>
+                  <a16:creationId xmlns="" xmlns:a16="http://schemas.microsoft.com/office/drawing/2014/main" id="{D86A99F9-8CBA-4BBB-88F7-14582E27C64C}"/>
                 </a:ext>
               </a:extLst>
             </p:cNvPr>
@@ -21906,7 +21905,7 @@
               <p:cNvPr id="118" name="Rectangle 117">
                 <a:extLst>
                   <a:ext uri="{FF2B5EF4-FFF2-40B4-BE49-F238E27FC236}">
-                    <a16:creationId xmlns:a16="http://schemas.microsoft.com/office/drawing/2014/main" xmlns="" id="{16259704-CA38-4525-8489-D1FECD12BDBC}"/>
+                    <a16:creationId xmlns="" xmlns:a16="http://schemas.microsoft.com/office/drawing/2014/main" id="{16259704-CA38-4525-8489-D1FECD12BDBC}"/>
                   </a:ext>
                 </a:extLst>
               </p:cNvPr>
@@ -21922,7 +21921,7 @@
                 <a:avLst/>
               </a:prstGeom>
               <a:solidFill>
-                <a:srgbClr val="46CF76"/>
+                <a:srgbClr val="322B80"/>
               </a:solidFill>
               <a:ln>
                 <a:noFill/>
@@ -21965,7 +21964,7 @@
               <p:cNvPr id="119" name="Arc 118">
                 <a:extLst>
                   <a:ext uri="{FF2B5EF4-FFF2-40B4-BE49-F238E27FC236}">
-                    <a16:creationId xmlns:a16="http://schemas.microsoft.com/office/drawing/2014/main" xmlns="" id="{40F4FCA1-5992-49D0-8CE6-8488CF6BAF04}"/>
+                    <a16:creationId xmlns="" xmlns:a16="http://schemas.microsoft.com/office/drawing/2014/main" id="{40F4FCA1-5992-49D0-8CE6-8488CF6BAF04}"/>
                   </a:ext>
                 </a:extLst>
               </p:cNvPr>
@@ -22044,7 +22043,7 @@
             <p:cNvPr id="120" name="Group 119">
               <a:extLst>
                 <a:ext uri="{FF2B5EF4-FFF2-40B4-BE49-F238E27FC236}">
-                  <a16:creationId xmlns:a16="http://schemas.microsoft.com/office/drawing/2014/main" xmlns="" id="{F5C59377-7214-4209-BA16-86D5D1DAE2B0}"/>
+                  <a16:creationId xmlns="" xmlns:a16="http://schemas.microsoft.com/office/drawing/2014/main" id="{F5C59377-7214-4209-BA16-86D5D1DAE2B0}"/>
                 </a:ext>
               </a:extLst>
             </p:cNvPr>
@@ -22064,7 +22063,7 @@
               <p:cNvPr id="121" name="Rectangle 120">
                 <a:extLst>
                   <a:ext uri="{FF2B5EF4-FFF2-40B4-BE49-F238E27FC236}">
-                    <a16:creationId xmlns:a16="http://schemas.microsoft.com/office/drawing/2014/main" xmlns="" id="{959A5D35-C7AE-458F-BBB5-71CD3A3F97F8}"/>
+                    <a16:creationId xmlns="" xmlns:a16="http://schemas.microsoft.com/office/drawing/2014/main" id="{959A5D35-C7AE-458F-BBB5-71CD3A3F97F8}"/>
                   </a:ext>
                 </a:extLst>
               </p:cNvPr>
@@ -22080,7 +22079,7 @@
                 <a:avLst/>
               </a:prstGeom>
               <a:solidFill>
-                <a:srgbClr val="46CF76"/>
+                <a:srgbClr val="322B80"/>
               </a:solidFill>
               <a:ln>
                 <a:noFill/>
@@ -22123,7 +22122,7 @@
               <p:cNvPr id="122" name="Arc 121">
                 <a:extLst>
                   <a:ext uri="{FF2B5EF4-FFF2-40B4-BE49-F238E27FC236}">
-                    <a16:creationId xmlns:a16="http://schemas.microsoft.com/office/drawing/2014/main" xmlns="" id="{F490A229-65A6-4DFF-870F-4B92A114A66A}"/>
+                    <a16:creationId xmlns="" xmlns:a16="http://schemas.microsoft.com/office/drawing/2014/main" id="{F490A229-65A6-4DFF-870F-4B92A114A66A}"/>
                   </a:ext>
                 </a:extLst>
               </p:cNvPr>
@@ -22202,7 +22201,7 @@
             <p:cNvPr id="123" name="Group 122">
               <a:extLst>
                 <a:ext uri="{FF2B5EF4-FFF2-40B4-BE49-F238E27FC236}">
-                  <a16:creationId xmlns:a16="http://schemas.microsoft.com/office/drawing/2014/main" xmlns="" id="{9EC6FFFF-2006-4366-8566-0113AD9F036A}"/>
+                  <a16:creationId xmlns="" xmlns:a16="http://schemas.microsoft.com/office/drawing/2014/main" id="{9EC6FFFF-2006-4366-8566-0113AD9F036A}"/>
                 </a:ext>
               </a:extLst>
             </p:cNvPr>
@@ -22222,7 +22221,7 @@
               <p:cNvPr id="124" name="Rectangle 123">
                 <a:extLst>
                   <a:ext uri="{FF2B5EF4-FFF2-40B4-BE49-F238E27FC236}">
-                    <a16:creationId xmlns:a16="http://schemas.microsoft.com/office/drawing/2014/main" xmlns="" id="{595E399E-0521-4D5B-914F-29C3ADDF2B72}"/>
+                    <a16:creationId xmlns="" xmlns:a16="http://schemas.microsoft.com/office/drawing/2014/main" id="{595E399E-0521-4D5B-914F-29C3ADDF2B72}"/>
                   </a:ext>
                 </a:extLst>
               </p:cNvPr>
@@ -22238,7 +22237,7 @@
                 <a:avLst/>
               </a:prstGeom>
               <a:solidFill>
-                <a:srgbClr val="46CF76"/>
+                <a:srgbClr val="322B80"/>
               </a:solidFill>
               <a:ln>
                 <a:noFill/>
@@ -22281,7 +22280,7 @@
               <p:cNvPr id="125" name="Arc 124">
                 <a:extLst>
                   <a:ext uri="{FF2B5EF4-FFF2-40B4-BE49-F238E27FC236}">
-                    <a16:creationId xmlns:a16="http://schemas.microsoft.com/office/drawing/2014/main" xmlns="" id="{14739334-2472-4756-B880-7780C40DA407}"/>
+                    <a16:creationId xmlns="" xmlns:a16="http://schemas.microsoft.com/office/drawing/2014/main" id="{14739334-2472-4756-B880-7780C40DA407}"/>
                   </a:ext>
                 </a:extLst>
               </p:cNvPr>
@@ -22360,7 +22359,7 @@
             <p:cNvPr id="126" name="Group 125">
               <a:extLst>
                 <a:ext uri="{FF2B5EF4-FFF2-40B4-BE49-F238E27FC236}">
-                  <a16:creationId xmlns:a16="http://schemas.microsoft.com/office/drawing/2014/main" xmlns="" id="{6D7FEFCF-F5E2-48A4-8DA2-466E3FA530E8}"/>
+                  <a16:creationId xmlns="" xmlns:a16="http://schemas.microsoft.com/office/drawing/2014/main" id="{6D7FEFCF-F5E2-48A4-8DA2-466E3FA530E8}"/>
                 </a:ext>
               </a:extLst>
             </p:cNvPr>
@@ -22380,7 +22379,7 @@
               <p:cNvPr id="127" name="Rectangle 126">
                 <a:extLst>
                   <a:ext uri="{FF2B5EF4-FFF2-40B4-BE49-F238E27FC236}">
-                    <a16:creationId xmlns:a16="http://schemas.microsoft.com/office/drawing/2014/main" xmlns="" id="{5B8C7798-2FB8-447C-BA5C-ECB75C74E5AD}"/>
+                    <a16:creationId xmlns="" xmlns:a16="http://schemas.microsoft.com/office/drawing/2014/main" id="{5B8C7798-2FB8-447C-BA5C-ECB75C74E5AD}"/>
                   </a:ext>
                 </a:extLst>
               </p:cNvPr>
@@ -22396,7 +22395,7 @@
                 <a:avLst/>
               </a:prstGeom>
               <a:solidFill>
-                <a:srgbClr val="46CF76"/>
+                <a:srgbClr val="322B80"/>
               </a:solidFill>
               <a:ln>
                 <a:noFill/>
@@ -22439,7 +22438,7 @@
               <p:cNvPr id="128" name="Arc 127">
                 <a:extLst>
                   <a:ext uri="{FF2B5EF4-FFF2-40B4-BE49-F238E27FC236}">
-                    <a16:creationId xmlns:a16="http://schemas.microsoft.com/office/drawing/2014/main" xmlns="" id="{DDFE7CA2-AC7D-4CF0-A779-1F7EC6161969}"/>
+                    <a16:creationId xmlns="" xmlns:a16="http://schemas.microsoft.com/office/drawing/2014/main" id="{DDFE7CA2-AC7D-4CF0-A779-1F7EC6161969}"/>
                   </a:ext>
                 </a:extLst>
               </p:cNvPr>
@@ -22518,7 +22517,7 @@
             <p:cNvPr id="129" name="Group 128">
               <a:extLst>
                 <a:ext uri="{FF2B5EF4-FFF2-40B4-BE49-F238E27FC236}">
-                  <a16:creationId xmlns:a16="http://schemas.microsoft.com/office/drawing/2014/main" xmlns="" id="{EF6B5FAD-EB1F-43DC-8B99-11CAD21D64C9}"/>
+                  <a16:creationId xmlns="" xmlns:a16="http://schemas.microsoft.com/office/drawing/2014/main" id="{EF6B5FAD-EB1F-43DC-8B99-11CAD21D64C9}"/>
                 </a:ext>
               </a:extLst>
             </p:cNvPr>
@@ -22538,7 +22537,7 @@
               <p:cNvPr id="130" name="Rectangle 129">
                 <a:extLst>
                   <a:ext uri="{FF2B5EF4-FFF2-40B4-BE49-F238E27FC236}">
-                    <a16:creationId xmlns:a16="http://schemas.microsoft.com/office/drawing/2014/main" xmlns="" id="{B817890A-729D-4FBB-8EF7-DAFD6F73427B}"/>
+                    <a16:creationId xmlns="" xmlns:a16="http://schemas.microsoft.com/office/drawing/2014/main" id="{B817890A-729D-4FBB-8EF7-DAFD6F73427B}"/>
                   </a:ext>
                 </a:extLst>
               </p:cNvPr>
@@ -22554,7 +22553,7 @@
                 <a:avLst/>
               </a:prstGeom>
               <a:solidFill>
-                <a:srgbClr val="46CF76"/>
+                <a:srgbClr val="322B80"/>
               </a:solidFill>
               <a:ln>
                 <a:noFill/>
@@ -22597,7 +22596,7 @@
               <p:cNvPr id="131" name="Arc 130">
                 <a:extLst>
                   <a:ext uri="{FF2B5EF4-FFF2-40B4-BE49-F238E27FC236}">
-                    <a16:creationId xmlns:a16="http://schemas.microsoft.com/office/drawing/2014/main" xmlns="" id="{EAD6132E-2435-4771-A3CC-CCE94E7A9600}"/>
+                    <a16:creationId xmlns="" xmlns:a16="http://schemas.microsoft.com/office/drawing/2014/main" id="{EAD6132E-2435-4771-A3CC-CCE94E7A9600}"/>
                   </a:ext>
                 </a:extLst>
               </p:cNvPr>
@@ -22676,7 +22675,7 @@
             <p:cNvPr id="132" name="Group 131">
               <a:extLst>
                 <a:ext uri="{FF2B5EF4-FFF2-40B4-BE49-F238E27FC236}">
-                  <a16:creationId xmlns:a16="http://schemas.microsoft.com/office/drawing/2014/main" xmlns="" id="{2B7006E1-B188-46BA-BAA5-15A960905F4C}"/>
+                  <a16:creationId xmlns="" xmlns:a16="http://schemas.microsoft.com/office/drawing/2014/main" id="{2B7006E1-B188-46BA-BAA5-15A960905F4C}"/>
                 </a:ext>
               </a:extLst>
             </p:cNvPr>
@@ -22696,7 +22695,7 @@
               <p:cNvPr id="133" name="Rectangle 132">
                 <a:extLst>
                   <a:ext uri="{FF2B5EF4-FFF2-40B4-BE49-F238E27FC236}">
-                    <a16:creationId xmlns:a16="http://schemas.microsoft.com/office/drawing/2014/main" xmlns="" id="{D01250CF-AFA1-4A19-B3C7-7F163609380B}"/>
+                    <a16:creationId xmlns="" xmlns:a16="http://schemas.microsoft.com/office/drawing/2014/main" id="{D01250CF-AFA1-4A19-B3C7-7F163609380B}"/>
                   </a:ext>
                 </a:extLst>
               </p:cNvPr>
@@ -22712,7 +22711,7 @@
                 <a:avLst/>
               </a:prstGeom>
               <a:solidFill>
-                <a:srgbClr val="46CF76"/>
+                <a:srgbClr val="322B80"/>
               </a:solidFill>
               <a:ln>
                 <a:noFill/>
@@ -22755,7 +22754,7 @@
               <p:cNvPr id="134" name="Arc 133">
                 <a:extLst>
                   <a:ext uri="{FF2B5EF4-FFF2-40B4-BE49-F238E27FC236}">
-                    <a16:creationId xmlns:a16="http://schemas.microsoft.com/office/drawing/2014/main" xmlns="" id="{1014BA5C-C370-44EB-84DA-2D69E36CE6C3}"/>
+                    <a16:creationId xmlns="" xmlns:a16="http://schemas.microsoft.com/office/drawing/2014/main" id="{1014BA5C-C370-44EB-84DA-2D69E36CE6C3}"/>
                   </a:ext>
                 </a:extLst>
               </p:cNvPr>
@@ -22834,7 +22833,7 @@
             <p:cNvPr id="135" name="Group 134">
               <a:extLst>
                 <a:ext uri="{FF2B5EF4-FFF2-40B4-BE49-F238E27FC236}">
-                  <a16:creationId xmlns:a16="http://schemas.microsoft.com/office/drawing/2014/main" xmlns="" id="{AD8CB7E5-EBC4-4791-B93B-D0B41B862B83}"/>
+                  <a16:creationId xmlns="" xmlns:a16="http://schemas.microsoft.com/office/drawing/2014/main" id="{AD8CB7E5-EBC4-4791-B93B-D0B41B862B83}"/>
                 </a:ext>
               </a:extLst>
             </p:cNvPr>
@@ -22854,7 +22853,7 @@
               <p:cNvPr id="136" name="Rectangle 135">
                 <a:extLst>
                   <a:ext uri="{FF2B5EF4-FFF2-40B4-BE49-F238E27FC236}">
-                    <a16:creationId xmlns:a16="http://schemas.microsoft.com/office/drawing/2014/main" xmlns="" id="{CF456FF3-391C-4C8E-A128-A413BDBBB225}"/>
+                    <a16:creationId xmlns="" xmlns:a16="http://schemas.microsoft.com/office/drawing/2014/main" id="{CF456FF3-391C-4C8E-A128-A413BDBBB225}"/>
                   </a:ext>
                 </a:extLst>
               </p:cNvPr>
@@ -22870,7 +22869,7 @@
                 <a:avLst/>
               </a:prstGeom>
               <a:solidFill>
-                <a:srgbClr val="46CF76"/>
+                <a:srgbClr val="322B80"/>
               </a:solidFill>
               <a:ln>
                 <a:noFill/>
@@ -22913,7 +22912,7 @@
               <p:cNvPr id="137" name="Arc 136">
                 <a:extLst>
                   <a:ext uri="{FF2B5EF4-FFF2-40B4-BE49-F238E27FC236}">
-                    <a16:creationId xmlns:a16="http://schemas.microsoft.com/office/drawing/2014/main" xmlns="" id="{8838FE2A-04D7-44E3-97C3-54338832CB9A}"/>
+                    <a16:creationId xmlns="" xmlns:a16="http://schemas.microsoft.com/office/drawing/2014/main" id="{8838FE2A-04D7-44E3-97C3-54338832CB9A}"/>
                   </a:ext>
                 </a:extLst>
               </p:cNvPr>
@@ -22993,7 +22992,7 @@
           <p:cNvPr id="209" name="TextBox 208">
             <a:extLst>
               <a:ext uri="{FF2B5EF4-FFF2-40B4-BE49-F238E27FC236}">
-                <a16:creationId xmlns:a16="http://schemas.microsoft.com/office/drawing/2014/main" xmlns="" id="{97B6C5F2-384F-48A1-BC25-56C6849F9A23}"/>
+                <a16:creationId xmlns="" xmlns:a16="http://schemas.microsoft.com/office/drawing/2014/main" id="{97B6C5F2-384F-48A1-BC25-56C6849F9A23}"/>
               </a:ext>
             </a:extLst>
           </p:cNvPr>
@@ -23002,7 +23001,7 @@
         </p:nvSpPr>
         <p:spPr>
           <a:xfrm>
-            <a:off x="494513" y="459498"/>
+            <a:off x="494514" y="459500"/>
             <a:ext cx="3099191" cy="461665"/>
           </a:xfrm>
           <a:prstGeom prst="rect">
@@ -23017,14 +23016,14 @@
           <a:lstStyle/>
           <a:p>
             <a:r>
-              <a:rPr lang="pl-PL" sz="2400" dirty="0" err="1" smtClean="0">
+              <a:rPr lang="pl-PL" sz="2400" dirty="0" err="1">
                 <a:latin typeface="Hand Of Sean" panose="02000500000000000000" pitchFamily="2" charset="-128"/>
                 <a:ea typeface="Hand Of Sean" panose="02000500000000000000" pitchFamily="2" charset="-128"/>
               </a:rPr>
               <a:t>Rodzał</a:t>
             </a:r>
             <a:r>
-              <a:rPr lang="pl-PL" sz="2400" dirty="0" smtClean="0">
+              <a:rPr lang="pl-PL" sz="2400" dirty="0">
                 <a:latin typeface="Hand Of Sean" panose="02000500000000000000" pitchFamily="2" charset="-128"/>
                 <a:ea typeface="Hand Of Sean" panose="02000500000000000000" pitchFamily="2" charset="-128"/>
               </a:rPr>
@@ -23042,7 +23041,7 @@
           <p:cNvPr id="210" name="TextBox 209">
             <a:extLst>
               <a:ext uri="{FF2B5EF4-FFF2-40B4-BE49-F238E27FC236}">
-                <a16:creationId xmlns:a16="http://schemas.microsoft.com/office/drawing/2014/main" xmlns="" id="{3466BF93-A147-4F52-A7E5-9E9F8BDE7A42}"/>
+                <a16:creationId xmlns="" xmlns:a16="http://schemas.microsoft.com/office/drawing/2014/main" id="{3466BF93-A147-4F52-A7E5-9E9F8BDE7A42}"/>
               </a:ext>
             </a:extLst>
           </p:cNvPr>
@@ -23051,8 +23050,8 @@
         </p:nvSpPr>
         <p:spPr>
           <a:xfrm>
-            <a:off x="713653" y="1120627"/>
-            <a:ext cx="4963748" cy="2704587"/>
+            <a:off x="636549" y="1122224"/>
+            <a:ext cx="4963748" cy="3862596"/>
           </a:xfrm>
           <a:prstGeom prst="rect">
             <a:avLst/>
@@ -23104,7 +23103,7 @@
     </p:spTree>
     <p:extLst>
       <p:ext uri="{BB962C8B-B14F-4D97-AF65-F5344CB8AC3E}">
-        <p14:creationId xmlns:p14="http://schemas.microsoft.com/office/powerpoint/2010/main" val="2677385867"/>
+        <p14:creationId xmlns:p14="http://schemas.microsoft.com/office/powerpoint/2010/main" val="2357113181"/>
       </p:ext>
     </p:extLst>
   </p:cSld>
@@ -23155,7 +23154,7 @@
           <p:cNvPr id="4" name="Rectangle 3">
             <a:extLst>
               <a:ext uri="{FF2B5EF4-FFF2-40B4-BE49-F238E27FC236}">
-                <a16:creationId xmlns:a16="http://schemas.microsoft.com/office/drawing/2014/main" xmlns="" id="{33F222A8-AF2A-4292-8A95-0C3AD37A109D}"/>
+                <a16:creationId xmlns="" xmlns:a16="http://schemas.microsoft.com/office/drawing/2014/main" id="{33F222A8-AF2A-4292-8A95-0C3AD37A109D}"/>
               </a:ext>
             </a:extLst>
           </p:cNvPr>
@@ -23164,14 +23163,14 @@
         </p:nvSpPr>
         <p:spPr>
           <a:xfrm>
-            <a:off x="233783" y="0"/>
+            <a:off x="233785" y="0"/>
             <a:ext cx="5734929" cy="6858000"/>
           </a:xfrm>
           <a:prstGeom prst="rect">
             <a:avLst/>
           </a:prstGeom>
           <a:solidFill>
-            <a:srgbClr val="46CF76"/>
+            <a:srgbClr val="322B80"/>
           </a:solidFill>
           <a:ln>
             <a:noFill/>
@@ -23214,7 +23213,7 @@
           <p:cNvPr id="2" name="Group 1">
             <a:extLst>
               <a:ext uri="{FF2B5EF4-FFF2-40B4-BE49-F238E27FC236}">
-                <a16:creationId xmlns:a16="http://schemas.microsoft.com/office/drawing/2014/main" xmlns="" id="{82455CA8-3E7B-475F-BE73-7D424E5A8C0C}"/>
+                <a16:creationId xmlns="" xmlns:a16="http://schemas.microsoft.com/office/drawing/2014/main" id="{82455CA8-3E7B-475F-BE73-7D424E5A8C0C}"/>
               </a:ext>
             </a:extLst>
           </p:cNvPr>
@@ -23223,7 +23222,7 @@
         </p:nvGrpSpPr>
         <p:grpSpPr>
           <a:xfrm flipH="1">
-            <a:off x="5593416" y="125336"/>
+            <a:off x="5593416" y="125337"/>
             <a:ext cx="580573" cy="6607323"/>
             <a:chOff x="5805714" y="119550"/>
             <a:chExt cx="580573" cy="6607323"/>
@@ -23234,7 +23233,7 @@
             <p:cNvPr id="10" name="Group 9">
               <a:extLst>
                 <a:ext uri="{FF2B5EF4-FFF2-40B4-BE49-F238E27FC236}">
-                  <a16:creationId xmlns:a16="http://schemas.microsoft.com/office/drawing/2014/main" xmlns="" id="{AEE5042A-E067-4FB7-BCFF-00BB33BFEDEC}"/>
+                  <a16:creationId xmlns="" xmlns:a16="http://schemas.microsoft.com/office/drawing/2014/main" id="{AEE5042A-E067-4FB7-BCFF-00BB33BFEDEC}"/>
                 </a:ext>
               </a:extLst>
             </p:cNvPr>
@@ -23254,7 +23253,7 @@
               <p:cNvPr id="5" name="Rectangle 4">
                 <a:extLst>
                   <a:ext uri="{FF2B5EF4-FFF2-40B4-BE49-F238E27FC236}">
-                    <a16:creationId xmlns:a16="http://schemas.microsoft.com/office/drawing/2014/main" xmlns="" id="{9ECC8D50-758B-45D1-9832-058DA749338C}"/>
+                    <a16:creationId xmlns="" xmlns:a16="http://schemas.microsoft.com/office/drawing/2014/main" id="{9ECC8D50-758B-45D1-9832-058DA749338C}"/>
                   </a:ext>
                 </a:extLst>
               </p:cNvPr>
@@ -23315,7 +23314,7 @@
               <p:cNvPr id="9" name="Arc 8">
                 <a:extLst>
                   <a:ext uri="{FF2B5EF4-FFF2-40B4-BE49-F238E27FC236}">
-                    <a16:creationId xmlns:a16="http://schemas.microsoft.com/office/drawing/2014/main" xmlns="" id="{FC783E55-1922-4926-8D97-EC60526709F7}"/>
+                    <a16:creationId xmlns="" xmlns:a16="http://schemas.microsoft.com/office/drawing/2014/main" id="{FC783E55-1922-4926-8D97-EC60526709F7}"/>
                   </a:ext>
                 </a:extLst>
               </p:cNvPr>
@@ -23394,7 +23393,7 @@
             <p:cNvPr id="78" name="Group 77">
               <a:extLst>
                 <a:ext uri="{FF2B5EF4-FFF2-40B4-BE49-F238E27FC236}">
-                  <a16:creationId xmlns:a16="http://schemas.microsoft.com/office/drawing/2014/main" xmlns="" id="{E48E30C9-A74F-4C52-AD04-FC9A5CBD8258}"/>
+                  <a16:creationId xmlns="" xmlns:a16="http://schemas.microsoft.com/office/drawing/2014/main" id="{E48E30C9-A74F-4C52-AD04-FC9A5CBD8258}"/>
                 </a:ext>
               </a:extLst>
             </p:cNvPr>
@@ -23414,7 +23413,7 @@
               <p:cNvPr id="79" name="Rectangle 78">
                 <a:extLst>
                   <a:ext uri="{FF2B5EF4-FFF2-40B4-BE49-F238E27FC236}">
-                    <a16:creationId xmlns:a16="http://schemas.microsoft.com/office/drawing/2014/main" xmlns="" id="{9D80A7DB-810E-4588-BE25-E9F7C34D3DB1}"/>
+                    <a16:creationId xmlns="" xmlns:a16="http://schemas.microsoft.com/office/drawing/2014/main" id="{9D80A7DB-810E-4588-BE25-E9F7C34D3DB1}"/>
                   </a:ext>
                 </a:extLst>
               </p:cNvPr>
@@ -23475,7 +23474,7 @@
               <p:cNvPr id="80" name="Arc 79">
                 <a:extLst>
                   <a:ext uri="{FF2B5EF4-FFF2-40B4-BE49-F238E27FC236}">
-                    <a16:creationId xmlns:a16="http://schemas.microsoft.com/office/drawing/2014/main" xmlns="" id="{0CEE252C-3F6B-425D-A974-8C322FD62AA8}"/>
+                    <a16:creationId xmlns="" xmlns:a16="http://schemas.microsoft.com/office/drawing/2014/main" id="{0CEE252C-3F6B-425D-A974-8C322FD62AA8}"/>
                   </a:ext>
                 </a:extLst>
               </p:cNvPr>
@@ -23554,7 +23553,7 @@
             <p:cNvPr id="81" name="Group 80">
               <a:extLst>
                 <a:ext uri="{FF2B5EF4-FFF2-40B4-BE49-F238E27FC236}">
-                  <a16:creationId xmlns:a16="http://schemas.microsoft.com/office/drawing/2014/main" xmlns="" id="{BDE4CAF1-67FB-4A00-A957-F84932EF37EA}"/>
+                  <a16:creationId xmlns="" xmlns:a16="http://schemas.microsoft.com/office/drawing/2014/main" id="{BDE4CAF1-67FB-4A00-A957-F84932EF37EA}"/>
                 </a:ext>
               </a:extLst>
             </p:cNvPr>
@@ -23574,7 +23573,7 @@
               <p:cNvPr id="82" name="Rectangle 81">
                 <a:extLst>
                   <a:ext uri="{FF2B5EF4-FFF2-40B4-BE49-F238E27FC236}">
-                    <a16:creationId xmlns:a16="http://schemas.microsoft.com/office/drawing/2014/main" xmlns="" id="{74C944AF-D50A-425E-A441-BD46E8CB9783}"/>
+                    <a16:creationId xmlns="" xmlns:a16="http://schemas.microsoft.com/office/drawing/2014/main" id="{74C944AF-D50A-425E-A441-BD46E8CB9783}"/>
                   </a:ext>
                 </a:extLst>
               </p:cNvPr>
@@ -23635,7 +23634,7 @@
               <p:cNvPr id="83" name="Arc 82">
                 <a:extLst>
                   <a:ext uri="{FF2B5EF4-FFF2-40B4-BE49-F238E27FC236}">
-                    <a16:creationId xmlns:a16="http://schemas.microsoft.com/office/drawing/2014/main" xmlns="" id="{AE95EC9D-DB78-417E-AF31-C543DE84C1EE}"/>
+                    <a16:creationId xmlns="" xmlns:a16="http://schemas.microsoft.com/office/drawing/2014/main" id="{AE95EC9D-DB78-417E-AF31-C543DE84C1EE}"/>
                   </a:ext>
                 </a:extLst>
               </p:cNvPr>
@@ -23714,7 +23713,7 @@
             <p:cNvPr id="84" name="Group 83">
               <a:extLst>
                 <a:ext uri="{FF2B5EF4-FFF2-40B4-BE49-F238E27FC236}">
-                  <a16:creationId xmlns:a16="http://schemas.microsoft.com/office/drawing/2014/main" xmlns="" id="{EC3E0684-8AE8-4214-BF7B-4AAB6B86F600}"/>
+                  <a16:creationId xmlns="" xmlns:a16="http://schemas.microsoft.com/office/drawing/2014/main" id="{EC3E0684-8AE8-4214-BF7B-4AAB6B86F600}"/>
                 </a:ext>
               </a:extLst>
             </p:cNvPr>
@@ -23734,7 +23733,7 @@
               <p:cNvPr id="85" name="Rectangle 84">
                 <a:extLst>
                   <a:ext uri="{FF2B5EF4-FFF2-40B4-BE49-F238E27FC236}">
-                    <a16:creationId xmlns:a16="http://schemas.microsoft.com/office/drawing/2014/main" xmlns="" id="{CF8E04A3-B6B4-4F3C-BB6B-AF9929DDA237}"/>
+                    <a16:creationId xmlns="" xmlns:a16="http://schemas.microsoft.com/office/drawing/2014/main" id="{CF8E04A3-B6B4-4F3C-BB6B-AF9929DDA237}"/>
                   </a:ext>
                 </a:extLst>
               </p:cNvPr>
@@ -23795,7 +23794,7 @@
               <p:cNvPr id="86" name="Arc 85">
                 <a:extLst>
                   <a:ext uri="{FF2B5EF4-FFF2-40B4-BE49-F238E27FC236}">
-                    <a16:creationId xmlns:a16="http://schemas.microsoft.com/office/drawing/2014/main" xmlns="" id="{18A95974-DAB2-4BF8-9192-96278D1744CD}"/>
+                    <a16:creationId xmlns="" xmlns:a16="http://schemas.microsoft.com/office/drawing/2014/main" id="{18A95974-DAB2-4BF8-9192-96278D1744CD}"/>
                   </a:ext>
                 </a:extLst>
               </p:cNvPr>
@@ -23874,7 +23873,7 @@
             <p:cNvPr id="87" name="Group 86">
               <a:extLst>
                 <a:ext uri="{FF2B5EF4-FFF2-40B4-BE49-F238E27FC236}">
-                  <a16:creationId xmlns:a16="http://schemas.microsoft.com/office/drawing/2014/main" xmlns="" id="{C97BDBFC-6DCF-4D05-9235-AF24FD08B7BA}"/>
+                  <a16:creationId xmlns="" xmlns:a16="http://schemas.microsoft.com/office/drawing/2014/main" id="{C97BDBFC-6DCF-4D05-9235-AF24FD08B7BA}"/>
                 </a:ext>
               </a:extLst>
             </p:cNvPr>
@@ -23894,7 +23893,7 @@
               <p:cNvPr id="88" name="Rectangle 87">
                 <a:extLst>
                   <a:ext uri="{FF2B5EF4-FFF2-40B4-BE49-F238E27FC236}">
-                    <a16:creationId xmlns:a16="http://schemas.microsoft.com/office/drawing/2014/main" xmlns="" id="{4AB8CE96-3DF3-4063-9F27-D4DB07BB75EF}"/>
+                    <a16:creationId xmlns="" xmlns:a16="http://schemas.microsoft.com/office/drawing/2014/main" id="{4AB8CE96-3DF3-4063-9F27-D4DB07BB75EF}"/>
                   </a:ext>
                 </a:extLst>
               </p:cNvPr>
@@ -23955,7 +23954,7 @@
               <p:cNvPr id="89" name="Arc 88">
                 <a:extLst>
                   <a:ext uri="{FF2B5EF4-FFF2-40B4-BE49-F238E27FC236}">
-                    <a16:creationId xmlns:a16="http://schemas.microsoft.com/office/drawing/2014/main" xmlns="" id="{309BD817-14B6-4AA7-A1F6-6EAEFBC3A86F}"/>
+                    <a16:creationId xmlns="" xmlns:a16="http://schemas.microsoft.com/office/drawing/2014/main" id="{309BD817-14B6-4AA7-A1F6-6EAEFBC3A86F}"/>
                   </a:ext>
                 </a:extLst>
               </p:cNvPr>
@@ -24034,7 +24033,7 @@
             <p:cNvPr id="90" name="Group 89">
               <a:extLst>
                 <a:ext uri="{FF2B5EF4-FFF2-40B4-BE49-F238E27FC236}">
-                  <a16:creationId xmlns:a16="http://schemas.microsoft.com/office/drawing/2014/main" xmlns="" id="{C6951FED-2BD7-4859-B333-5B1CAEF8AB8D}"/>
+                  <a16:creationId xmlns="" xmlns:a16="http://schemas.microsoft.com/office/drawing/2014/main" id="{C6951FED-2BD7-4859-B333-5B1CAEF8AB8D}"/>
                 </a:ext>
               </a:extLst>
             </p:cNvPr>
@@ -24054,7 +24053,7 @@
               <p:cNvPr id="91" name="Rectangle 90">
                 <a:extLst>
                   <a:ext uri="{FF2B5EF4-FFF2-40B4-BE49-F238E27FC236}">
-                    <a16:creationId xmlns:a16="http://schemas.microsoft.com/office/drawing/2014/main" xmlns="" id="{FE30C63D-F045-40E9-8C54-26DA5BDA0F44}"/>
+                    <a16:creationId xmlns="" xmlns:a16="http://schemas.microsoft.com/office/drawing/2014/main" id="{FE30C63D-F045-40E9-8C54-26DA5BDA0F44}"/>
                   </a:ext>
                 </a:extLst>
               </p:cNvPr>
@@ -24115,7 +24114,7 @@
               <p:cNvPr id="92" name="Arc 91">
                 <a:extLst>
                   <a:ext uri="{FF2B5EF4-FFF2-40B4-BE49-F238E27FC236}">
-                    <a16:creationId xmlns:a16="http://schemas.microsoft.com/office/drawing/2014/main" xmlns="" id="{434A2720-2A66-40B1-AC7E-5C244C6E6EB9}"/>
+                    <a16:creationId xmlns="" xmlns:a16="http://schemas.microsoft.com/office/drawing/2014/main" id="{434A2720-2A66-40B1-AC7E-5C244C6E6EB9}"/>
                   </a:ext>
                 </a:extLst>
               </p:cNvPr>
@@ -24194,7 +24193,7 @@
             <p:cNvPr id="93" name="Group 92">
               <a:extLst>
                 <a:ext uri="{FF2B5EF4-FFF2-40B4-BE49-F238E27FC236}">
-                  <a16:creationId xmlns:a16="http://schemas.microsoft.com/office/drawing/2014/main" xmlns="" id="{3253887B-E245-4C89-84BB-C89576187B4D}"/>
+                  <a16:creationId xmlns="" xmlns:a16="http://schemas.microsoft.com/office/drawing/2014/main" id="{3253887B-E245-4C89-84BB-C89576187B4D}"/>
                 </a:ext>
               </a:extLst>
             </p:cNvPr>
@@ -24214,7 +24213,7 @@
               <p:cNvPr id="94" name="Rectangle 93">
                 <a:extLst>
                   <a:ext uri="{FF2B5EF4-FFF2-40B4-BE49-F238E27FC236}">
-                    <a16:creationId xmlns:a16="http://schemas.microsoft.com/office/drawing/2014/main" xmlns="" id="{C2935527-C9EF-4950-89BB-EB1207B25EAD}"/>
+                    <a16:creationId xmlns="" xmlns:a16="http://schemas.microsoft.com/office/drawing/2014/main" id="{C2935527-C9EF-4950-89BB-EB1207B25EAD}"/>
                   </a:ext>
                 </a:extLst>
               </p:cNvPr>
@@ -24275,7 +24274,7 @@
               <p:cNvPr id="95" name="Arc 94">
                 <a:extLst>
                   <a:ext uri="{FF2B5EF4-FFF2-40B4-BE49-F238E27FC236}">
-                    <a16:creationId xmlns:a16="http://schemas.microsoft.com/office/drawing/2014/main" xmlns="" id="{B885AD0D-2A97-4761-A7E2-81AE7730FF98}"/>
+                    <a16:creationId xmlns="" xmlns:a16="http://schemas.microsoft.com/office/drawing/2014/main" id="{B885AD0D-2A97-4761-A7E2-81AE7730FF98}"/>
                   </a:ext>
                 </a:extLst>
               </p:cNvPr>
@@ -24354,7 +24353,7 @@
             <p:cNvPr id="96" name="Group 95">
               <a:extLst>
                 <a:ext uri="{FF2B5EF4-FFF2-40B4-BE49-F238E27FC236}">
-                  <a16:creationId xmlns:a16="http://schemas.microsoft.com/office/drawing/2014/main" xmlns="" id="{B20895E6-FBAD-4249-90F9-43369FD2080F}"/>
+                  <a16:creationId xmlns="" xmlns:a16="http://schemas.microsoft.com/office/drawing/2014/main" id="{B20895E6-FBAD-4249-90F9-43369FD2080F}"/>
                 </a:ext>
               </a:extLst>
             </p:cNvPr>
@@ -24374,7 +24373,7 @@
               <p:cNvPr id="97" name="Rectangle 96">
                 <a:extLst>
                   <a:ext uri="{FF2B5EF4-FFF2-40B4-BE49-F238E27FC236}">
-                    <a16:creationId xmlns:a16="http://schemas.microsoft.com/office/drawing/2014/main" xmlns="" id="{416F99E9-E132-4AB6-9501-719E390B2951}"/>
+                    <a16:creationId xmlns="" xmlns:a16="http://schemas.microsoft.com/office/drawing/2014/main" id="{416F99E9-E132-4AB6-9501-719E390B2951}"/>
                   </a:ext>
                 </a:extLst>
               </p:cNvPr>
@@ -24435,7 +24434,7 @@
               <p:cNvPr id="98" name="Arc 97">
                 <a:extLst>
                   <a:ext uri="{FF2B5EF4-FFF2-40B4-BE49-F238E27FC236}">
-                    <a16:creationId xmlns:a16="http://schemas.microsoft.com/office/drawing/2014/main" xmlns="" id="{7BF41422-E1EF-4A49-906D-7C9E43200378}"/>
+                    <a16:creationId xmlns="" xmlns:a16="http://schemas.microsoft.com/office/drawing/2014/main" id="{7BF41422-E1EF-4A49-906D-7C9E43200378}"/>
                   </a:ext>
                 </a:extLst>
               </p:cNvPr>
@@ -24514,7 +24513,7 @@
             <p:cNvPr id="99" name="Group 98">
               <a:extLst>
                 <a:ext uri="{FF2B5EF4-FFF2-40B4-BE49-F238E27FC236}">
-                  <a16:creationId xmlns:a16="http://schemas.microsoft.com/office/drawing/2014/main" xmlns="" id="{3A6C8FCE-3906-4A51-8C51-53A21458A79D}"/>
+                  <a16:creationId xmlns="" xmlns:a16="http://schemas.microsoft.com/office/drawing/2014/main" id="{3A6C8FCE-3906-4A51-8C51-53A21458A79D}"/>
                 </a:ext>
               </a:extLst>
             </p:cNvPr>
@@ -24534,7 +24533,7 @@
               <p:cNvPr id="100" name="Rectangle 99">
                 <a:extLst>
                   <a:ext uri="{FF2B5EF4-FFF2-40B4-BE49-F238E27FC236}">
-                    <a16:creationId xmlns:a16="http://schemas.microsoft.com/office/drawing/2014/main" xmlns="" id="{01B7306C-C82A-4CBC-8810-B196E2B85FD9}"/>
+                    <a16:creationId xmlns="" xmlns:a16="http://schemas.microsoft.com/office/drawing/2014/main" id="{01B7306C-C82A-4CBC-8810-B196E2B85FD9}"/>
                   </a:ext>
                 </a:extLst>
               </p:cNvPr>
@@ -24595,7 +24594,7 @@
               <p:cNvPr id="101" name="Arc 100">
                 <a:extLst>
                   <a:ext uri="{FF2B5EF4-FFF2-40B4-BE49-F238E27FC236}">
-                    <a16:creationId xmlns:a16="http://schemas.microsoft.com/office/drawing/2014/main" xmlns="" id="{4309EB4B-A1C1-41B8-9E71-43E4632DE81A}"/>
+                    <a16:creationId xmlns="" xmlns:a16="http://schemas.microsoft.com/office/drawing/2014/main" id="{4309EB4B-A1C1-41B8-9E71-43E4632DE81A}"/>
                   </a:ext>
                 </a:extLst>
               </p:cNvPr>
@@ -24674,7 +24673,7 @@
             <p:cNvPr id="102" name="Group 101">
               <a:extLst>
                 <a:ext uri="{FF2B5EF4-FFF2-40B4-BE49-F238E27FC236}">
-                  <a16:creationId xmlns:a16="http://schemas.microsoft.com/office/drawing/2014/main" xmlns="" id="{C74B4894-B5D2-4362-964C-D4DC0546060A}"/>
+                  <a16:creationId xmlns="" xmlns:a16="http://schemas.microsoft.com/office/drawing/2014/main" id="{C74B4894-B5D2-4362-964C-D4DC0546060A}"/>
                 </a:ext>
               </a:extLst>
             </p:cNvPr>
@@ -24694,7 +24693,7 @@
               <p:cNvPr id="103" name="Rectangle 102">
                 <a:extLst>
                   <a:ext uri="{FF2B5EF4-FFF2-40B4-BE49-F238E27FC236}">
-                    <a16:creationId xmlns:a16="http://schemas.microsoft.com/office/drawing/2014/main" xmlns="" id="{DA95D981-4D5B-4F4F-8A82-69838938508F}"/>
+                    <a16:creationId xmlns="" xmlns:a16="http://schemas.microsoft.com/office/drawing/2014/main" id="{DA95D981-4D5B-4F4F-8A82-69838938508F}"/>
                   </a:ext>
                 </a:extLst>
               </p:cNvPr>
@@ -24755,7 +24754,7 @@
               <p:cNvPr id="104" name="Arc 103">
                 <a:extLst>
                   <a:ext uri="{FF2B5EF4-FFF2-40B4-BE49-F238E27FC236}">
-                    <a16:creationId xmlns:a16="http://schemas.microsoft.com/office/drawing/2014/main" xmlns="" id="{E4822634-A39A-4B0D-8399-883328FCA1EE}"/>
+                    <a16:creationId xmlns="" xmlns:a16="http://schemas.microsoft.com/office/drawing/2014/main" id="{E4822634-A39A-4B0D-8399-883328FCA1EE}"/>
                   </a:ext>
                 </a:extLst>
               </p:cNvPr>
@@ -24834,7 +24833,7 @@
             <p:cNvPr id="105" name="Group 104">
               <a:extLst>
                 <a:ext uri="{FF2B5EF4-FFF2-40B4-BE49-F238E27FC236}">
-                  <a16:creationId xmlns:a16="http://schemas.microsoft.com/office/drawing/2014/main" xmlns="" id="{AC0C8900-7AAE-4DAD-9853-250BA8E46217}"/>
+                  <a16:creationId xmlns="" xmlns:a16="http://schemas.microsoft.com/office/drawing/2014/main" id="{AC0C8900-7AAE-4DAD-9853-250BA8E46217}"/>
                 </a:ext>
               </a:extLst>
             </p:cNvPr>
@@ -24854,7 +24853,7 @@
               <p:cNvPr id="106" name="Rectangle 105">
                 <a:extLst>
                   <a:ext uri="{FF2B5EF4-FFF2-40B4-BE49-F238E27FC236}">
-                    <a16:creationId xmlns:a16="http://schemas.microsoft.com/office/drawing/2014/main" xmlns="" id="{8F16C3F5-5111-4385-95DB-684995C5DA9E}"/>
+                    <a16:creationId xmlns="" xmlns:a16="http://schemas.microsoft.com/office/drawing/2014/main" id="{8F16C3F5-5111-4385-95DB-684995C5DA9E}"/>
                   </a:ext>
                 </a:extLst>
               </p:cNvPr>
@@ -24915,7 +24914,7 @@
               <p:cNvPr id="107" name="Arc 106">
                 <a:extLst>
                   <a:ext uri="{FF2B5EF4-FFF2-40B4-BE49-F238E27FC236}">
-                    <a16:creationId xmlns:a16="http://schemas.microsoft.com/office/drawing/2014/main" xmlns="" id="{C8E4EC42-A513-472E-AE69-66EF8F71937C}"/>
+                    <a16:creationId xmlns="" xmlns:a16="http://schemas.microsoft.com/office/drawing/2014/main" id="{C8E4EC42-A513-472E-AE69-66EF8F71937C}"/>
                   </a:ext>
                 </a:extLst>
               </p:cNvPr>
@@ -24994,7 +24993,7 @@
             <p:cNvPr id="108" name="Group 107">
               <a:extLst>
                 <a:ext uri="{FF2B5EF4-FFF2-40B4-BE49-F238E27FC236}">
-                  <a16:creationId xmlns:a16="http://schemas.microsoft.com/office/drawing/2014/main" xmlns="" id="{B9DF2A69-06AC-4DC9-B6C7-9A1B9D012585}"/>
+                  <a16:creationId xmlns="" xmlns:a16="http://schemas.microsoft.com/office/drawing/2014/main" id="{B9DF2A69-06AC-4DC9-B6C7-9A1B9D012585}"/>
                 </a:ext>
               </a:extLst>
             </p:cNvPr>
@@ -25014,7 +25013,7 @@
               <p:cNvPr id="109" name="Rectangle 108">
                 <a:extLst>
                   <a:ext uri="{FF2B5EF4-FFF2-40B4-BE49-F238E27FC236}">
-                    <a16:creationId xmlns:a16="http://schemas.microsoft.com/office/drawing/2014/main" xmlns="" id="{66D59475-186E-4F7A-A501-ABEDCC08DC98}"/>
+                    <a16:creationId xmlns="" xmlns:a16="http://schemas.microsoft.com/office/drawing/2014/main" id="{66D59475-186E-4F7A-A501-ABEDCC08DC98}"/>
                   </a:ext>
                 </a:extLst>
               </p:cNvPr>
@@ -25075,7 +25074,7 @@
               <p:cNvPr id="110" name="Arc 109">
                 <a:extLst>
                   <a:ext uri="{FF2B5EF4-FFF2-40B4-BE49-F238E27FC236}">
-                    <a16:creationId xmlns:a16="http://schemas.microsoft.com/office/drawing/2014/main" xmlns="" id="{55C929AA-C5D4-4A29-94FC-BF99C03F9430}"/>
+                    <a16:creationId xmlns="" xmlns:a16="http://schemas.microsoft.com/office/drawing/2014/main" id="{55C929AA-C5D4-4A29-94FC-BF99C03F9430}"/>
                   </a:ext>
                 </a:extLst>
               </p:cNvPr>
@@ -25154,7 +25153,7 @@
             <p:cNvPr id="111" name="Group 110">
               <a:extLst>
                 <a:ext uri="{FF2B5EF4-FFF2-40B4-BE49-F238E27FC236}">
-                  <a16:creationId xmlns:a16="http://schemas.microsoft.com/office/drawing/2014/main" xmlns="" id="{26F5DDE8-77F1-4A19-9A73-FA16AD387091}"/>
+                  <a16:creationId xmlns="" xmlns:a16="http://schemas.microsoft.com/office/drawing/2014/main" id="{26F5DDE8-77F1-4A19-9A73-FA16AD387091}"/>
                 </a:ext>
               </a:extLst>
             </p:cNvPr>
@@ -25174,7 +25173,7 @@
               <p:cNvPr id="112" name="Rectangle 111">
                 <a:extLst>
                   <a:ext uri="{FF2B5EF4-FFF2-40B4-BE49-F238E27FC236}">
-                    <a16:creationId xmlns:a16="http://schemas.microsoft.com/office/drawing/2014/main" xmlns="" id="{3975D25C-1E30-46E2-BA99-3037ADE31704}"/>
+                    <a16:creationId xmlns="" xmlns:a16="http://schemas.microsoft.com/office/drawing/2014/main" id="{3975D25C-1E30-46E2-BA99-3037ADE31704}"/>
                   </a:ext>
                 </a:extLst>
               </p:cNvPr>
@@ -25235,7 +25234,7 @@
               <p:cNvPr id="113" name="Arc 112">
                 <a:extLst>
                   <a:ext uri="{FF2B5EF4-FFF2-40B4-BE49-F238E27FC236}">
-                    <a16:creationId xmlns:a16="http://schemas.microsoft.com/office/drawing/2014/main" xmlns="" id="{5489E9B8-DC06-4350-B467-61A9DA0B02A7}"/>
+                    <a16:creationId xmlns="" xmlns:a16="http://schemas.microsoft.com/office/drawing/2014/main" id="{5489E9B8-DC06-4350-B467-61A9DA0B02A7}"/>
                   </a:ext>
                 </a:extLst>
               </p:cNvPr>
@@ -25314,7 +25313,7 @@
             <p:cNvPr id="114" name="Group 113">
               <a:extLst>
                 <a:ext uri="{FF2B5EF4-FFF2-40B4-BE49-F238E27FC236}">
-                  <a16:creationId xmlns:a16="http://schemas.microsoft.com/office/drawing/2014/main" xmlns="" id="{0375CE18-5EC1-4881-8142-DC1BC91AD094}"/>
+                  <a16:creationId xmlns="" xmlns:a16="http://schemas.microsoft.com/office/drawing/2014/main" id="{0375CE18-5EC1-4881-8142-DC1BC91AD094}"/>
                 </a:ext>
               </a:extLst>
             </p:cNvPr>
@@ -25334,7 +25333,7 @@
               <p:cNvPr id="115" name="Rectangle 114">
                 <a:extLst>
                   <a:ext uri="{FF2B5EF4-FFF2-40B4-BE49-F238E27FC236}">
-                    <a16:creationId xmlns:a16="http://schemas.microsoft.com/office/drawing/2014/main" xmlns="" id="{10A76D25-919A-40D9-9554-EFE2D3956BE4}"/>
+                    <a16:creationId xmlns="" xmlns:a16="http://schemas.microsoft.com/office/drawing/2014/main" id="{10A76D25-919A-40D9-9554-EFE2D3956BE4}"/>
                   </a:ext>
                 </a:extLst>
               </p:cNvPr>
@@ -25395,7 +25394,7 @@
               <p:cNvPr id="116" name="Arc 115">
                 <a:extLst>
                   <a:ext uri="{FF2B5EF4-FFF2-40B4-BE49-F238E27FC236}">
-                    <a16:creationId xmlns:a16="http://schemas.microsoft.com/office/drawing/2014/main" xmlns="" id="{F541D253-66CC-4C59-909C-302800ABEEFC}"/>
+                    <a16:creationId xmlns="" xmlns:a16="http://schemas.microsoft.com/office/drawing/2014/main" id="{F541D253-66CC-4C59-909C-302800ABEEFC}"/>
                   </a:ext>
                 </a:extLst>
               </p:cNvPr>
@@ -25474,7 +25473,7 @@
             <p:cNvPr id="117" name="Group 116">
               <a:extLst>
                 <a:ext uri="{FF2B5EF4-FFF2-40B4-BE49-F238E27FC236}">
-                  <a16:creationId xmlns:a16="http://schemas.microsoft.com/office/drawing/2014/main" xmlns="" id="{D86A99F9-8CBA-4BBB-88F7-14582E27C64C}"/>
+                  <a16:creationId xmlns="" xmlns:a16="http://schemas.microsoft.com/office/drawing/2014/main" id="{D86A99F9-8CBA-4BBB-88F7-14582E27C64C}"/>
                 </a:ext>
               </a:extLst>
             </p:cNvPr>
@@ -25494,7 +25493,7 @@
               <p:cNvPr id="118" name="Rectangle 117">
                 <a:extLst>
                   <a:ext uri="{FF2B5EF4-FFF2-40B4-BE49-F238E27FC236}">
-                    <a16:creationId xmlns:a16="http://schemas.microsoft.com/office/drawing/2014/main" xmlns="" id="{16259704-CA38-4525-8489-D1FECD12BDBC}"/>
+                    <a16:creationId xmlns="" xmlns:a16="http://schemas.microsoft.com/office/drawing/2014/main" id="{16259704-CA38-4525-8489-D1FECD12BDBC}"/>
                   </a:ext>
                 </a:extLst>
               </p:cNvPr>
@@ -25555,7 +25554,7 @@
               <p:cNvPr id="119" name="Arc 118">
                 <a:extLst>
                   <a:ext uri="{FF2B5EF4-FFF2-40B4-BE49-F238E27FC236}">
-                    <a16:creationId xmlns:a16="http://schemas.microsoft.com/office/drawing/2014/main" xmlns="" id="{40F4FCA1-5992-49D0-8CE6-8488CF6BAF04}"/>
+                    <a16:creationId xmlns="" xmlns:a16="http://schemas.microsoft.com/office/drawing/2014/main" id="{40F4FCA1-5992-49D0-8CE6-8488CF6BAF04}"/>
                   </a:ext>
                 </a:extLst>
               </p:cNvPr>
@@ -25634,7 +25633,7 @@
             <p:cNvPr id="120" name="Group 119">
               <a:extLst>
                 <a:ext uri="{FF2B5EF4-FFF2-40B4-BE49-F238E27FC236}">
-                  <a16:creationId xmlns:a16="http://schemas.microsoft.com/office/drawing/2014/main" xmlns="" id="{F5C59377-7214-4209-BA16-86D5D1DAE2B0}"/>
+                  <a16:creationId xmlns="" xmlns:a16="http://schemas.microsoft.com/office/drawing/2014/main" id="{F5C59377-7214-4209-BA16-86D5D1DAE2B0}"/>
                 </a:ext>
               </a:extLst>
             </p:cNvPr>
@@ -25654,7 +25653,7 @@
               <p:cNvPr id="121" name="Rectangle 120">
                 <a:extLst>
                   <a:ext uri="{FF2B5EF4-FFF2-40B4-BE49-F238E27FC236}">
-                    <a16:creationId xmlns:a16="http://schemas.microsoft.com/office/drawing/2014/main" xmlns="" id="{959A5D35-C7AE-458F-BBB5-71CD3A3F97F8}"/>
+                    <a16:creationId xmlns="" xmlns:a16="http://schemas.microsoft.com/office/drawing/2014/main" id="{959A5D35-C7AE-458F-BBB5-71CD3A3F97F8}"/>
                   </a:ext>
                 </a:extLst>
               </p:cNvPr>
@@ -25715,7 +25714,7 @@
               <p:cNvPr id="122" name="Arc 121">
                 <a:extLst>
                   <a:ext uri="{FF2B5EF4-FFF2-40B4-BE49-F238E27FC236}">
-                    <a16:creationId xmlns:a16="http://schemas.microsoft.com/office/drawing/2014/main" xmlns="" id="{F490A229-65A6-4DFF-870F-4B92A114A66A}"/>
+                    <a16:creationId xmlns="" xmlns:a16="http://schemas.microsoft.com/office/drawing/2014/main" id="{F490A229-65A6-4DFF-870F-4B92A114A66A}"/>
                   </a:ext>
                 </a:extLst>
               </p:cNvPr>
@@ -25794,7 +25793,7 @@
             <p:cNvPr id="123" name="Group 122">
               <a:extLst>
                 <a:ext uri="{FF2B5EF4-FFF2-40B4-BE49-F238E27FC236}">
-                  <a16:creationId xmlns:a16="http://schemas.microsoft.com/office/drawing/2014/main" xmlns="" id="{9EC6FFFF-2006-4366-8566-0113AD9F036A}"/>
+                  <a16:creationId xmlns="" xmlns:a16="http://schemas.microsoft.com/office/drawing/2014/main" id="{9EC6FFFF-2006-4366-8566-0113AD9F036A}"/>
                 </a:ext>
               </a:extLst>
             </p:cNvPr>
@@ -25814,7 +25813,7 @@
               <p:cNvPr id="124" name="Rectangle 123">
                 <a:extLst>
                   <a:ext uri="{FF2B5EF4-FFF2-40B4-BE49-F238E27FC236}">
-                    <a16:creationId xmlns:a16="http://schemas.microsoft.com/office/drawing/2014/main" xmlns="" id="{595E399E-0521-4D5B-914F-29C3ADDF2B72}"/>
+                    <a16:creationId xmlns="" xmlns:a16="http://schemas.microsoft.com/office/drawing/2014/main" id="{595E399E-0521-4D5B-914F-29C3ADDF2B72}"/>
                   </a:ext>
                 </a:extLst>
               </p:cNvPr>
@@ -25875,7 +25874,7 @@
               <p:cNvPr id="125" name="Arc 124">
                 <a:extLst>
                   <a:ext uri="{FF2B5EF4-FFF2-40B4-BE49-F238E27FC236}">
-                    <a16:creationId xmlns:a16="http://schemas.microsoft.com/office/drawing/2014/main" xmlns="" id="{14739334-2472-4756-B880-7780C40DA407}"/>
+                    <a16:creationId xmlns="" xmlns:a16="http://schemas.microsoft.com/office/drawing/2014/main" id="{14739334-2472-4756-B880-7780C40DA407}"/>
                   </a:ext>
                 </a:extLst>
               </p:cNvPr>
@@ -25954,7 +25953,7 @@
             <p:cNvPr id="126" name="Group 125">
               <a:extLst>
                 <a:ext uri="{FF2B5EF4-FFF2-40B4-BE49-F238E27FC236}">
-                  <a16:creationId xmlns:a16="http://schemas.microsoft.com/office/drawing/2014/main" xmlns="" id="{6D7FEFCF-F5E2-48A4-8DA2-466E3FA530E8}"/>
+                  <a16:creationId xmlns="" xmlns:a16="http://schemas.microsoft.com/office/drawing/2014/main" id="{6D7FEFCF-F5E2-48A4-8DA2-466E3FA530E8}"/>
                 </a:ext>
               </a:extLst>
             </p:cNvPr>
@@ -25974,7 +25973,7 @@
               <p:cNvPr id="127" name="Rectangle 126">
                 <a:extLst>
                   <a:ext uri="{FF2B5EF4-FFF2-40B4-BE49-F238E27FC236}">
-                    <a16:creationId xmlns:a16="http://schemas.microsoft.com/office/drawing/2014/main" xmlns="" id="{5B8C7798-2FB8-447C-BA5C-ECB75C74E5AD}"/>
+                    <a16:creationId xmlns="" xmlns:a16="http://schemas.microsoft.com/office/drawing/2014/main" id="{5B8C7798-2FB8-447C-BA5C-ECB75C74E5AD}"/>
                   </a:ext>
                 </a:extLst>
               </p:cNvPr>
@@ -26035,7 +26034,7 @@
               <p:cNvPr id="128" name="Arc 127">
                 <a:extLst>
                   <a:ext uri="{FF2B5EF4-FFF2-40B4-BE49-F238E27FC236}">
-                    <a16:creationId xmlns:a16="http://schemas.microsoft.com/office/drawing/2014/main" xmlns="" id="{DDFE7CA2-AC7D-4CF0-A779-1F7EC6161969}"/>
+                    <a16:creationId xmlns="" xmlns:a16="http://schemas.microsoft.com/office/drawing/2014/main" id="{DDFE7CA2-AC7D-4CF0-A779-1F7EC6161969}"/>
                   </a:ext>
                 </a:extLst>
               </p:cNvPr>
@@ -26114,7 +26113,7 @@
             <p:cNvPr id="129" name="Group 128">
               <a:extLst>
                 <a:ext uri="{FF2B5EF4-FFF2-40B4-BE49-F238E27FC236}">
-                  <a16:creationId xmlns:a16="http://schemas.microsoft.com/office/drawing/2014/main" xmlns="" id="{EF6B5FAD-EB1F-43DC-8B99-11CAD21D64C9}"/>
+                  <a16:creationId xmlns="" xmlns:a16="http://schemas.microsoft.com/office/drawing/2014/main" id="{EF6B5FAD-EB1F-43DC-8B99-11CAD21D64C9}"/>
                 </a:ext>
               </a:extLst>
             </p:cNvPr>
@@ -26134,7 +26133,7 @@
               <p:cNvPr id="130" name="Rectangle 129">
                 <a:extLst>
                   <a:ext uri="{FF2B5EF4-FFF2-40B4-BE49-F238E27FC236}">
-                    <a16:creationId xmlns:a16="http://schemas.microsoft.com/office/drawing/2014/main" xmlns="" id="{B817890A-729D-4FBB-8EF7-DAFD6F73427B}"/>
+                    <a16:creationId xmlns="" xmlns:a16="http://schemas.microsoft.com/office/drawing/2014/main" id="{B817890A-729D-4FBB-8EF7-DAFD6F73427B}"/>
                   </a:ext>
                 </a:extLst>
               </p:cNvPr>
@@ -26195,7 +26194,7 @@
               <p:cNvPr id="131" name="Arc 130">
                 <a:extLst>
                   <a:ext uri="{FF2B5EF4-FFF2-40B4-BE49-F238E27FC236}">
-                    <a16:creationId xmlns:a16="http://schemas.microsoft.com/office/drawing/2014/main" xmlns="" id="{EAD6132E-2435-4771-A3CC-CCE94E7A9600}"/>
+                    <a16:creationId xmlns="" xmlns:a16="http://schemas.microsoft.com/office/drawing/2014/main" id="{EAD6132E-2435-4771-A3CC-CCE94E7A9600}"/>
                   </a:ext>
                 </a:extLst>
               </p:cNvPr>
@@ -26274,7 +26273,7 @@
             <p:cNvPr id="132" name="Group 131">
               <a:extLst>
                 <a:ext uri="{FF2B5EF4-FFF2-40B4-BE49-F238E27FC236}">
-                  <a16:creationId xmlns:a16="http://schemas.microsoft.com/office/drawing/2014/main" xmlns="" id="{2B7006E1-B188-46BA-BAA5-15A960905F4C}"/>
+                  <a16:creationId xmlns="" xmlns:a16="http://schemas.microsoft.com/office/drawing/2014/main" id="{2B7006E1-B188-46BA-BAA5-15A960905F4C}"/>
                 </a:ext>
               </a:extLst>
             </p:cNvPr>
@@ -26294,7 +26293,7 @@
               <p:cNvPr id="133" name="Rectangle 132">
                 <a:extLst>
                   <a:ext uri="{FF2B5EF4-FFF2-40B4-BE49-F238E27FC236}">
-                    <a16:creationId xmlns:a16="http://schemas.microsoft.com/office/drawing/2014/main" xmlns="" id="{D01250CF-AFA1-4A19-B3C7-7F163609380B}"/>
+                    <a16:creationId xmlns="" xmlns:a16="http://schemas.microsoft.com/office/drawing/2014/main" id="{D01250CF-AFA1-4A19-B3C7-7F163609380B}"/>
                   </a:ext>
                 </a:extLst>
               </p:cNvPr>
@@ -26355,7 +26354,7 @@
               <p:cNvPr id="134" name="Arc 133">
                 <a:extLst>
                   <a:ext uri="{FF2B5EF4-FFF2-40B4-BE49-F238E27FC236}">
-                    <a16:creationId xmlns:a16="http://schemas.microsoft.com/office/drawing/2014/main" xmlns="" id="{1014BA5C-C370-44EB-84DA-2D69E36CE6C3}"/>
+                    <a16:creationId xmlns="" xmlns:a16="http://schemas.microsoft.com/office/drawing/2014/main" id="{1014BA5C-C370-44EB-84DA-2D69E36CE6C3}"/>
                   </a:ext>
                 </a:extLst>
               </p:cNvPr>
@@ -26434,7 +26433,7 @@
             <p:cNvPr id="135" name="Group 134">
               <a:extLst>
                 <a:ext uri="{FF2B5EF4-FFF2-40B4-BE49-F238E27FC236}">
-                  <a16:creationId xmlns:a16="http://schemas.microsoft.com/office/drawing/2014/main" xmlns="" id="{AD8CB7E5-EBC4-4791-B93B-D0B41B862B83}"/>
+                  <a16:creationId xmlns="" xmlns:a16="http://schemas.microsoft.com/office/drawing/2014/main" id="{AD8CB7E5-EBC4-4791-B93B-D0B41B862B83}"/>
                 </a:ext>
               </a:extLst>
             </p:cNvPr>
@@ -26454,7 +26453,7 @@
               <p:cNvPr id="136" name="Rectangle 135">
                 <a:extLst>
                   <a:ext uri="{FF2B5EF4-FFF2-40B4-BE49-F238E27FC236}">
-                    <a16:creationId xmlns:a16="http://schemas.microsoft.com/office/drawing/2014/main" xmlns="" id="{CF456FF3-391C-4C8E-A128-A413BDBBB225}"/>
+                    <a16:creationId xmlns="" xmlns:a16="http://schemas.microsoft.com/office/drawing/2014/main" id="{CF456FF3-391C-4C8E-A128-A413BDBBB225}"/>
                   </a:ext>
                 </a:extLst>
               </p:cNvPr>
@@ -26515,7 +26514,7 @@
               <p:cNvPr id="137" name="Arc 136">
                 <a:extLst>
                   <a:ext uri="{FF2B5EF4-FFF2-40B4-BE49-F238E27FC236}">
-                    <a16:creationId xmlns:a16="http://schemas.microsoft.com/office/drawing/2014/main" xmlns="" id="{8838FE2A-04D7-44E3-97C3-54338832CB9A}"/>
+                    <a16:creationId xmlns="" xmlns:a16="http://schemas.microsoft.com/office/drawing/2014/main" id="{8838FE2A-04D7-44E3-97C3-54338832CB9A}"/>
                   </a:ext>
                 </a:extLst>
               </p:cNvPr>
@@ -26595,7 +26594,7 @@
           <p:cNvPr id="67" name="TextBox 66">
             <a:extLst>
               <a:ext uri="{FF2B5EF4-FFF2-40B4-BE49-F238E27FC236}">
-                <a16:creationId xmlns:a16="http://schemas.microsoft.com/office/drawing/2014/main" xmlns="" id="{B61BA890-3B17-4CDD-AD01-1D48392C3EE8}"/>
+                <a16:creationId xmlns="" xmlns:a16="http://schemas.microsoft.com/office/drawing/2014/main" id="{B61BA890-3B17-4CDD-AD01-1D48392C3EE8}"/>
               </a:ext>
             </a:extLst>
           </p:cNvPr>
@@ -26604,8 +26603,8 @@
         </p:nvSpPr>
         <p:spPr>
           <a:xfrm>
-            <a:off x="766092" y="2982901"/>
-            <a:ext cx="4411574" cy="1323439"/>
+            <a:off x="766093" y="2982902"/>
+            <a:ext cx="4411575" cy="1323439"/>
           </a:xfrm>
           <a:prstGeom prst="rect">
             <a:avLst/>
@@ -26619,7 +26618,7 @@
           <a:lstStyle/>
           <a:p>
             <a:pPr algn="ctr"/>
-            <a:endParaRPr lang="pl-PL" sz="4000" dirty="0" smtClean="0">
+            <a:endParaRPr lang="pl-PL" sz="4000" dirty="0">
               <a:solidFill>
                 <a:schemeClr val="bg1"/>
               </a:solidFill>

--- a/prez1.pptx
+++ b/prez1.pptx
@@ -149,7 +149,7 @@
           <p:cNvPr id="2" name="Title 1">
             <a:extLst>
               <a:ext uri="{FF2B5EF4-FFF2-40B4-BE49-F238E27FC236}">
-                <a16:creationId xmlns="" xmlns:a16="http://schemas.microsoft.com/office/drawing/2014/main" id="{02A5657B-0AFE-47AC-AAF9-229140F6D447}"/>
+                <a16:creationId xmlns:a16="http://schemas.microsoft.com/office/drawing/2014/main" xmlns="" id="{02A5657B-0AFE-47AC-AAF9-229140F6D447}"/>
               </a:ext>
             </a:extLst>
           </p:cNvPr>
@@ -186,7 +186,7 @@
           <p:cNvPr id="3" name="Subtitle 2">
             <a:extLst>
               <a:ext uri="{FF2B5EF4-FFF2-40B4-BE49-F238E27FC236}">
-                <a16:creationId xmlns="" xmlns:a16="http://schemas.microsoft.com/office/drawing/2014/main" id="{ECB5BF40-0159-4E33-8989-C7012249D679}"/>
+                <a16:creationId xmlns:a16="http://schemas.microsoft.com/office/drawing/2014/main" xmlns="" id="{ECB5BF40-0159-4E33-8989-C7012249D679}"/>
               </a:ext>
             </a:extLst>
           </p:cNvPr>
@@ -256,7 +256,7 @@
           <p:cNvPr id="4" name="Date Placeholder 3">
             <a:extLst>
               <a:ext uri="{FF2B5EF4-FFF2-40B4-BE49-F238E27FC236}">
-                <a16:creationId xmlns="" xmlns:a16="http://schemas.microsoft.com/office/drawing/2014/main" id="{22A2AA90-A079-4F81-9A1E-2DCE165DEACF}"/>
+                <a16:creationId xmlns:a16="http://schemas.microsoft.com/office/drawing/2014/main" xmlns="" id="{22A2AA90-A079-4F81-9A1E-2DCE165DEACF}"/>
               </a:ext>
             </a:extLst>
           </p:cNvPr>
@@ -274,7 +274,7 @@
           <a:p>
             <a:fld id="{B7C128EC-663C-4D57-BF43-C3C8410B93CC}" type="datetimeFigureOut">
               <a:rPr lang="en-US" smtClean="0"/>
-              <a:t>1/20/2022</a:t>
+              <a:t>1/21/2022</a:t>
             </a:fld>
             <a:endParaRPr lang="en-US"/>
           </a:p>
@@ -285,7 +285,7 @@
           <p:cNvPr id="5" name="Footer Placeholder 4">
             <a:extLst>
               <a:ext uri="{FF2B5EF4-FFF2-40B4-BE49-F238E27FC236}">
-                <a16:creationId xmlns="" xmlns:a16="http://schemas.microsoft.com/office/drawing/2014/main" id="{E49D64E2-4EA2-4B97-AAD0-318FEAF4D91A}"/>
+                <a16:creationId xmlns:a16="http://schemas.microsoft.com/office/drawing/2014/main" xmlns="" id="{E49D64E2-4EA2-4B97-AAD0-318FEAF4D91A}"/>
               </a:ext>
             </a:extLst>
           </p:cNvPr>
@@ -310,7 +310,7 @@
           <p:cNvPr id="6" name="Slide Number Placeholder 5">
             <a:extLst>
               <a:ext uri="{FF2B5EF4-FFF2-40B4-BE49-F238E27FC236}">
-                <a16:creationId xmlns="" xmlns:a16="http://schemas.microsoft.com/office/drawing/2014/main" id="{D404D4B6-0290-4207-96E0-CEB4633EA0D1}"/>
+                <a16:creationId xmlns:a16="http://schemas.microsoft.com/office/drawing/2014/main" xmlns="" id="{D404D4B6-0290-4207-96E0-CEB4633EA0D1}"/>
               </a:ext>
             </a:extLst>
           </p:cNvPr>
@@ -369,7 +369,7 @@
           <p:cNvPr id="2" name="Title 1">
             <a:extLst>
               <a:ext uri="{FF2B5EF4-FFF2-40B4-BE49-F238E27FC236}">
-                <a16:creationId xmlns="" xmlns:a16="http://schemas.microsoft.com/office/drawing/2014/main" id="{66B3FB76-AC2C-48EC-942E-32C7155B73F8}"/>
+                <a16:creationId xmlns:a16="http://schemas.microsoft.com/office/drawing/2014/main" xmlns="" id="{66B3FB76-AC2C-48EC-942E-32C7155B73F8}"/>
               </a:ext>
             </a:extLst>
           </p:cNvPr>
@@ -397,7 +397,7 @@
           <p:cNvPr id="3" name="Vertical Text Placeholder 2">
             <a:extLst>
               <a:ext uri="{FF2B5EF4-FFF2-40B4-BE49-F238E27FC236}">
-                <a16:creationId xmlns="" xmlns:a16="http://schemas.microsoft.com/office/drawing/2014/main" id="{6C045AF0-AB2A-4B82-940E-5EF4B7783A67}"/>
+                <a16:creationId xmlns:a16="http://schemas.microsoft.com/office/drawing/2014/main" xmlns="" id="{6C045AF0-AB2A-4B82-940E-5EF4B7783A67}"/>
               </a:ext>
             </a:extLst>
           </p:cNvPr>
@@ -454,7 +454,7 @@
           <p:cNvPr id="4" name="Date Placeholder 3">
             <a:extLst>
               <a:ext uri="{FF2B5EF4-FFF2-40B4-BE49-F238E27FC236}">
-                <a16:creationId xmlns="" xmlns:a16="http://schemas.microsoft.com/office/drawing/2014/main" id="{87775554-E24E-4254-8DD3-753B0FF9DD06}"/>
+                <a16:creationId xmlns:a16="http://schemas.microsoft.com/office/drawing/2014/main" xmlns="" id="{87775554-E24E-4254-8DD3-753B0FF9DD06}"/>
               </a:ext>
             </a:extLst>
           </p:cNvPr>
@@ -472,7 +472,7 @@
           <a:p>
             <a:fld id="{B7C128EC-663C-4D57-BF43-C3C8410B93CC}" type="datetimeFigureOut">
               <a:rPr lang="en-US" smtClean="0"/>
-              <a:t>1/20/2022</a:t>
+              <a:t>1/21/2022</a:t>
             </a:fld>
             <a:endParaRPr lang="en-US"/>
           </a:p>
@@ -483,7 +483,7 @@
           <p:cNvPr id="5" name="Footer Placeholder 4">
             <a:extLst>
               <a:ext uri="{FF2B5EF4-FFF2-40B4-BE49-F238E27FC236}">
-                <a16:creationId xmlns="" xmlns:a16="http://schemas.microsoft.com/office/drawing/2014/main" id="{7701ACFA-D3FC-44F3-BBDD-7A274884F6CB}"/>
+                <a16:creationId xmlns:a16="http://schemas.microsoft.com/office/drawing/2014/main" xmlns="" id="{7701ACFA-D3FC-44F3-BBDD-7A274884F6CB}"/>
               </a:ext>
             </a:extLst>
           </p:cNvPr>
@@ -508,7 +508,7 @@
           <p:cNvPr id="6" name="Slide Number Placeholder 5">
             <a:extLst>
               <a:ext uri="{FF2B5EF4-FFF2-40B4-BE49-F238E27FC236}">
-                <a16:creationId xmlns="" xmlns:a16="http://schemas.microsoft.com/office/drawing/2014/main" id="{F32CCBB4-10AE-4463-855F-8B71D3704229}"/>
+                <a16:creationId xmlns:a16="http://schemas.microsoft.com/office/drawing/2014/main" xmlns="" id="{F32CCBB4-10AE-4463-855F-8B71D3704229}"/>
               </a:ext>
             </a:extLst>
           </p:cNvPr>
@@ -567,7 +567,7 @@
           <p:cNvPr id="2" name="Vertical Title 1">
             <a:extLst>
               <a:ext uri="{FF2B5EF4-FFF2-40B4-BE49-F238E27FC236}">
-                <a16:creationId xmlns="" xmlns:a16="http://schemas.microsoft.com/office/drawing/2014/main" id="{55A213E1-011B-4F3A-A3E5-C907BD4BA054}"/>
+                <a16:creationId xmlns:a16="http://schemas.microsoft.com/office/drawing/2014/main" xmlns="" id="{55A213E1-011B-4F3A-A3E5-C907BD4BA054}"/>
               </a:ext>
             </a:extLst>
           </p:cNvPr>
@@ -600,7 +600,7 @@
           <p:cNvPr id="3" name="Vertical Text Placeholder 2">
             <a:extLst>
               <a:ext uri="{FF2B5EF4-FFF2-40B4-BE49-F238E27FC236}">
-                <a16:creationId xmlns="" xmlns:a16="http://schemas.microsoft.com/office/drawing/2014/main" id="{A0AD08E5-51D0-4F66-9FEB-302A6515BC5F}"/>
+                <a16:creationId xmlns:a16="http://schemas.microsoft.com/office/drawing/2014/main" xmlns="" id="{A0AD08E5-51D0-4F66-9FEB-302A6515BC5F}"/>
               </a:ext>
             </a:extLst>
           </p:cNvPr>
@@ -662,7 +662,7 @@
           <p:cNvPr id="4" name="Date Placeholder 3">
             <a:extLst>
               <a:ext uri="{FF2B5EF4-FFF2-40B4-BE49-F238E27FC236}">
-                <a16:creationId xmlns="" xmlns:a16="http://schemas.microsoft.com/office/drawing/2014/main" id="{D6E05A4A-5228-436D-A6E5-5AC0811591CD}"/>
+                <a16:creationId xmlns:a16="http://schemas.microsoft.com/office/drawing/2014/main" xmlns="" id="{D6E05A4A-5228-436D-A6E5-5AC0811591CD}"/>
               </a:ext>
             </a:extLst>
           </p:cNvPr>
@@ -680,7 +680,7 @@
           <a:p>
             <a:fld id="{B7C128EC-663C-4D57-BF43-C3C8410B93CC}" type="datetimeFigureOut">
               <a:rPr lang="en-US" smtClean="0"/>
-              <a:t>1/20/2022</a:t>
+              <a:t>1/21/2022</a:t>
             </a:fld>
             <a:endParaRPr lang="en-US"/>
           </a:p>
@@ -691,7 +691,7 @@
           <p:cNvPr id="5" name="Footer Placeholder 4">
             <a:extLst>
               <a:ext uri="{FF2B5EF4-FFF2-40B4-BE49-F238E27FC236}">
-                <a16:creationId xmlns="" xmlns:a16="http://schemas.microsoft.com/office/drawing/2014/main" id="{2186F2D4-ED9F-4B04-AD4D-6A87F704FA7B}"/>
+                <a16:creationId xmlns:a16="http://schemas.microsoft.com/office/drawing/2014/main" xmlns="" id="{2186F2D4-ED9F-4B04-AD4D-6A87F704FA7B}"/>
               </a:ext>
             </a:extLst>
           </p:cNvPr>
@@ -716,7 +716,7 @@
           <p:cNvPr id="6" name="Slide Number Placeholder 5">
             <a:extLst>
               <a:ext uri="{FF2B5EF4-FFF2-40B4-BE49-F238E27FC236}">
-                <a16:creationId xmlns="" xmlns:a16="http://schemas.microsoft.com/office/drawing/2014/main" id="{F21F5DBA-3B2C-4394-9A11-FC945343D744}"/>
+                <a16:creationId xmlns:a16="http://schemas.microsoft.com/office/drawing/2014/main" xmlns="" id="{F21F5DBA-3B2C-4394-9A11-FC945343D744}"/>
               </a:ext>
             </a:extLst>
           </p:cNvPr>
@@ -775,7 +775,7 @@
           <p:cNvPr id="2" name="Title 1">
             <a:extLst>
               <a:ext uri="{FF2B5EF4-FFF2-40B4-BE49-F238E27FC236}">
-                <a16:creationId xmlns="" xmlns:a16="http://schemas.microsoft.com/office/drawing/2014/main" id="{AA28A279-A8DE-4182-9031-2EC7BD013497}"/>
+                <a16:creationId xmlns:a16="http://schemas.microsoft.com/office/drawing/2014/main" xmlns="" id="{AA28A279-A8DE-4182-9031-2EC7BD013497}"/>
               </a:ext>
             </a:extLst>
           </p:cNvPr>
@@ -803,7 +803,7 @@
           <p:cNvPr id="3" name="Content Placeholder 2">
             <a:extLst>
               <a:ext uri="{FF2B5EF4-FFF2-40B4-BE49-F238E27FC236}">
-                <a16:creationId xmlns="" xmlns:a16="http://schemas.microsoft.com/office/drawing/2014/main" id="{09DE2094-DA34-4BB5-970B-710610E444F9}"/>
+                <a16:creationId xmlns:a16="http://schemas.microsoft.com/office/drawing/2014/main" xmlns="" id="{09DE2094-DA34-4BB5-970B-710610E444F9}"/>
               </a:ext>
             </a:extLst>
           </p:cNvPr>
@@ -860,7 +860,7 @@
           <p:cNvPr id="4" name="Date Placeholder 3">
             <a:extLst>
               <a:ext uri="{FF2B5EF4-FFF2-40B4-BE49-F238E27FC236}">
-                <a16:creationId xmlns="" xmlns:a16="http://schemas.microsoft.com/office/drawing/2014/main" id="{9CE58777-1E06-4E19-8BB2-FD7EA1765DEB}"/>
+                <a16:creationId xmlns:a16="http://schemas.microsoft.com/office/drawing/2014/main" xmlns="" id="{9CE58777-1E06-4E19-8BB2-FD7EA1765DEB}"/>
               </a:ext>
             </a:extLst>
           </p:cNvPr>
@@ -878,7 +878,7 @@
           <a:p>
             <a:fld id="{B7C128EC-663C-4D57-BF43-C3C8410B93CC}" type="datetimeFigureOut">
               <a:rPr lang="en-US" smtClean="0"/>
-              <a:t>1/20/2022</a:t>
+              <a:t>1/21/2022</a:t>
             </a:fld>
             <a:endParaRPr lang="en-US"/>
           </a:p>
@@ -889,7 +889,7 @@
           <p:cNvPr id="5" name="Footer Placeholder 4">
             <a:extLst>
               <a:ext uri="{FF2B5EF4-FFF2-40B4-BE49-F238E27FC236}">
-                <a16:creationId xmlns="" xmlns:a16="http://schemas.microsoft.com/office/drawing/2014/main" id="{F5A06C8D-A7AF-43B4-A07B-7AC9622F8009}"/>
+                <a16:creationId xmlns:a16="http://schemas.microsoft.com/office/drawing/2014/main" xmlns="" id="{F5A06C8D-A7AF-43B4-A07B-7AC9622F8009}"/>
               </a:ext>
             </a:extLst>
           </p:cNvPr>
@@ -914,7 +914,7 @@
           <p:cNvPr id="6" name="Slide Number Placeholder 5">
             <a:extLst>
               <a:ext uri="{FF2B5EF4-FFF2-40B4-BE49-F238E27FC236}">
-                <a16:creationId xmlns="" xmlns:a16="http://schemas.microsoft.com/office/drawing/2014/main" id="{8D963327-833D-4AE5-9B67-DCA86FA3BBFA}"/>
+                <a16:creationId xmlns:a16="http://schemas.microsoft.com/office/drawing/2014/main" xmlns="" id="{8D963327-833D-4AE5-9B67-DCA86FA3BBFA}"/>
               </a:ext>
             </a:extLst>
           </p:cNvPr>
@@ -973,7 +973,7 @@
           <p:cNvPr id="2" name="Title 1">
             <a:extLst>
               <a:ext uri="{FF2B5EF4-FFF2-40B4-BE49-F238E27FC236}">
-                <a16:creationId xmlns="" xmlns:a16="http://schemas.microsoft.com/office/drawing/2014/main" id="{30C269B0-3B94-42EE-8304-A669ECA41FF3}"/>
+                <a16:creationId xmlns:a16="http://schemas.microsoft.com/office/drawing/2014/main" xmlns="" id="{30C269B0-3B94-42EE-8304-A669ECA41FF3}"/>
               </a:ext>
             </a:extLst>
           </p:cNvPr>
@@ -1010,7 +1010,7 @@
           <p:cNvPr id="3" name="Text Placeholder 2">
             <a:extLst>
               <a:ext uri="{FF2B5EF4-FFF2-40B4-BE49-F238E27FC236}">
-                <a16:creationId xmlns="" xmlns:a16="http://schemas.microsoft.com/office/drawing/2014/main" id="{E627B32F-D4A4-42DC-93B9-C6A9C0F9A750}"/>
+                <a16:creationId xmlns:a16="http://schemas.microsoft.com/office/drawing/2014/main" xmlns="" id="{E627B32F-D4A4-42DC-93B9-C6A9C0F9A750}"/>
               </a:ext>
             </a:extLst>
           </p:cNvPr>
@@ -1135,7 +1135,7 @@
           <p:cNvPr id="4" name="Date Placeholder 3">
             <a:extLst>
               <a:ext uri="{FF2B5EF4-FFF2-40B4-BE49-F238E27FC236}">
-                <a16:creationId xmlns="" xmlns:a16="http://schemas.microsoft.com/office/drawing/2014/main" id="{0F2E79EE-31C9-486D-8BBB-DE992D9BC613}"/>
+                <a16:creationId xmlns:a16="http://schemas.microsoft.com/office/drawing/2014/main" xmlns="" id="{0F2E79EE-31C9-486D-8BBB-DE992D9BC613}"/>
               </a:ext>
             </a:extLst>
           </p:cNvPr>
@@ -1153,7 +1153,7 @@
           <a:p>
             <a:fld id="{B7C128EC-663C-4D57-BF43-C3C8410B93CC}" type="datetimeFigureOut">
               <a:rPr lang="en-US" smtClean="0"/>
-              <a:t>1/20/2022</a:t>
+              <a:t>1/21/2022</a:t>
             </a:fld>
             <a:endParaRPr lang="en-US"/>
           </a:p>
@@ -1164,7 +1164,7 @@
           <p:cNvPr id="5" name="Footer Placeholder 4">
             <a:extLst>
               <a:ext uri="{FF2B5EF4-FFF2-40B4-BE49-F238E27FC236}">
-                <a16:creationId xmlns="" xmlns:a16="http://schemas.microsoft.com/office/drawing/2014/main" id="{0CC74327-BC23-4EBB-AACF-7102D26DFDF1}"/>
+                <a16:creationId xmlns:a16="http://schemas.microsoft.com/office/drawing/2014/main" xmlns="" id="{0CC74327-BC23-4EBB-AACF-7102D26DFDF1}"/>
               </a:ext>
             </a:extLst>
           </p:cNvPr>
@@ -1189,7 +1189,7 @@
           <p:cNvPr id="6" name="Slide Number Placeholder 5">
             <a:extLst>
               <a:ext uri="{FF2B5EF4-FFF2-40B4-BE49-F238E27FC236}">
-                <a16:creationId xmlns="" xmlns:a16="http://schemas.microsoft.com/office/drawing/2014/main" id="{3FCBED19-DDB0-4F0F-BA61-7CFCF50C5842}"/>
+                <a16:creationId xmlns:a16="http://schemas.microsoft.com/office/drawing/2014/main" xmlns="" id="{3FCBED19-DDB0-4F0F-BA61-7CFCF50C5842}"/>
               </a:ext>
             </a:extLst>
           </p:cNvPr>
@@ -1248,7 +1248,7 @@
           <p:cNvPr id="2" name="Title 1">
             <a:extLst>
               <a:ext uri="{FF2B5EF4-FFF2-40B4-BE49-F238E27FC236}">
-                <a16:creationId xmlns="" xmlns:a16="http://schemas.microsoft.com/office/drawing/2014/main" id="{2D9D6F56-3817-4570-8565-818C9C8B11B2}"/>
+                <a16:creationId xmlns:a16="http://schemas.microsoft.com/office/drawing/2014/main" xmlns="" id="{2D9D6F56-3817-4570-8565-818C9C8B11B2}"/>
               </a:ext>
             </a:extLst>
           </p:cNvPr>
@@ -1276,7 +1276,7 @@
           <p:cNvPr id="3" name="Content Placeholder 2">
             <a:extLst>
               <a:ext uri="{FF2B5EF4-FFF2-40B4-BE49-F238E27FC236}">
-                <a16:creationId xmlns="" xmlns:a16="http://schemas.microsoft.com/office/drawing/2014/main" id="{7A58E894-0108-477A-AE4C-C3DF676B73A6}"/>
+                <a16:creationId xmlns:a16="http://schemas.microsoft.com/office/drawing/2014/main" xmlns="" id="{7A58E894-0108-477A-AE4C-C3DF676B73A6}"/>
               </a:ext>
             </a:extLst>
           </p:cNvPr>
@@ -1338,7 +1338,7 @@
           <p:cNvPr id="4" name="Content Placeholder 3">
             <a:extLst>
               <a:ext uri="{FF2B5EF4-FFF2-40B4-BE49-F238E27FC236}">
-                <a16:creationId xmlns="" xmlns:a16="http://schemas.microsoft.com/office/drawing/2014/main" id="{A2706C57-6A92-487E-A6AE-BD69D8F0D546}"/>
+                <a16:creationId xmlns:a16="http://schemas.microsoft.com/office/drawing/2014/main" xmlns="" id="{A2706C57-6A92-487E-A6AE-BD69D8F0D546}"/>
               </a:ext>
             </a:extLst>
           </p:cNvPr>
@@ -1400,7 +1400,7 @@
           <p:cNvPr id="5" name="Date Placeholder 4">
             <a:extLst>
               <a:ext uri="{FF2B5EF4-FFF2-40B4-BE49-F238E27FC236}">
-                <a16:creationId xmlns="" xmlns:a16="http://schemas.microsoft.com/office/drawing/2014/main" id="{B4A94CC6-F172-42E8-AFC0-944A89420B90}"/>
+                <a16:creationId xmlns:a16="http://schemas.microsoft.com/office/drawing/2014/main" xmlns="" id="{B4A94CC6-F172-42E8-AFC0-944A89420B90}"/>
               </a:ext>
             </a:extLst>
           </p:cNvPr>
@@ -1418,7 +1418,7 @@
           <a:p>
             <a:fld id="{B7C128EC-663C-4D57-BF43-C3C8410B93CC}" type="datetimeFigureOut">
               <a:rPr lang="en-US" smtClean="0"/>
-              <a:t>1/20/2022</a:t>
+              <a:t>1/21/2022</a:t>
             </a:fld>
             <a:endParaRPr lang="en-US"/>
           </a:p>
@@ -1429,7 +1429,7 @@
           <p:cNvPr id="6" name="Footer Placeholder 5">
             <a:extLst>
               <a:ext uri="{FF2B5EF4-FFF2-40B4-BE49-F238E27FC236}">
-                <a16:creationId xmlns="" xmlns:a16="http://schemas.microsoft.com/office/drawing/2014/main" id="{623F3D80-BFF3-49E1-9DA4-07356BA41CFB}"/>
+                <a16:creationId xmlns:a16="http://schemas.microsoft.com/office/drawing/2014/main" xmlns="" id="{623F3D80-BFF3-49E1-9DA4-07356BA41CFB}"/>
               </a:ext>
             </a:extLst>
           </p:cNvPr>
@@ -1454,7 +1454,7 @@
           <p:cNvPr id="7" name="Slide Number Placeholder 6">
             <a:extLst>
               <a:ext uri="{FF2B5EF4-FFF2-40B4-BE49-F238E27FC236}">
-                <a16:creationId xmlns="" xmlns:a16="http://schemas.microsoft.com/office/drawing/2014/main" id="{B7EB19E3-EDFD-4CAA-B809-22E09F36C19D}"/>
+                <a16:creationId xmlns:a16="http://schemas.microsoft.com/office/drawing/2014/main" xmlns="" id="{B7EB19E3-EDFD-4CAA-B809-22E09F36C19D}"/>
               </a:ext>
             </a:extLst>
           </p:cNvPr>
@@ -1513,7 +1513,7 @@
           <p:cNvPr id="2" name="Title 1">
             <a:extLst>
               <a:ext uri="{FF2B5EF4-FFF2-40B4-BE49-F238E27FC236}">
-                <a16:creationId xmlns="" xmlns:a16="http://schemas.microsoft.com/office/drawing/2014/main" id="{937E9327-AB10-41F8-B72A-51CE90EBBA9B}"/>
+                <a16:creationId xmlns:a16="http://schemas.microsoft.com/office/drawing/2014/main" xmlns="" id="{937E9327-AB10-41F8-B72A-51CE90EBBA9B}"/>
               </a:ext>
             </a:extLst>
           </p:cNvPr>
@@ -1546,7 +1546,7 @@
           <p:cNvPr id="3" name="Text Placeholder 2">
             <a:extLst>
               <a:ext uri="{FF2B5EF4-FFF2-40B4-BE49-F238E27FC236}">
-                <a16:creationId xmlns="" xmlns:a16="http://schemas.microsoft.com/office/drawing/2014/main" id="{0A22F9CC-3AC9-4A17-9485-B45E47C4793D}"/>
+                <a16:creationId xmlns:a16="http://schemas.microsoft.com/office/drawing/2014/main" xmlns="" id="{0A22F9CC-3AC9-4A17-9485-B45E47C4793D}"/>
               </a:ext>
             </a:extLst>
           </p:cNvPr>
@@ -1617,7 +1617,7 @@
           <p:cNvPr id="4" name="Content Placeholder 3">
             <a:extLst>
               <a:ext uri="{FF2B5EF4-FFF2-40B4-BE49-F238E27FC236}">
-                <a16:creationId xmlns="" xmlns:a16="http://schemas.microsoft.com/office/drawing/2014/main" id="{A77B552B-FA56-457C-8F21-B1FBC7157DE3}"/>
+                <a16:creationId xmlns:a16="http://schemas.microsoft.com/office/drawing/2014/main" xmlns="" id="{A77B552B-FA56-457C-8F21-B1FBC7157DE3}"/>
               </a:ext>
             </a:extLst>
           </p:cNvPr>
@@ -1679,7 +1679,7 @@
           <p:cNvPr id="5" name="Text Placeholder 4">
             <a:extLst>
               <a:ext uri="{FF2B5EF4-FFF2-40B4-BE49-F238E27FC236}">
-                <a16:creationId xmlns="" xmlns:a16="http://schemas.microsoft.com/office/drawing/2014/main" id="{2F6A2EE1-D88E-4678-9865-3E8686990FDE}"/>
+                <a16:creationId xmlns:a16="http://schemas.microsoft.com/office/drawing/2014/main" xmlns="" id="{2F6A2EE1-D88E-4678-9865-3E8686990FDE}"/>
               </a:ext>
             </a:extLst>
           </p:cNvPr>
@@ -1750,7 +1750,7 @@
           <p:cNvPr id="6" name="Content Placeholder 5">
             <a:extLst>
               <a:ext uri="{FF2B5EF4-FFF2-40B4-BE49-F238E27FC236}">
-                <a16:creationId xmlns="" xmlns:a16="http://schemas.microsoft.com/office/drawing/2014/main" id="{58C294D3-FF31-4EAA-AF86-E29192C8CA6E}"/>
+                <a16:creationId xmlns:a16="http://schemas.microsoft.com/office/drawing/2014/main" xmlns="" id="{58C294D3-FF31-4EAA-AF86-E29192C8CA6E}"/>
               </a:ext>
             </a:extLst>
           </p:cNvPr>
@@ -1812,7 +1812,7 @@
           <p:cNvPr id="7" name="Date Placeholder 6">
             <a:extLst>
               <a:ext uri="{FF2B5EF4-FFF2-40B4-BE49-F238E27FC236}">
-                <a16:creationId xmlns="" xmlns:a16="http://schemas.microsoft.com/office/drawing/2014/main" id="{D5D23FAE-29A8-4CB8-8F41-42DEE070C2B3}"/>
+                <a16:creationId xmlns:a16="http://schemas.microsoft.com/office/drawing/2014/main" xmlns="" id="{D5D23FAE-29A8-4CB8-8F41-42DEE070C2B3}"/>
               </a:ext>
             </a:extLst>
           </p:cNvPr>
@@ -1830,7 +1830,7 @@
           <a:p>
             <a:fld id="{B7C128EC-663C-4D57-BF43-C3C8410B93CC}" type="datetimeFigureOut">
               <a:rPr lang="en-US" smtClean="0"/>
-              <a:t>1/20/2022</a:t>
+              <a:t>1/21/2022</a:t>
             </a:fld>
             <a:endParaRPr lang="en-US"/>
           </a:p>
@@ -1841,7 +1841,7 @@
           <p:cNvPr id="8" name="Footer Placeholder 7">
             <a:extLst>
               <a:ext uri="{FF2B5EF4-FFF2-40B4-BE49-F238E27FC236}">
-                <a16:creationId xmlns="" xmlns:a16="http://schemas.microsoft.com/office/drawing/2014/main" id="{1C633971-18F6-45E2-9575-6DCC69896A2C}"/>
+                <a16:creationId xmlns:a16="http://schemas.microsoft.com/office/drawing/2014/main" xmlns="" id="{1C633971-18F6-45E2-9575-6DCC69896A2C}"/>
               </a:ext>
             </a:extLst>
           </p:cNvPr>
@@ -1866,7 +1866,7 @@
           <p:cNvPr id="9" name="Slide Number Placeholder 8">
             <a:extLst>
               <a:ext uri="{FF2B5EF4-FFF2-40B4-BE49-F238E27FC236}">
-                <a16:creationId xmlns="" xmlns:a16="http://schemas.microsoft.com/office/drawing/2014/main" id="{4C27CF8C-6D4A-4BE4-8478-908E9135AAC1}"/>
+                <a16:creationId xmlns:a16="http://schemas.microsoft.com/office/drawing/2014/main" xmlns="" id="{4C27CF8C-6D4A-4BE4-8478-908E9135AAC1}"/>
               </a:ext>
             </a:extLst>
           </p:cNvPr>
@@ -1925,7 +1925,7 @@
           <p:cNvPr id="2" name="Title 1">
             <a:extLst>
               <a:ext uri="{FF2B5EF4-FFF2-40B4-BE49-F238E27FC236}">
-                <a16:creationId xmlns="" xmlns:a16="http://schemas.microsoft.com/office/drawing/2014/main" id="{B078E180-07CB-4ED1-B223-1A1831E3484F}"/>
+                <a16:creationId xmlns:a16="http://schemas.microsoft.com/office/drawing/2014/main" xmlns="" id="{B078E180-07CB-4ED1-B223-1A1831E3484F}"/>
               </a:ext>
             </a:extLst>
           </p:cNvPr>
@@ -1953,7 +1953,7 @@
           <p:cNvPr id="3" name="Date Placeholder 2">
             <a:extLst>
               <a:ext uri="{FF2B5EF4-FFF2-40B4-BE49-F238E27FC236}">
-                <a16:creationId xmlns="" xmlns:a16="http://schemas.microsoft.com/office/drawing/2014/main" id="{2D8F0DF8-65B3-4D1A-AFA6-F5033BA63097}"/>
+                <a16:creationId xmlns:a16="http://schemas.microsoft.com/office/drawing/2014/main" xmlns="" id="{2D8F0DF8-65B3-4D1A-AFA6-F5033BA63097}"/>
               </a:ext>
             </a:extLst>
           </p:cNvPr>
@@ -1971,7 +1971,7 @@
           <a:p>
             <a:fld id="{B7C128EC-663C-4D57-BF43-C3C8410B93CC}" type="datetimeFigureOut">
               <a:rPr lang="en-US" smtClean="0"/>
-              <a:t>1/20/2022</a:t>
+              <a:t>1/21/2022</a:t>
             </a:fld>
             <a:endParaRPr lang="en-US"/>
           </a:p>
@@ -1982,7 +1982,7 @@
           <p:cNvPr id="4" name="Footer Placeholder 3">
             <a:extLst>
               <a:ext uri="{FF2B5EF4-FFF2-40B4-BE49-F238E27FC236}">
-                <a16:creationId xmlns="" xmlns:a16="http://schemas.microsoft.com/office/drawing/2014/main" id="{7878FCBD-4C43-45D2-B971-31F00D8D9804}"/>
+                <a16:creationId xmlns:a16="http://schemas.microsoft.com/office/drawing/2014/main" xmlns="" id="{7878FCBD-4C43-45D2-B971-31F00D8D9804}"/>
               </a:ext>
             </a:extLst>
           </p:cNvPr>
@@ -2007,7 +2007,7 @@
           <p:cNvPr id="5" name="Slide Number Placeholder 4">
             <a:extLst>
               <a:ext uri="{FF2B5EF4-FFF2-40B4-BE49-F238E27FC236}">
-                <a16:creationId xmlns="" xmlns:a16="http://schemas.microsoft.com/office/drawing/2014/main" id="{D3A97295-7A62-43A0-933E-7C3998A4B062}"/>
+                <a16:creationId xmlns:a16="http://schemas.microsoft.com/office/drawing/2014/main" xmlns="" id="{D3A97295-7A62-43A0-933E-7C3998A4B062}"/>
               </a:ext>
             </a:extLst>
           </p:cNvPr>
@@ -2066,7 +2066,7 @@
           <p:cNvPr id="2" name="Date Placeholder 1">
             <a:extLst>
               <a:ext uri="{FF2B5EF4-FFF2-40B4-BE49-F238E27FC236}">
-                <a16:creationId xmlns="" xmlns:a16="http://schemas.microsoft.com/office/drawing/2014/main" id="{6055C9F3-D27C-46AF-9EC6-EA3F918325C2}"/>
+                <a16:creationId xmlns:a16="http://schemas.microsoft.com/office/drawing/2014/main" xmlns="" id="{6055C9F3-D27C-46AF-9EC6-EA3F918325C2}"/>
               </a:ext>
             </a:extLst>
           </p:cNvPr>
@@ -2084,7 +2084,7 @@
           <a:p>
             <a:fld id="{B7C128EC-663C-4D57-BF43-C3C8410B93CC}" type="datetimeFigureOut">
               <a:rPr lang="en-US" smtClean="0"/>
-              <a:t>1/20/2022</a:t>
+              <a:t>1/21/2022</a:t>
             </a:fld>
             <a:endParaRPr lang="en-US"/>
           </a:p>
@@ -2095,7 +2095,7 @@
           <p:cNvPr id="3" name="Footer Placeholder 2">
             <a:extLst>
               <a:ext uri="{FF2B5EF4-FFF2-40B4-BE49-F238E27FC236}">
-                <a16:creationId xmlns="" xmlns:a16="http://schemas.microsoft.com/office/drawing/2014/main" id="{BF61B62B-E785-4E6A-A687-77C5E4C11A47}"/>
+                <a16:creationId xmlns:a16="http://schemas.microsoft.com/office/drawing/2014/main" xmlns="" id="{BF61B62B-E785-4E6A-A687-77C5E4C11A47}"/>
               </a:ext>
             </a:extLst>
           </p:cNvPr>
@@ -2120,7 +2120,7 @@
           <p:cNvPr id="4" name="Slide Number Placeholder 3">
             <a:extLst>
               <a:ext uri="{FF2B5EF4-FFF2-40B4-BE49-F238E27FC236}">
-                <a16:creationId xmlns="" xmlns:a16="http://schemas.microsoft.com/office/drawing/2014/main" id="{0CE33EDA-F22B-455E-82E4-03804DB27330}"/>
+                <a16:creationId xmlns:a16="http://schemas.microsoft.com/office/drawing/2014/main" xmlns="" id="{0CE33EDA-F22B-455E-82E4-03804DB27330}"/>
               </a:ext>
             </a:extLst>
           </p:cNvPr>
@@ -2179,7 +2179,7 @@
           <p:cNvPr id="2" name="Title 1">
             <a:extLst>
               <a:ext uri="{FF2B5EF4-FFF2-40B4-BE49-F238E27FC236}">
-                <a16:creationId xmlns="" xmlns:a16="http://schemas.microsoft.com/office/drawing/2014/main" id="{979227EF-C862-4CFD-BECA-841F1A56BD78}"/>
+                <a16:creationId xmlns:a16="http://schemas.microsoft.com/office/drawing/2014/main" xmlns="" id="{979227EF-C862-4CFD-BECA-841F1A56BD78}"/>
               </a:ext>
             </a:extLst>
           </p:cNvPr>
@@ -2216,7 +2216,7 @@
           <p:cNvPr id="3" name="Content Placeholder 2">
             <a:extLst>
               <a:ext uri="{FF2B5EF4-FFF2-40B4-BE49-F238E27FC236}">
-                <a16:creationId xmlns="" xmlns:a16="http://schemas.microsoft.com/office/drawing/2014/main" id="{4AE6B4EA-3B1C-4A9D-8147-584741930D30}"/>
+                <a16:creationId xmlns:a16="http://schemas.microsoft.com/office/drawing/2014/main" xmlns="" id="{4AE6B4EA-3B1C-4A9D-8147-584741930D30}"/>
               </a:ext>
             </a:extLst>
           </p:cNvPr>
@@ -2306,7 +2306,7 @@
           <p:cNvPr id="4" name="Text Placeholder 3">
             <a:extLst>
               <a:ext uri="{FF2B5EF4-FFF2-40B4-BE49-F238E27FC236}">
-                <a16:creationId xmlns="" xmlns:a16="http://schemas.microsoft.com/office/drawing/2014/main" id="{4C8E641B-3C7D-4BA2-9A57-470F7A540F2C}"/>
+                <a16:creationId xmlns:a16="http://schemas.microsoft.com/office/drawing/2014/main" xmlns="" id="{4C8E641B-3C7D-4BA2-9A57-470F7A540F2C}"/>
               </a:ext>
             </a:extLst>
           </p:cNvPr>
@@ -2377,7 +2377,7 @@
           <p:cNvPr id="5" name="Date Placeholder 4">
             <a:extLst>
               <a:ext uri="{FF2B5EF4-FFF2-40B4-BE49-F238E27FC236}">
-                <a16:creationId xmlns="" xmlns:a16="http://schemas.microsoft.com/office/drawing/2014/main" id="{5B59BDC6-1D4C-4B71-B92C-AD5DCF1D7437}"/>
+                <a16:creationId xmlns:a16="http://schemas.microsoft.com/office/drawing/2014/main" xmlns="" id="{5B59BDC6-1D4C-4B71-B92C-AD5DCF1D7437}"/>
               </a:ext>
             </a:extLst>
           </p:cNvPr>
@@ -2395,7 +2395,7 @@
           <a:p>
             <a:fld id="{B7C128EC-663C-4D57-BF43-C3C8410B93CC}" type="datetimeFigureOut">
               <a:rPr lang="en-US" smtClean="0"/>
-              <a:t>1/20/2022</a:t>
+              <a:t>1/21/2022</a:t>
             </a:fld>
             <a:endParaRPr lang="en-US"/>
           </a:p>
@@ -2406,7 +2406,7 @@
           <p:cNvPr id="6" name="Footer Placeholder 5">
             <a:extLst>
               <a:ext uri="{FF2B5EF4-FFF2-40B4-BE49-F238E27FC236}">
-                <a16:creationId xmlns="" xmlns:a16="http://schemas.microsoft.com/office/drawing/2014/main" id="{45DDE713-49AC-4292-B02E-BE655850CAD2}"/>
+                <a16:creationId xmlns:a16="http://schemas.microsoft.com/office/drawing/2014/main" xmlns="" id="{45DDE713-49AC-4292-B02E-BE655850CAD2}"/>
               </a:ext>
             </a:extLst>
           </p:cNvPr>
@@ -2431,7 +2431,7 @@
           <p:cNvPr id="7" name="Slide Number Placeholder 6">
             <a:extLst>
               <a:ext uri="{FF2B5EF4-FFF2-40B4-BE49-F238E27FC236}">
-                <a16:creationId xmlns="" xmlns:a16="http://schemas.microsoft.com/office/drawing/2014/main" id="{53CF6F08-0B67-4F2F-BCAE-49E9FA7E8BD4}"/>
+                <a16:creationId xmlns:a16="http://schemas.microsoft.com/office/drawing/2014/main" xmlns="" id="{53CF6F08-0B67-4F2F-BCAE-49E9FA7E8BD4}"/>
               </a:ext>
             </a:extLst>
           </p:cNvPr>
@@ -2490,7 +2490,7 @@
           <p:cNvPr id="2" name="Title 1">
             <a:extLst>
               <a:ext uri="{FF2B5EF4-FFF2-40B4-BE49-F238E27FC236}">
-                <a16:creationId xmlns="" xmlns:a16="http://schemas.microsoft.com/office/drawing/2014/main" id="{F4419AF4-2E3A-4491-A647-FF9EC52A8526}"/>
+                <a16:creationId xmlns:a16="http://schemas.microsoft.com/office/drawing/2014/main" xmlns="" id="{F4419AF4-2E3A-4491-A647-FF9EC52A8526}"/>
               </a:ext>
             </a:extLst>
           </p:cNvPr>
@@ -2527,7 +2527,7 @@
           <p:cNvPr id="3" name="Picture Placeholder 2">
             <a:extLst>
               <a:ext uri="{FF2B5EF4-FFF2-40B4-BE49-F238E27FC236}">
-                <a16:creationId xmlns="" xmlns:a16="http://schemas.microsoft.com/office/drawing/2014/main" id="{C8993EBF-ED3B-45FD-BE9A-E906FDF2645A}"/>
+                <a16:creationId xmlns:a16="http://schemas.microsoft.com/office/drawing/2014/main" xmlns="" id="{C8993EBF-ED3B-45FD-BE9A-E906FDF2645A}"/>
               </a:ext>
             </a:extLst>
           </p:cNvPr>
@@ -2594,7 +2594,7 @@
           <p:cNvPr id="4" name="Text Placeholder 3">
             <a:extLst>
               <a:ext uri="{FF2B5EF4-FFF2-40B4-BE49-F238E27FC236}">
-                <a16:creationId xmlns="" xmlns:a16="http://schemas.microsoft.com/office/drawing/2014/main" id="{F980B06F-81AD-4CCC-B368-31C68D34D55E}"/>
+                <a16:creationId xmlns:a16="http://schemas.microsoft.com/office/drawing/2014/main" xmlns="" id="{F980B06F-81AD-4CCC-B368-31C68D34D55E}"/>
               </a:ext>
             </a:extLst>
           </p:cNvPr>
@@ -2665,7 +2665,7 @@
           <p:cNvPr id="5" name="Date Placeholder 4">
             <a:extLst>
               <a:ext uri="{FF2B5EF4-FFF2-40B4-BE49-F238E27FC236}">
-                <a16:creationId xmlns="" xmlns:a16="http://schemas.microsoft.com/office/drawing/2014/main" id="{CC9E5323-0EB7-4395-A75E-F6CBA4B238E4}"/>
+                <a16:creationId xmlns:a16="http://schemas.microsoft.com/office/drawing/2014/main" xmlns="" id="{CC9E5323-0EB7-4395-A75E-F6CBA4B238E4}"/>
               </a:ext>
             </a:extLst>
           </p:cNvPr>
@@ -2683,7 +2683,7 @@
           <a:p>
             <a:fld id="{B7C128EC-663C-4D57-BF43-C3C8410B93CC}" type="datetimeFigureOut">
               <a:rPr lang="en-US" smtClean="0"/>
-              <a:t>1/20/2022</a:t>
+              <a:t>1/21/2022</a:t>
             </a:fld>
             <a:endParaRPr lang="en-US"/>
           </a:p>
@@ -2694,7 +2694,7 @@
           <p:cNvPr id="6" name="Footer Placeholder 5">
             <a:extLst>
               <a:ext uri="{FF2B5EF4-FFF2-40B4-BE49-F238E27FC236}">
-                <a16:creationId xmlns="" xmlns:a16="http://schemas.microsoft.com/office/drawing/2014/main" id="{97666571-75BA-4289-BB59-75DD44BE3A68}"/>
+                <a16:creationId xmlns:a16="http://schemas.microsoft.com/office/drawing/2014/main" xmlns="" id="{97666571-75BA-4289-BB59-75DD44BE3A68}"/>
               </a:ext>
             </a:extLst>
           </p:cNvPr>
@@ -2719,7 +2719,7 @@
           <p:cNvPr id="7" name="Slide Number Placeholder 6">
             <a:extLst>
               <a:ext uri="{FF2B5EF4-FFF2-40B4-BE49-F238E27FC236}">
-                <a16:creationId xmlns="" xmlns:a16="http://schemas.microsoft.com/office/drawing/2014/main" id="{86B831C5-CEC6-463C-9B76-CAC3461DB302}"/>
+                <a16:creationId xmlns:a16="http://schemas.microsoft.com/office/drawing/2014/main" xmlns="" id="{86B831C5-CEC6-463C-9B76-CAC3461DB302}"/>
               </a:ext>
             </a:extLst>
           </p:cNvPr>
@@ -2783,7 +2783,7 @@
           <p:cNvPr id="2" name="Title Placeholder 1">
             <a:extLst>
               <a:ext uri="{FF2B5EF4-FFF2-40B4-BE49-F238E27FC236}">
-                <a16:creationId xmlns="" xmlns:a16="http://schemas.microsoft.com/office/drawing/2014/main" id="{9AA96EAF-E4CB-4CB1-A72A-99124D8A4D86}"/>
+                <a16:creationId xmlns:a16="http://schemas.microsoft.com/office/drawing/2014/main" xmlns="" id="{9AA96EAF-E4CB-4CB1-A72A-99124D8A4D86}"/>
               </a:ext>
             </a:extLst>
           </p:cNvPr>
@@ -2821,7 +2821,7 @@
           <p:cNvPr id="3" name="Text Placeholder 2">
             <a:extLst>
               <a:ext uri="{FF2B5EF4-FFF2-40B4-BE49-F238E27FC236}">
-                <a16:creationId xmlns="" xmlns:a16="http://schemas.microsoft.com/office/drawing/2014/main" id="{B849B998-C6D0-4B13-A90E-6ADA66F5BCBF}"/>
+                <a16:creationId xmlns:a16="http://schemas.microsoft.com/office/drawing/2014/main" xmlns="" id="{B849B998-C6D0-4B13-A90E-6ADA66F5BCBF}"/>
               </a:ext>
             </a:extLst>
           </p:cNvPr>
@@ -2888,7 +2888,7 @@
           <p:cNvPr id="4" name="Date Placeholder 3">
             <a:extLst>
               <a:ext uri="{FF2B5EF4-FFF2-40B4-BE49-F238E27FC236}">
-                <a16:creationId xmlns="" xmlns:a16="http://schemas.microsoft.com/office/drawing/2014/main" id="{5B2C03A5-798C-4F08-AD6C-A91A74BBF66B}"/>
+                <a16:creationId xmlns:a16="http://schemas.microsoft.com/office/drawing/2014/main" xmlns="" id="{5B2C03A5-798C-4F08-AD6C-A91A74BBF66B}"/>
               </a:ext>
             </a:extLst>
           </p:cNvPr>
@@ -2924,7 +2924,7 @@
           <a:p>
             <a:fld id="{B7C128EC-663C-4D57-BF43-C3C8410B93CC}" type="datetimeFigureOut">
               <a:rPr lang="en-US" smtClean="0"/>
-              <a:t>1/20/2022</a:t>
+              <a:t>1/21/2022</a:t>
             </a:fld>
             <a:endParaRPr lang="en-US"/>
           </a:p>
@@ -2935,7 +2935,7 @@
           <p:cNvPr id="5" name="Footer Placeholder 4">
             <a:extLst>
               <a:ext uri="{FF2B5EF4-FFF2-40B4-BE49-F238E27FC236}">
-                <a16:creationId xmlns="" xmlns:a16="http://schemas.microsoft.com/office/drawing/2014/main" id="{8C9A1606-3CF2-4582-B143-EAA693CC0CD2}"/>
+                <a16:creationId xmlns:a16="http://schemas.microsoft.com/office/drawing/2014/main" xmlns="" id="{8C9A1606-3CF2-4582-B143-EAA693CC0CD2}"/>
               </a:ext>
             </a:extLst>
           </p:cNvPr>
@@ -2978,7 +2978,7 @@
           <p:cNvPr id="6" name="Slide Number Placeholder 5">
             <a:extLst>
               <a:ext uri="{FF2B5EF4-FFF2-40B4-BE49-F238E27FC236}">
-                <a16:creationId xmlns="" xmlns:a16="http://schemas.microsoft.com/office/drawing/2014/main" id="{62150A1E-0974-45AB-93A3-1BECD0FF424E}"/>
+                <a16:creationId xmlns:a16="http://schemas.microsoft.com/office/drawing/2014/main" xmlns="" id="{62150A1E-0974-45AB-93A3-1BECD0FF424E}"/>
               </a:ext>
             </a:extLst>
           </p:cNvPr>
@@ -3346,7 +3346,7 @@
           <p:cNvPr id="4" name="Rectangle 3">
             <a:extLst>
               <a:ext uri="{FF2B5EF4-FFF2-40B4-BE49-F238E27FC236}">
-                <a16:creationId xmlns="" xmlns:a16="http://schemas.microsoft.com/office/drawing/2014/main" id="{33F222A8-AF2A-4292-8A95-0C3AD37A109D}"/>
+                <a16:creationId xmlns:a16="http://schemas.microsoft.com/office/drawing/2014/main" xmlns="" id="{33F222A8-AF2A-4292-8A95-0C3AD37A109D}"/>
               </a:ext>
             </a:extLst>
           </p:cNvPr>
@@ -3405,7 +3405,7 @@
           <p:cNvPr id="10" name="Group 9">
             <a:extLst>
               <a:ext uri="{FF2B5EF4-FFF2-40B4-BE49-F238E27FC236}">
-                <a16:creationId xmlns="" xmlns:a16="http://schemas.microsoft.com/office/drawing/2014/main" id="{AEE5042A-E067-4FB7-BCFF-00BB33BFEDEC}"/>
+                <a16:creationId xmlns:a16="http://schemas.microsoft.com/office/drawing/2014/main" xmlns="" id="{AEE5042A-E067-4FB7-BCFF-00BB33BFEDEC}"/>
               </a:ext>
             </a:extLst>
           </p:cNvPr>
@@ -3425,7 +3425,7 @@
             <p:cNvPr id="5" name="Rectangle 4">
               <a:extLst>
                 <a:ext uri="{FF2B5EF4-FFF2-40B4-BE49-F238E27FC236}">
-                  <a16:creationId xmlns="" xmlns:a16="http://schemas.microsoft.com/office/drawing/2014/main" id="{9ECC8D50-758B-45D1-9832-058DA749338C}"/>
+                  <a16:creationId xmlns:a16="http://schemas.microsoft.com/office/drawing/2014/main" xmlns="" id="{9ECC8D50-758B-45D1-9832-058DA749338C}"/>
                 </a:ext>
               </a:extLst>
             </p:cNvPr>
@@ -3486,7 +3486,7 @@
             <p:cNvPr id="9" name="Arc 8">
               <a:extLst>
                 <a:ext uri="{FF2B5EF4-FFF2-40B4-BE49-F238E27FC236}">
-                  <a16:creationId xmlns="" xmlns:a16="http://schemas.microsoft.com/office/drawing/2014/main" id="{FC783E55-1922-4926-8D97-EC60526709F7}"/>
+                  <a16:creationId xmlns:a16="http://schemas.microsoft.com/office/drawing/2014/main" xmlns="" id="{FC783E55-1922-4926-8D97-EC60526709F7}"/>
                 </a:ext>
               </a:extLst>
             </p:cNvPr>
@@ -3565,7 +3565,7 @@
           <p:cNvPr id="78" name="Group 77">
             <a:extLst>
               <a:ext uri="{FF2B5EF4-FFF2-40B4-BE49-F238E27FC236}">
-                <a16:creationId xmlns="" xmlns:a16="http://schemas.microsoft.com/office/drawing/2014/main" id="{E48E30C9-A74F-4C52-AD04-FC9A5CBD8258}"/>
+                <a16:creationId xmlns:a16="http://schemas.microsoft.com/office/drawing/2014/main" xmlns="" id="{E48E30C9-A74F-4C52-AD04-FC9A5CBD8258}"/>
               </a:ext>
             </a:extLst>
           </p:cNvPr>
@@ -3585,7 +3585,7 @@
             <p:cNvPr id="79" name="Rectangle 78">
               <a:extLst>
                 <a:ext uri="{FF2B5EF4-FFF2-40B4-BE49-F238E27FC236}">
-                  <a16:creationId xmlns="" xmlns:a16="http://schemas.microsoft.com/office/drawing/2014/main" id="{9D80A7DB-810E-4588-BE25-E9F7C34D3DB1}"/>
+                  <a16:creationId xmlns:a16="http://schemas.microsoft.com/office/drawing/2014/main" xmlns="" id="{9D80A7DB-810E-4588-BE25-E9F7C34D3DB1}"/>
                 </a:ext>
               </a:extLst>
             </p:cNvPr>
@@ -3646,7 +3646,7 @@
             <p:cNvPr id="80" name="Arc 79">
               <a:extLst>
                 <a:ext uri="{FF2B5EF4-FFF2-40B4-BE49-F238E27FC236}">
-                  <a16:creationId xmlns="" xmlns:a16="http://schemas.microsoft.com/office/drawing/2014/main" id="{0CEE252C-3F6B-425D-A974-8C322FD62AA8}"/>
+                  <a16:creationId xmlns:a16="http://schemas.microsoft.com/office/drawing/2014/main" xmlns="" id="{0CEE252C-3F6B-425D-A974-8C322FD62AA8}"/>
                 </a:ext>
               </a:extLst>
             </p:cNvPr>
@@ -3725,7 +3725,7 @@
           <p:cNvPr id="81" name="Group 80">
             <a:extLst>
               <a:ext uri="{FF2B5EF4-FFF2-40B4-BE49-F238E27FC236}">
-                <a16:creationId xmlns="" xmlns:a16="http://schemas.microsoft.com/office/drawing/2014/main" id="{BDE4CAF1-67FB-4A00-A957-F84932EF37EA}"/>
+                <a16:creationId xmlns:a16="http://schemas.microsoft.com/office/drawing/2014/main" xmlns="" id="{BDE4CAF1-67FB-4A00-A957-F84932EF37EA}"/>
               </a:ext>
             </a:extLst>
           </p:cNvPr>
@@ -3745,7 +3745,7 @@
             <p:cNvPr id="82" name="Rectangle 81">
               <a:extLst>
                 <a:ext uri="{FF2B5EF4-FFF2-40B4-BE49-F238E27FC236}">
-                  <a16:creationId xmlns="" xmlns:a16="http://schemas.microsoft.com/office/drawing/2014/main" id="{74C944AF-D50A-425E-A441-BD46E8CB9783}"/>
+                  <a16:creationId xmlns:a16="http://schemas.microsoft.com/office/drawing/2014/main" xmlns="" id="{74C944AF-D50A-425E-A441-BD46E8CB9783}"/>
                 </a:ext>
               </a:extLst>
             </p:cNvPr>
@@ -3806,7 +3806,7 @@
             <p:cNvPr id="83" name="Arc 82">
               <a:extLst>
                 <a:ext uri="{FF2B5EF4-FFF2-40B4-BE49-F238E27FC236}">
-                  <a16:creationId xmlns="" xmlns:a16="http://schemas.microsoft.com/office/drawing/2014/main" id="{AE95EC9D-DB78-417E-AF31-C543DE84C1EE}"/>
+                  <a16:creationId xmlns:a16="http://schemas.microsoft.com/office/drawing/2014/main" xmlns="" id="{AE95EC9D-DB78-417E-AF31-C543DE84C1EE}"/>
                 </a:ext>
               </a:extLst>
             </p:cNvPr>
@@ -3885,7 +3885,7 @@
           <p:cNvPr id="84" name="Group 83">
             <a:extLst>
               <a:ext uri="{FF2B5EF4-FFF2-40B4-BE49-F238E27FC236}">
-                <a16:creationId xmlns="" xmlns:a16="http://schemas.microsoft.com/office/drawing/2014/main" id="{EC3E0684-8AE8-4214-BF7B-4AAB6B86F600}"/>
+                <a16:creationId xmlns:a16="http://schemas.microsoft.com/office/drawing/2014/main" xmlns="" id="{EC3E0684-8AE8-4214-BF7B-4AAB6B86F600}"/>
               </a:ext>
             </a:extLst>
           </p:cNvPr>
@@ -3905,7 +3905,7 @@
             <p:cNvPr id="85" name="Rectangle 84">
               <a:extLst>
                 <a:ext uri="{FF2B5EF4-FFF2-40B4-BE49-F238E27FC236}">
-                  <a16:creationId xmlns="" xmlns:a16="http://schemas.microsoft.com/office/drawing/2014/main" id="{CF8E04A3-B6B4-4F3C-BB6B-AF9929DDA237}"/>
+                  <a16:creationId xmlns:a16="http://schemas.microsoft.com/office/drawing/2014/main" xmlns="" id="{CF8E04A3-B6B4-4F3C-BB6B-AF9929DDA237}"/>
                 </a:ext>
               </a:extLst>
             </p:cNvPr>
@@ -3966,7 +3966,7 @@
             <p:cNvPr id="86" name="Arc 85">
               <a:extLst>
                 <a:ext uri="{FF2B5EF4-FFF2-40B4-BE49-F238E27FC236}">
-                  <a16:creationId xmlns="" xmlns:a16="http://schemas.microsoft.com/office/drawing/2014/main" id="{18A95974-DAB2-4BF8-9192-96278D1744CD}"/>
+                  <a16:creationId xmlns:a16="http://schemas.microsoft.com/office/drawing/2014/main" xmlns="" id="{18A95974-DAB2-4BF8-9192-96278D1744CD}"/>
                 </a:ext>
               </a:extLst>
             </p:cNvPr>
@@ -4045,7 +4045,7 @@
           <p:cNvPr id="87" name="Group 86">
             <a:extLst>
               <a:ext uri="{FF2B5EF4-FFF2-40B4-BE49-F238E27FC236}">
-                <a16:creationId xmlns="" xmlns:a16="http://schemas.microsoft.com/office/drawing/2014/main" id="{C97BDBFC-6DCF-4D05-9235-AF24FD08B7BA}"/>
+                <a16:creationId xmlns:a16="http://schemas.microsoft.com/office/drawing/2014/main" xmlns="" id="{C97BDBFC-6DCF-4D05-9235-AF24FD08B7BA}"/>
               </a:ext>
             </a:extLst>
           </p:cNvPr>
@@ -4065,7 +4065,7 @@
             <p:cNvPr id="88" name="Rectangle 87">
               <a:extLst>
                 <a:ext uri="{FF2B5EF4-FFF2-40B4-BE49-F238E27FC236}">
-                  <a16:creationId xmlns="" xmlns:a16="http://schemas.microsoft.com/office/drawing/2014/main" id="{4AB8CE96-3DF3-4063-9F27-D4DB07BB75EF}"/>
+                  <a16:creationId xmlns:a16="http://schemas.microsoft.com/office/drawing/2014/main" xmlns="" id="{4AB8CE96-3DF3-4063-9F27-D4DB07BB75EF}"/>
                 </a:ext>
               </a:extLst>
             </p:cNvPr>
@@ -4126,7 +4126,7 @@
             <p:cNvPr id="89" name="Arc 88">
               <a:extLst>
                 <a:ext uri="{FF2B5EF4-FFF2-40B4-BE49-F238E27FC236}">
-                  <a16:creationId xmlns="" xmlns:a16="http://schemas.microsoft.com/office/drawing/2014/main" id="{309BD817-14B6-4AA7-A1F6-6EAEFBC3A86F}"/>
+                  <a16:creationId xmlns:a16="http://schemas.microsoft.com/office/drawing/2014/main" xmlns="" id="{309BD817-14B6-4AA7-A1F6-6EAEFBC3A86F}"/>
                 </a:ext>
               </a:extLst>
             </p:cNvPr>
@@ -4205,7 +4205,7 @@
           <p:cNvPr id="90" name="Group 89">
             <a:extLst>
               <a:ext uri="{FF2B5EF4-FFF2-40B4-BE49-F238E27FC236}">
-                <a16:creationId xmlns="" xmlns:a16="http://schemas.microsoft.com/office/drawing/2014/main" id="{C6951FED-2BD7-4859-B333-5B1CAEF8AB8D}"/>
+                <a16:creationId xmlns:a16="http://schemas.microsoft.com/office/drawing/2014/main" xmlns="" id="{C6951FED-2BD7-4859-B333-5B1CAEF8AB8D}"/>
               </a:ext>
             </a:extLst>
           </p:cNvPr>
@@ -4225,7 +4225,7 @@
             <p:cNvPr id="91" name="Rectangle 90">
               <a:extLst>
                 <a:ext uri="{FF2B5EF4-FFF2-40B4-BE49-F238E27FC236}">
-                  <a16:creationId xmlns="" xmlns:a16="http://schemas.microsoft.com/office/drawing/2014/main" id="{FE30C63D-F045-40E9-8C54-26DA5BDA0F44}"/>
+                  <a16:creationId xmlns:a16="http://schemas.microsoft.com/office/drawing/2014/main" xmlns="" id="{FE30C63D-F045-40E9-8C54-26DA5BDA0F44}"/>
                 </a:ext>
               </a:extLst>
             </p:cNvPr>
@@ -4286,7 +4286,7 @@
             <p:cNvPr id="92" name="Arc 91">
               <a:extLst>
                 <a:ext uri="{FF2B5EF4-FFF2-40B4-BE49-F238E27FC236}">
-                  <a16:creationId xmlns="" xmlns:a16="http://schemas.microsoft.com/office/drawing/2014/main" id="{434A2720-2A66-40B1-AC7E-5C244C6E6EB9}"/>
+                  <a16:creationId xmlns:a16="http://schemas.microsoft.com/office/drawing/2014/main" xmlns="" id="{434A2720-2A66-40B1-AC7E-5C244C6E6EB9}"/>
                 </a:ext>
               </a:extLst>
             </p:cNvPr>
@@ -4365,7 +4365,7 @@
           <p:cNvPr id="93" name="Group 92">
             <a:extLst>
               <a:ext uri="{FF2B5EF4-FFF2-40B4-BE49-F238E27FC236}">
-                <a16:creationId xmlns="" xmlns:a16="http://schemas.microsoft.com/office/drawing/2014/main" id="{3253887B-E245-4C89-84BB-C89576187B4D}"/>
+                <a16:creationId xmlns:a16="http://schemas.microsoft.com/office/drawing/2014/main" xmlns="" id="{3253887B-E245-4C89-84BB-C89576187B4D}"/>
               </a:ext>
             </a:extLst>
           </p:cNvPr>
@@ -4385,7 +4385,7 @@
             <p:cNvPr id="94" name="Rectangle 93">
               <a:extLst>
                 <a:ext uri="{FF2B5EF4-FFF2-40B4-BE49-F238E27FC236}">
-                  <a16:creationId xmlns="" xmlns:a16="http://schemas.microsoft.com/office/drawing/2014/main" id="{C2935527-C9EF-4950-89BB-EB1207B25EAD}"/>
+                  <a16:creationId xmlns:a16="http://schemas.microsoft.com/office/drawing/2014/main" xmlns="" id="{C2935527-C9EF-4950-89BB-EB1207B25EAD}"/>
                 </a:ext>
               </a:extLst>
             </p:cNvPr>
@@ -4446,7 +4446,7 @@
             <p:cNvPr id="95" name="Arc 94">
               <a:extLst>
                 <a:ext uri="{FF2B5EF4-FFF2-40B4-BE49-F238E27FC236}">
-                  <a16:creationId xmlns="" xmlns:a16="http://schemas.microsoft.com/office/drawing/2014/main" id="{B885AD0D-2A97-4761-A7E2-81AE7730FF98}"/>
+                  <a16:creationId xmlns:a16="http://schemas.microsoft.com/office/drawing/2014/main" xmlns="" id="{B885AD0D-2A97-4761-A7E2-81AE7730FF98}"/>
                 </a:ext>
               </a:extLst>
             </p:cNvPr>
@@ -4525,7 +4525,7 @@
           <p:cNvPr id="96" name="Group 95">
             <a:extLst>
               <a:ext uri="{FF2B5EF4-FFF2-40B4-BE49-F238E27FC236}">
-                <a16:creationId xmlns="" xmlns:a16="http://schemas.microsoft.com/office/drawing/2014/main" id="{B20895E6-FBAD-4249-90F9-43369FD2080F}"/>
+                <a16:creationId xmlns:a16="http://schemas.microsoft.com/office/drawing/2014/main" xmlns="" id="{B20895E6-FBAD-4249-90F9-43369FD2080F}"/>
               </a:ext>
             </a:extLst>
           </p:cNvPr>
@@ -4545,7 +4545,7 @@
             <p:cNvPr id="97" name="Rectangle 96">
               <a:extLst>
                 <a:ext uri="{FF2B5EF4-FFF2-40B4-BE49-F238E27FC236}">
-                  <a16:creationId xmlns="" xmlns:a16="http://schemas.microsoft.com/office/drawing/2014/main" id="{416F99E9-E132-4AB6-9501-719E390B2951}"/>
+                  <a16:creationId xmlns:a16="http://schemas.microsoft.com/office/drawing/2014/main" xmlns="" id="{416F99E9-E132-4AB6-9501-719E390B2951}"/>
                 </a:ext>
               </a:extLst>
             </p:cNvPr>
@@ -4606,7 +4606,7 @@
             <p:cNvPr id="98" name="Arc 97">
               <a:extLst>
                 <a:ext uri="{FF2B5EF4-FFF2-40B4-BE49-F238E27FC236}">
-                  <a16:creationId xmlns="" xmlns:a16="http://schemas.microsoft.com/office/drawing/2014/main" id="{7BF41422-E1EF-4A49-906D-7C9E43200378}"/>
+                  <a16:creationId xmlns:a16="http://schemas.microsoft.com/office/drawing/2014/main" xmlns="" id="{7BF41422-E1EF-4A49-906D-7C9E43200378}"/>
                 </a:ext>
               </a:extLst>
             </p:cNvPr>
@@ -4685,7 +4685,7 @@
           <p:cNvPr id="99" name="Group 98">
             <a:extLst>
               <a:ext uri="{FF2B5EF4-FFF2-40B4-BE49-F238E27FC236}">
-                <a16:creationId xmlns="" xmlns:a16="http://schemas.microsoft.com/office/drawing/2014/main" id="{3A6C8FCE-3906-4A51-8C51-53A21458A79D}"/>
+                <a16:creationId xmlns:a16="http://schemas.microsoft.com/office/drawing/2014/main" xmlns="" id="{3A6C8FCE-3906-4A51-8C51-53A21458A79D}"/>
               </a:ext>
             </a:extLst>
           </p:cNvPr>
@@ -4705,7 +4705,7 @@
             <p:cNvPr id="100" name="Rectangle 99">
               <a:extLst>
                 <a:ext uri="{FF2B5EF4-FFF2-40B4-BE49-F238E27FC236}">
-                  <a16:creationId xmlns="" xmlns:a16="http://schemas.microsoft.com/office/drawing/2014/main" id="{01B7306C-C82A-4CBC-8810-B196E2B85FD9}"/>
+                  <a16:creationId xmlns:a16="http://schemas.microsoft.com/office/drawing/2014/main" xmlns="" id="{01B7306C-C82A-4CBC-8810-B196E2B85FD9}"/>
                 </a:ext>
               </a:extLst>
             </p:cNvPr>
@@ -4766,7 +4766,7 @@
             <p:cNvPr id="101" name="Arc 100">
               <a:extLst>
                 <a:ext uri="{FF2B5EF4-FFF2-40B4-BE49-F238E27FC236}">
-                  <a16:creationId xmlns="" xmlns:a16="http://schemas.microsoft.com/office/drawing/2014/main" id="{4309EB4B-A1C1-41B8-9E71-43E4632DE81A}"/>
+                  <a16:creationId xmlns:a16="http://schemas.microsoft.com/office/drawing/2014/main" xmlns="" id="{4309EB4B-A1C1-41B8-9E71-43E4632DE81A}"/>
                 </a:ext>
               </a:extLst>
             </p:cNvPr>
@@ -4845,7 +4845,7 @@
           <p:cNvPr id="102" name="Group 101">
             <a:extLst>
               <a:ext uri="{FF2B5EF4-FFF2-40B4-BE49-F238E27FC236}">
-                <a16:creationId xmlns="" xmlns:a16="http://schemas.microsoft.com/office/drawing/2014/main" id="{C74B4894-B5D2-4362-964C-D4DC0546060A}"/>
+                <a16:creationId xmlns:a16="http://schemas.microsoft.com/office/drawing/2014/main" xmlns="" id="{C74B4894-B5D2-4362-964C-D4DC0546060A}"/>
               </a:ext>
             </a:extLst>
           </p:cNvPr>
@@ -4865,7 +4865,7 @@
             <p:cNvPr id="103" name="Rectangle 102">
               <a:extLst>
                 <a:ext uri="{FF2B5EF4-FFF2-40B4-BE49-F238E27FC236}">
-                  <a16:creationId xmlns="" xmlns:a16="http://schemas.microsoft.com/office/drawing/2014/main" id="{DA95D981-4D5B-4F4F-8A82-69838938508F}"/>
+                  <a16:creationId xmlns:a16="http://schemas.microsoft.com/office/drawing/2014/main" xmlns="" id="{DA95D981-4D5B-4F4F-8A82-69838938508F}"/>
                 </a:ext>
               </a:extLst>
             </p:cNvPr>
@@ -4926,7 +4926,7 @@
             <p:cNvPr id="104" name="Arc 103">
               <a:extLst>
                 <a:ext uri="{FF2B5EF4-FFF2-40B4-BE49-F238E27FC236}">
-                  <a16:creationId xmlns="" xmlns:a16="http://schemas.microsoft.com/office/drawing/2014/main" id="{E4822634-A39A-4B0D-8399-883328FCA1EE}"/>
+                  <a16:creationId xmlns:a16="http://schemas.microsoft.com/office/drawing/2014/main" xmlns="" id="{E4822634-A39A-4B0D-8399-883328FCA1EE}"/>
                 </a:ext>
               </a:extLst>
             </p:cNvPr>
@@ -5005,7 +5005,7 @@
           <p:cNvPr id="105" name="Group 104">
             <a:extLst>
               <a:ext uri="{FF2B5EF4-FFF2-40B4-BE49-F238E27FC236}">
-                <a16:creationId xmlns="" xmlns:a16="http://schemas.microsoft.com/office/drawing/2014/main" id="{AC0C8900-7AAE-4DAD-9853-250BA8E46217}"/>
+                <a16:creationId xmlns:a16="http://schemas.microsoft.com/office/drawing/2014/main" xmlns="" id="{AC0C8900-7AAE-4DAD-9853-250BA8E46217}"/>
               </a:ext>
             </a:extLst>
           </p:cNvPr>
@@ -5025,7 +5025,7 @@
             <p:cNvPr id="106" name="Rectangle 105">
               <a:extLst>
                 <a:ext uri="{FF2B5EF4-FFF2-40B4-BE49-F238E27FC236}">
-                  <a16:creationId xmlns="" xmlns:a16="http://schemas.microsoft.com/office/drawing/2014/main" id="{8F16C3F5-5111-4385-95DB-684995C5DA9E}"/>
+                  <a16:creationId xmlns:a16="http://schemas.microsoft.com/office/drawing/2014/main" xmlns="" id="{8F16C3F5-5111-4385-95DB-684995C5DA9E}"/>
                 </a:ext>
               </a:extLst>
             </p:cNvPr>
@@ -5086,7 +5086,7 @@
             <p:cNvPr id="107" name="Arc 106">
               <a:extLst>
                 <a:ext uri="{FF2B5EF4-FFF2-40B4-BE49-F238E27FC236}">
-                  <a16:creationId xmlns="" xmlns:a16="http://schemas.microsoft.com/office/drawing/2014/main" id="{C8E4EC42-A513-472E-AE69-66EF8F71937C}"/>
+                  <a16:creationId xmlns:a16="http://schemas.microsoft.com/office/drawing/2014/main" xmlns="" id="{C8E4EC42-A513-472E-AE69-66EF8F71937C}"/>
                 </a:ext>
               </a:extLst>
             </p:cNvPr>
@@ -5165,7 +5165,7 @@
           <p:cNvPr id="108" name="Group 107">
             <a:extLst>
               <a:ext uri="{FF2B5EF4-FFF2-40B4-BE49-F238E27FC236}">
-                <a16:creationId xmlns="" xmlns:a16="http://schemas.microsoft.com/office/drawing/2014/main" id="{B9DF2A69-06AC-4DC9-B6C7-9A1B9D012585}"/>
+                <a16:creationId xmlns:a16="http://schemas.microsoft.com/office/drawing/2014/main" xmlns="" id="{B9DF2A69-06AC-4DC9-B6C7-9A1B9D012585}"/>
               </a:ext>
             </a:extLst>
           </p:cNvPr>
@@ -5185,7 +5185,7 @@
             <p:cNvPr id="109" name="Rectangle 108">
               <a:extLst>
                 <a:ext uri="{FF2B5EF4-FFF2-40B4-BE49-F238E27FC236}">
-                  <a16:creationId xmlns="" xmlns:a16="http://schemas.microsoft.com/office/drawing/2014/main" id="{66D59475-186E-4F7A-A501-ABEDCC08DC98}"/>
+                  <a16:creationId xmlns:a16="http://schemas.microsoft.com/office/drawing/2014/main" xmlns="" id="{66D59475-186E-4F7A-A501-ABEDCC08DC98}"/>
                 </a:ext>
               </a:extLst>
             </p:cNvPr>
@@ -5246,7 +5246,7 @@
             <p:cNvPr id="110" name="Arc 109">
               <a:extLst>
                 <a:ext uri="{FF2B5EF4-FFF2-40B4-BE49-F238E27FC236}">
-                  <a16:creationId xmlns="" xmlns:a16="http://schemas.microsoft.com/office/drawing/2014/main" id="{55C929AA-C5D4-4A29-94FC-BF99C03F9430}"/>
+                  <a16:creationId xmlns:a16="http://schemas.microsoft.com/office/drawing/2014/main" xmlns="" id="{55C929AA-C5D4-4A29-94FC-BF99C03F9430}"/>
                 </a:ext>
               </a:extLst>
             </p:cNvPr>
@@ -5325,7 +5325,7 @@
           <p:cNvPr id="111" name="Group 110">
             <a:extLst>
               <a:ext uri="{FF2B5EF4-FFF2-40B4-BE49-F238E27FC236}">
-                <a16:creationId xmlns="" xmlns:a16="http://schemas.microsoft.com/office/drawing/2014/main" id="{26F5DDE8-77F1-4A19-9A73-FA16AD387091}"/>
+                <a16:creationId xmlns:a16="http://schemas.microsoft.com/office/drawing/2014/main" xmlns="" id="{26F5DDE8-77F1-4A19-9A73-FA16AD387091}"/>
               </a:ext>
             </a:extLst>
           </p:cNvPr>
@@ -5345,7 +5345,7 @@
             <p:cNvPr id="112" name="Rectangle 111">
               <a:extLst>
                 <a:ext uri="{FF2B5EF4-FFF2-40B4-BE49-F238E27FC236}">
-                  <a16:creationId xmlns="" xmlns:a16="http://schemas.microsoft.com/office/drawing/2014/main" id="{3975D25C-1E30-46E2-BA99-3037ADE31704}"/>
+                  <a16:creationId xmlns:a16="http://schemas.microsoft.com/office/drawing/2014/main" xmlns="" id="{3975D25C-1E30-46E2-BA99-3037ADE31704}"/>
                 </a:ext>
               </a:extLst>
             </p:cNvPr>
@@ -5406,7 +5406,7 @@
             <p:cNvPr id="113" name="Arc 112">
               <a:extLst>
                 <a:ext uri="{FF2B5EF4-FFF2-40B4-BE49-F238E27FC236}">
-                  <a16:creationId xmlns="" xmlns:a16="http://schemas.microsoft.com/office/drawing/2014/main" id="{5489E9B8-DC06-4350-B467-61A9DA0B02A7}"/>
+                  <a16:creationId xmlns:a16="http://schemas.microsoft.com/office/drawing/2014/main" xmlns="" id="{5489E9B8-DC06-4350-B467-61A9DA0B02A7}"/>
                 </a:ext>
               </a:extLst>
             </p:cNvPr>
@@ -5485,7 +5485,7 @@
           <p:cNvPr id="114" name="Group 113">
             <a:extLst>
               <a:ext uri="{FF2B5EF4-FFF2-40B4-BE49-F238E27FC236}">
-                <a16:creationId xmlns="" xmlns:a16="http://schemas.microsoft.com/office/drawing/2014/main" id="{0375CE18-5EC1-4881-8142-DC1BC91AD094}"/>
+                <a16:creationId xmlns:a16="http://schemas.microsoft.com/office/drawing/2014/main" xmlns="" id="{0375CE18-5EC1-4881-8142-DC1BC91AD094}"/>
               </a:ext>
             </a:extLst>
           </p:cNvPr>
@@ -5505,7 +5505,7 @@
             <p:cNvPr id="115" name="Rectangle 114">
               <a:extLst>
                 <a:ext uri="{FF2B5EF4-FFF2-40B4-BE49-F238E27FC236}">
-                  <a16:creationId xmlns="" xmlns:a16="http://schemas.microsoft.com/office/drawing/2014/main" id="{10A76D25-919A-40D9-9554-EFE2D3956BE4}"/>
+                  <a16:creationId xmlns:a16="http://schemas.microsoft.com/office/drawing/2014/main" xmlns="" id="{10A76D25-919A-40D9-9554-EFE2D3956BE4}"/>
                 </a:ext>
               </a:extLst>
             </p:cNvPr>
@@ -5566,7 +5566,7 @@
             <p:cNvPr id="116" name="Arc 115">
               <a:extLst>
                 <a:ext uri="{FF2B5EF4-FFF2-40B4-BE49-F238E27FC236}">
-                  <a16:creationId xmlns="" xmlns:a16="http://schemas.microsoft.com/office/drawing/2014/main" id="{F541D253-66CC-4C59-909C-302800ABEEFC}"/>
+                  <a16:creationId xmlns:a16="http://schemas.microsoft.com/office/drawing/2014/main" xmlns="" id="{F541D253-66CC-4C59-909C-302800ABEEFC}"/>
                 </a:ext>
               </a:extLst>
             </p:cNvPr>
@@ -5645,7 +5645,7 @@
           <p:cNvPr id="117" name="Group 116">
             <a:extLst>
               <a:ext uri="{FF2B5EF4-FFF2-40B4-BE49-F238E27FC236}">
-                <a16:creationId xmlns="" xmlns:a16="http://schemas.microsoft.com/office/drawing/2014/main" id="{D86A99F9-8CBA-4BBB-88F7-14582E27C64C}"/>
+                <a16:creationId xmlns:a16="http://schemas.microsoft.com/office/drawing/2014/main" xmlns="" id="{D86A99F9-8CBA-4BBB-88F7-14582E27C64C}"/>
               </a:ext>
             </a:extLst>
           </p:cNvPr>
@@ -5665,7 +5665,7 @@
             <p:cNvPr id="118" name="Rectangle 117">
               <a:extLst>
                 <a:ext uri="{FF2B5EF4-FFF2-40B4-BE49-F238E27FC236}">
-                  <a16:creationId xmlns="" xmlns:a16="http://schemas.microsoft.com/office/drawing/2014/main" id="{16259704-CA38-4525-8489-D1FECD12BDBC}"/>
+                  <a16:creationId xmlns:a16="http://schemas.microsoft.com/office/drawing/2014/main" xmlns="" id="{16259704-CA38-4525-8489-D1FECD12BDBC}"/>
                 </a:ext>
               </a:extLst>
             </p:cNvPr>
@@ -5726,7 +5726,7 @@
             <p:cNvPr id="119" name="Arc 118">
               <a:extLst>
                 <a:ext uri="{FF2B5EF4-FFF2-40B4-BE49-F238E27FC236}">
-                  <a16:creationId xmlns="" xmlns:a16="http://schemas.microsoft.com/office/drawing/2014/main" id="{40F4FCA1-5992-49D0-8CE6-8488CF6BAF04}"/>
+                  <a16:creationId xmlns:a16="http://schemas.microsoft.com/office/drawing/2014/main" xmlns="" id="{40F4FCA1-5992-49D0-8CE6-8488CF6BAF04}"/>
                 </a:ext>
               </a:extLst>
             </p:cNvPr>
@@ -5805,7 +5805,7 @@
           <p:cNvPr id="120" name="Group 119">
             <a:extLst>
               <a:ext uri="{FF2B5EF4-FFF2-40B4-BE49-F238E27FC236}">
-                <a16:creationId xmlns="" xmlns:a16="http://schemas.microsoft.com/office/drawing/2014/main" id="{F5C59377-7214-4209-BA16-86D5D1DAE2B0}"/>
+                <a16:creationId xmlns:a16="http://schemas.microsoft.com/office/drawing/2014/main" xmlns="" id="{F5C59377-7214-4209-BA16-86D5D1DAE2B0}"/>
               </a:ext>
             </a:extLst>
           </p:cNvPr>
@@ -5825,7 +5825,7 @@
             <p:cNvPr id="121" name="Rectangle 120">
               <a:extLst>
                 <a:ext uri="{FF2B5EF4-FFF2-40B4-BE49-F238E27FC236}">
-                  <a16:creationId xmlns="" xmlns:a16="http://schemas.microsoft.com/office/drawing/2014/main" id="{959A5D35-C7AE-458F-BBB5-71CD3A3F97F8}"/>
+                  <a16:creationId xmlns:a16="http://schemas.microsoft.com/office/drawing/2014/main" xmlns="" id="{959A5D35-C7AE-458F-BBB5-71CD3A3F97F8}"/>
                 </a:ext>
               </a:extLst>
             </p:cNvPr>
@@ -5886,7 +5886,7 @@
             <p:cNvPr id="122" name="Arc 121">
               <a:extLst>
                 <a:ext uri="{FF2B5EF4-FFF2-40B4-BE49-F238E27FC236}">
-                  <a16:creationId xmlns="" xmlns:a16="http://schemas.microsoft.com/office/drawing/2014/main" id="{F490A229-65A6-4DFF-870F-4B92A114A66A}"/>
+                  <a16:creationId xmlns:a16="http://schemas.microsoft.com/office/drawing/2014/main" xmlns="" id="{F490A229-65A6-4DFF-870F-4B92A114A66A}"/>
                 </a:ext>
               </a:extLst>
             </p:cNvPr>
@@ -5965,7 +5965,7 @@
           <p:cNvPr id="123" name="Group 122">
             <a:extLst>
               <a:ext uri="{FF2B5EF4-FFF2-40B4-BE49-F238E27FC236}">
-                <a16:creationId xmlns="" xmlns:a16="http://schemas.microsoft.com/office/drawing/2014/main" id="{9EC6FFFF-2006-4366-8566-0113AD9F036A}"/>
+                <a16:creationId xmlns:a16="http://schemas.microsoft.com/office/drawing/2014/main" xmlns="" id="{9EC6FFFF-2006-4366-8566-0113AD9F036A}"/>
               </a:ext>
             </a:extLst>
           </p:cNvPr>
@@ -5985,7 +5985,7 @@
             <p:cNvPr id="124" name="Rectangle 123">
               <a:extLst>
                 <a:ext uri="{FF2B5EF4-FFF2-40B4-BE49-F238E27FC236}">
-                  <a16:creationId xmlns="" xmlns:a16="http://schemas.microsoft.com/office/drawing/2014/main" id="{595E399E-0521-4D5B-914F-29C3ADDF2B72}"/>
+                  <a16:creationId xmlns:a16="http://schemas.microsoft.com/office/drawing/2014/main" xmlns="" id="{595E399E-0521-4D5B-914F-29C3ADDF2B72}"/>
                 </a:ext>
               </a:extLst>
             </p:cNvPr>
@@ -6046,7 +6046,7 @@
             <p:cNvPr id="125" name="Arc 124">
               <a:extLst>
                 <a:ext uri="{FF2B5EF4-FFF2-40B4-BE49-F238E27FC236}">
-                  <a16:creationId xmlns="" xmlns:a16="http://schemas.microsoft.com/office/drawing/2014/main" id="{14739334-2472-4756-B880-7780C40DA407}"/>
+                  <a16:creationId xmlns:a16="http://schemas.microsoft.com/office/drawing/2014/main" xmlns="" id="{14739334-2472-4756-B880-7780C40DA407}"/>
                 </a:ext>
               </a:extLst>
             </p:cNvPr>
@@ -6125,7 +6125,7 @@
           <p:cNvPr id="126" name="Group 125">
             <a:extLst>
               <a:ext uri="{FF2B5EF4-FFF2-40B4-BE49-F238E27FC236}">
-                <a16:creationId xmlns="" xmlns:a16="http://schemas.microsoft.com/office/drawing/2014/main" id="{6D7FEFCF-F5E2-48A4-8DA2-466E3FA530E8}"/>
+                <a16:creationId xmlns:a16="http://schemas.microsoft.com/office/drawing/2014/main" xmlns="" id="{6D7FEFCF-F5E2-48A4-8DA2-466E3FA530E8}"/>
               </a:ext>
             </a:extLst>
           </p:cNvPr>
@@ -6145,7 +6145,7 @@
             <p:cNvPr id="127" name="Rectangle 126">
               <a:extLst>
                 <a:ext uri="{FF2B5EF4-FFF2-40B4-BE49-F238E27FC236}">
-                  <a16:creationId xmlns="" xmlns:a16="http://schemas.microsoft.com/office/drawing/2014/main" id="{5B8C7798-2FB8-447C-BA5C-ECB75C74E5AD}"/>
+                  <a16:creationId xmlns:a16="http://schemas.microsoft.com/office/drawing/2014/main" xmlns="" id="{5B8C7798-2FB8-447C-BA5C-ECB75C74E5AD}"/>
                 </a:ext>
               </a:extLst>
             </p:cNvPr>
@@ -6206,7 +6206,7 @@
             <p:cNvPr id="128" name="Arc 127">
               <a:extLst>
                 <a:ext uri="{FF2B5EF4-FFF2-40B4-BE49-F238E27FC236}">
-                  <a16:creationId xmlns="" xmlns:a16="http://schemas.microsoft.com/office/drawing/2014/main" id="{DDFE7CA2-AC7D-4CF0-A779-1F7EC6161969}"/>
+                  <a16:creationId xmlns:a16="http://schemas.microsoft.com/office/drawing/2014/main" xmlns="" id="{DDFE7CA2-AC7D-4CF0-A779-1F7EC6161969}"/>
                 </a:ext>
               </a:extLst>
             </p:cNvPr>
@@ -6285,7 +6285,7 @@
           <p:cNvPr id="129" name="Group 128">
             <a:extLst>
               <a:ext uri="{FF2B5EF4-FFF2-40B4-BE49-F238E27FC236}">
-                <a16:creationId xmlns="" xmlns:a16="http://schemas.microsoft.com/office/drawing/2014/main" id="{EF6B5FAD-EB1F-43DC-8B99-11CAD21D64C9}"/>
+                <a16:creationId xmlns:a16="http://schemas.microsoft.com/office/drawing/2014/main" xmlns="" id="{EF6B5FAD-EB1F-43DC-8B99-11CAD21D64C9}"/>
               </a:ext>
             </a:extLst>
           </p:cNvPr>
@@ -6305,7 +6305,7 @@
             <p:cNvPr id="130" name="Rectangle 129">
               <a:extLst>
                 <a:ext uri="{FF2B5EF4-FFF2-40B4-BE49-F238E27FC236}">
-                  <a16:creationId xmlns="" xmlns:a16="http://schemas.microsoft.com/office/drawing/2014/main" id="{B817890A-729D-4FBB-8EF7-DAFD6F73427B}"/>
+                  <a16:creationId xmlns:a16="http://schemas.microsoft.com/office/drawing/2014/main" xmlns="" id="{B817890A-729D-4FBB-8EF7-DAFD6F73427B}"/>
                 </a:ext>
               </a:extLst>
             </p:cNvPr>
@@ -6366,7 +6366,7 @@
             <p:cNvPr id="131" name="Arc 130">
               <a:extLst>
                 <a:ext uri="{FF2B5EF4-FFF2-40B4-BE49-F238E27FC236}">
-                  <a16:creationId xmlns="" xmlns:a16="http://schemas.microsoft.com/office/drawing/2014/main" id="{EAD6132E-2435-4771-A3CC-CCE94E7A9600}"/>
+                  <a16:creationId xmlns:a16="http://schemas.microsoft.com/office/drawing/2014/main" xmlns="" id="{EAD6132E-2435-4771-A3CC-CCE94E7A9600}"/>
                 </a:ext>
               </a:extLst>
             </p:cNvPr>
@@ -6445,7 +6445,7 @@
           <p:cNvPr id="132" name="Group 131">
             <a:extLst>
               <a:ext uri="{FF2B5EF4-FFF2-40B4-BE49-F238E27FC236}">
-                <a16:creationId xmlns="" xmlns:a16="http://schemas.microsoft.com/office/drawing/2014/main" id="{2B7006E1-B188-46BA-BAA5-15A960905F4C}"/>
+                <a16:creationId xmlns:a16="http://schemas.microsoft.com/office/drawing/2014/main" xmlns="" id="{2B7006E1-B188-46BA-BAA5-15A960905F4C}"/>
               </a:ext>
             </a:extLst>
           </p:cNvPr>
@@ -6465,7 +6465,7 @@
             <p:cNvPr id="133" name="Rectangle 132">
               <a:extLst>
                 <a:ext uri="{FF2B5EF4-FFF2-40B4-BE49-F238E27FC236}">
-                  <a16:creationId xmlns="" xmlns:a16="http://schemas.microsoft.com/office/drawing/2014/main" id="{D01250CF-AFA1-4A19-B3C7-7F163609380B}"/>
+                  <a16:creationId xmlns:a16="http://schemas.microsoft.com/office/drawing/2014/main" xmlns="" id="{D01250CF-AFA1-4A19-B3C7-7F163609380B}"/>
                 </a:ext>
               </a:extLst>
             </p:cNvPr>
@@ -6526,7 +6526,7 @@
             <p:cNvPr id="134" name="Arc 133">
               <a:extLst>
                 <a:ext uri="{FF2B5EF4-FFF2-40B4-BE49-F238E27FC236}">
-                  <a16:creationId xmlns="" xmlns:a16="http://schemas.microsoft.com/office/drawing/2014/main" id="{1014BA5C-C370-44EB-84DA-2D69E36CE6C3}"/>
+                  <a16:creationId xmlns:a16="http://schemas.microsoft.com/office/drawing/2014/main" xmlns="" id="{1014BA5C-C370-44EB-84DA-2D69E36CE6C3}"/>
                 </a:ext>
               </a:extLst>
             </p:cNvPr>
@@ -6605,7 +6605,7 @@
           <p:cNvPr id="135" name="Group 134">
             <a:extLst>
               <a:ext uri="{FF2B5EF4-FFF2-40B4-BE49-F238E27FC236}">
-                <a16:creationId xmlns="" xmlns:a16="http://schemas.microsoft.com/office/drawing/2014/main" id="{AD8CB7E5-EBC4-4791-B93B-D0B41B862B83}"/>
+                <a16:creationId xmlns:a16="http://schemas.microsoft.com/office/drawing/2014/main" xmlns="" id="{AD8CB7E5-EBC4-4791-B93B-D0B41B862B83}"/>
               </a:ext>
             </a:extLst>
           </p:cNvPr>
@@ -6625,7 +6625,7 @@
             <p:cNvPr id="136" name="Rectangle 135">
               <a:extLst>
                 <a:ext uri="{FF2B5EF4-FFF2-40B4-BE49-F238E27FC236}">
-                  <a16:creationId xmlns="" xmlns:a16="http://schemas.microsoft.com/office/drawing/2014/main" id="{CF456FF3-391C-4C8E-A128-A413BDBBB225}"/>
+                  <a16:creationId xmlns:a16="http://schemas.microsoft.com/office/drawing/2014/main" xmlns="" id="{CF456FF3-391C-4C8E-A128-A413BDBBB225}"/>
                 </a:ext>
               </a:extLst>
             </p:cNvPr>
@@ -6686,7 +6686,7 @@
             <p:cNvPr id="137" name="Arc 136">
               <a:extLst>
                 <a:ext uri="{FF2B5EF4-FFF2-40B4-BE49-F238E27FC236}">
-                  <a16:creationId xmlns="" xmlns:a16="http://schemas.microsoft.com/office/drawing/2014/main" id="{8838FE2A-04D7-44E3-97C3-54338832CB9A}"/>
+                  <a16:creationId xmlns:a16="http://schemas.microsoft.com/office/drawing/2014/main" xmlns="" id="{8838FE2A-04D7-44E3-97C3-54338832CB9A}"/>
                 </a:ext>
               </a:extLst>
             </p:cNvPr>
@@ -6765,7 +6765,7 @@
           <p:cNvPr id="138" name="TextBox 137">
             <a:extLst>
               <a:ext uri="{FF2B5EF4-FFF2-40B4-BE49-F238E27FC236}">
-                <a16:creationId xmlns="" xmlns:a16="http://schemas.microsoft.com/office/drawing/2014/main" id="{A92F286C-434D-41FA-B624-1519DC144791}"/>
+                <a16:creationId xmlns:a16="http://schemas.microsoft.com/office/drawing/2014/main" xmlns="" id="{A92F286C-434D-41FA-B624-1519DC144791}"/>
               </a:ext>
             </a:extLst>
           </p:cNvPr>
@@ -6790,7 +6790,7 @@
           <a:p>
             <a:pPr algn="ctr"/>
             <a:r>
-              <a:rPr lang="pl-PL" sz="8800" b="1" dirty="0">
+              <a:rPr lang="pl-PL" sz="8800" b="1" dirty="0" smtClean="0">
                 <a:solidFill>
                   <a:schemeClr val="bg1"/>
                 </a:solidFill>
@@ -6803,7 +6803,7 @@
                 </a:effectLst>
                 <a:latin typeface="Oswald" panose="02000503000000000000" pitchFamily="2" charset="0"/>
               </a:rPr>
-              <a:t>SLO</a:t>
+              <a:t>SLO </a:t>
             </a:r>
             <a:endParaRPr lang="en-US" sz="8800" b="1" dirty="0">
               <a:solidFill>
@@ -6863,7 +6863,7 @@
           <p:cNvPr id="66" name="Rectangle 65">
             <a:extLst>
               <a:ext uri="{FF2B5EF4-FFF2-40B4-BE49-F238E27FC236}">
-                <a16:creationId xmlns="" xmlns:a16="http://schemas.microsoft.com/office/drawing/2014/main" id="{C03955BB-E41C-4E77-BB48-325360470229}"/>
+                <a16:creationId xmlns:a16="http://schemas.microsoft.com/office/drawing/2014/main" xmlns="" id="{C03955BB-E41C-4E77-BB48-325360470229}"/>
               </a:ext>
             </a:extLst>
           </p:cNvPr>
@@ -6922,7 +6922,7 @@
           <p:cNvPr id="4" name="Rectangle 3">
             <a:extLst>
               <a:ext uri="{FF2B5EF4-FFF2-40B4-BE49-F238E27FC236}">
-                <a16:creationId xmlns="" xmlns:a16="http://schemas.microsoft.com/office/drawing/2014/main" id="{33F222A8-AF2A-4292-8A95-0C3AD37A109D}"/>
+                <a16:creationId xmlns:a16="http://schemas.microsoft.com/office/drawing/2014/main" xmlns="" id="{33F222A8-AF2A-4292-8A95-0C3AD37A109D}"/>
               </a:ext>
             </a:extLst>
           </p:cNvPr>
@@ -6981,7 +6981,7 @@
           <p:cNvPr id="20" name="Group 19">
             <a:extLst>
               <a:ext uri="{FF2B5EF4-FFF2-40B4-BE49-F238E27FC236}">
-                <a16:creationId xmlns="" xmlns:a16="http://schemas.microsoft.com/office/drawing/2014/main" id="{92E12EE0-D677-4B3E-B6CE-0E062AA8ADF2}"/>
+                <a16:creationId xmlns:a16="http://schemas.microsoft.com/office/drawing/2014/main" xmlns="" id="{92E12EE0-D677-4B3E-B6CE-0E062AA8ADF2}"/>
               </a:ext>
             </a:extLst>
           </p:cNvPr>
@@ -7001,7 +7001,7 @@
             <p:cNvPr id="18" name="Rectangle 17">
               <a:extLst>
                 <a:ext uri="{FF2B5EF4-FFF2-40B4-BE49-F238E27FC236}">
-                  <a16:creationId xmlns="" xmlns:a16="http://schemas.microsoft.com/office/drawing/2014/main" id="{89A7C9A0-1A85-4F30-A93E-652DADAEA768}"/>
+                  <a16:creationId xmlns:a16="http://schemas.microsoft.com/office/drawing/2014/main" xmlns="" id="{89A7C9A0-1A85-4F30-A93E-652DADAEA768}"/>
                 </a:ext>
               </a:extLst>
             </p:cNvPr>
@@ -7070,7 +7070,7 @@
             <p:cNvPr id="159" name="Freeform: Shape 158">
               <a:extLst>
                 <a:ext uri="{FF2B5EF4-FFF2-40B4-BE49-F238E27FC236}">
-                  <a16:creationId xmlns="" xmlns:a16="http://schemas.microsoft.com/office/drawing/2014/main" id="{844EE657-B388-4FBA-B129-7B78DAC63F27}"/>
+                  <a16:creationId xmlns:a16="http://schemas.microsoft.com/office/drawing/2014/main" xmlns="" id="{844EE657-B388-4FBA-B129-7B78DAC63F27}"/>
                 </a:ext>
               </a:extLst>
             </p:cNvPr>
@@ -7206,7 +7206,7 @@
             <p:cNvPr id="19" name="TextBox 18">
               <a:extLst>
                 <a:ext uri="{FF2B5EF4-FFF2-40B4-BE49-F238E27FC236}">
-                  <a16:creationId xmlns="" xmlns:a16="http://schemas.microsoft.com/office/drawing/2014/main" id="{C4AF6244-7532-4141-B434-8E2F38097B0C}"/>
+                  <a16:creationId xmlns:a16="http://schemas.microsoft.com/office/drawing/2014/main" xmlns="" id="{C4AF6244-7532-4141-B434-8E2F38097B0C}"/>
                 </a:ext>
               </a:extLst>
             </p:cNvPr>
@@ -7231,11 +7231,11 @@
             <a:p>
               <a:pPr algn="ctr"/>
               <a:r>
-                <a:rPr lang="pl-PL" dirty="0"/>
+                <a:rPr lang="pl-PL" b="1" dirty="0"/>
                 <a:t>STRONA</a:t>
               </a:r>
               <a:r>
-                <a:rPr lang="en-US" dirty="0"/>
+                <a:rPr lang="en-US" b="1" dirty="0"/>
                 <a:t> 01</a:t>
               </a:r>
             </a:p>
@@ -7247,7 +7247,7 @@
           <p:cNvPr id="3" name="Group 2">
             <a:extLst>
               <a:ext uri="{FF2B5EF4-FFF2-40B4-BE49-F238E27FC236}">
-                <a16:creationId xmlns="" xmlns:a16="http://schemas.microsoft.com/office/drawing/2014/main" id="{0F1A4B53-3DA8-4B08-87F6-99E2B5780CCB}"/>
+                <a16:creationId xmlns:a16="http://schemas.microsoft.com/office/drawing/2014/main" xmlns="" id="{0F1A4B53-3DA8-4B08-87F6-99E2B5780CCB}"/>
               </a:ext>
             </a:extLst>
           </p:cNvPr>
@@ -7267,7 +7267,7 @@
             <p:cNvPr id="67" name="Rectangle 66">
               <a:extLst>
                 <a:ext uri="{FF2B5EF4-FFF2-40B4-BE49-F238E27FC236}">
-                  <a16:creationId xmlns="" xmlns:a16="http://schemas.microsoft.com/office/drawing/2014/main" id="{D119F2DB-0E38-4A31-831F-2BAF295D2A25}"/>
+                  <a16:creationId xmlns:a16="http://schemas.microsoft.com/office/drawing/2014/main" xmlns="" id="{D119F2DB-0E38-4A31-831F-2BAF295D2A25}"/>
                 </a:ext>
               </a:extLst>
             </p:cNvPr>
@@ -7333,7 +7333,7 @@
             <p:cNvPr id="10" name="Group 9">
               <a:extLst>
                 <a:ext uri="{FF2B5EF4-FFF2-40B4-BE49-F238E27FC236}">
-                  <a16:creationId xmlns="" xmlns:a16="http://schemas.microsoft.com/office/drawing/2014/main" id="{AEE5042A-E067-4FB7-BCFF-00BB33BFEDEC}"/>
+                  <a16:creationId xmlns:a16="http://schemas.microsoft.com/office/drawing/2014/main" xmlns="" id="{AEE5042A-E067-4FB7-BCFF-00BB33BFEDEC}"/>
                 </a:ext>
               </a:extLst>
             </p:cNvPr>
@@ -7353,7 +7353,7 @@
               <p:cNvPr id="5" name="Rectangle 4">
                 <a:extLst>
                   <a:ext uri="{FF2B5EF4-FFF2-40B4-BE49-F238E27FC236}">
-                    <a16:creationId xmlns="" xmlns:a16="http://schemas.microsoft.com/office/drawing/2014/main" id="{9ECC8D50-758B-45D1-9832-058DA749338C}"/>
+                    <a16:creationId xmlns:a16="http://schemas.microsoft.com/office/drawing/2014/main" xmlns="" id="{9ECC8D50-758B-45D1-9832-058DA749338C}"/>
                   </a:ext>
                 </a:extLst>
               </p:cNvPr>
@@ -7412,7 +7412,7 @@
               <p:cNvPr id="9" name="Arc 8">
                 <a:extLst>
                   <a:ext uri="{FF2B5EF4-FFF2-40B4-BE49-F238E27FC236}">
-                    <a16:creationId xmlns="" xmlns:a16="http://schemas.microsoft.com/office/drawing/2014/main" id="{FC783E55-1922-4926-8D97-EC60526709F7}"/>
+                    <a16:creationId xmlns:a16="http://schemas.microsoft.com/office/drawing/2014/main" xmlns="" id="{FC783E55-1922-4926-8D97-EC60526709F7}"/>
                   </a:ext>
                 </a:extLst>
               </p:cNvPr>
@@ -7491,7 +7491,7 @@
             <p:cNvPr id="68" name="Rectangle 67">
               <a:extLst>
                 <a:ext uri="{FF2B5EF4-FFF2-40B4-BE49-F238E27FC236}">
-                  <a16:creationId xmlns="" xmlns:a16="http://schemas.microsoft.com/office/drawing/2014/main" id="{FCB92E0C-F05E-4602-8A6C-A561815032EC}"/>
+                  <a16:creationId xmlns:a16="http://schemas.microsoft.com/office/drawing/2014/main" xmlns="" id="{FCB92E0C-F05E-4602-8A6C-A561815032EC}"/>
                 </a:ext>
               </a:extLst>
             </p:cNvPr>
@@ -7557,7 +7557,7 @@
             <p:cNvPr id="78" name="Group 77">
               <a:extLst>
                 <a:ext uri="{FF2B5EF4-FFF2-40B4-BE49-F238E27FC236}">
-                  <a16:creationId xmlns="" xmlns:a16="http://schemas.microsoft.com/office/drawing/2014/main" id="{E48E30C9-A74F-4C52-AD04-FC9A5CBD8258}"/>
+                  <a16:creationId xmlns:a16="http://schemas.microsoft.com/office/drawing/2014/main" xmlns="" id="{E48E30C9-A74F-4C52-AD04-FC9A5CBD8258}"/>
                 </a:ext>
               </a:extLst>
             </p:cNvPr>
@@ -7577,7 +7577,7 @@
               <p:cNvPr id="79" name="Rectangle 78">
                 <a:extLst>
                   <a:ext uri="{FF2B5EF4-FFF2-40B4-BE49-F238E27FC236}">
-                    <a16:creationId xmlns="" xmlns:a16="http://schemas.microsoft.com/office/drawing/2014/main" id="{9D80A7DB-810E-4588-BE25-E9F7C34D3DB1}"/>
+                    <a16:creationId xmlns:a16="http://schemas.microsoft.com/office/drawing/2014/main" xmlns="" id="{9D80A7DB-810E-4588-BE25-E9F7C34D3DB1}"/>
                   </a:ext>
                 </a:extLst>
               </p:cNvPr>
@@ -7636,7 +7636,7 @@
               <p:cNvPr id="80" name="Arc 79">
                 <a:extLst>
                   <a:ext uri="{FF2B5EF4-FFF2-40B4-BE49-F238E27FC236}">
-                    <a16:creationId xmlns="" xmlns:a16="http://schemas.microsoft.com/office/drawing/2014/main" id="{0CEE252C-3F6B-425D-A974-8C322FD62AA8}"/>
+                    <a16:creationId xmlns:a16="http://schemas.microsoft.com/office/drawing/2014/main" xmlns="" id="{0CEE252C-3F6B-425D-A974-8C322FD62AA8}"/>
                   </a:ext>
                 </a:extLst>
               </p:cNvPr>
@@ -7715,7 +7715,7 @@
             <p:cNvPr id="69" name="Rectangle 68">
               <a:extLst>
                 <a:ext uri="{FF2B5EF4-FFF2-40B4-BE49-F238E27FC236}">
-                  <a16:creationId xmlns="" xmlns:a16="http://schemas.microsoft.com/office/drawing/2014/main" id="{A4620A41-830E-412F-B7F4-82B17531460F}"/>
+                  <a16:creationId xmlns:a16="http://schemas.microsoft.com/office/drawing/2014/main" xmlns="" id="{A4620A41-830E-412F-B7F4-82B17531460F}"/>
                 </a:ext>
               </a:extLst>
             </p:cNvPr>
@@ -7781,7 +7781,7 @@
             <p:cNvPr id="70" name="Rectangle 69">
               <a:extLst>
                 <a:ext uri="{FF2B5EF4-FFF2-40B4-BE49-F238E27FC236}">
-                  <a16:creationId xmlns="" xmlns:a16="http://schemas.microsoft.com/office/drawing/2014/main" id="{B8C591D4-C50C-4B67-805A-961945693BE6}"/>
+                  <a16:creationId xmlns:a16="http://schemas.microsoft.com/office/drawing/2014/main" xmlns="" id="{B8C591D4-C50C-4B67-805A-961945693BE6}"/>
                 </a:ext>
               </a:extLst>
             </p:cNvPr>
@@ -7847,7 +7847,7 @@
             <p:cNvPr id="71" name="Rectangle 70">
               <a:extLst>
                 <a:ext uri="{FF2B5EF4-FFF2-40B4-BE49-F238E27FC236}">
-                  <a16:creationId xmlns="" xmlns:a16="http://schemas.microsoft.com/office/drawing/2014/main" id="{461F08B5-15BF-4C63-B54C-7D2001EDCAD3}"/>
+                  <a16:creationId xmlns:a16="http://schemas.microsoft.com/office/drawing/2014/main" xmlns="" id="{461F08B5-15BF-4C63-B54C-7D2001EDCAD3}"/>
                 </a:ext>
               </a:extLst>
             </p:cNvPr>
@@ -7913,7 +7913,7 @@
             <p:cNvPr id="72" name="Rectangle 71">
               <a:extLst>
                 <a:ext uri="{FF2B5EF4-FFF2-40B4-BE49-F238E27FC236}">
-                  <a16:creationId xmlns="" xmlns:a16="http://schemas.microsoft.com/office/drawing/2014/main" id="{D12C5631-8C0A-4256-BD3E-88D081A7321B}"/>
+                  <a16:creationId xmlns:a16="http://schemas.microsoft.com/office/drawing/2014/main" xmlns="" id="{D12C5631-8C0A-4256-BD3E-88D081A7321B}"/>
                 </a:ext>
               </a:extLst>
             </p:cNvPr>
@@ -7979,7 +7979,7 @@
             <p:cNvPr id="73" name="Rectangle 72">
               <a:extLst>
                 <a:ext uri="{FF2B5EF4-FFF2-40B4-BE49-F238E27FC236}">
-                  <a16:creationId xmlns="" xmlns:a16="http://schemas.microsoft.com/office/drawing/2014/main" id="{D3030D9B-44CF-4F4E-A86E-18A79322376D}"/>
+                  <a16:creationId xmlns:a16="http://schemas.microsoft.com/office/drawing/2014/main" xmlns="" id="{D3030D9B-44CF-4F4E-A86E-18A79322376D}"/>
                 </a:ext>
               </a:extLst>
             </p:cNvPr>
@@ -8045,7 +8045,7 @@
             <p:cNvPr id="74" name="Rectangle 73">
               <a:extLst>
                 <a:ext uri="{FF2B5EF4-FFF2-40B4-BE49-F238E27FC236}">
-                  <a16:creationId xmlns="" xmlns:a16="http://schemas.microsoft.com/office/drawing/2014/main" id="{0E9F8D11-58D9-4493-A410-DACB43B5E48F}"/>
+                  <a16:creationId xmlns:a16="http://schemas.microsoft.com/office/drawing/2014/main" xmlns="" id="{0E9F8D11-58D9-4493-A410-DACB43B5E48F}"/>
                 </a:ext>
               </a:extLst>
             </p:cNvPr>
@@ -8111,7 +8111,7 @@
             <p:cNvPr id="75" name="Rectangle 74">
               <a:extLst>
                 <a:ext uri="{FF2B5EF4-FFF2-40B4-BE49-F238E27FC236}">
-                  <a16:creationId xmlns="" xmlns:a16="http://schemas.microsoft.com/office/drawing/2014/main" id="{880FA994-AF36-4890-A98D-4750B71B3C59}"/>
+                  <a16:creationId xmlns:a16="http://schemas.microsoft.com/office/drawing/2014/main" xmlns="" id="{880FA994-AF36-4890-A98D-4750B71B3C59}"/>
                 </a:ext>
               </a:extLst>
             </p:cNvPr>
@@ -8177,7 +8177,7 @@
             <p:cNvPr id="76" name="Rectangle 75">
               <a:extLst>
                 <a:ext uri="{FF2B5EF4-FFF2-40B4-BE49-F238E27FC236}">
-                  <a16:creationId xmlns="" xmlns:a16="http://schemas.microsoft.com/office/drawing/2014/main" id="{9E5C2FB6-992A-4537-B467-2FCB0FDBDB9F}"/>
+                  <a16:creationId xmlns:a16="http://schemas.microsoft.com/office/drawing/2014/main" xmlns="" id="{9E5C2FB6-992A-4537-B467-2FCB0FDBDB9F}"/>
                 </a:ext>
               </a:extLst>
             </p:cNvPr>
@@ -8243,7 +8243,7 @@
             <p:cNvPr id="77" name="Rectangle 76">
               <a:extLst>
                 <a:ext uri="{FF2B5EF4-FFF2-40B4-BE49-F238E27FC236}">
-                  <a16:creationId xmlns="" xmlns:a16="http://schemas.microsoft.com/office/drawing/2014/main" id="{73193785-12A4-408F-9E7C-27DDBEAFA7BD}"/>
+                  <a16:creationId xmlns:a16="http://schemas.microsoft.com/office/drawing/2014/main" xmlns="" id="{73193785-12A4-408F-9E7C-27DDBEAFA7BD}"/>
                 </a:ext>
               </a:extLst>
             </p:cNvPr>
@@ -8309,7 +8309,7 @@
             <p:cNvPr id="138" name="Rectangle 137">
               <a:extLst>
                 <a:ext uri="{FF2B5EF4-FFF2-40B4-BE49-F238E27FC236}">
-                  <a16:creationId xmlns="" xmlns:a16="http://schemas.microsoft.com/office/drawing/2014/main" id="{FF68EA0C-3323-4279-9322-583E0496C340}"/>
+                  <a16:creationId xmlns:a16="http://schemas.microsoft.com/office/drawing/2014/main" xmlns="" id="{FF68EA0C-3323-4279-9322-583E0496C340}"/>
                 </a:ext>
               </a:extLst>
             </p:cNvPr>
@@ -8375,7 +8375,7 @@
             <p:cNvPr id="139" name="Rectangle 138">
               <a:extLst>
                 <a:ext uri="{FF2B5EF4-FFF2-40B4-BE49-F238E27FC236}">
-                  <a16:creationId xmlns="" xmlns:a16="http://schemas.microsoft.com/office/drawing/2014/main" id="{DA8F7F98-A2C1-4622-86E7-4F2038831BBE}"/>
+                  <a16:creationId xmlns:a16="http://schemas.microsoft.com/office/drawing/2014/main" xmlns="" id="{DA8F7F98-A2C1-4622-86E7-4F2038831BBE}"/>
                 </a:ext>
               </a:extLst>
             </p:cNvPr>
@@ -8441,7 +8441,7 @@
             <p:cNvPr id="140" name="Rectangle 139">
               <a:extLst>
                 <a:ext uri="{FF2B5EF4-FFF2-40B4-BE49-F238E27FC236}">
-                  <a16:creationId xmlns="" xmlns:a16="http://schemas.microsoft.com/office/drawing/2014/main" id="{0A05E640-BFCE-401E-8E58-B95F9FAC8DFA}"/>
+                  <a16:creationId xmlns:a16="http://schemas.microsoft.com/office/drawing/2014/main" xmlns="" id="{0A05E640-BFCE-401E-8E58-B95F9FAC8DFA}"/>
                 </a:ext>
               </a:extLst>
             </p:cNvPr>
@@ -8507,7 +8507,7 @@
             <p:cNvPr id="141" name="Rectangle 140">
               <a:extLst>
                 <a:ext uri="{FF2B5EF4-FFF2-40B4-BE49-F238E27FC236}">
-                  <a16:creationId xmlns="" xmlns:a16="http://schemas.microsoft.com/office/drawing/2014/main" id="{E054FE0A-3727-4A81-B405-7B2AD3CF46C1}"/>
+                  <a16:creationId xmlns:a16="http://schemas.microsoft.com/office/drawing/2014/main" xmlns="" id="{E054FE0A-3727-4A81-B405-7B2AD3CF46C1}"/>
                 </a:ext>
               </a:extLst>
             </p:cNvPr>
@@ -8573,7 +8573,7 @@
             <p:cNvPr id="142" name="Rectangle 141">
               <a:extLst>
                 <a:ext uri="{FF2B5EF4-FFF2-40B4-BE49-F238E27FC236}">
-                  <a16:creationId xmlns="" xmlns:a16="http://schemas.microsoft.com/office/drawing/2014/main" id="{181F776C-2AF8-48ED-A45F-6043E45954BF}"/>
+                  <a16:creationId xmlns:a16="http://schemas.microsoft.com/office/drawing/2014/main" xmlns="" id="{181F776C-2AF8-48ED-A45F-6043E45954BF}"/>
                 </a:ext>
               </a:extLst>
             </p:cNvPr>
@@ -8639,7 +8639,7 @@
             <p:cNvPr id="143" name="Rectangle 142">
               <a:extLst>
                 <a:ext uri="{FF2B5EF4-FFF2-40B4-BE49-F238E27FC236}">
-                  <a16:creationId xmlns="" xmlns:a16="http://schemas.microsoft.com/office/drawing/2014/main" id="{F411B93B-64DC-40ED-8351-A38502F83EC2}"/>
+                  <a16:creationId xmlns:a16="http://schemas.microsoft.com/office/drawing/2014/main" xmlns="" id="{F411B93B-64DC-40ED-8351-A38502F83EC2}"/>
                 </a:ext>
               </a:extLst>
             </p:cNvPr>
@@ -8705,7 +8705,7 @@
             <p:cNvPr id="144" name="Rectangle 143">
               <a:extLst>
                 <a:ext uri="{FF2B5EF4-FFF2-40B4-BE49-F238E27FC236}">
-                  <a16:creationId xmlns="" xmlns:a16="http://schemas.microsoft.com/office/drawing/2014/main" id="{6D4EF766-AAA1-4FD1-9EB8-BC7CCAF80F4C}"/>
+                  <a16:creationId xmlns:a16="http://schemas.microsoft.com/office/drawing/2014/main" xmlns="" id="{6D4EF766-AAA1-4FD1-9EB8-BC7CCAF80F4C}"/>
                 </a:ext>
               </a:extLst>
             </p:cNvPr>
@@ -8771,7 +8771,7 @@
             <p:cNvPr id="145" name="Rectangle 144">
               <a:extLst>
                 <a:ext uri="{FF2B5EF4-FFF2-40B4-BE49-F238E27FC236}">
-                  <a16:creationId xmlns="" xmlns:a16="http://schemas.microsoft.com/office/drawing/2014/main" id="{CA3BC80A-A5C7-4031-AE04-E1DBB065F990}"/>
+                  <a16:creationId xmlns:a16="http://schemas.microsoft.com/office/drawing/2014/main" xmlns="" id="{CA3BC80A-A5C7-4031-AE04-E1DBB065F990}"/>
                 </a:ext>
               </a:extLst>
             </p:cNvPr>
@@ -8837,7 +8837,7 @@
             <p:cNvPr id="146" name="Rectangle 145">
               <a:extLst>
                 <a:ext uri="{FF2B5EF4-FFF2-40B4-BE49-F238E27FC236}">
-                  <a16:creationId xmlns="" xmlns:a16="http://schemas.microsoft.com/office/drawing/2014/main" id="{B2C4E260-0390-4C3C-B29D-AB4732D5F312}"/>
+                  <a16:creationId xmlns:a16="http://schemas.microsoft.com/office/drawing/2014/main" xmlns="" id="{B2C4E260-0390-4C3C-B29D-AB4732D5F312}"/>
                 </a:ext>
               </a:extLst>
             </p:cNvPr>
@@ -8903,7 +8903,7 @@
             <p:cNvPr id="147" name="Rectangle 146">
               <a:extLst>
                 <a:ext uri="{FF2B5EF4-FFF2-40B4-BE49-F238E27FC236}">
-                  <a16:creationId xmlns="" xmlns:a16="http://schemas.microsoft.com/office/drawing/2014/main" id="{9CF30D03-0768-4F4A-876B-4064ADC4B962}"/>
+                  <a16:creationId xmlns:a16="http://schemas.microsoft.com/office/drawing/2014/main" xmlns="" id="{9CF30D03-0768-4F4A-876B-4064ADC4B962}"/>
                 </a:ext>
               </a:extLst>
             </p:cNvPr>
@@ -8969,7 +8969,7 @@
             <p:cNvPr id="81" name="Group 80">
               <a:extLst>
                 <a:ext uri="{FF2B5EF4-FFF2-40B4-BE49-F238E27FC236}">
-                  <a16:creationId xmlns="" xmlns:a16="http://schemas.microsoft.com/office/drawing/2014/main" id="{BDE4CAF1-67FB-4A00-A957-F84932EF37EA}"/>
+                  <a16:creationId xmlns:a16="http://schemas.microsoft.com/office/drawing/2014/main" xmlns="" id="{BDE4CAF1-67FB-4A00-A957-F84932EF37EA}"/>
                 </a:ext>
               </a:extLst>
             </p:cNvPr>
@@ -8989,7 +8989,7 @@
               <p:cNvPr id="82" name="Rectangle 81">
                 <a:extLst>
                   <a:ext uri="{FF2B5EF4-FFF2-40B4-BE49-F238E27FC236}">
-                    <a16:creationId xmlns="" xmlns:a16="http://schemas.microsoft.com/office/drawing/2014/main" id="{74C944AF-D50A-425E-A441-BD46E8CB9783}"/>
+                    <a16:creationId xmlns:a16="http://schemas.microsoft.com/office/drawing/2014/main" xmlns="" id="{74C944AF-D50A-425E-A441-BD46E8CB9783}"/>
                   </a:ext>
                 </a:extLst>
               </p:cNvPr>
@@ -9048,7 +9048,7 @@
               <p:cNvPr id="83" name="Arc 82">
                 <a:extLst>
                   <a:ext uri="{FF2B5EF4-FFF2-40B4-BE49-F238E27FC236}">
-                    <a16:creationId xmlns="" xmlns:a16="http://schemas.microsoft.com/office/drawing/2014/main" id="{AE95EC9D-DB78-417E-AF31-C543DE84C1EE}"/>
+                    <a16:creationId xmlns:a16="http://schemas.microsoft.com/office/drawing/2014/main" xmlns="" id="{AE95EC9D-DB78-417E-AF31-C543DE84C1EE}"/>
                   </a:ext>
                 </a:extLst>
               </p:cNvPr>
@@ -9127,7 +9127,7 @@
             <p:cNvPr id="84" name="Group 83">
               <a:extLst>
                 <a:ext uri="{FF2B5EF4-FFF2-40B4-BE49-F238E27FC236}">
-                  <a16:creationId xmlns="" xmlns:a16="http://schemas.microsoft.com/office/drawing/2014/main" id="{EC3E0684-8AE8-4214-BF7B-4AAB6B86F600}"/>
+                  <a16:creationId xmlns:a16="http://schemas.microsoft.com/office/drawing/2014/main" xmlns="" id="{EC3E0684-8AE8-4214-BF7B-4AAB6B86F600}"/>
                 </a:ext>
               </a:extLst>
             </p:cNvPr>
@@ -9147,7 +9147,7 @@
               <p:cNvPr id="85" name="Rectangle 84">
                 <a:extLst>
                   <a:ext uri="{FF2B5EF4-FFF2-40B4-BE49-F238E27FC236}">
-                    <a16:creationId xmlns="" xmlns:a16="http://schemas.microsoft.com/office/drawing/2014/main" id="{CF8E04A3-B6B4-4F3C-BB6B-AF9929DDA237}"/>
+                    <a16:creationId xmlns:a16="http://schemas.microsoft.com/office/drawing/2014/main" xmlns="" id="{CF8E04A3-B6B4-4F3C-BB6B-AF9929DDA237}"/>
                   </a:ext>
                 </a:extLst>
               </p:cNvPr>
@@ -9206,7 +9206,7 @@
               <p:cNvPr id="86" name="Arc 85">
                 <a:extLst>
                   <a:ext uri="{FF2B5EF4-FFF2-40B4-BE49-F238E27FC236}">
-                    <a16:creationId xmlns="" xmlns:a16="http://schemas.microsoft.com/office/drawing/2014/main" id="{18A95974-DAB2-4BF8-9192-96278D1744CD}"/>
+                    <a16:creationId xmlns:a16="http://schemas.microsoft.com/office/drawing/2014/main" xmlns="" id="{18A95974-DAB2-4BF8-9192-96278D1744CD}"/>
                   </a:ext>
                 </a:extLst>
               </p:cNvPr>
@@ -9285,7 +9285,7 @@
             <p:cNvPr id="87" name="Group 86">
               <a:extLst>
                 <a:ext uri="{FF2B5EF4-FFF2-40B4-BE49-F238E27FC236}">
-                  <a16:creationId xmlns="" xmlns:a16="http://schemas.microsoft.com/office/drawing/2014/main" id="{C97BDBFC-6DCF-4D05-9235-AF24FD08B7BA}"/>
+                  <a16:creationId xmlns:a16="http://schemas.microsoft.com/office/drawing/2014/main" xmlns="" id="{C97BDBFC-6DCF-4D05-9235-AF24FD08B7BA}"/>
                 </a:ext>
               </a:extLst>
             </p:cNvPr>
@@ -9305,7 +9305,7 @@
               <p:cNvPr id="88" name="Rectangle 87">
                 <a:extLst>
                   <a:ext uri="{FF2B5EF4-FFF2-40B4-BE49-F238E27FC236}">
-                    <a16:creationId xmlns="" xmlns:a16="http://schemas.microsoft.com/office/drawing/2014/main" id="{4AB8CE96-3DF3-4063-9F27-D4DB07BB75EF}"/>
+                    <a16:creationId xmlns:a16="http://schemas.microsoft.com/office/drawing/2014/main" xmlns="" id="{4AB8CE96-3DF3-4063-9F27-D4DB07BB75EF}"/>
                   </a:ext>
                 </a:extLst>
               </p:cNvPr>
@@ -9364,7 +9364,7 @@
               <p:cNvPr id="89" name="Arc 88">
                 <a:extLst>
                   <a:ext uri="{FF2B5EF4-FFF2-40B4-BE49-F238E27FC236}">
-                    <a16:creationId xmlns="" xmlns:a16="http://schemas.microsoft.com/office/drawing/2014/main" id="{309BD817-14B6-4AA7-A1F6-6EAEFBC3A86F}"/>
+                    <a16:creationId xmlns:a16="http://schemas.microsoft.com/office/drawing/2014/main" xmlns="" id="{309BD817-14B6-4AA7-A1F6-6EAEFBC3A86F}"/>
                   </a:ext>
                 </a:extLst>
               </p:cNvPr>
@@ -9443,7 +9443,7 @@
             <p:cNvPr id="90" name="Group 89">
               <a:extLst>
                 <a:ext uri="{FF2B5EF4-FFF2-40B4-BE49-F238E27FC236}">
-                  <a16:creationId xmlns="" xmlns:a16="http://schemas.microsoft.com/office/drawing/2014/main" id="{C6951FED-2BD7-4859-B333-5B1CAEF8AB8D}"/>
+                  <a16:creationId xmlns:a16="http://schemas.microsoft.com/office/drawing/2014/main" xmlns="" id="{C6951FED-2BD7-4859-B333-5B1CAEF8AB8D}"/>
                 </a:ext>
               </a:extLst>
             </p:cNvPr>
@@ -9463,7 +9463,7 @@
               <p:cNvPr id="91" name="Rectangle 90">
                 <a:extLst>
                   <a:ext uri="{FF2B5EF4-FFF2-40B4-BE49-F238E27FC236}">
-                    <a16:creationId xmlns="" xmlns:a16="http://schemas.microsoft.com/office/drawing/2014/main" id="{FE30C63D-F045-40E9-8C54-26DA5BDA0F44}"/>
+                    <a16:creationId xmlns:a16="http://schemas.microsoft.com/office/drawing/2014/main" xmlns="" id="{FE30C63D-F045-40E9-8C54-26DA5BDA0F44}"/>
                   </a:ext>
                 </a:extLst>
               </p:cNvPr>
@@ -9522,7 +9522,7 @@
               <p:cNvPr id="92" name="Arc 91">
                 <a:extLst>
                   <a:ext uri="{FF2B5EF4-FFF2-40B4-BE49-F238E27FC236}">
-                    <a16:creationId xmlns="" xmlns:a16="http://schemas.microsoft.com/office/drawing/2014/main" id="{434A2720-2A66-40B1-AC7E-5C244C6E6EB9}"/>
+                    <a16:creationId xmlns:a16="http://schemas.microsoft.com/office/drawing/2014/main" xmlns="" id="{434A2720-2A66-40B1-AC7E-5C244C6E6EB9}"/>
                   </a:ext>
                 </a:extLst>
               </p:cNvPr>
@@ -9601,7 +9601,7 @@
             <p:cNvPr id="93" name="Group 92">
               <a:extLst>
                 <a:ext uri="{FF2B5EF4-FFF2-40B4-BE49-F238E27FC236}">
-                  <a16:creationId xmlns="" xmlns:a16="http://schemas.microsoft.com/office/drawing/2014/main" id="{3253887B-E245-4C89-84BB-C89576187B4D}"/>
+                  <a16:creationId xmlns:a16="http://schemas.microsoft.com/office/drawing/2014/main" xmlns="" id="{3253887B-E245-4C89-84BB-C89576187B4D}"/>
                 </a:ext>
               </a:extLst>
             </p:cNvPr>
@@ -9621,7 +9621,7 @@
               <p:cNvPr id="94" name="Rectangle 93">
                 <a:extLst>
                   <a:ext uri="{FF2B5EF4-FFF2-40B4-BE49-F238E27FC236}">
-                    <a16:creationId xmlns="" xmlns:a16="http://schemas.microsoft.com/office/drawing/2014/main" id="{C2935527-C9EF-4950-89BB-EB1207B25EAD}"/>
+                    <a16:creationId xmlns:a16="http://schemas.microsoft.com/office/drawing/2014/main" xmlns="" id="{C2935527-C9EF-4950-89BB-EB1207B25EAD}"/>
                   </a:ext>
                 </a:extLst>
               </p:cNvPr>
@@ -9680,7 +9680,7 @@
               <p:cNvPr id="95" name="Arc 94">
                 <a:extLst>
                   <a:ext uri="{FF2B5EF4-FFF2-40B4-BE49-F238E27FC236}">
-                    <a16:creationId xmlns="" xmlns:a16="http://schemas.microsoft.com/office/drawing/2014/main" id="{B885AD0D-2A97-4761-A7E2-81AE7730FF98}"/>
+                    <a16:creationId xmlns:a16="http://schemas.microsoft.com/office/drawing/2014/main" xmlns="" id="{B885AD0D-2A97-4761-A7E2-81AE7730FF98}"/>
                   </a:ext>
                 </a:extLst>
               </p:cNvPr>
@@ -9759,7 +9759,7 @@
             <p:cNvPr id="96" name="Group 95">
               <a:extLst>
                 <a:ext uri="{FF2B5EF4-FFF2-40B4-BE49-F238E27FC236}">
-                  <a16:creationId xmlns="" xmlns:a16="http://schemas.microsoft.com/office/drawing/2014/main" id="{B20895E6-FBAD-4249-90F9-43369FD2080F}"/>
+                  <a16:creationId xmlns:a16="http://schemas.microsoft.com/office/drawing/2014/main" xmlns="" id="{B20895E6-FBAD-4249-90F9-43369FD2080F}"/>
                 </a:ext>
               </a:extLst>
             </p:cNvPr>
@@ -9779,7 +9779,7 @@
               <p:cNvPr id="97" name="Rectangle 96">
                 <a:extLst>
                   <a:ext uri="{FF2B5EF4-FFF2-40B4-BE49-F238E27FC236}">
-                    <a16:creationId xmlns="" xmlns:a16="http://schemas.microsoft.com/office/drawing/2014/main" id="{416F99E9-E132-4AB6-9501-719E390B2951}"/>
+                    <a16:creationId xmlns:a16="http://schemas.microsoft.com/office/drawing/2014/main" xmlns="" id="{416F99E9-E132-4AB6-9501-719E390B2951}"/>
                   </a:ext>
                 </a:extLst>
               </p:cNvPr>
@@ -9838,7 +9838,7 @@
               <p:cNvPr id="98" name="Arc 97">
                 <a:extLst>
                   <a:ext uri="{FF2B5EF4-FFF2-40B4-BE49-F238E27FC236}">
-                    <a16:creationId xmlns="" xmlns:a16="http://schemas.microsoft.com/office/drawing/2014/main" id="{7BF41422-E1EF-4A49-906D-7C9E43200378}"/>
+                    <a16:creationId xmlns:a16="http://schemas.microsoft.com/office/drawing/2014/main" xmlns="" id="{7BF41422-E1EF-4A49-906D-7C9E43200378}"/>
                   </a:ext>
                 </a:extLst>
               </p:cNvPr>
@@ -9917,7 +9917,7 @@
             <p:cNvPr id="99" name="Group 98">
               <a:extLst>
                 <a:ext uri="{FF2B5EF4-FFF2-40B4-BE49-F238E27FC236}">
-                  <a16:creationId xmlns="" xmlns:a16="http://schemas.microsoft.com/office/drawing/2014/main" id="{3A6C8FCE-3906-4A51-8C51-53A21458A79D}"/>
+                  <a16:creationId xmlns:a16="http://schemas.microsoft.com/office/drawing/2014/main" xmlns="" id="{3A6C8FCE-3906-4A51-8C51-53A21458A79D}"/>
                 </a:ext>
               </a:extLst>
             </p:cNvPr>
@@ -9937,7 +9937,7 @@
               <p:cNvPr id="100" name="Rectangle 99">
                 <a:extLst>
                   <a:ext uri="{FF2B5EF4-FFF2-40B4-BE49-F238E27FC236}">
-                    <a16:creationId xmlns="" xmlns:a16="http://schemas.microsoft.com/office/drawing/2014/main" id="{01B7306C-C82A-4CBC-8810-B196E2B85FD9}"/>
+                    <a16:creationId xmlns:a16="http://schemas.microsoft.com/office/drawing/2014/main" xmlns="" id="{01B7306C-C82A-4CBC-8810-B196E2B85FD9}"/>
                   </a:ext>
                 </a:extLst>
               </p:cNvPr>
@@ -9996,7 +9996,7 @@
               <p:cNvPr id="101" name="Arc 100">
                 <a:extLst>
                   <a:ext uri="{FF2B5EF4-FFF2-40B4-BE49-F238E27FC236}">
-                    <a16:creationId xmlns="" xmlns:a16="http://schemas.microsoft.com/office/drawing/2014/main" id="{4309EB4B-A1C1-41B8-9E71-43E4632DE81A}"/>
+                    <a16:creationId xmlns:a16="http://schemas.microsoft.com/office/drawing/2014/main" xmlns="" id="{4309EB4B-A1C1-41B8-9E71-43E4632DE81A}"/>
                   </a:ext>
                 </a:extLst>
               </p:cNvPr>
@@ -10075,7 +10075,7 @@
             <p:cNvPr id="102" name="Group 101">
               <a:extLst>
                 <a:ext uri="{FF2B5EF4-FFF2-40B4-BE49-F238E27FC236}">
-                  <a16:creationId xmlns="" xmlns:a16="http://schemas.microsoft.com/office/drawing/2014/main" id="{C74B4894-B5D2-4362-964C-D4DC0546060A}"/>
+                  <a16:creationId xmlns:a16="http://schemas.microsoft.com/office/drawing/2014/main" xmlns="" id="{C74B4894-B5D2-4362-964C-D4DC0546060A}"/>
                 </a:ext>
               </a:extLst>
             </p:cNvPr>
@@ -10095,7 +10095,7 @@
               <p:cNvPr id="103" name="Rectangle 102">
                 <a:extLst>
                   <a:ext uri="{FF2B5EF4-FFF2-40B4-BE49-F238E27FC236}">
-                    <a16:creationId xmlns="" xmlns:a16="http://schemas.microsoft.com/office/drawing/2014/main" id="{DA95D981-4D5B-4F4F-8A82-69838938508F}"/>
+                    <a16:creationId xmlns:a16="http://schemas.microsoft.com/office/drawing/2014/main" xmlns="" id="{DA95D981-4D5B-4F4F-8A82-69838938508F}"/>
                   </a:ext>
                 </a:extLst>
               </p:cNvPr>
@@ -10154,7 +10154,7 @@
               <p:cNvPr id="104" name="Arc 103">
                 <a:extLst>
                   <a:ext uri="{FF2B5EF4-FFF2-40B4-BE49-F238E27FC236}">
-                    <a16:creationId xmlns="" xmlns:a16="http://schemas.microsoft.com/office/drawing/2014/main" id="{E4822634-A39A-4B0D-8399-883328FCA1EE}"/>
+                    <a16:creationId xmlns:a16="http://schemas.microsoft.com/office/drawing/2014/main" xmlns="" id="{E4822634-A39A-4B0D-8399-883328FCA1EE}"/>
                   </a:ext>
                 </a:extLst>
               </p:cNvPr>
@@ -10233,7 +10233,7 @@
             <p:cNvPr id="105" name="Group 104">
               <a:extLst>
                 <a:ext uri="{FF2B5EF4-FFF2-40B4-BE49-F238E27FC236}">
-                  <a16:creationId xmlns="" xmlns:a16="http://schemas.microsoft.com/office/drawing/2014/main" id="{AC0C8900-7AAE-4DAD-9853-250BA8E46217}"/>
+                  <a16:creationId xmlns:a16="http://schemas.microsoft.com/office/drawing/2014/main" xmlns="" id="{AC0C8900-7AAE-4DAD-9853-250BA8E46217}"/>
                 </a:ext>
               </a:extLst>
             </p:cNvPr>
@@ -10253,7 +10253,7 @@
               <p:cNvPr id="106" name="Rectangle 105">
                 <a:extLst>
                   <a:ext uri="{FF2B5EF4-FFF2-40B4-BE49-F238E27FC236}">
-                    <a16:creationId xmlns="" xmlns:a16="http://schemas.microsoft.com/office/drawing/2014/main" id="{8F16C3F5-5111-4385-95DB-684995C5DA9E}"/>
+                    <a16:creationId xmlns:a16="http://schemas.microsoft.com/office/drawing/2014/main" xmlns="" id="{8F16C3F5-5111-4385-95DB-684995C5DA9E}"/>
                   </a:ext>
                 </a:extLst>
               </p:cNvPr>
@@ -10312,7 +10312,7 @@
               <p:cNvPr id="107" name="Arc 106">
                 <a:extLst>
                   <a:ext uri="{FF2B5EF4-FFF2-40B4-BE49-F238E27FC236}">
-                    <a16:creationId xmlns="" xmlns:a16="http://schemas.microsoft.com/office/drawing/2014/main" id="{C8E4EC42-A513-472E-AE69-66EF8F71937C}"/>
+                    <a16:creationId xmlns:a16="http://schemas.microsoft.com/office/drawing/2014/main" xmlns="" id="{C8E4EC42-A513-472E-AE69-66EF8F71937C}"/>
                   </a:ext>
                 </a:extLst>
               </p:cNvPr>
@@ -10391,7 +10391,7 @@
             <p:cNvPr id="108" name="Group 107">
               <a:extLst>
                 <a:ext uri="{FF2B5EF4-FFF2-40B4-BE49-F238E27FC236}">
-                  <a16:creationId xmlns="" xmlns:a16="http://schemas.microsoft.com/office/drawing/2014/main" id="{B9DF2A69-06AC-4DC9-B6C7-9A1B9D012585}"/>
+                  <a16:creationId xmlns:a16="http://schemas.microsoft.com/office/drawing/2014/main" xmlns="" id="{B9DF2A69-06AC-4DC9-B6C7-9A1B9D012585}"/>
                 </a:ext>
               </a:extLst>
             </p:cNvPr>
@@ -10411,7 +10411,7 @@
               <p:cNvPr id="109" name="Rectangle 108">
                 <a:extLst>
                   <a:ext uri="{FF2B5EF4-FFF2-40B4-BE49-F238E27FC236}">
-                    <a16:creationId xmlns="" xmlns:a16="http://schemas.microsoft.com/office/drawing/2014/main" id="{66D59475-186E-4F7A-A501-ABEDCC08DC98}"/>
+                    <a16:creationId xmlns:a16="http://schemas.microsoft.com/office/drawing/2014/main" xmlns="" id="{66D59475-186E-4F7A-A501-ABEDCC08DC98}"/>
                   </a:ext>
                 </a:extLst>
               </p:cNvPr>
@@ -10470,7 +10470,7 @@
               <p:cNvPr id="110" name="Arc 109">
                 <a:extLst>
                   <a:ext uri="{FF2B5EF4-FFF2-40B4-BE49-F238E27FC236}">
-                    <a16:creationId xmlns="" xmlns:a16="http://schemas.microsoft.com/office/drawing/2014/main" id="{55C929AA-C5D4-4A29-94FC-BF99C03F9430}"/>
+                    <a16:creationId xmlns:a16="http://schemas.microsoft.com/office/drawing/2014/main" xmlns="" id="{55C929AA-C5D4-4A29-94FC-BF99C03F9430}"/>
                   </a:ext>
                 </a:extLst>
               </p:cNvPr>
@@ -10549,7 +10549,7 @@
             <p:cNvPr id="111" name="Group 110">
               <a:extLst>
                 <a:ext uri="{FF2B5EF4-FFF2-40B4-BE49-F238E27FC236}">
-                  <a16:creationId xmlns="" xmlns:a16="http://schemas.microsoft.com/office/drawing/2014/main" id="{26F5DDE8-77F1-4A19-9A73-FA16AD387091}"/>
+                  <a16:creationId xmlns:a16="http://schemas.microsoft.com/office/drawing/2014/main" xmlns="" id="{26F5DDE8-77F1-4A19-9A73-FA16AD387091}"/>
                 </a:ext>
               </a:extLst>
             </p:cNvPr>
@@ -10569,7 +10569,7 @@
               <p:cNvPr id="112" name="Rectangle 111">
                 <a:extLst>
                   <a:ext uri="{FF2B5EF4-FFF2-40B4-BE49-F238E27FC236}">
-                    <a16:creationId xmlns="" xmlns:a16="http://schemas.microsoft.com/office/drawing/2014/main" id="{3975D25C-1E30-46E2-BA99-3037ADE31704}"/>
+                    <a16:creationId xmlns:a16="http://schemas.microsoft.com/office/drawing/2014/main" xmlns="" id="{3975D25C-1E30-46E2-BA99-3037ADE31704}"/>
                   </a:ext>
                 </a:extLst>
               </p:cNvPr>
@@ -10628,7 +10628,7 @@
               <p:cNvPr id="113" name="Arc 112">
                 <a:extLst>
                   <a:ext uri="{FF2B5EF4-FFF2-40B4-BE49-F238E27FC236}">
-                    <a16:creationId xmlns="" xmlns:a16="http://schemas.microsoft.com/office/drawing/2014/main" id="{5489E9B8-DC06-4350-B467-61A9DA0B02A7}"/>
+                    <a16:creationId xmlns:a16="http://schemas.microsoft.com/office/drawing/2014/main" xmlns="" id="{5489E9B8-DC06-4350-B467-61A9DA0B02A7}"/>
                   </a:ext>
                 </a:extLst>
               </p:cNvPr>
@@ -10707,7 +10707,7 @@
             <p:cNvPr id="114" name="Group 113">
               <a:extLst>
                 <a:ext uri="{FF2B5EF4-FFF2-40B4-BE49-F238E27FC236}">
-                  <a16:creationId xmlns="" xmlns:a16="http://schemas.microsoft.com/office/drawing/2014/main" id="{0375CE18-5EC1-4881-8142-DC1BC91AD094}"/>
+                  <a16:creationId xmlns:a16="http://schemas.microsoft.com/office/drawing/2014/main" xmlns="" id="{0375CE18-5EC1-4881-8142-DC1BC91AD094}"/>
                 </a:ext>
               </a:extLst>
             </p:cNvPr>
@@ -10727,7 +10727,7 @@
               <p:cNvPr id="115" name="Rectangle 114">
                 <a:extLst>
                   <a:ext uri="{FF2B5EF4-FFF2-40B4-BE49-F238E27FC236}">
-                    <a16:creationId xmlns="" xmlns:a16="http://schemas.microsoft.com/office/drawing/2014/main" id="{10A76D25-919A-40D9-9554-EFE2D3956BE4}"/>
+                    <a16:creationId xmlns:a16="http://schemas.microsoft.com/office/drawing/2014/main" xmlns="" id="{10A76D25-919A-40D9-9554-EFE2D3956BE4}"/>
                   </a:ext>
                 </a:extLst>
               </p:cNvPr>
@@ -10786,7 +10786,7 @@
               <p:cNvPr id="116" name="Arc 115">
                 <a:extLst>
                   <a:ext uri="{FF2B5EF4-FFF2-40B4-BE49-F238E27FC236}">
-                    <a16:creationId xmlns="" xmlns:a16="http://schemas.microsoft.com/office/drawing/2014/main" id="{F541D253-66CC-4C59-909C-302800ABEEFC}"/>
+                    <a16:creationId xmlns:a16="http://schemas.microsoft.com/office/drawing/2014/main" xmlns="" id="{F541D253-66CC-4C59-909C-302800ABEEFC}"/>
                   </a:ext>
                 </a:extLst>
               </p:cNvPr>
@@ -10865,7 +10865,7 @@
             <p:cNvPr id="117" name="Group 116">
               <a:extLst>
                 <a:ext uri="{FF2B5EF4-FFF2-40B4-BE49-F238E27FC236}">
-                  <a16:creationId xmlns="" xmlns:a16="http://schemas.microsoft.com/office/drawing/2014/main" id="{D86A99F9-8CBA-4BBB-88F7-14582E27C64C}"/>
+                  <a16:creationId xmlns:a16="http://schemas.microsoft.com/office/drawing/2014/main" xmlns="" id="{D86A99F9-8CBA-4BBB-88F7-14582E27C64C}"/>
                 </a:ext>
               </a:extLst>
             </p:cNvPr>
@@ -10885,7 +10885,7 @@
               <p:cNvPr id="118" name="Rectangle 117">
                 <a:extLst>
                   <a:ext uri="{FF2B5EF4-FFF2-40B4-BE49-F238E27FC236}">
-                    <a16:creationId xmlns="" xmlns:a16="http://schemas.microsoft.com/office/drawing/2014/main" id="{16259704-CA38-4525-8489-D1FECD12BDBC}"/>
+                    <a16:creationId xmlns:a16="http://schemas.microsoft.com/office/drawing/2014/main" xmlns="" id="{16259704-CA38-4525-8489-D1FECD12BDBC}"/>
                   </a:ext>
                 </a:extLst>
               </p:cNvPr>
@@ -10944,7 +10944,7 @@
               <p:cNvPr id="119" name="Arc 118">
                 <a:extLst>
                   <a:ext uri="{FF2B5EF4-FFF2-40B4-BE49-F238E27FC236}">
-                    <a16:creationId xmlns="" xmlns:a16="http://schemas.microsoft.com/office/drawing/2014/main" id="{40F4FCA1-5992-49D0-8CE6-8488CF6BAF04}"/>
+                    <a16:creationId xmlns:a16="http://schemas.microsoft.com/office/drawing/2014/main" xmlns="" id="{40F4FCA1-5992-49D0-8CE6-8488CF6BAF04}"/>
                   </a:ext>
                 </a:extLst>
               </p:cNvPr>
@@ -11023,7 +11023,7 @@
             <p:cNvPr id="120" name="Group 119">
               <a:extLst>
                 <a:ext uri="{FF2B5EF4-FFF2-40B4-BE49-F238E27FC236}">
-                  <a16:creationId xmlns="" xmlns:a16="http://schemas.microsoft.com/office/drawing/2014/main" id="{F5C59377-7214-4209-BA16-86D5D1DAE2B0}"/>
+                  <a16:creationId xmlns:a16="http://schemas.microsoft.com/office/drawing/2014/main" xmlns="" id="{F5C59377-7214-4209-BA16-86D5D1DAE2B0}"/>
                 </a:ext>
               </a:extLst>
             </p:cNvPr>
@@ -11043,7 +11043,7 @@
               <p:cNvPr id="121" name="Rectangle 120">
                 <a:extLst>
                   <a:ext uri="{FF2B5EF4-FFF2-40B4-BE49-F238E27FC236}">
-                    <a16:creationId xmlns="" xmlns:a16="http://schemas.microsoft.com/office/drawing/2014/main" id="{959A5D35-C7AE-458F-BBB5-71CD3A3F97F8}"/>
+                    <a16:creationId xmlns:a16="http://schemas.microsoft.com/office/drawing/2014/main" xmlns="" id="{959A5D35-C7AE-458F-BBB5-71CD3A3F97F8}"/>
                   </a:ext>
                 </a:extLst>
               </p:cNvPr>
@@ -11102,7 +11102,7 @@
               <p:cNvPr id="122" name="Arc 121">
                 <a:extLst>
                   <a:ext uri="{FF2B5EF4-FFF2-40B4-BE49-F238E27FC236}">
-                    <a16:creationId xmlns="" xmlns:a16="http://schemas.microsoft.com/office/drawing/2014/main" id="{F490A229-65A6-4DFF-870F-4B92A114A66A}"/>
+                    <a16:creationId xmlns:a16="http://schemas.microsoft.com/office/drawing/2014/main" xmlns="" id="{F490A229-65A6-4DFF-870F-4B92A114A66A}"/>
                   </a:ext>
                 </a:extLst>
               </p:cNvPr>
@@ -11181,7 +11181,7 @@
             <p:cNvPr id="123" name="Group 122">
               <a:extLst>
                 <a:ext uri="{FF2B5EF4-FFF2-40B4-BE49-F238E27FC236}">
-                  <a16:creationId xmlns="" xmlns:a16="http://schemas.microsoft.com/office/drawing/2014/main" id="{9EC6FFFF-2006-4366-8566-0113AD9F036A}"/>
+                  <a16:creationId xmlns:a16="http://schemas.microsoft.com/office/drawing/2014/main" xmlns="" id="{9EC6FFFF-2006-4366-8566-0113AD9F036A}"/>
                 </a:ext>
               </a:extLst>
             </p:cNvPr>
@@ -11201,7 +11201,7 @@
               <p:cNvPr id="124" name="Rectangle 123">
                 <a:extLst>
                   <a:ext uri="{FF2B5EF4-FFF2-40B4-BE49-F238E27FC236}">
-                    <a16:creationId xmlns="" xmlns:a16="http://schemas.microsoft.com/office/drawing/2014/main" id="{595E399E-0521-4D5B-914F-29C3ADDF2B72}"/>
+                    <a16:creationId xmlns:a16="http://schemas.microsoft.com/office/drawing/2014/main" xmlns="" id="{595E399E-0521-4D5B-914F-29C3ADDF2B72}"/>
                   </a:ext>
                 </a:extLst>
               </p:cNvPr>
@@ -11260,7 +11260,7 @@
               <p:cNvPr id="125" name="Arc 124">
                 <a:extLst>
                   <a:ext uri="{FF2B5EF4-FFF2-40B4-BE49-F238E27FC236}">
-                    <a16:creationId xmlns="" xmlns:a16="http://schemas.microsoft.com/office/drawing/2014/main" id="{14739334-2472-4756-B880-7780C40DA407}"/>
+                    <a16:creationId xmlns:a16="http://schemas.microsoft.com/office/drawing/2014/main" xmlns="" id="{14739334-2472-4756-B880-7780C40DA407}"/>
                   </a:ext>
                 </a:extLst>
               </p:cNvPr>
@@ -11339,7 +11339,7 @@
             <p:cNvPr id="126" name="Group 125">
               <a:extLst>
                 <a:ext uri="{FF2B5EF4-FFF2-40B4-BE49-F238E27FC236}">
-                  <a16:creationId xmlns="" xmlns:a16="http://schemas.microsoft.com/office/drawing/2014/main" id="{6D7FEFCF-F5E2-48A4-8DA2-466E3FA530E8}"/>
+                  <a16:creationId xmlns:a16="http://schemas.microsoft.com/office/drawing/2014/main" xmlns="" id="{6D7FEFCF-F5E2-48A4-8DA2-466E3FA530E8}"/>
                 </a:ext>
               </a:extLst>
             </p:cNvPr>
@@ -11359,7 +11359,7 @@
               <p:cNvPr id="127" name="Rectangle 126">
                 <a:extLst>
                   <a:ext uri="{FF2B5EF4-FFF2-40B4-BE49-F238E27FC236}">
-                    <a16:creationId xmlns="" xmlns:a16="http://schemas.microsoft.com/office/drawing/2014/main" id="{5B8C7798-2FB8-447C-BA5C-ECB75C74E5AD}"/>
+                    <a16:creationId xmlns:a16="http://schemas.microsoft.com/office/drawing/2014/main" xmlns="" id="{5B8C7798-2FB8-447C-BA5C-ECB75C74E5AD}"/>
                   </a:ext>
                 </a:extLst>
               </p:cNvPr>
@@ -11418,7 +11418,7 @@
               <p:cNvPr id="128" name="Arc 127">
                 <a:extLst>
                   <a:ext uri="{FF2B5EF4-FFF2-40B4-BE49-F238E27FC236}">
-                    <a16:creationId xmlns="" xmlns:a16="http://schemas.microsoft.com/office/drawing/2014/main" id="{DDFE7CA2-AC7D-4CF0-A779-1F7EC6161969}"/>
+                    <a16:creationId xmlns:a16="http://schemas.microsoft.com/office/drawing/2014/main" xmlns="" id="{DDFE7CA2-AC7D-4CF0-A779-1F7EC6161969}"/>
                   </a:ext>
                 </a:extLst>
               </p:cNvPr>
@@ -11497,7 +11497,7 @@
             <p:cNvPr id="129" name="Group 128">
               <a:extLst>
                 <a:ext uri="{FF2B5EF4-FFF2-40B4-BE49-F238E27FC236}">
-                  <a16:creationId xmlns="" xmlns:a16="http://schemas.microsoft.com/office/drawing/2014/main" id="{EF6B5FAD-EB1F-43DC-8B99-11CAD21D64C9}"/>
+                  <a16:creationId xmlns:a16="http://schemas.microsoft.com/office/drawing/2014/main" xmlns="" id="{EF6B5FAD-EB1F-43DC-8B99-11CAD21D64C9}"/>
                 </a:ext>
               </a:extLst>
             </p:cNvPr>
@@ -11517,7 +11517,7 @@
               <p:cNvPr id="130" name="Rectangle 129">
                 <a:extLst>
                   <a:ext uri="{FF2B5EF4-FFF2-40B4-BE49-F238E27FC236}">
-                    <a16:creationId xmlns="" xmlns:a16="http://schemas.microsoft.com/office/drawing/2014/main" id="{B817890A-729D-4FBB-8EF7-DAFD6F73427B}"/>
+                    <a16:creationId xmlns:a16="http://schemas.microsoft.com/office/drawing/2014/main" xmlns="" id="{B817890A-729D-4FBB-8EF7-DAFD6F73427B}"/>
                   </a:ext>
                 </a:extLst>
               </p:cNvPr>
@@ -11576,7 +11576,7 @@
               <p:cNvPr id="131" name="Arc 130">
                 <a:extLst>
                   <a:ext uri="{FF2B5EF4-FFF2-40B4-BE49-F238E27FC236}">
-                    <a16:creationId xmlns="" xmlns:a16="http://schemas.microsoft.com/office/drawing/2014/main" id="{EAD6132E-2435-4771-A3CC-CCE94E7A9600}"/>
+                    <a16:creationId xmlns:a16="http://schemas.microsoft.com/office/drawing/2014/main" xmlns="" id="{EAD6132E-2435-4771-A3CC-CCE94E7A9600}"/>
                   </a:ext>
                 </a:extLst>
               </p:cNvPr>
@@ -11655,7 +11655,7 @@
             <p:cNvPr id="132" name="Group 131">
               <a:extLst>
                 <a:ext uri="{FF2B5EF4-FFF2-40B4-BE49-F238E27FC236}">
-                  <a16:creationId xmlns="" xmlns:a16="http://schemas.microsoft.com/office/drawing/2014/main" id="{2B7006E1-B188-46BA-BAA5-15A960905F4C}"/>
+                  <a16:creationId xmlns:a16="http://schemas.microsoft.com/office/drawing/2014/main" xmlns="" id="{2B7006E1-B188-46BA-BAA5-15A960905F4C}"/>
                 </a:ext>
               </a:extLst>
             </p:cNvPr>
@@ -11675,7 +11675,7 @@
               <p:cNvPr id="133" name="Rectangle 132">
                 <a:extLst>
                   <a:ext uri="{FF2B5EF4-FFF2-40B4-BE49-F238E27FC236}">
-                    <a16:creationId xmlns="" xmlns:a16="http://schemas.microsoft.com/office/drawing/2014/main" id="{D01250CF-AFA1-4A19-B3C7-7F163609380B}"/>
+                    <a16:creationId xmlns:a16="http://schemas.microsoft.com/office/drawing/2014/main" xmlns="" id="{D01250CF-AFA1-4A19-B3C7-7F163609380B}"/>
                   </a:ext>
                 </a:extLst>
               </p:cNvPr>
@@ -11734,7 +11734,7 @@
               <p:cNvPr id="134" name="Arc 133">
                 <a:extLst>
                   <a:ext uri="{FF2B5EF4-FFF2-40B4-BE49-F238E27FC236}">
-                    <a16:creationId xmlns="" xmlns:a16="http://schemas.microsoft.com/office/drawing/2014/main" id="{1014BA5C-C370-44EB-84DA-2D69E36CE6C3}"/>
+                    <a16:creationId xmlns:a16="http://schemas.microsoft.com/office/drawing/2014/main" xmlns="" id="{1014BA5C-C370-44EB-84DA-2D69E36CE6C3}"/>
                   </a:ext>
                 </a:extLst>
               </p:cNvPr>
@@ -11813,7 +11813,7 @@
             <p:cNvPr id="135" name="Group 134">
               <a:extLst>
                 <a:ext uri="{FF2B5EF4-FFF2-40B4-BE49-F238E27FC236}">
-                  <a16:creationId xmlns="" xmlns:a16="http://schemas.microsoft.com/office/drawing/2014/main" id="{AD8CB7E5-EBC4-4791-B93B-D0B41B862B83}"/>
+                  <a16:creationId xmlns:a16="http://schemas.microsoft.com/office/drawing/2014/main" xmlns="" id="{AD8CB7E5-EBC4-4791-B93B-D0B41B862B83}"/>
                 </a:ext>
               </a:extLst>
             </p:cNvPr>
@@ -11833,7 +11833,7 @@
               <p:cNvPr id="136" name="Rectangle 135">
                 <a:extLst>
                   <a:ext uri="{FF2B5EF4-FFF2-40B4-BE49-F238E27FC236}">
-                    <a16:creationId xmlns="" xmlns:a16="http://schemas.microsoft.com/office/drawing/2014/main" id="{CF456FF3-391C-4C8E-A128-A413BDBBB225}"/>
+                    <a16:creationId xmlns:a16="http://schemas.microsoft.com/office/drawing/2014/main" xmlns="" id="{CF456FF3-391C-4C8E-A128-A413BDBBB225}"/>
                   </a:ext>
                 </a:extLst>
               </p:cNvPr>
@@ -11892,7 +11892,7 @@
               <p:cNvPr id="137" name="Arc 136">
                 <a:extLst>
                   <a:ext uri="{FF2B5EF4-FFF2-40B4-BE49-F238E27FC236}">
-                    <a16:creationId xmlns="" xmlns:a16="http://schemas.microsoft.com/office/drawing/2014/main" id="{8838FE2A-04D7-44E3-97C3-54338832CB9A}"/>
+                    <a16:creationId xmlns:a16="http://schemas.microsoft.com/office/drawing/2014/main" xmlns="" id="{8838FE2A-04D7-44E3-97C3-54338832CB9A}"/>
                   </a:ext>
                 </a:extLst>
               </p:cNvPr>
@@ -11972,7 +11972,7 @@
           <p:cNvPr id="21" name="TextBox 20">
             <a:extLst>
               <a:ext uri="{FF2B5EF4-FFF2-40B4-BE49-F238E27FC236}">
-                <a16:creationId xmlns="" xmlns:a16="http://schemas.microsoft.com/office/drawing/2014/main" id="{A965834C-80E1-4270-9F5A-A3582A7BB7F7}"/>
+                <a16:creationId xmlns:a16="http://schemas.microsoft.com/office/drawing/2014/main" xmlns="" id="{A965834C-80E1-4270-9F5A-A3582A7BB7F7}"/>
               </a:ext>
             </a:extLst>
           </p:cNvPr>
@@ -11981,8 +11981,8 @@
         </p:nvSpPr>
         <p:spPr>
           <a:xfrm>
-            <a:off x="6416768" y="430574"/>
-            <a:ext cx="2278251" cy="461665"/>
+            <a:off x="6563937" y="434945"/>
+            <a:ext cx="4525035" cy="461665"/>
           </a:xfrm>
           <a:prstGeom prst="rect">
             <a:avLst/>
@@ -12007,84 +12007,16 @@
                 <a:latin typeface="Hand Of Sean" panose="02000500000000000000" pitchFamily="2" charset="-128"/>
                 <a:ea typeface="Hand Of Sean" panose="02000500000000000000" pitchFamily="2" charset="-128"/>
               </a:rPr>
-              <a:t> I</a:t>
+              <a:t> </a:t>
             </a:r>
-            <a:endParaRPr lang="en-US" sz="2400" dirty="0">
-              <a:latin typeface="Hand Of Sean" panose="02000500000000000000" pitchFamily="2" charset="-128"/>
-              <a:ea typeface="Hand Of Sean" panose="02000500000000000000" pitchFamily="2" charset="-128"/>
-            </a:endParaRPr>
-          </a:p>
-        </p:txBody>
-      </p:sp>
-      <p:sp>
-        <p:nvSpPr>
-          <p:cNvPr id="22" name="TextBox 21">
-            <a:extLst>
-              <a:ext uri="{FF2B5EF4-FFF2-40B4-BE49-F238E27FC236}">
-                <a16:creationId xmlns="" xmlns:a16="http://schemas.microsoft.com/office/drawing/2014/main" id="{77554162-8FC4-47E5-A14D-FAA80F7E6F08}"/>
-              </a:ext>
-            </a:extLst>
-          </p:cNvPr>
-          <p:cNvSpPr txBox="1"/>
-          <p:nvPr/>
-        </p:nvSpPr>
-        <p:spPr>
-          <a:xfrm>
-            <a:off x="6525827" y="1203261"/>
-            <a:ext cx="4963748" cy="3862596"/>
-          </a:xfrm>
-          <a:prstGeom prst="rect">
-            <a:avLst/>
-          </a:prstGeom>
-          <a:noFill/>
-        </p:spPr>
-        <p:txBody>
-          <a:bodyPr wrap="square" rtlCol="0">
-            <a:spAutoFit/>
-          </a:bodyPr>
-          <a:lstStyle/>
-          <a:p>
-            <a:pPr>
-              <a:lnSpc>
-                <a:spcPct val="250000"/>
-              </a:lnSpc>
-            </a:pPr>
             <a:r>
-              <a:rPr lang="en-US" sz="1400" dirty="0">
+              <a:rPr lang="pl-PL" sz="2400" dirty="0">
                 <a:latin typeface="Hand Of Sean" panose="02000500000000000000" pitchFamily="2" charset="-128"/>
                 <a:ea typeface="Hand Of Sean" panose="02000500000000000000" pitchFamily="2" charset="-128"/>
               </a:rPr>
-              <a:t>Lorem ipsum </a:t>
+              <a:t>I - Wrzesień</a:t>
             </a:r>
-            <a:r>
-              <a:rPr lang="en-US" sz="1400" dirty="0" err="1">
-                <a:latin typeface="Hand Of Sean" panose="02000500000000000000" pitchFamily="2" charset="-128"/>
-                <a:ea typeface="Hand Of Sean" panose="02000500000000000000" pitchFamily="2" charset="-128"/>
-              </a:rPr>
-              <a:t>dlor</a:t>
-            </a:r>
-            <a:r>
-              <a:rPr lang="en-US" sz="1400" dirty="0">
-                <a:latin typeface="Hand Of Sean" panose="02000500000000000000" pitchFamily="2" charset="-128"/>
-                <a:ea typeface="Hand Of Sean" panose="02000500000000000000" pitchFamily="2" charset="-128"/>
-              </a:rPr>
-              <a:t> </a:t>
-            </a:r>
-            <a:r>
-              <a:rPr lang="en-US" sz="1400" dirty="0">
-                <a:latin typeface="Hand Of Sean" panose="02000500000000000000" pitchFamily="2" charset="-128"/>
-                <a:ea typeface="Hand Of Sean" panose="02000500000000000000" pitchFamily="2" charset="-128"/>
-              </a:rPr>
-              <a:t>sit amet, consectetuer adipiscing elit. Maecenas porttitor congue massa. Fusce posuere, magna sed pulvinar ultricies, purus lectus malesuada libero, sit amet commodo magna eros quis urna.</a:t>
-            </a:r>
-          </a:p>
-          <a:p>
-            <a:pPr>
-              <a:lnSpc>
-                <a:spcPct val="250000"/>
-              </a:lnSpc>
-            </a:pPr>
-            <a:endParaRPr lang="en-US" sz="1400" dirty="0">
+            <a:endParaRPr lang="en-US" sz="2400" dirty="0">
               <a:latin typeface="Hand Of Sean" panose="02000500000000000000" pitchFamily="2" charset="-128"/>
               <a:ea typeface="Hand Of Sean" panose="02000500000000000000" pitchFamily="2" charset="-128"/>
             </a:endParaRPr>
@@ -12145,7 +12077,7 @@
           <p:cNvPr id="66" name="Rectangle 65">
             <a:extLst>
               <a:ext uri="{FF2B5EF4-FFF2-40B4-BE49-F238E27FC236}">
-                <a16:creationId xmlns="" xmlns:a16="http://schemas.microsoft.com/office/drawing/2014/main" id="{C03955BB-E41C-4E77-BB48-325360470229}"/>
+                <a16:creationId xmlns:a16="http://schemas.microsoft.com/office/drawing/2014/main" xmlns="" id="{C03955BB-E41C-4E77-BB48-325360470229}"/>
               </a:ext>
             </a:extLst>
           </p:cNvPr>
@@ -12204,7 +12136,7 @@
           <p:cNvPr id="4" name="Rectangle 3">
             <a:extLst>
               <a:ext uri="{FF2B5EF4-FFF2-40B4-BE49-F238E27FC236}">
-                <a16:creationId xmlns="" xmlns:a16="http://schemas.microsoft.com/office/drawing/2014/main" id="{33F222A8-AF2A-4292-8A95-0C3AD37A109D}"/>
+                <a16:creationId xmlns:a16="http://schemas.microsoft.com/office/drawing/2014/main" xmlns="" id="{33F222A8-AF2A-4292-8A95-0C3AD37A109D}"/>
               </a:ext>
             </a:extLst>
           </p:cNvPr>
@@ -12263,7 +12195,7 @@
           <p:cNvPr id="190" name="Group 189">
             <a:extLst>
               <a:ext uri="{FF2B5EF4-FFF2-40B4-BE49-F238E27FC236}">
-                <a16:creationId xmlns="" xmlns:a16="http://schemas.microsoft.com/office/drawing/2014/main" id="{B1C4F1B1-18D1-4F24-A7B4-A913BFFF45E6}"/>
+                <a16:creationId xmlns:a16="http://schemas.microsoft.com/office/drawing/2014/main" xmlns="" id="{B1C4F1B1-18D1-4F24-A7B4-A913BFFF45E6}"/>
               </a:ext>
             </a:extLst>
           </p:cNvPr>
@@ -12283,7 +12215,7 @@
             <p:cNvPr id="191" name="Rectangle 190">
               <a:extLst>
                 <a:ext uri="{FF2B5EF4-FFF2-40B4-BE49-F238E27FC236}">
-                  <a16:creationId xmlns="" xmlns:a16="http://schemas.microsoft.com/office/drawing/2014/main" id="{479DEB60-7570-45B4-8336-36827F8A3ED2}"/>
+                  <a16:creationId xmlns:a16="http://schemas.microsoft.com/office/drawing/2014/main" xmlns="" id="{479DEB60-7570-45B4-8336-36827F8A3ED2}"/>
                 </a:ext>
               </a:extLst>
             </p:cNvPr>
@@ -12347,7 +12279,7 @@
             <p:cNvPr id="192" name="Freeform: Shape 191">
               <a:extLst>
                 <a:ext uri="{FF2B5EF4-FFF2-40B4-BE49-F238E27FC236}">
-                  <a16:creationId xmlns="" xmlns:a16="http://schemas.microsoft.com/office/drawing/2014/main" id="{1F0B4A1C-B94A-47CE-AED1-2D2A4BE4CFF9}"/>
+                  <a16:creationId xmlns:a16="http://schemas.microsoft.com/office/drawing/2014/main" xmlns="" id="{1F0B4A1C-B94A-47CE-AED1-2D2A4BE4CFF9}"/>
                 </a:ext>
               </a:extLst>
             </p:cNvPr>
@@ -12483,7 +12415,7 @@
             <p:cNvPr id="205" name="TextBox 204">
               <a:extLst>
                 <a:ext uri="{FF2B5EF4-FFF2-40B4-BE49-F238E27FC236}">
-                  <a16:creationId xmlns="" xmlns:a16="http://schemas.microsoft.com/office/drawing/2014/main" id="{B1FBF4D5-CE44-480D-BC29-B88EB2D96005}"/>
+                  <a16:creationId xmlns:a16="http://schemas.microsoft.com/office/drawing/2014/main" xmlns="" id="{B1FBF4D5-CE44-480D-BC29-B88EB2D96005}"/>
                 </a:ext>
               </a:extLst>
             </p:cNvPr>
@@ -12513,11 +12445,7 @@
               </a:r>
               <a:r>
                 <a:rPr lang="en-US" b="1" dirty="0"/>
-                <a:t> </a:t>
-              </a:r>
-              <a:r>
-                <a:rPr lang="en-US" b="1" dirty="0"/>
-                <a:t>0</a:t>
+                <a:t> 0</a:t>
               </a:r>
               <a:r>
                 <a:rPr lang="pl-PL" b="1" dirty="0"/>
@@ -12533,7 +12461,7 @@
           <p:cNvPr id="174" name="Group 173">
             <a:extLst>
               <a:ext uri="{FF2B5EF4-FFF2-40B4-BE49-F238E27FC236}">
-                <a16:creationId xmlns="" xmlns:a16="http://schemas.microsoft.com/office/drawing/2014/main" id="{4D3EC6F6-41B8-42EA-9450-9660D30297B3}"/>
+                <a16:creationId xmlns:a16="http://schemas.microsoft.com/office/drawing/2014/main" xmlns="" id="{4D3EC6F6-41B8-42EA-9450-9660D30297B3}"/>
               </a:ext>
             </a:extLst>
           </p:cNvPr>
@@ -12553,7 +12481,7 @@
             <p:cNvPr id="175" name="Rectangle 174">
               <a:extLst>
                 <a:ext uri="{FF2B5EF4-FFF2-40B4-BE49-F238E27FC236}">
-                  <a16:creationId xmlns="" xmlns:a16="http://schemas.microsoft.com/office/drawing/2014/main" id="{BC45525F-CA64-4D1D-A75E-E6290B229999}"/>
+                  <a16:creationId xmlns:a16="http://schemas.microsoft.com/office/drawing/2014/main" xmlns="" id="{BC45525F-CA64-4D1D-A75E-E6290B229999}"/>
                 </a:ext>
               </a:extLst>
             </p:cNvPr>
@@ -12617,7 +12545,7 @@
             <p:cNvPr id="176" name="Freeform: Shape 175">
               <a:extLst>
                 <a:ext uri="{FF2B5EF4-FFF2-40B4-BE49-F238E27FC236}">
-                  <a16:creationId xmlns="" xmlns:a16="http://schemas.microsoft.com/office/drawing/2014/main" id="{4CCDAA36-0014-487F-9FC8-FB18AD79A536}"/>
+                  <a16:creationId xmlns:a16="http://schemas.microsoft.com/office/drawing/2014/main" xmlns="" id="{4CCDAA36-0014-487F-9FC8-FB18AD79A536}"/>
                 </a:ext>
               </a:extLst>
             </p:cNvPr>
@@ -12753,7 +12681,7 @@
             <p:cNvPr id="189" name="TextBox 188">
               <a:extLst>
                 <a:ext uri="{FF2B5EF4-FFF2-40B4-BE49-F238E27FC236}">
-                  <a16:creationId xmlns="" xmlns:a16="http://schemas.microsoft.com/office/drawing/2014/main" id="{028D77CE-26CC-48A3-92E2-0D112FD9E9FA}"/>
+                  <a16:creationId xmlns:a16="http://schemas.microsoft.com/office/drawing/2014/main" xmlns="" id="{028D77CE-26CC-48A3-92E2-0D112FD9E9FA}"/>
                 </a:ext>
               </a:extLst>
             </p:cNvPr>
@@ -12783,11 +12711,7 @@
               </a:r>
               <a:r>
                 <a:rPr lang="en-US" b="1" dirty="0"/>
-                <a:t> </a:t>
-              </a:r>
-              <a:r>
-                <a:rPr lang="en-US" b="1" dirty="0"/>
-                <a:t>0</a:t>
+                <a:t> 0</a:t>
               </a:r>
               <a:r>
                 <a:rPr lang="pl-PL" b="1" dirty="0"/>
@@ -12803,7 +12727,7 @@
           <p:cNvPr id="3" name="Group 2">
             <a:extLst>
               <a:ext uri="{FF2B5EF4-FFF2-40B4-BE49-F238E27FC236}">
-                <a16:creationId xmlns="" xmlns:a16="http://schemas.microsoft.com/office/drawing/2014/main" id="{0F1A4B53-3DA8-4B08-87F6-99E2B5780CCB}"/>
+                <a16:creationId xmlns:a16="http://schemas.microsoft.com/office/drawing/2014/main" xmlns="" id="{0F1A4B53-3DA8-4B08-87F6-99E2B5780CCB}"/>
               </a:ext>
             </a:extLst>
           </p:cNvPr>
@@ -12823,7 +12747,7 @@
             <p:cNvPr id="67" name="Rectangle 66">
               <a:extLst>
                 <a:ext uri="{FF2B5EF4-FFF2-40B4-BE49-F238E27FC236}">
-                  <a16:creationId xmlns="" xmlns:a16="http://schemas.microsoft.com/office/drawing/2014/main" id="{D119F2DB-0E38-4A31-831F-2BAF295D2A25}"/>
+                  <a16:creationId xmlns:a16="http://schemas.microsoft.com/office/drawing/2014/main" xmlns="" id="{D119F2DB-0E38-4A31-831F-2BAF295D2A25}"/>
                 </a:ext>
               </a:extLst>
             </p:cNvPr>
@@ -12887,7 +12811,7 @@
             <p:cNvPr id="10" name="Group 9">
               <a:extLst>
                 <a:ext uri="{FF2B5EF4-FFF2-40B4-BE49-F238E27FC236}">
-                  <a16:creationId xmlns="" xmlns:a16="http://schemas.microsoft.com/office/drawing/2014/main" id="{AEE5042A-E067-4FB7-BCFF-00BB33BFEDEC}"/>
+                  <a16:creationId xmlns:a16="http://schemas.microsoft.com/office/drawing/2014/main" xmlns="" id="{AEE5042A-E067-4FB7-BCFF-00BB33BFEDEC}"/>
                 </a:ext>
               </a:extLst>
             </p:cNvPr>
@@ -12907,7 +12831,7 @@
               <p:cNvPr id="5" name="Rectangle 4">
                 <a:extLst>
                   <a:ext uri="{FF2B5EF4-FFF2-40B4-BE49-F238E27FC236}">
-                    <a16:creationId xmlns="" xmlns:a16="http://schemas.microsoft.com/office/drawing/2014/main" id="{9ECC8D50-758B-45D1-9832-058DA749338C}"/>
+                    <a16:creationId xmlns:a16="http://schemas.microsoft.com/office/drawing/2014/main" xmlns="" id="{9ECC8D50-758B-45D1-9832-058DA749338C}"/>
                   </a:ext>
                 </a:extLst>
               </p:cNvPr>
@@ -12966,7 +12890,7 @@
               <p:cNvPr id="9" name="Arc 8">
                 <a:extLst>
                   <a:ext uri="{FF2B5EF4-FFF2-40B4-BE49-F238E27FC236}">
-                    <a16:creationId xmlns="" xmlns:a16="http://schemas.microsoft.com/office/drawing/2014/main" id="{FC783E55-1922-4926-8D97-EC60526709F7}"/>
+                    <a16:creationId xmlns:a16="http://schemas.microsoft.com/office/drawing/2014/main" xmlns="" id="{FC783E55-1922-4926-8D97-EC60526709F7}"/>
                   </a:ext>
                 </a:extLst>
               </p:cNvPr>
@@ -13045,7 +12969,7 @@
             <p:cNvPr id="68" name="Rectangle 67">
               <a:extLst>
                 <a:ext uri="{FF2B5EF4-FFF2-40B4-BE49-F238E27FC236}">
-                  <a16:creationId xmlns="" xmlns:a16="http://schemas.microsoft.com/office/drawing/2014/main" id="{FCB92E0C-F05E-4602-8A6C-A561815032EC}"/>
+                  <a16:creationId xmlns:a16="http://schemas.microsoft.com/office/drawing/2014/main" xmlns="" id="{FCB92E0C-F05E-4602-8A6C-A561815032EC}"/>
                 </a:ext>
               </a:extLst>
             </p:cNvPr>
@@ -13109,7 +13033,7 @@
             <p:cNvPr id="78" name="Group 77">
               <a:extLst>
                 <a:ext uri="{FF2B5EF4-FFF2-40B4-BE49-F238E27FC236}">
-                  <a16:creationId xmlns="" xmlns:a16="http://schemas.microsoft.com/office/drawing/2014/main" id="{E48E30C9-A74F-4C52-AD04-FC9A5CBD8258}"/>
+                  <a16:creationId xmlns:a16="http://schemas.microsoft.com/office/drawing/2014/main" xmlns="" id="{E48E30C9-A74F-4C52-AD04-FC9A5CBD8258}"/>
                 </a:ext>
               </a:extLst>
             </p:cNvPr>
@@ -13129,7 +13053,7 @@
               <p:cNvPr id="79" name="Rectangle 78">
                 <a:extLst>
                   <a:ext uri="{FF2B5EF4-FFF2-40B4-BE49-F238E27FC236}">
-                    <a16:creationId xmlns="" xmlns:a16="http://schemas.microsoft.com/office/drawing/2014/main" id="{9D80A7DB-810E-4588-BE25-E9F7C34D3DB1}"/>
+                    <a16:creationId xmlns:a16="http://schemas.microsoft.com/office/drawing/2014/main" xmlns="" id="{9D80A7DB-810E-4588-BE25-E9F7C34D3DB1}"/>
                   </a:ext>
                 </a:extLst>
               </p:cNvPr>
@@ -13188,7 +13112,7 @@
               <p:cNvPr id="80" name="Arc 79">
                 <a:extLst>
                   <a:ext uri="{FF2B5EF4-FFF2-40B4-BE49-F238E27FC236}">
-                    <a16:creationId xmlns="" xmlns:a16="http://schemas.microsoft.com/office/drawing/2014/main" id="{0CEE252C-3F6B-425D-A974-8C322FD62AA8}"/>
+                    <a16:creationId xmlns:a16="http://schemas.microsoft.com/office/drawing/2014/main" xmlns="" id="{0CEE252C-3F6B-425D-A974-8C322FD62AA8}"/>
                   </a:ext>
                 </a:extLst>
               </p:cNvPr>
@@ -13267,7 +13191,7 @@
             <p:cNvPr id="69" name="Rectangle 68">
               <a:extLst>
                 <a:ext uri="{FF2B5EF4-FFF2-40B4-BE49-F238E27FC236}">
-                  <a16:creationId xmlns="" xmlns:a16="http://schemas.microsoft.com/office/drawing/2014/main" id="{A4620A41-830E-412F-B7F4-82B17531460F}"/>
+                  <a16:creationId xmlns:a16="http://schemas.microsoft.com/office/drawing/2014/main" xmlns="" id="{A4620A41-830E-412F-B7F4-82B17531460F}"/>
                 </a:ext>
               </a:extLst>
             </p:cNvPr>
@@ -13331,7 +13255,7 @@
             <p:cNvPr id="70" name="Rectangle 69">
               <a:extLst>
                 <a:ext uri="{FF2B5EF4-FFF2-40B4-BE49-F238E27FC236}">
-                  <a16:creationId xmlns="" xmlns:a16="http://schemas.microsoft.com/office/drawing/2014/main" id="{B8C591D4-C50C-4B67-805A-961945693BE6}"/>
+                  <a16:creationId xmlns:a16="http://schemas.microsoft.com/office/drawing/2014/main" xmlns="" id="{B8C591D4-C50C-4B67-805A-961945693BE6}"/>
                 </a:ext>
               </a:extLst>
             </p:cNvPr>
@@ -13395,7 +13319,7 @@
             <p:cNvPr id="71" name="Rectangle 70">
               <a:extLst>
                 <a:ext uri="{FF2B5EF4-FFF2-40B4-BE49-F238E27FC236}">
-                  <a16:creationId xmlns="" xmlns:a16="http://schemas.microsoft.com/office/drawing/2014/main" id="{461F08B5-15BF-4C63-B54C-7D2001EDCAD3}"/>
+                  <a16:creationId xmlns:a16="http://schemas.microsoft.com/office/drawing/2014/main" xmlns="" id="{461F08B5-15BF-4C63-B54C-7D2001EDCAD3}"/>
                 </a:ext>
               </a:extLst>
             </p:cNvPr>
@@ -13459,7 +13383,7 @@
             <p:cNvPr id="72" name="Rectangle 71">
               <a:extLst>
                 <a:ext uri="{FF2B5EF4-FFF2-40B4-BE49-F238E27FC236}">
-                  <a16:creationId xmlns="" xmlns:a16="http://schemas.microsoft.com/office/drawing/2014/main" id="{D12C5631-8C0A-4256-BD3E-88D081A7321B}"/>
+                  <a16:creationId xmlns:a16="http://schemas.microsoft.com/office/drawing/2014/main" xmlns="" id="{D12C5631-8C0A-4256-BD3E-88D081A7321B}"/>
                 </a:ext>
               </a:extLst>
             </p:cNvPr>
@@ -13523,7 +13447,7 @@
             <p:cNvPr id="73" name="Rectangle 72">
               <a:extLst>
                 <a:ext uri="{FF2B5EF4-FFF2-40B4-BE49-F238E27FC236}">
-                  <a16:creationId xmlns="" xmlns:a16="http://schemas.microsoft.com/office/drawing/2014/main" id="{D3030D9B-44CF-4F4E-A86E-18A79322376D}"/>
+                  <a16:creationId xmlns:a16="http://schemas.microsoft.com/office/drawing/2014/main" xmlns="" id="{D3030D9B-44CF-4F4E-A86E-18A79322376D}"/>
                 </a:ext>
               </a:extLst>
             </p:cNvPr>
@@ -13587,7 +13511,7 @@
             <p:cNvPr id="74" name="Rectangle 73">
               <a:extLst>
                 <a:ext uri="{FF2B5EF4-FFF2-40B4-BE49-F238E27FC236}">
-                  <a16:creationId xmlns="" xmlns:a16="http://schemas.microsoft.com/office/drawing/2014/main" id="{0E9F8D11-58D9-4493-A410-DACB43B5E48F}"/>
+                  <a16:creationId xmlns:a16="http://schemas.microsoft.com/office/drawing/2014/main" xmlns="" id="{0E9F8D11-58D9-4493-A410-DACB43B5E48F}"/>
                 </a:ext>
               </a:extLst>
             </p:cNvPr>
@@ -13651,7 +13575,7 @@
             <p:cNvPr id="75" name="Rectangle 74">
               <a:extLst>
                 <a:ext uri="{FF2B5EF4-FFF2-40B4-BE49-F238E27FC236}">
-                  <a16:creationId xmlns="" xmlns:a16="http://schemas.microsoft.com/office/drawing/2014/main" id="{880FA994-AF36-4890-A98D-4750B71B3C59}"/>
+                  <a16:creationId xmlns:a16="http://schemas.microsoft.com/office/drawing/2014/main" xmlns="" id="{880FA994-AF36-4890-A98D-4750B71B3C59}"/>
                 </a:ext>
               </a:extLst>
             </p:cNvPr>
@@ -13715,7 +13639,7 @@
             <p:cNvPr id="76" name="Rectangle 75">
               <a:extLst>
                 <a:ext uri="{FF2B5EF4-FFF2-40B4-BE49-F238E27FC236}">
-                  <a16:creationId xmlns="" xmlns:a16="http://schemas.microsoft.com/office/drawing/2014/main" id="{9E5C2FB6-992A-4537-B467-2FCB0FDBDB9F}"/>
+                  <a16:creationId xmlns:a16="http://schemas.microsoft.com/office/drawing/2014/main" xmlns="" id="{9E5C2FB6-992A-4537-B467-2FCB0FDBDB9F}"/>
                 </a:ext>
               </a:extLst>
             </p:cNvPr>
@@ -13779,7 +13703,7 @@
             <p:cNvPr id="77" name="Rectangle 76">
               <a:extLst>
                 <a:ext uri="{FF2B5EF4-FFF2-40B4-BE49-F238E27FC236}">
-                  <a16:creationId xmlns="" xmlns:a16="http://schemas.microsoft.com/office/drawing/2014/main" id="{73193785-12A4-408F-9E7C-27DDBEAFA7BD}"/>
+                  <a16:creationId xmlns:a16="http://schemas.microsoft.com/office/drawing/2014/main" xmlns="" id="{73193785-12A4-408F-9E7C-27DDBEAFA7BD}"/>
                 </a:ext>
               </a:extLst>
             </p:cNvPr>
@@ -13843,7 +13767,7 @@
             <p:cNvPr id="138" name="Rectangle 137">
               <a:extLst>
                 <a:ext uri="{FF2B5EF4-FFF2-40B4-BE49-F238E27FC236}">
-                  <a16:creationId xmlns="" xmlns:a16="http://schemas.microsoft.com/office/drawing/2014/main" id="{FF68EA0C-3323-4279-9322-583E0496C340}"/>
+                  <a16:creationId xmlns:a16="http://schemas.microsoft.com/office/drawing/2014/main" xmlns="" id="{FF68EA0C-3323-4279-9322-583E0496C340}"/>
                 </a:ext>
               </a:extLst>
             </p:cNvPr>
@@ -13907,7 +13831,7 @@
             <p:cNvPr id="139" name="Rectangle 138">
               <a:extLst>
                 <a:ext uri="{FF2B5EF4-FFF2-40B4-BE49-F238E27FC236}">
-                  <a16:creationId xmlns="" xmlns:a16="http://schemas.microsoft.com/office/drawing/2014/main" id="{DA8F7F98-A2C1-4622-86E7-4F2038831BBE}"/>
+                  <a16:creationId xmlns:a16="http://schemas.microsoft.com/office/drawing/2014/main" xmlns="" id="{DA8F7F98-A2C1-4622-86E7-4F2038831BBE}"/>
                 </a:ext>
               </a:extLst>
             </p:cNvPr>
@@ -13971,7 +13895,7 @@
             <p:cNvPr id="140" name="Rectangle 139">
               <a:extLst>
                 <a:ext uri="{FF2B5EF4-FFF2-40B4-BE49-F238E27FC236}">
-                  <a16:creationId xmlns="" xmlns:a16="http://schemas.microsoft.com/office/drawing/2014/main" id="{0A05E640-BFCE-401E-8E58-B95F9FAC8DFA}"/>
+                  <a16:creationId xmlns:a16="http://schemas.microsoft.com/office/drawing/2014/main" xmlns="" id="{0A05E640-BFCE-401E-8E58-B95F9FAC8DFA}"/>
                 </a:ext>
               </a:extLst>
             </p:cNvPr>
@@ -14035,7 +13959,7 @@
             <p:cNvPr id="141" name="Rectangle 140">
               <a:extLst>
                 <a:ext uri="{FF2B5EF4-FFF2-40B4-BE49-F238E27FC236}">
-                  <a16:creationId xmlns="" xmlns:a16="http://schemas.microsoft.com/office/drawing/2014/main" id="{E054FE0A-3727-4A81-B405-7B2AD3CF46C1}"/>
+                  <a16:creationId xmlns:a16="http://schemas.microsoft.com/office/drawing/2014/main" xmlns="" id="{E054FE0A-3727-4A81-B405-7B2AD3CF46C1}"/>
                 </a:ext>
               </a:extLst>
             </p:cNvPr>
@@ -14099,7 +14023,7 @@
             <p:cNvPr id="142" name="Rectangle 141">
               <a:extLst>
                 <a:ext uri="{FF2B5EF4-FFF2-40B4-BE49-F238E27FC236}">
-                  <a16:creationId xmlns="" xmlns:a16="http://schemas.microsoft.com/office/drawing/2014/main" id="{181F776C-2AF8-48ED-A45F-6043E45954BF}"/>
+                  <a16:creationId xmlns:a16="http://schemas.microsoft.com/office/drawing/2014/main" xmlns="" id="{181F776C-2AF8-48ED-A45F-6043E45954BF}"/>
                 </a:ext>
               </a:extLst>
             </p:cNvPr>
@@ -14163,7 +14087,7 @@
             <p:cNvPr id="143" name="Rectangle 142">
               <a:extLst>
                 <a:ext uri="{FF2B5EF4-FFF2-40B4-BE49-F238E27FC236}">
-                  <a16:creationId xmlns="" xmlns:a16="http://schemas.microsoft.com/office/drawing/2014/main" id="{F411B93B-64DC-40ED-8351-A38502F83EC2}"/>
+                  <a16:creationId xmlns:a16="http://schemas.microsoft.com/office/drawing/2014/main" xmlns="" id="{F411B93B-64DC-40ED-8351-A38502F83EC2}"/>
                 </a:ext>
               </a:extLst>
             </p:cNvPr>
@@ -14227,7 +14151,7 @@
             <p:cNvPr id="144" name="Rectangle 143">
               <a:extLst>
                 <a:ext uri="{FF2B5EF4-FFF2-40B4-BE49-F238E27FC236}">
-                  <a16:creationId xmlns="" xmlns:a16="http://schemas.microsoft.com/office/drawing/2014/main" id="{6D4EF766-AAA1-4FD1-9EB8-BC7CCAF80F4C}"/>
+                  <a16:creationId xmlns:a16="http://schemas.microsoft.com/office/drawing/2014/main" xmlns="" id="{6D4EF766-AAA1-4FD1-9EB8-BC7CCAF80F4C}"/>
                 </a:ext>
               </a:extLst>
             </p:cNvPr>
@@ -14291,7 +14215,7 @@
             <p:cNvPr id="145" name="Rectangle 144">
               <a:extLst>
                 <a:ext uri="{FF2B5EF4-FFF2-40B4-BE49-F238E27FC236}">
-                  <a16:creationId xmlns="" xmlns:a16="http://schemas.microsoft.com/office/drawing/2014/main" id="{CA3BC80A-A5C7-4031-AE04-E1DBB065F990}"/>
+                  <a16:creationId xmlns:a16="http://schemas.microsoft.com/office/drawing/2014/main" xmlns="" id="{CA3BC80A-A5C7-4031-AE04-E1DBB065F990}"/>
                 </a:ext>
               </a:extLst>
             </p:cNvPr>
@@ -14355,7 +14279,7 @@
             <p:cNvPr id="146" name="Rectangle 145">
               <a:extLst>
                 <a:ext uri="{FF2B5EF4-FFF2-40B4-BE49-F238E27FC236}">
-                  <a16:creationId xmlns="" xmlns:a16="http://schemas.microsoft.com/office/drawing/2014/main" id="{B2C4E260-0390-4C3C-B29D-AB4732D5F312}"/>
+                  <a16:creationId xmlns:a16="http://schemas.microsoft.com/office/drawing/2014/main" xmlns="" id="{B2C4E260-0390-4C3C-B29D-AB4732D5F312}"/>
                 </a:ext>
               </a:extLst>
             </p:cNvPr>
@@ -14419,7 +14343,7 @@
             <p:cNvPr id="147" name="Rectangle 146">
               <a:extLst>
                 <a:ext uri="{FF2B5EF4-FFF2-40B4-BE49-F238E27FC236}">
-                  <a16:creationId xmlns="" xmlns:a16="http://schemas.microsoft.com/office/drawing/2014/main" id="{9CF30D03-0768-4F4A-876B-4064ADC4B962}"/>
+                  <a16:creationId xmlns:a16="http://schemas.microsoft.com/office/drawing/2014/main" xmlns="" id="{9CF30D03-0768-4F4A-876B-4064ADC4B962}"/>
                 </a:ext>
               </a:extLst>
             </p:cNvPr>
@@ -14483,7 +14407,7 @@
             <p:cNvPr id="81" name="Group 80">
               <a:extLst>
                 <a:ext uri="{FF2B5EF4-FFF2-40B4-BE49-F238E27FC236}">
-                  <a16:creationId xmlns="" xmlns:a16="http://schemas.microsoft.com/office/drawing/2014/main" id="{BDE4CAF1-67FB-4A00-A957-F84932EF37EA}"/>
+                  <a16:creationId xmlns:a16="http://schemas.microsoft.com/office/drawing/2014/main" xmlns="" id="{BDE4CAF1-67FB-4A00-A957-F84932EF37EA}"/>
                 </a:ext>
               </a:extLst>
             </p:cNvPr>
@@ -14503,7 +14427,7 @@
               <p:cNvPr id="82" name="Rectangle 81">
                 <a:extLst>
                   <a:ext uri="{FF2B5EF4-FFF2-40B4-BE49-F238E27FC236}">
-                    <a16:creationId xmlns="" xmlns:a16="http://schemas.microsoft.com/office/drawing/2014/main" id="{74C944AF-D50A-425E-A441-BD46E8CB9783}"/>
+                    <a16:creationId xmlns:a16="http://schemas.microsoft.com/office/drawing/2014/main" xmlns="" id="{74C944AF-D50A-425E-A441-BD46E8CB9783}"/>
                   </a:ext>
                 </a:extLst>
               </p:cNvPr>
@@ -14562,7 +14486,7 @@
               <p:cNvPr id="83" name="Arc 82">
                 <a:extLst>
                   <a:ext uri="{FF2B5EF4-FFF2-40B4-BE49-F238E27FC236}">
-                    <a16:creationId xmlns="" xmlns:a16="http://schemas.microsoft.com/office/drawing/2014/main" id="{AE95EC9D-DB78-417E-AF31-C543DE84C1EE}"/>
+                    <a16:creationId xmlns:a16="http://schemas.microsoft.com/office/drawing/2014/main" xmlns="" id="{AE95EC9D-DB78-417E-AF31-C543DE84C1EE}"/>
                   </a:ext>
                 </a:extLst>
               </p:cNvPr>
@@ -14641,7 +14565,7 @@
             <p:cNvPr id="84" name="Group 83">
               <a:extLst>
                 <a:ext uri="{FF2B5EF4-FFF2-40B4-BE49-F238E27FC236}">
-                  <a16:creationId xmlns="" xmlns:a16="http://schemas.microsoft.com/office/drawing/2014/main" id="{EC3E0684-8AE8-4214-BF7B-4AAB6B86F600}"/>
+                  <a16:creationId xmlns:a16="http://schemas.microsoft.com/office/drawing/2014/main" xmlns="" id="{EC3E0684-8AE8-4214-BF7B-4AAB6B86F600}"/>
                 </a:ext>
               </a:extLst>
             </p:cNvPr>
@@ -14661,7 +14585,7 @@
               <p:cNvPr id="85" name="Rectangle 84">
                 <a:extLst>
                   <a:ext uri="{FF2B5EF4-FFF2-40B4-BE49-F238E27FC236}">
-                    <a16:creationId xmlns="" xmlns:a16="http://schemas.microsoft.com/office/drawing/2014/main" id="{CF8E04A3-B6B4-4F3C-BB6B-AF9929DDA237}"/>
+                    <a16:creationId xmlns:a16="http://schemas.microsoft.com/office/drawing/2014/main" xmlns="" id="{CF8E04A3-B6B4-4F3C-BB6B-AF9929DDA237}"/>
                   </a:ext>
                 </a:extLst>
               </p:cNvPr>
@@ -14720,7 +14644,7 @@
               <p:cNvPr id="86" name="Arc 85">
                 <a:extLst>
                   <a:ext uri="{FF2B5EF4-FFF2-40B4-BE49-F238E27FC236}">
-                    <a16:creationId xmlns="" xmlns:a16="http://schemas.microsoft.com/office/drawing/2014/main" id="{18A95974-DAB2-4BF8-9192-96278D1744CD}"/>
+                    <a16:creationId xmlns:a16="http://schemas.microsoft.com/office/drawing/2014/main" xmlns="" id="{18A95974-DAB2-4BF8-9192-96278D1744CD}"/>
                   </a:ext>
                 </a:extLst>
               </p:cNvPr>
@@ -14799,7 +14723,7 @@
             <p:cNvPr id="87" name="Group 86">
               <a:extLst>
                 <a:ext uri="{FF2B5EF4-FFF2-40B4-BE49-F238E27FC236}">
-                  <a16:creationId xmlns="" xmlns:a16="http://schemas.microsoft.com/office/drawing/2014/main" id="{C97BDBFC-6DCF-4D05-9235-AF24FD08B7BA}"/>
+                  <a16:creationId xmlns:a16="http://schemas.microsoft.com/office/drawing/2014/main" xmlns="" id="{C97BDBFC-6DCF-4D05-9235-AF24FD08B7BA}"/>
                 </a:ext>
               </a:extLst>
             </p:cNvPr>
@@ -14819,7 +14743,7 @@
               <p:cNvPr id="88" name="Rectangle 87">
                 <a:extLst>
                   <a:ext uri="{FF2B5EF4-FFF2-40B4-BE49-F238E27FC236}">
-                    <a16:creationId xmlns="" xmlns:a16="http://schemas.microsoft.com/office/drawing/2014/main" id="{4AB8CE96-3DF3-4063-9F27-D4DB07BB75EF}"/>
+                    <a16:creationId xmlns:a16="http://schemas.microsoft.com/office/drawing/2014/main" xmlns="" id="{4AB8CE96-3DF3-4063-9F27-D4DB07BB75EF}"/>
                   </a:ext>
                 </a:extLst>
               </p:cNvPr>
@@ -14878,7 +14802,7 @@
               <p:cNvPr id="89" name="Arc 88">
                 <a:extLst>
                   <a:ext uri="{FF2B5EF4-FFF2-40B4-BE49-F238E27FC236}">
-                    <a16:creationId xmlns="" xmlns:a16="http://schemas.microsoft.com/office/drawing/2014/main" id="{309BD817-14B6-4AA7-A1F6-6EAEFBC3A86F}"/>
+                    <a16:creationId xmlns:a16="http://schemas.microsoft.com/office/drawing/2014/main" xmlns="" id="{309BD817-14B6-4AA7-A1F6-6EAEFBC3A86F}"/>
                   </a:ext>
                 </a:extLst>
               </p:cNvPr>
@@ -14957,7 +14881,7 @@
             <p:cNvPr id="90" name="Group 89">
               <a:extLst>
                 <a:ext uri="{FF2B5EF4-FFF2-40B4-BE49-F238E27FC236}">
-                  <a16:creationId xmlns="" xmlns:a16="http://schemas.microsoft.com/office/drawing/2014/main" id="{C6951FED-2BD7-4859-B333-5B1CAEF8AB8D}"/>
+                  <a16:creationId xmlns:a16="http://schemas.microsoft.com/office/drawing/2014/main" xmlns="" id="{C6951FED-2BD7-4859-B333-5B1CAEF8AB8D}"/>
                 </a:ext>
               </a:extLst>
             </p:cNvPr>
@@ -14977,7 +14901,7 @@
               <p:cNvPr id="91" name="Rectangle 90">
                 <a:extLst>
                   <a:ext uri="{FF2B5EF4-FFF2-40B4-BE49-F238E27FC236}">
-                    <a16:creationId xmlns="" xmlns:a16="http://schemas.microsoft.com/office/drawing/2014/main" id="{FE30C63D-F045-40E9-8C54-26DA5BDA0F44}"/>
+                    <a16:creationId xmlns:a16="http://schemas.microsoft.com/office/drawing/2014/main" xmlns="" id="{FE30C63D-F045-40E9-8C54-26DA5BDA0F44}"/>
                   </a:ext>
                 </a:extLst>
               </p:cNvPr>
@@ -15036,7 +14960,7 @@
               <p:cNvPr id="92" name="Arc 91">
                 <a:extLst>
                   <a:ext uri="{FF2B5EF4-FFF2-40B4-BE49-F238E27FC236}">
-                    <a16:creationId xmlns="" xmlns:a16="http://schemas.microsoft.com/office/drawing/2014/main" id="{434A2720-2A66-40B1-AC7E-5C244C6E6EB9}"/>
+                    <a16:creationId xmlns:a16="http://schemas.microsoft.com/office/drawing/2014/main" xmlns="" id="{434A2720-2A66-40B1-AC7E-5C244C6E6EB9}"/>
                   </a:ext>
                 </a:extLst>
               </p:cNvPr>
@@ -15115,7 +15039,7 @@
             <p:cNvPr id="93" name="Group 92">
               <a:extLst>
                 <a:ext uri="{FF2B5EF4-FFF2-40B4-BE49-F238E27FC236}">
-                  <a16:creationId xmlns="" xmlns:a16="http://schemas.microsoft.com/office/drawing/2014/main" id="{3253887B-E245-4C89-84BB-C89576187B4D}"/>
+                  <a16:creationId xmlns:a16="http://schemas.microsoft.com/office/drawing/2014/main" xmlns="" id="{3253887B-E245-4C89-84BB-C89576187B4D}"/>
                 </a:ext>
               </a:extLst>
             </p:cNvPr>
@@ -15135,7 +15059,7 @@
               <p:cNvPr id="94" name="Rectangle 93">
                 <a:extLst>
                   <a:ext uri="{FF2B5EF4-FFF2-40B4-BE49-F238E27FC236}">
-                    <a16:creationId xmlns="" xmlns:a16="http://schemas.microsoft.com/office/drawing/2014/main" id="{C2935527-C9EF-4950-89BB-EB1207B25EAD}"/>
+                    <a16:creationId xmlns:a16="http://schemas.microsoft.com/office/drawing/2014/main" xmlns="" id="{C2935527-C9EF-4950-89BB-EB1207B25EAD}"/>
                   </a:ext>
                 </a:extLst>
               </p:cNvPr>
@@ -15194,7 +15118,7 @@
               <p:cNvPr id="95" name="Arc 94">
                 <a:extLst>
                   <a:ext uri="{FF2B5EF4-FFF2-40B4-BE49-F238E27FC236}">
-                    <a16:creationId xmlns="" xmlns:a16="http://schemas.microsoft.com/office/drawing/2014/main" id="{B885AD0D-2A97-4761-A7E2-81AE7730FF98}"/>
+                    <a16:creationId xmlns:a16="http://schemas.microsoft.com/office/drawing/2014/main" xmlns="" id="{B885AD0D-2A97-4761-A7E2-81AE7730FF98}"/>
                   </a:ext>
                 </a:extLst>
               </p:cNvPr>
@@ -15273,7 +15197,7 @@
             <p:cNvPr id="96" name="Group 95">
               <a:extLst>
                 <a:ext uri="{FF2B5EF4-FFF2-40B4-BE49-F238E27FC236}">
-                  <a16:creationId xmlns="" xmlns:a16="http://schemas.microsoft.com/office/drawing/2014/main" id="{B20895E6-FBAD-4249-90F9-43369FD2080F}"/>
+                  <a16:creationId xmlns:a16="http://schemas.microsoft.com/office/drawing/2014/main" xmlns="" id="{B20895E6-FBAD-4249-90F9-43369FD2080F}"/>
                 </a:ext>
               </a:extLst>
             </p:cNvPr>
@@ -15293,7 +15217,7 @@
               <p:cNvPr id="97" name="Rectangle 96">
                 <a:extLst>
                   <a:ext uri="{FF2B5EF4-FFF2-40B4-BE49-F238E27FC236}">
-                    <a16:creationId xmlns="" xmlns:a16="http://schemas.microsoft.com/office/drawing/2014/main" id="{416F99E9-E132-4AB6-9501-719E390B2951}"/>
+                    <a16:creationId xmlns:a16="http://schemas.microsoft.com/office/drawing/2014/main" xmlns="" id="{416F99E9-E132-4AB6-9501-719E390B2951}"/>
                   </a:ext>
                 </a:extLst>
               </p:cNvPr>
@@ -15352,7 +15276,7 @@
               <p:cNvPr id="98" name="Arc 97">
                 <a:extLst>
                   <a:ext uri="{FF2B5EF4-FFF2-40B4-BE49-F238E27FC236}">
-                    <a16:creationId xmlns="" xmlns:a16="http://schemas.microsoft.com/office/drawing/2014/main" id="{7BF41422-E1EF-4A49-906D-7C9E43200378}"/>
+                    <a16:creationId xmlns:a16="http://schemas.microsoft.com/office/drawing/2014/main" xmlns="" id="{7BF41422-E1EF-4A49-906D-7C9E43200378}"/>
                   </a:ext>
                 </a:extLst>
               </p:cNvPr>
@@ -15431,7 +15355,7 @@
             <p:cNvPr id="99" name="Group 98">
               <a:extLst>
                 <a:ext uri="{FF2B5EF4-FFF2-40B4-BE49-F238E27FC236}">
-                  <a16:creationId xmlns="" xmlns:a16="http://schemas.microsoft.com/office/drawing/2014/main" id="{3A6C8FCE-3906-4A51-8C51-53A21458A79D}"/>
+                  <a16:creationId xmlns:a16="http://schemas.microsoft.com/office/drawing/2014/main" xmlns="" id="{3A6C8FCE-3906-4A51-8C51-53A21458A79D}"/>
                 </a:ext>
               </a:extLst>
             </p:cNvPr>
@@ -15451,7 +15375,7 @@
               <p:cNvPr id="100" name="Rectangle 99">
                 <a:extLst>
                   <a:ext uri="{FF2B5EF4-FFF2-40B4-BE49-F238E27FC236}">
-                    <a16:creationId xmlns="" xmlns:a16="http://schemas.microsoft.com/office/drawing/2014/main" id="{01B7306C-C82A-4CBC-8810-B196E2B85FD9}"/>
+                    <a16:creationId xmlns:a16="http://schemas.microsoft.com/office/drawing/2014/main" xmlns="" id="{01B7306C-C82A-4CBC-8810-B196E2B85FD9}"/>
                   </a:ext>
                 </a:extLst>
               </p:cNvPr>
@@ -15510,7 +15434,7 @@
               <p:cNvPr id="101" name="Arc 100">
                 <a:extLst>
                   <a:ext uri="{FF2B5EF4-FFF2-40B4-BE49-F238E27FC236}">
-                    <a16:creationId xmlns="" xmlns:a16="http://schemas.microsoft.com/office/drawing/2014/main" id="{4309EB4B-A1C1-41B8-9E71-43E4632DE81A}"/>
+                    <a16:creationId xmlns:a16="http://schemas.microsoft.com/office/drawing/2014/main" xmlns="" id="{4309EB4B-A1C1-41B8-9E71-43E4632DE81A}"/>
                   </a:ext>
                 </a:extLst>
               </p:cNvPr>
@@ -15589,7 +15513,7 @@
             <p:cNvPr id="102" name="Group 101">
               <a:extLst>
                 <a:ext uri="{FF2B5EF4-FFF2-40B4-BE49-F238E27FC236}">
-                  <a16:creationId xmlns="" xmlns:a16="http://schemas.microsoft.com/office/drawing/2014/main" id="{C74B4894-B5D2-4362-964C-D4DC0546060A}"/>
+                  <a16:creationId xmlns:a16="http://schemas.microsoft.com/office/drawing/2014/main" xmlns="" id="{C74B4894-B5D2-4362-964C-D4DC0546060A}"/>
                 </a:ext>
               </a:extLst>
             </p:cNvPr>
@@ -15609,7 +15533,7 @@
               <p:cNvPr id="103" name="Rectangle 102">
                 <a:extLst>
                   <a:ext uri="{FF2B5EF4-FFF2-40B4-BE49-F238E27FC236}">
-                    <a16:creationId xmlns="" xmlns:a16="http://schemas.microsoft.com/office/drawing/2014/main" id="{DA95D981-4D5B-4F4F-8A82-69838938508F}"/>
+                    <a16:creationId xmlns:a16="http://schemas.microsoft.com/office/drawing/2014/main" xmlns="" id="{DA95D981-4D5B-4F4F-8A82-69838938508F}"/>
                   </a:ext>
                 </a:extLst>
               </p:cNvPr>
@@ -15668,7 +15592,7 @@
               <p:cNvPr id="104" name="Arc 103">
                 <a:extLst>
                   <a:ext uri="{FF2B5EF4-FFF2-40B4-BE49-F238E27FC236}">
-                    <a16:creationId xmlns="" xmlns:a16="http://schemas.microsoft.com/office/drawing/2014/main" id="{E4822634-A39A-4B0D-8399-883328FCA1EE}"/>
+                    <a16:creationId xmlns:a16="http://schemas.microsoft.com/office/drawing/2014/main" xmlns="" id="{E4822634-A39A-4B0D-8399-883328FCA1EE}"/>
                   </a:ext>
                 </a:extLst>
               </p:cNvPr>
@@ -15747,7 +15671,7 @@
             <p:cNvPr id="105" name="Group 104">
               <a:extLst>
                 <a:ext uri="{FF2B5EF4-FFF2-40B4-BE49-F238E27FC236}">
-                  <a16:creationId xmlns="" xmlns:a16="http://schemas.microsoft.com/office/drawing/2014/main" id="{AC0C8900-7AAE-4DAD-9853-250BA8E46217}"/>
+                  <a16:creationId xmlns:a16="http://schemas.microsoft.com/office/drawing/2014/main" xmlns="" id="{AC0C8900-7AAE-4DAD-9853-250BA8E46217}"/>
                 </a:ext>
               </a:extLst>
             </p:cNvPr>
@@ -15767,7 +15691,7 @@
               <p:cNvPr id="106" name="Rectangle 105">
                 <a:extLst>
                   <a:ext uri="{FF2B5EF4-FFF2-40B4-BE49-F238E27FC236}">
-                    <a16:creationId xmlns="" xmlns:a16="http://schemas.microsoft.com/office/drawing/2014/main" id="{8F16C3F5-5111-4385-95DB-684995C5DA9E}"/>
+                    <a16:creationId xmlns:a16="http://schemas.microsoft.com/office/drawing/2014/main" xmlns="" id="{8F16C3F5-5111-4385-95DB-684995C5DA9E}"/>
                   </a:ext>
                 </a:extLst>
               </p:cNvPr>
@@ -15826,7 +15750,7 @@
               <p:cNvPr id="107" name="Arc 106">
                 <a:extLst>
                   <a:ext uri="{FF2B5EF4-FFF2-40B4-BE49-F238E27FC236}">
-                    <a16:creationId xmlns="" xmlns:a16="http://schemas.microsoft.com/office/drawing/2014/main" id="{C8E4EC42-A513-472E-AE69-66EF8F71937C}"/>
+                    <a16:creationId xmlns:a16="http://schemas.microsoft.com/office/drawing/2014/main" xmlns="" id="{C8E4EC42-A513-472E-AE69-66EF8F71937C}"/>
                   </a:ext>
                 </a:extLst>
               </p:cNvPr>
@@ -15905,7 +15829,7 @@
             <p:cNvPr id="108" name="Group 107">
               <a:extLst>
                 <a:ext uri="{FF2B5EF4-FFF2-40B4-BE49-F238E27FC236}">
-                  <a16:creationId xmlns="" xmlns:a16="http://schemas.microsoft.com/office/drawing/2014/main" id="{B9DF2A69-06AC-4DC9-B6C7-9A1B9D012585}"/>
+                  <a16:creationId xmlns:a16="http://schemas.microsoft.com/office/drawing/2014/main" xmlns="" id="{B9DF2A69-06AC-4DC9-B6C7-9A1B9D012585}"/>
                 </a:ext>
               </a:extLst>
             </p:cNvPr>
@@ -15925,7 +15849,7 @@
               <p:cNvPr id="109" name="Rectangle 108">
                 <a:extLst>
                   <a:ext uri="{FF2B5EF4-FFF2-40B4-BE49-F238E27FC236}">
-                    <a16:creationId xmlns="" xmlns:a16="http://schemas.microsoft.com/office/drawing/2014/main" id="{66D59475-186E-4F7A-A501-ABEDCC08DC98}"/>
+                    <a16:creationId xmlns:a16="http://schemas.microsoft.com/office/drawing/2014/main" xmlns="" id="{66D59475-186E-4F7A-A501-ABEDCC08DC98}"/>
                   </a:ext>
                 </a:extLst>
               </p:cNvPr>
@@ -15984,7 +15908,7 @@
               <p:cNvPr id="110" name="Arc 109">
                 <a:extLst>
                   <a:ext uri="{FF2B5EF4-FFF2-40B4-BE49-F238E27FC236}">
-                    <a16:creationId xmlns="" xmlns:a16="http://schemas.microsoft.com/office/drawing/2014/main" id="{55C929AA-C5D4-4A29-94FC-BF99C03F9430}"/>
+                    <a16:creationId xmlns:a16="http://schemas.microsoft.com/office/drawing/2014/main" xmlns="" id="{55C929AA-C5D4-4A29-94FC-BF99C03F9430}"/>
                   </a:ext>
                 </a:extLst>
               </p:cNvPr>
@@ -16063,7 +15987,7 @@
             <p:cNvPr id="111" name="Group 110">
               <a:extLst>
                 <a:ext uri="{FF2B5EF4-FFF2-40B4-BE49-F238E27FC236}">
-                  <a16:creationId xmlns="" xmlns:a16="http://schemas.microsoft.com/office/drawing/2014/main" id="{26F5DDE8-77F1-4A19-9A73-FA16AD387091}"/>
+                  <a16:creationId xmlns:a16="http://schemas.microsoft.com/office/drawing/2014/main" xmlns="" id="{26F5DDE8-77F1-4A19-9A73-FA16AD387091}"/>
                 </a:ext>
               </a:extLst>
             </p:cNvPr>
@@ -16083,7 +16007,7 @@
               <p:cNvPr id="112" name="Rectangle 111">
                 <a:extLst>
                   <a:ext uri="{FF2B5EF4-FFF2-40B4-BE49-F238E27FC236}">
-                    <a16:creationId xmlns="" xmlns:a16="http://schemas.microsoft.com/office/drawing/2014/main" id="{3975D25C-1E30-46E2-BA99-3037ADE31704}"/>
+                    <a16:creationId xmlns:a16="http://schemas.microsoft.com/office/drawing/2014/main" xmlns="" id="{3975D25C-1E30-46E2-BA99-3037ADE31704}"/>
                   </a:ext>
                 </a:extLst>
               </p:cNvPr>
@@ -16142,7 +16066,7 @@
               <p:cNvPr id="113" name="Arc 112">
                 <a:extLst>
                   <a:ext uri="{FF2B5EF4-FFF2-40B4-BE49-F238E27FC236}">
-                    <a16:creationId xmlns="" xmlns:a16="http://schemas.microsoft.com/office/drawing/2014/main" id="{5489E9B8-DC06-4350-B467-61A9DA0B02A7}"/>
+                    <a16:creationId xmlns:a16="http://schemas.microsoft.com/office/drawing/2014/main" xmlns="" id="{5489E9B8-DC06-4350-B467-61A9DA0B02A7}"/>
                   </a:ext>
                 </a:extLst>
               </p:cNvPr>
@@ -16221,7 +16145,7 @@
             <p:cNvPr id="114" name="Group 113">
               <a:extLst>
                 <a:ext uri="{FF2B5EF4-FFF2-40B4-BE49-F238E27FC236}">
-                  <a16:creationId xmlns="" xmlns:a16="http://schemas.microsoft.com/office/drawing/2014/main" id="{0375CE18-5EC1-4881-8142-DC1BC91AD094}"/>
+                  <a16:creationId xmlns:a16="http://schemas.microsoft.com/office/drawing/2014/main" xmlns="" id="{0375CE18-5EC1-4881-8142-DC1BC91AD094}"/>
                 </a:ext>
               </a:extLst>
             </p:cNvPr>
@@ -16241,7 +16165,7 @@
               <p:cNvPr id="115" name="Rectangle 114">
                 <a:extLst>
                   <a:ext uri="{FF2B5EF4-FFF2-40B4-BE49-F238E27FC236}">
-                    <a16:creationId xmlns="" xmlns:a16="http://schemas.microsoft.com/office/drawing/2014/main" id="{10A76D25-919A-40D9-9554-EFE2D3956BE4}"/>
+                    <a16:creationId xmlns:a16="http://schemas.microsoft.com/office/drawing/2014/main" xmlns="" id="{10A76D25-919A-40D9-9554-EFE2D3956BE4}"/>
                   </a:ext>
                 </a:extLst>
               </p:cNvPr>
@@ -16300,7 +16224,7 @@
               <p:cNvPr id="116" name="Arc 115">
                 <a:extLst>
                   <a:ext uri="{FF2B5EF4-FFF2-40B4-BE49-F238E27FC236}">
-                    <a16:creationId xmlns="" xmlns:a16="http://schemas.microsoft.com/office/drawing/2014/main" id="{F541D253-66CC-4C59-909C-302800ABEEFC}"/>
+                    <a16:creationId xmlns:a16="http://schemas.microsoft.com/office/drawing/2014/main" xmlns="" id="{F541D253-66CC-4C59-909C-302800ABEEFC}"/>
                   </a:ext>
                 </a:extLst>
               </p:cNvPr>
@@ -16379,7 +16303,7 @@
             <p:cNvPr id="117" name="Group 116">
               <a:extLst>
                 <a:ext uri="{FF2B5EF4-FFF2-40B4-BE49-F238E27FC236}">
-                  <a16:creationId xmlns="" xmlns:a16="http://schemas.microsoft.com/office/drawing/2014/main" id="{D86A99F9-8CBA-4BBB-88F7-14582E27C64C}"/>
+                  <a16:creationId xmlns:a16="http://schemas.microsoft.com/office/drawing/2014/main" xmlns="" id="{D86A99F9-8CBA-4BBB-88F7-14582E27C64C}"/>
                 </a:ext>
               </a:extLst>
             </p:cNvPr>
@@ -16399,7 +16323,7 @@
               <p:cNvPr id="118" name="Rectangle 117">
                 <a:extLst>
                   <a:ext uri="{FF2B5EF4-FFF2-40B4-BE49-F238E27FC236}">
-                    <a16:creationId xmlns="" xmlns:a16="http://schemas.microsoft.com/office/drawing/2014/main" id="{16259704-CA38-4525-8489-D1FECD12BDBC}"/>
+                    <a16:creationId xmlns:a16="http://schemas.microsoft.com/office/drawing/2014/main" xmlns="" id="{16259704-CA38-4525-8489-D1FECD12BDBC}"/>
                   </a:ext>
                 </a:extLst>
               </p:cNvPr>
@@ -16458,7 +16382,7 @@
               <p:cNvPr id="119" name="Arc 118">
                 <a:extLst>
                   <a:ext uri="{FF2B5EF4-FFF2-40B4-BE49-F238E27FC236}">
-                    <a16:creationId xmlns="" xmlns:a16="http://schemas.microsoft.com/office/drawing/2014/main" id="{40F4FCA1-5992-49D0-8CE6-8488CF6BAF04}"/>
+                    <a16:creationId xmlns:a16="http://schemas.microsoft.com/office/drawing/2014/main" xmlns="" id="{40F4FCA1-5992-49D0-8CE6-8488CF6BAF04}"/>
                   </a:ext>
                 </a:extLst>
               </p:cNvPr>
@@ -16537,7 +16461,7 @@
             <p:cNvPr id="120" name="Group 119">
               <a:extLst>
                 <a:ext uri="{FF2B5EF4-FFF2-40B4-BE49-F238E27FC236}">
-                  <a16:creationId xmlns="" xmlns:a16="http://schemas.microsoft.com/office/drawing/2014/main" id="{F5C59377-7214-4209-BA16-86D5D1DAE2B0}"/>
+                  <a16:creationId xmlns:a16="http://schemas.microsoft.com/office/drawing/2014/main" xmlns="" id="{F5C59377-7214-4209-BA16-86D5D1DAE2B0}"/>
                 </a:ext>
               </a:extLst>
             </p:cNvPr>
@@ -16557,7 +16481,7 @@
               <p:cNvPr id="121" name="Rectangle 120">
                 <a:extLst>
                   <a:ext uri="{FF2B5EF4-FFF2-40B4-BE49-F238E27FC236}">
-                    <a16:creationId xmlns="" xmlns:a16="http://schemas.microsoft.com/office/drawing/2014/main" id="{959A5D35-C7AE-458F-BBB5-71CD3A3F97F8}"/>
+                    <a16:creationId xmlns:a16="http://schemas.microsoft.com/office/drawing/2014/main" xmlns="" id="{959A5D35-C7AE-458F-BBB5-71CD3A3F97F8}"/>
                   </a:ext>
                 </a:extLst>
               </p:cNvPr>
@@ -16616,7 +16540,7 @@
               <p:cNvPr id="122" name="Arc 121">
                 <a:extLst>
                   <a:ext uri="{FF2B5EF4-FFF2-40B4-BE49-F238E27FC236}">
-                    <a16:creationId xmlns="" xmlns:a16="http://schemas.microsoft.com/office/drawing/2014/main" id="{F490A229-65A6-4DFF-870F-4B92A114A66A}"/>
+                    <a16:creationId xmlns:a16="http://schemas.microsoft.com/office/drawing/2014/main" xmlns="" id="{F490A229-65A6-4DFF-870F-4B92A114A66A}"/>
                   </a:ext>
                 </a:extLst>
               </p:cNvPr>
@@ -16695,7 +16619,7 @@
             <p:cNvPr id="123" name="Group 122">
               <a:extLst>
                 <a:ext uri="{FF2B5EF4-FFF2-40B4-BE49-F238E27FC236}">
-                  <a16:creationId xmlns="" xmlns:a16="http://schemas.microsoft.com/office/drawing/2014/main" id="{9EC6FFFF-2006-4366-8566-0113AD9F036A}"/>
+                  <a16:creationId xmlns:a16="http://schemas.microsoft.com/office/drawing/2014/main" xmlns="" id="{9EC6FFFF-2006-4366-8566-0113AD9F036A}"/>
                 </a:ext>
               </a:extLst>
             </p:cNvPr>
@@ -16715,7 +16639,7 @@
               <p:cNvPr id="124" name="Rectangle 123">
                 <a:extLst>
                   <a:ext uri="{FF2B5EF4-FFF2-40B4-BE49-F238E27FC236}">
-                    <a16:creationId xmlns="" xmlns:a16="http://schemas.microsoft.com/office/drawing/2014/main" id="{595E399E-0521-4D5B-914F-29C3ADDF2B72}"/>
+                    <a16:creationId xmlns:a16="http://schemas.microsoft.com/office/drawing/2014/main" xmlns="" id="{595E399E-0521-4D5B-914F-29C3ADDF2B72}"/>
                   </a:ext>
                 </a:extLst>
               </p:cNvPr>
@@ -16774,7 +16698,7 @@
               <p:cNvPr id="125" name="Arc 124">
                 <a:extLst>
                   <a:ext uri="{FF2B5EF4-FFF2-40B4-BE49-F238E27FC236}">
-                    <a16:creationId xmlns="" xmlns:a16="http://schemas.microsoft.com/office/drawing/2014/main" id="{14739334-2472-4756-B880-7780C40DA407}"/>
+                    <a16:creationId xmlns:a16="http://schemas.microsoft.com/office/drawing/2014/main" xmlns="" id="{14739334-2472-4756-B880-7780C40DA407}"/>
                   </a:ext>
                 </a:extLst>
               </p:cNvPr>
@@ -16853,7 +16777,7 @@
             <p:cNvPr id="126" name="Group 125">
               <a:extLst>
                 <a:ext uri="{FF2B5EF4-FFF2-40B4-BE49-F238E27FC236}">
-                  <a16:creationId xmlns="" xmlns:a16="http://schemas.microsoft.com/office/drawing/2014/main" id="{6D7FEFCF-F5E2-48A4-8DA2-466E3FA530E8}"/>
+                  <a16:creationId xmlns:a16="http://schemas.microsoft.com/office/drawing/2014/main" xmlns="" id="{6D7FEFCF-F5E2-48A4-8DA2-466E3FA530E8}"/>
                 </a:ext>
               </a:extLst>
             </p:cNvPr>
@@ -16873,7 +16797,7 @@
               <p:cNvPr id="127" name="Rectangle 126">
                 <a:extLst>
                   <a:ext uri="{FF2B5EF4-FFF2-40B4-BE49-F238E27FC236}">
-                    <a16:creationId xmlns="" xmlns:a16="http://schemas.microsoft.com/office/drawing/2014/main" id="{5B8C7798-2FB8-447C-BA5C-ECB75C74E5AD}"/>
+                    <a16:creationId xmlns:a16="http://schemas.microsoft.com/office/drawing/2014/main" xmlns="" id="{5B8C7798-2FB8-447C-BA5C-ECB75C74E5AD}"/>
                   </a:ext>
                 </a:extLst>
               </p:cNvPr>
@@ -16932,7 +16856,7 @@
               <p:cNvPr id="128" name="Arc 127">
                 <a:extLst>
                   <a:ext uri="{FF2B5EF4-FFF2-40B4-BE49-F238E27FC236}">
-                    <a16:creationId xmlns="" xmlns:a16="http://schemas.microsoft.com/office/drawing/2014/main" id="{DDFE7CA2-AC7D-4CF0-A779-1F7EC6161969}"/>
+                    <a16:creationId xmlns:a16="http://schemas.microsoft.com/office/drawing/2014/main" xmlns="" id="{DDFE7CA2-AC7D-4CF0-A779-1F7EC6161969}"/>
                   </a:ext>
                 </a:extLst>
               </p:cNvPr>
@@ -17011,7 +16935,7 @@
             <p:cNvPr id="129" name="Group 128">
               <a:extLst>
                 <a:ext uri="{FF2B5EF4-FFF2-40B4-BE49-F238E27FC236}">
-                  <a16:creationId xmlns="" xmlns:a16="http://schemas.microsoft.com/office/drawing/2014/main" id="{EF6B5FAD-EB1F-43DC-8B99-11CAD21D64C9}"/>
+                  <a16:creationId xmlns:a16="http://schemas.microsoft.com/office/drawing/2014/main" xmlns="" id="{EF6B5FAD-EB1F-43DC-8B99-11CAD21D64C9}"/>
                 </a:ext>
               </a:extLst>
             </p:cNvPr>
@@ -17031,7 +16955,7 @@
               <p:cNvPr id="130" name="Rectangle 129">
                 <a:extLst>
                   <a:ext uri="{FF2B5EF4-FFF2-40B4-BE49-F238E27FC236}">
-                    <a16:creationId xmlns="" xmlns:a16="http://schemas.microsoft.com/office/drawing/2014/main" id="{B817890A-729D-4FBB-8EF7-DAFD6F73427B}"/>
+                    <a16:creationId xmlns:a16="http://schemas.microsoft.com/office/drawing/2014/main" xmlns="" id="{B817890A-729D-4FBB-8EF7-DAFD6F73427B}"/>
                   </a:ext>
                 </a:extLst>
               </p:cNvPr>
@@ -17090,7 +17014,7 @@
               <p:cNvPr id="131" name="Arc 130">
                 <a:extLst>
                   <a:ext uri="{FF2B5EF4-FFF2-40B4-BE49-F238E27FC236}">
-                    <a16:creationId xmlns="" xmlns:a16="http://schemas.microsoft.com/office/drawing/2014/main" id="{EAD6132E-2435-4771-A3CC-CCE94E7A9600}"/>
+                    <a16:creationId xmlns:a16="http://schemas.microsoft.com/office/drawing/2014/main" xmlns="" id="{EAD6132E-2435-4771-A3CC-CCE94E7A9600}"/>
                   </a:ext>
                 </a:extLst>
               </p:cNvPr>
@@ -17169,7 +17093,7 @@
             <p:cNvPr id="132" name="Group 131">
               <a:extLst>
                 <a:ext uri="{FF2B5EF4-FFF2-40B4-BE49-F238E27FC236}">
-                  <a16:creationId xmlns="" xmlns:a16="http://schemas.microsoft.com/office/drawing/2014/main" id="{2B7006E1-B188-46BA-BAA5-15A960905F4C}"/>
+                  <a16:creationId xmlns:a16="http://schemas.microsoft.com/office/drawing/2014/main" xmlns="" id="{2B7006E1-B188-46BA-BAA5-15A960905F4C}"/>
                 </a:ext>
               </a:extLst>
             </p:cNvPr>
@@ -17189,7 +17113,7 @@
               <p:cNvPr id="133" name="Rectangle 132">
                 <a:extLst>
                   <a:ext uri="{FF2B5EF4-FFF2-40B4-BE49-F238E27FC236}">
-                    <a16:creationId xmlns="" xmlns:a16="http://schemas.microsoft.com/office/drawing/2014/main" id="{D01250CF-AFA1-4A19-B3C7-7F163609380B}"/>
+                    <a16:creationId xmlns:a16="http://schemas.microsoft.com/office/drawing/2014/main" xmlns="" id="{D01250CF-AFA1-4A19-B3C7-7F163609380B}"/>
                   </a:ext>
                 </a:extLst>
               </p:cNvPr>
@@ -17248,7 +17172,7 @@
               <p:cNvPr id="134" name="Arc 133">
                 <a:extLst>
                   <a:ext uri="{FF2B5EF4-FFF2-40B4-BE49-F238E27FC236}">
-                    <a16:creationId xmlns="" xmlns:a16="http://schemas.microsoft.com/office/drawing/2014/main" id="{1014BA5C-C370-44EB-84DA-2D69E36CE6C3}"/>
+                    <a16:creationId xmlns:a16="http://schemas.microsoft.com/office/drawing/2014/main" xmlns="" id="{1014BA5C-C370-44EB-84DA-2D69E36CE6C3}"/>
                   </a:ext>
                 </a:extLst>
               </p:cNvPr>
@@ -17327,7 +17251,7 @@
             <p:cNvPr id="135" name="Group 134">
               <a:extLst>
                 <a:ext uri="{FF2B5EF4-FFF2-40B4-BE49-F238E27FC236}">
-                  <a16:creationId xmlns="" xmlns:a16="http://schemas.microsoft.com/office/drawing/2014/main" id="{AD8CB7E5-EBC4-4791-B93B-D0B41B862B83}"/>
+                  <a16:creationId xmlns:a16="http://schemas.microsoft.com/office/drawing/2014/main" xmlns="" id="{AD8CB7E5-EBC4-4791-B93B-D0B41B862B83}"/>
                 </a:ext>
               </a:extLst>
             </p:cNvPr>
@@ -17347,7 +17271,7 @@
               <p:cNvPr id="136" name="Rectangle 135">
                 <a:extLst>
                   <a:ext uri="{FF2B5EF4-FFF2-40B4-BE49-F238E27FC236}">
-                    <a16:creationId xmlns="" xmlns:a16="http://schemas.microsoft.com/office/drawing/2014/main" id="{CF456FF3-391C-4C8E-A128-A413BDBBB225}"/>
+                    <a16:creationId xmlns:a16="http://schemas.microsoft.com/office/drawing/2014/main" xmlns="" id="{CF456FF3-391C-4C8E-A128-A413BDBBB225}"/>
                   </a:ext>
                 </a:extLst>
               </p:cNvPr>
@@ -17406,7 +17330,7 @@
               <p:cNvPr id="137" name="Arc 136">
                 <a:extLst>
                   <a:ext uri="{FF2B5EF4-FFF2-40B4-BE49-F238E27FC236}">
-                    <a16:creationId xmlns="" xmlns:a16="http://schemas.microsoft.com/office/drawing/2014/main" id="{8838FE2A-04D7-44E3-97C3-54338832CB9A}"/>
+                    <a16:creationId xmlns:a16="http://schemas.microsoft.com/office/drawing/2014/main" xmlns="" id="{8838FE2A-04D7-44E3-97C3-54338832CB9A}"/>
                   </a:ext>
                 </a:extLst>
               </p:cNvPr>
@@ -17486,7 +17410,7 @@
           <p:cNvPr id="209" name="TextBox 208">
             <a:extLst>
               <a:ext uri="{FF2B5EF4-FFF2-40B4-BE49-F238E27FC236}">
-                <a16:creationId xmlns="" xmlns:a16="http://schemas.microsoft.com/office/drawing/2014/main" id="{97B6C5F2-384F-48A1-BC25-56C6849F9A23}"/>
+                <a16:creationId xmlns:a16="http://schemas.microsoft.com/office/drawing/2014/main" xmlns="" id="{97B6C5F2-384F-48A1-BC25-56C6849F9A23}"/>
               </a:ext>
             </a:extLst>
           </p:cNvPr>
@@ -17495,7 +17419,7 @@
         </p:nvSpPr>
         <p:spPr>
           <a:xfrm>
-            <a:off x="494514" y="459500"/>
+            <a:off x="1564314" y="482303"/>
             <a:ext cx="3099191" cy="461665"/>
           </a:xfrm>
           <a:prstGeom prst="rect">
@@ -17510,18 +17434,11 @@
           <a:lstStyle/>
           <a:p>
             <a:r>
-              <a:rPr lang="pl-PL" sz="2400" dirty="0" err="1">
+              <a:rPr lang="pl-PL" sz="2400" dirty="0" smtClean="0">
                 <a:latin typeface="Hand Of Sean" panose="02000500000000000000" pitchFamily="2" charset="-128"/>
                 <a:ea typeface="Hand Of Sean" panose="02000500000000000000" pitchFamily="2" charset="-128"/>
               </a:rPr>
-              <a:t>Rodzał</a:t>
-            </a:r>
-            <a:r>
-              <a:rPr lang="pl-PL" sz="2400" dirty="0">
-                <a:latin typeface="Hand Of Sean" panose="02000500000000000000" pitchFamily="2" charset="-128"/>
-                <a:ea typeface="Hand Of Sean" panose="02000500000000000000" pitchFamily="2" charset="-128"/>
-              </a:rPr>
-              <a:t> II</a:t>
+              <a:t>WYJAZD NA UG</a:t>
             </a:r>
             <a:endParaRPr lang="en-US" sz="2400" dirty="0">
               <a:latin typeface="Hand Of Sean" panose="02000500000000000000" pitchFamily="2" charset="-128"/>
@@ -17532,10 +17449,10 @@
       </p:sp>
       <p:sp>
         <p:nvSpPr>
-          <p:cNvPr id="210" name="TextBox 209">
+          <p:cNvPr id="148" name="TextBox 208">
             <a:extLst>
               <a:ext uri="{FF2B5EF4-FFF2-40B4-BE49-F238E27FC236}">
-                <a16:creationId xmlns="" xmlns:a16="http://schemas.microsoft.com/office/drawing/2014/main" id="{3466BF93-A147-4F52-A7E5-9E9F8BDE7A42}"/>
+                <a16:creationId xmlns:a16="http://schemas.microsoft.com/office/drawing/2014/main" xmlns="" id="{97B6C5F2-384F-48A1-BC25-56C6849F9A23}"/>
               </a:ext>
             </a:extLst>
           </p:cNvPr>
@@ -17544,8 +17461,8 @@
         </p:nvSpPr>
         <p:spPr>
           <a:xfrm>
-            <a:off x="636549" y="1122224"/>
-            <a:ext cx="4963748" cy="3862596"/>
+            <a:off x="8000273" y="450148"/>
+            <a:ext cx="1799558" cy="461665"/>
           </a:xfrm>
           <a:prstGeom prst="rect">
             <a:avLst/>
@@ -17558,36 +17475,14 @@
           </a:bodyPr>
           <a:lstStyle/>
           <a:p>
-            <a:pPr>
-              <a:lnSpc>
-                <a:spcPct val="250000"/>
-              </a:lnSpc>
-            </a:pPr>
             <a:r>
-              <a:rPr lang="en-US" sz="1400" dirty="0">
-                <a:solidFill>
-                  <a:schemeClr val="tx1">
-                    <a:alpha val="50000"/>
-                  </a:schemeClr>
-                </a:solidFill>
+              <a:rPr lang="pl-PL" sz="2400" dirty="0" smtClean="0">
                 <a:latin typeface="Hand Of Sean" panose="02000500000000000000" pitchFamily="2" charset="-128"/>
                 <a:ea typeface="Hand Of Sean" panose="02000500000000000000" pitchFamily="2" charset="-128"/>
               </a:rPr>
-              <a:t>Lorem ipsum dolor sit amet, consectetuer adipiscing elit. Maecenas porttitor congue massa. Fusce posuere, magna sed pulvinar ultricies, purus lectus malesuada libero, sit amet commodo magna eros quis urna.</a:t>
+              <a:t>ERAZMUS</a:t>
             </a:r>
-          </a:p>
-          <a:p>
-            <a:pPr>
-              <a:lnSpc>
-                <a:spcPct val="250000"/>
-              </a:lnSpc>
-            </a:pPr>
-            <a:endParaRPr lang="en-US" sz="1400" dirty="0">
-              <a:solidFill>
-                <a:schemeClr val="tx1">
-                  <a:alpha val="50000"/>
-                </a:schemeClr>
-              </a:solidFill>
+            <a:endParaRPr lang="en-US" sz="2400" dirty="0">
               <a:latin typeface="Hand Of Sean" panose="02000500000000000000" pitchFamily="2" charset="-128"/>
               <a:ea typeface="Hand Of Sean" panose="02000500000000000000" pitchFamily="2" charset="-128"/>
             </a:endParaRPr>
@@ -17648,7 +17543,7 @@
           <p:cNvPr id="66" name="Rectangle 65">
             <a:extLst>
               <a:ext uri="{FF2B5EF4-FFF2-40B4-BE49-F238E27FC236}">
-                <a16:creationId xmlns="" xmlns:a16="http://schemas.microsoft.com/office/drawing/2014/main" id="{C03955BB-E41C-4E77-BB48-325360470229}"/>
+                <a16:creationId xmlns:a16="http://schemas.microsoft.com/office/drawing/2014/main" xmlns="" id="{C03955BB-E41C-4E77-BB48-325360470229}"/>
               </a:ext>
             </a:extLst>
           </p:cNvPr>
@@ -17707,7 +17602,7 @@
           <p:cNvPr id="4" name="Rectangle 3">
             <a:extLst>
               <a:ext uri="{FF2B5EF4-FFF2-40B4-BE49-F238E27FC236}">
-                <a16:creationId xmlns="" xmlns:a16="http://schemas.microsoft.com/office/drawing/2014/main" id="{33F222A8-AF2A-4292-8A95-0C3AD37A109D}"/>
+                <a16:creationId xmlns:a16="http://schemas.microsoft.com/office/drawing/2014/main" xmlns="" id="{33F222A8-AF2A-4292-8A95-0C3AD37A109D}"/>
               </a:ext>
             </a:extLst>
           </p:cNvPr>
@@ -17766,7 +17661,7 @@
           <p:cNvPr id="190" name="Group 189">
             <a:extLst>
               <a:ext uri="{FF2B5EF4-FFF2-40B4-BE49-F238E27FC236}">
-                <a16:creationId xmlns="" xmlns:a16="http://schemas.microsoft.com/office/drawing/2014/main" id="{B1C4F1B1-18D1-4F24-A7B4-A913BFFF45E6}"/>
+                <a16:creationId xmlns:a16="http://schemas.microsoft.com/office/drawing/2014/main" xmlns="" id="{B1C4F1B1-18D1-4F24-A7B4-A913BFFF45E6}"/>
               </a:ext>
             </a:extLst>
           </p:cNvPr>
@@ -17786,7 +17681,7 @@
             <p:cNvPr id="191" name="Rectangle 190">
               <a:extLst>
                 <a:ext uri="{FF2B5EF4-FFF2-40B4-BE49-F238E27FC236}">
-                  <a16:creationId xmlns="" xmlns:a16="http://schemas.microsoft.com/office/drawing/2014/main" id="{479DEB60-7570-45B4-8336-36827F8A3ED2}"/>
+                  <a16:creationId xmlns:a16="http://schemas.microsoft.com/office/drawing/2014/main" xmlns="" id="{479DEB60-7570-45B4-8336-36827F8A3ED2}"/>
                 </a:ext>
               </a:extLst>
             </p:cNvPr>
@@ -17850,7 +17745,7 @@
             <p:cNvPr id="192" name="Freeform: Shape 191">
               <a:extLst>
                 <a:ext uri="{FF2B5EF4-FFF2-40B4-BE49-F238E27FC236}">
-                  <a16:creationId xmlns="" xmlns:a16="http://schemas.microsoft.com/office/drawing/2014/main" id="{1F0B4A1C-B94A-47CE-AED1-2D2A4BE4CFF9}"/>
+                  <a16:creationId xmlns:a16="http://schemas.microsoft.com/office/drawing/2014/main" xmlns="" id="{1F0B4A1C-B94A-47CE-AED1-2D2A4BE4CFF9}"/>
                 </a:ext>
               </a:extLst>
             </p:cNvPr>
@@ -17986,7 +17881,7 @@
             <p:cNvPr id="205" name="TextBox 204">
               <a:extLst>
                 <a:ext uri="{FF2B5EF4-FFF2-40B4-BE49-F238E27FC236}">
-                  <a16:creationId xmlns="" xmlns:a16="http://schemas.microsoft.com/office/drawing/2014/main" id="{B1FBF4D5-CE44-480D-BC29-B88EB2D96005}"/>
+                  <a16:creationId xmlns:a16="http://schemas.microsoft.com/office/drawing/2014/main" xmlns="" id="{B1FBF4D5-CE44-480D-BC29-B88EB2D96005}"/>
                 </a:ext>
               </a:extLst>
             </p:cNvPr>
@@ -18039,7 +17934,7 @@
           <p:cNvPr id="174" name="Group 173">
             <a:extLst>
               <a:ext uri="{FF2B5EF4-FFF2-40B4-BE49-F238E27FC236}">
-                <a16:creationId xmlns="" xmlns:a16="http://schemas.microsoft.com/office/drawing/2014/main" id="{4D3EC6F6-41B8-42EA-9450-9660D30297B3}"/>
+                <a16:creationId xmlns:a16="http://schemas.microsoft.com/office/drawing/2014/main" xmlns="" id="{4D3EC6F6-41B8-42EA-9450-9660D30297B3}"/>
               </a:ext>
             </a:extLst>
           </p:cNvPr>
@@ -18059,7 +17954,7 @@
             <p:cNvPr id="175" name="Rectangle 174">
               <a:extLst>
                 <a:ext uri="{FF2B5EF4-FFF2-40B4-BE49-F238E27FC236}">
-                  <a16:creationId xmlns="" xmlns:a16="http://schemas.microsoft.com/office/drawing/2014/main" id="{BC45525F-CA64-4D1D-A75E-E6290B229999}"/>
+                  <a16:creationId xmlns:a16="http://schemas.microsoft.com/office/drawing/2014/main" xmlns="" id="{BC45525F-CA64-4D1D-A75E-E6290B229999}"/>
                 </a:ext>
               </a:extLst>
             </p:cNvPr>
@@ -18123,7 +18018,7 @@
             <p:cNvPr id="176" name="Freeform: Shape 175">
               <a:extLst>
                 <a:ext uri="{FF2B5EF4-FFF2-40B4-BE49-F238E27FC236}">
-                  <a16:creationId xmlns="" xmlns:a16="http://schemas.microsoft.com/office/drawing/2014/main" id="{4CCDAA36-0014-487F-9FC8-FB18AD79A536}"/>
+                  <a16:creationId xmlns:a16="http://schemas.microsoft.com/office/drawing/2014/main" xmlns="" id="{4CCDAA36-0014-487F-9FC8-FB18AD79A536}"/>
                 </a:ext>
               </a:extLst>
             </p:cNvPr>
@@ -18259,7 +18154,7 @@
             <p:cNvPr id="189" name="TextBox 188">
               <a:extLst>
                 <a:ext uri="{FF2B5EF4-FFF2-40B4-BE49-F238E27FC236}">
-                  <a16:creationId xmlns="" xmlns:a16="http://schemas.microsoft.com/office/drawing/2014/main" id="{028D77CE-26CC-48A3-92E2-0D112FD9E9FA}"/>
+                  <a16:creationId xmlns:a16="http://schemas.microsoft.com/office/drawing/2014/main" xmlns="" id="{028D77CE-26CC-48A3-92E2-0D112FD9E9FA}"/>
                 </a:ext>
               </a:extLst>
             </p:cNvPr>
@@ -18309,7 +18204,7 @@
           <p:cNvPr id="3" name="Group 2">
             <a:extLst>
               <a:ext uri="{FF2B5EF4-FFF2-40B4-BE49-F238E27FC236}">
-                <a16:creationId xmlns="" xmlns:a16="http://schemas.microsoft.com/office/drawing/2014/main" id="{0F1A4B53-3DA8-4B08-87F6-99E2B5780CCB}"/>
+                <a16:creationId xmlns:a16="http://schemas.microsoft.com/office/drawing/2014/main" xmlns="" id="{0F1A4B53-3DA8-4B08-87F6-99E2B5780CCB}"/>
               </a:ext>
             </a:extLst>
           </p:cNvPr>
@@ -18329,7 +18224,7 @@
             <p:cNvPr id="67" name="Rectangle 66">
               <a:extLst>
                 <a:ext uri="{FF2B5EF4-FFF2-40B4-BE49-F238E27FC236}">
-                  <a16:creationId xmlns="" xmlns:a16="http://schemas.microsoft.com/office/drawing/2014/main" id="{D119F2DB-0E38-4A31-831F-2BAF295D2A25}"/>
+                  <a16:creationId xmlns:a16="http://schemas.microsoft.com/office/drawing/2014/main" xmlns="" id="{D119F2DB-0E38-4A31-831F-2BAF295D2A25}"/>
                 </a:ext>
               </a:extLst>
             </p:cNvPr>
@@ -18393,7 +18288,7 @@
             <p:cNvPr id="10" name="Group 9">
               <a:extLst>
                 <a:ext uri="{FF2B5EF4-FFF2-40B4-BE49-F238E27FC236}">
-                  <a16:creationId xmlns="" xmlns:a16="http://schemas.microsoft.com/office/drawing/2014/main" id="{AEE5042A-E067-4FB7-BCFF-00BB33BFEDEC}"/>
+                  <a16:creationId xmlns:a16="http://schemas.microsoft.com/office/drawing/2014/main" xmlns="" id="{AEE5042A-E067-4FB7-BCFF-00BB33BFEDEC}"/>
                 </a:ext>
               </a:extLst>
             </p:cNvPr>
@@ -18413,7 +18308,7 @@
               <p:cNvPr id="5" name="Rectangle 4">
                 <a:extLst>
                   <a:ext uri="{FF2B5EF4-FFF2-40B4-BE49-F238E27FC236}">
-                    <a16:creationId xmlns="" xmlns:a16="http://schemas.microsoft.com/office/drawing/2014/main" id="{9ECC8D50-758B-45D1-9832-058DA749338C}"/>
+                    <a16:creationId xmlns:a16="http://schemas.microsoft.com/office/drawing/2014/main" xmlns="" id="{9ECC8D50-758B-45D1-9832-058DA749338C}"/>
                   </a:ext>
                 </a:extLst>
               </p:cNvPr>
@@ -18472,7 +18367,7 @@
               <p:cNvPr id="9" name="Arc 8">
                 <a:extLst>
                   <a:ext uri="{FF2B5EF4-FFF2-40B4-BE49-F238E27FC236}">
-                    <a16:creationId xmlns="" xmlns:a16="http://schemas.microsoft.com/office/drawing/2014/main" id="{FC783E55-1922-4926-8D97-EC60526709F7}"/>
+                    <a16:creationId xmlns:a16="http://schemas.microsoft.com/office/drawing/2014/main" xmlns="" id="{FC783E55-1922-4926-8D97-EC60526709F7}"/>
                   </a:ext>
                 </a:extLst>
               </p:cNvPr>
@@ -18551,7 +18446,7 @@
             <p:cNvPr id="68" name="Rectangle 67">
               <a:extLst>
                 <a:ext uri="{FF2B5EF4-FFF2-40B4-BE49-F238E27FC236}">
-                  <a16:creationId xmlns="" xmlns:a16="http://schemas.microsoft.com/office/drawing/2014/main" id="{FCB92E0C-F05E-4602-8A6C-A561815032EC}"/>
+                  <a16:creationId xmlns:a16="http://schemas.microsoft.com/office/drawing/2014/main" xmlns="" id="{FCB92E0C-F05E-4602-8A6C-A561815032EC}"/>
                 </a:ext>
               </a:extLst>
             </p:cNvPr>
@@ -18615,7 +18510,7 @@
             <p:cNvPr id="78" name="Group 77">
               <a:extLst>
                 <a:ext uri="{FF2B5EF4-FFF2-40B4-BE49-F238E27FC236}">
-                  <a16:creationId xmlns="" xmlns:a16="http://schemas.microsoft.com/office/drawing/2014/main" id="{E48E30C9-A74F-4C52-AD04-FC9A5CBD8258}"/>
+                  <a16:creationId xmlns:a16="http://schemas.microsoft.com/office/drawing/2014/main" xmlns="" id="{E48E30C9-A74F-4C52-AD04-FC9A5CBD8258}"/>
                 </a:ext>
               </a:extLst>
             </p:cNvPr>
@@ -18635,7 +18530,7 @@
               <p:cNvPr id="79" name="Rectangle 78">
                 <a:extLst>
                   <a:ext uri="{FF2B5EF4-FFF2-40B4-BE49-F238E27FC236}">
-                    <a16:creationId xmlns="" xmlns:a16="http://schemas.microsoft.com/office/drawing/2014/main" id="{9D80A7DB-810E-4588-BE25-E9F7C34D3DB1}"/>
+                    <a16:creationId xmlns:a16="http://schemas.microsoft.com/office/drawing/2014/main" xmlns="" id="{9D80A7DB-810E-4588-BE25-E9F7C34D3DB1}"/>
                   </a:ext>
                 </a:extLst>
               </p:cNvPr>
@@ -18694,7 +18589,7 @@
               <p:cNvPr id="80" name="Arc 79">
                 <a:extLst>
                   <a:ext uri="{FF2B5EF4-FFF2-40B4-BE49-F238E27FC236}">
-                    <a16:creationId xmlns="" xmlns:a16="http://schemas.microsoft.com/office/drawing/2014/main" id="{0CEE252C-3F6B-425D-A974-8C322FD62AA8}"/>
+                    <a16:creationId xmlns:a16="http://schemas.microsoft.com/office/drawing/2014/main" xmlns="" id="{0CEE252C-3F6B-425D-A974-8C322FD62AA8}"/>
                   </a:ext>
                 </a:extLst>
               </p:cNvPr>
@@ -18773,7 +18668,7 @@
             <p:cNvPr id="69" name="Rectangle 68">
               <a:extLst>
                 <a:ext uri="{FF2B5EF4-FFF2-40B4-BE49-F238E27FC236}">
-                  <a16:creationId xmlns="" xmlns:a16="http://schemas.microsoft.com/office/drawing/2014/main" id="{A4620A41-830E-412F-B7F4-82B17531460F}"/>
+                  <a16:creationId xmlns:a16="http://schemas.microsoft.com/office/drawing/2014/main" xmlns="" id="{A4620A41-830E-412F-B7F4-82B17531460F}"/>
                 </a:ext>
               </a:extLst>
             </p:cNvPr>
@@ -18837,7 +18732,7 @@
             <p:cNvPr id="70" name="Rectangle 69">
               <a:extLst>
                 <a:ext uri="{FF2B5EF4-FFF2-40B4-BE49-F238E27FC236}">
-                  <a16:creationId xmlns="" xmlns:a16="http://schemas.microsoft.com/office/drawing/2014/main" id="{B8C591D4-C50C-4B67-805A-961945693BE6}"/>
+                  <a16:creationId xmlns:a16="http://schemas.microsoft.com/office/drawing/2014/main" xmlns="" id="{B8C591D4-C50C-4B67-805A-961945693BE6}"/>
                 </a:ext>
               </a:extLst>
             </p:cNvPr>
@@ -18901,7 +18796,7 @@
             <p:cNvPr id="71" name="Rectangle 70">
               <a:extLst>
                 <a:ext uri="{FF2B5EF4-FFF2-40B4-BE49-F238E27FC236}">
-                  <a16:creationId xmlns="" xmlns:a16="http://schemas.microsoft.com/office/drawing/2014/main" id="{461F08B5-15BF-4C63-B54C-7D2001EDCAD3}"/>
+                  <a16:creationId xmlns:a16="http://schemas.microsoft.com/office/drawing/2014/main" xmlns="" id="{461F08B5-15BF-4C63-B54C-7D2001EDCAD3}"/>
                 </a:ext>
               </a:extLst>
             </p:cNvPr>
@@ -18965,7 +18860,7 @@
             <p:cNvPr id="72" name="Rectangle 71">
               <a:extLst>
                 <a:ext uri="{FF2B5EF4-FFF2-40B4-BE49-F238E27FC236}">
-                  <a16:creationId xmlns="" xmlns:a16="http://schemas.microsoft.com/office/drawing/2014/main" id="{D12C5631-8C0A-4256-BD3E-88D081A7321B}"/>
+                  <a16:creationId xmlns:a16="http://schemas.microsoft.com/office/drawing/2014/main" xmlns="" id="{D12C5631-8C0A-4256-BD3E-88D081A7321B}"/>
                 </a:ext>
               </a:extLst>
             </p:cNvPr>
@@ -19029,7 +18924,7 @@
             <p:cNvPr id="73" name="Rectangle 72">
               <a:extLst>
                 <a:ext uri="{FF2B5EF4-FFF2-40B4-BE49-F238E27FC236}">
-                  <a16:creationId xmlns="" xmlns:a16="http://schemas.microsoft.com/office/drawing/2014/main" id="{D3030D9B-44CF-4F4E-A86E-18A79322376D}"/>
+                  <a16:creationId xmlns:a16="http://schemas.microsoft.com/office/drawing/2014/main" xmlns="" id="{D3030D9B-44CF-4F4E-A86E-18A79322376D}"/>
                 </a:ext>
               </a:extLst>
             </p:cNvPr>
@@ -19093,7 +18988,7 @@
             <p:cNvPr id="74" name="Rectangle 73">
               <a:extLst>
                 <a:ext uri="{FF2B5EF4-FFF2-40B4-BE49-F238E27FC236}">
-                  <a16:creationId xmlns="" xmlns:a16="http://schemas.microsoft.com/office/drawing/2014/main" id="{0E9F8D11-58D9-4493-A410-DACB43B5E48F}"/>
+                  <a16:creationId xmlns:a16="http://schemas.microsoft.com/office/drawing/2014/main" xmlns="" id="{0E9F8D11-58D9-4493-A410-DACB43B5E48F}"/>
                 </a:ext>
               </a:extLst>
             </p:cNvPr>
@@ -19157,7 +19052,7 @@
             <p:cNvPr id="75" name="Rectangle 74">
               <a:extLst>
                 <a:ext uri="{FF2B5EF4-FFF2-40B4-BE49-F238E27FC236}">
-                  <a16:creationId xmlns="" xmlns:a16="http://schemas.microsoft.com/office/drawing/2014/main" id="{880FA994-AF36-4890-A98D-4750B71B3C59}"/>
+                  <a16:creationId xmlns:a16="http://schemas.microsoft.com/office/drawing/2014/main" xmlns="" id="{880FA994-AF36-4890-A98D-4750B71B3C59}"/>
                 </a:ext>
               </a:extLst>
             </p:cNvPr>
@@ -19221,7 +19116,7 @@
             <p:cNvPr id="76" name="Rectangle 75">
               <a:extLst>
                 <a:ext uri="{FF2B5EF4-FFF2-40B4-BE49-F238E27FC236}">
-                  <a16:creationId xmlns="" xmlns:a16="http://schemas.microsoft.com/office/drawing/2014/main" id="{9E5C2FB6-992A-4537-B467-2FCB0FDBDB9F}"/>
+                  <a16:creationId xmlns:a16="http://schemas.microsoft.com/office/drawing/2014/main" xmlns="" id="{9E5C2FB6-992A-4537-B467-2FCB0FDBDB9F}"/>
                 </a:ext>
               </a:extLst>
             </p:cNvPr>
@@ -19285,7 +19180,7 @@
             <p:cNvPr id="77" name="Rectangle 76">
               <a:extLst>
                 <a:ext uri="{FF2B5EF4-FFF2-40B4-BE49-F238E27FC236}">
-                  <a16:creationId xmlns="" xmlns:a16="http://schemas.microsoft.com/office/drawing/2014/main" id="{73193785-12A4-408F-9E7C-27DDBEAFA7BD}"/>
+                  <a16:creationId xmlns:a16="http://schemas.microsoft.com/office/drawing/2014/main" xmlns="" id="{73193785-12A4-408F-9E7C-27DDBEAFA7BD}"/>
                 </a:ext>
               </a:extLst>
             </p:cNvPr>
@@ -19349,7 +19244,7 @@
             <p:cNvPr id="138" name="Rectangle 137">
               <a:extLst>
                 <a:ext uri="{FF2B5EF4-FFF2-40B4-BE49-F238E27FC236}">
-                  <a16:creationId xmlns="" xmlns:a16="http://schemas.microsoft.com/office/drawing/2014/main" id="{FF68EA0C-3323-4279-9322-583E0496C340}"/>
+                  <a16:creationId xmlns:a16="http://schemas.microsoft.com/office/drawing/2014/main" xmlns="" id="{FF68EA0C-3323-4279-9322-583E0496C340}"/>
                 </a:ext>
               </a:extLst>
             </p:cNvPr>
@@ -19413,7 +19308,7 @@
             <p:cNvPr id="139" name="Rectangle 138">
               <a:extLst>
                 <a:ext uri="{FF2B5EF4-FFF2-40B4-BE49-F238E27FC236}">
-                  <a16:creationId xmlns="" xmlns:a16="http://schemas.microsoft.com/office/drawing/2014/main" id="{DA8F7F98-A2C1-4622-86E7-4F2038831BBE}"/>
+                  <a16:creationId xmlns:a16="http://schemas.microsoft.com/office/drawing/2014/main" xmlns="" id="{DA8F7F98-A2C1-4622-86E7-4F2038831BBE}"/>
                 </a:ext>
               </a:extLst>
             </p:cNvPr>
@@ -19477,7 +19372,7 @@
             <p:cNvPr id="140" name="Rectangle 139">
               <a:extLst>
                 <a:ext uri="{FF2B5EF4-FFF2-40B4-BE49-F238E27FC236}">
-                  <a16:creationId xmlns="" xmlns:a16="http://schemas.microsoft.com/office/drawing/2014/main" id="{0A05E640-BFCE-401E-8E58-B95F9FAC8DFA}"/>
+                  <a16:creationId xmlns:a16="http://schemas.microsoft.com/office/drawing/2014/main" xmlns="" id="{0A05E640-BFCE-401E-8E58-B95F9FAC8DFA}"/>
                 </a:ext>
               </a:extLst>
             </p:cNvPr>
@@ -19541,7 +19436,7 @@
             <p:cNvPr id="141" name="Rectangle 140">
               <a:extLst>
                 <a:ext uri="{FF2B5EF4-FFF2-40B4-BE49-F238E27FC236}">
-                  <a16:creationId xmlns="" xmlns:a16="http://schemas.microsoft.com/office/drawing/2014/main" id="{E054FE0A-3727-4A81-B405-7B2AD3CF46C1}"/>
+                  <a16:creationId xmlns:a16="http://schemas.microsoft.com/office/drawing/2014/main" xmlns="" id="{E054FE0A-3727-4A81-B405-7B2AD3CF46C1}"/>
                 </a:ext>
               </a:extLst>
             </p:cNvPr>
@@ -19605,7 +19500,7 @@
             <p:cNvPr id="142" name="Rectangle 141">
               <a:extLst>
                 <a:ext uri="{FF2B5EF4-FFF2-40B4-BE49-F238E27FC236}">
-                  <a16:creationId xmlns="" xmlns:a16="http://schemas.microsoft.com/office/drawing/2014/main" id="{181F776C-2AF8-48ED-A45F-6043E45954BF}"/>
+                  <a16:creationId xmlns:a16="http://schemas.microsoft.com/office/drawing/2014/main" xmlns="" id="{181F776C-2AF8-48ED-A45F-6043E45954BF}"/>
                 </a:ext>
               </a:extLst>
             </p:cNvPr>
@@ -19669,7 +19564,7 @@
             <p:cNvPr id="143" name="Rectangle 142">
               <a:extLst>
                 <a:ext uri="{FF2B5EF4-FFF2-40B4-BE49-F238E27FC236}">
-                  <a16:creationId xmlns="" xmlns:a16="http://schemas.microsoft.com/office/drawing/2014/main" id="{F411B93B-64DC-40ED-8351-A38502F83EC2}"/>
+                  <a16:creationId xmlns:a16="http://schemas.microsoft.com/office/drawing/2014/main" xmlns="" id="{F411B93B-64DC-40ED-8351-A38502F83EC2}"/>
                 </a:ext>
               </a:extLst>
             </p:cNvPr>
@@ -19733,7 +19628,7 @@
             <p:cNvPr id="144" name="Rectangle 143">
               <a:extLst>
                 <a:ext uri="{FF2B5EF4-FFF2-40B4-BE49-F238E27FC236}">
-                  <a16:creationId xmlns="" xmlns:a16="http://schemas.microsoft.com/office/drawing/2014/main" id="{6D4EF766-AAA1-4FD1-9EB8-BC7CCAF80F4C}"/>
+                  <a16:creationId xmlns:a16="http://schemas.microsoft.com/office/drawing/2014/main" xmlns="" id="{6D4EF766-AAA1-4FD1-9EB8-BC7CCAF80F4C}"/>
                 </a:ext>
               </a:extLst>
             </p:cNvPr>
@@ -19797,7 +19692,7 @@
             <p:cNvPr id="145" name="Rectangle 144">
               <a:extLst>
                 <a:ext uri="{FF2B5EF4-FFF2-40B4-BE49-F238E27FC236}">
-                  <a16:creationId xmlns="" xmlns:a16="http://schemas.microsoft.com/office/drawing/2014/main" id="{CA3BC80A-A5C7-4031-AE04-E1DBB065F990}"/>
+                  <a16:creationId xmlns:a16="http://schemas.microsoft.com/office/drawing/2014/main" xmlns="" id="{CA3BC80A-A5C7-4031-AE04-E1DBB065F990}"/>
                 </a:ext>
               </a:extLst>
             </p:cNvPr>
@@ -19861,7 +19756,7 @@
             <p:cNvPr id="146" name="Rectangle 145">
               <a:extLst>
                 <a:ext uri="{FF2B5EF4-FFF2-40B4-BE49-F238E27FC236}">
-                  <a16:creationId xmlns="" xmlns:a16="http://schemas.microsoft.com/office/drawing/2014/main" id="{B2C4E260-0390-4C3C-B29D-AB4732D5F312}"/>
+                  <a16:creationId xmlns:a16="http://schemas.microsoft.com/office/drawing/2014/main" xmlns="" id="{B2C4E260-0390-4C3C-B29D-AB4732D5F312}"/>
                 </a:ext>
               </a:extLst>
             </p:cNvPr>
@@ -19925,7 +19820,7 @@
             <p:cNvPr id="147" name="Rectangle 146">
               <a:extLst>
                 <a:ext uri="{FF2B5EF4-FFF2-40B4-BE49-F238E27FC236}">
-                  <a16:creationId xmlns="" xmlns:a16="http://schemas.microsoft.com/office/drawing/2014/main" id="{9CF30D03-0768-4F4A-876B-4064ADC4B962}"/>
+                  <a16:creationId xmlns:a16="http://schemas.microsoft.com/office/drawing/2014/main" xmlns="" id="{9CF30D03-0768-4F4A-876B-4064ADC4B962}"/>
                 </a:ext>
               </a:extLst>
             </p:cNvPr>
@@ -19989,7 +19884,7 @@
             <p:cNvPr id="81" name="Group 80">
               <a:extLst>
                 <a:ext uri="{FF2B5EF4-FFF2-40B4-BE49-F238E27FC236}">
-                  <a16:creationId xmlns="" xmlns:a16="http://schemas.microsoft.com/office/drawing/2014/main" id="{BDE4CAF1-67FB-4A00-A957-F84932EF37EA}"/>
+                  <a16:creationId xmlns:a16="http://schemas.microsoft.com/office/drawing/2014/main" xmlns="" id="{BDE4CAF1-67FB-4A00-A957-F84932EF37EA}"/>
                 </a:ext>
               </a:extLst>
             </p:cNvPr>
@@ -20009,7 +19904,7 @@
               <p:cNvPr id="82" name="Rectangle 81">
                 <a:extLst>
                   <a:ext uri="{FF2B5EF4-FFF2-40B4-BE49-F238E27FC236}">
-                    <a16:creationId xmlns="" xmlns:a16="http://schemas.microsoft.com/office/drawing/2014/main" id="{74C944AF-D50A-425E-A441-BD46E8CB9783}"/>
+                    <a16:creationId xmlns:a16="http://schemas.microsoft.com/office/drawing/2014/main" xmlns="" id="{74C944AF-D50A-425E-A441-BD46E8CB9783}"/>
                   </a:ext>
                 </a:extLst>
               </p:cNvPr>
@@ -20068,7 +19963,7 @@
               <p:cNvPr id="83" name="Arc 82">
                 <a:extLst>
                   <a:ext uri="{FF2B5EF4-FFF2-40B4-BE49-F238E27FC236}">
-                    <a16:creationId xmlns="" xmlns:a16="http://schemas.microsoft.com/office/drawing/2014/main" id="{AE95EC9D-DB78-417E-AF31-C543DE84C1EE}"/>
+                    <a16:creationId xmlns:a16="http://schemas.microsoft.com/office/drawing/2014/main" xmlns="" id="{AE95EC9D-DB78-417E-AF31-C543DE84C1EE}"/>
                   </a:ext>
                 </a:extLst>
               </p:cNvPr>
@@ -20147,7 +20042,7 @@
             <p:cNvPr id="84" name="Group 83">
               <a:extLst>
                 <a:ext uri="{FF2B5EF4-FFF2-40B4-BE49-F238E27FC236}">
-                  <a16:creationId xmlns="" xmlns:a16="http://schemas.microsoft.com/office/drawing/2014/main" id="{EC3E0684-8AE8-4214-BF7B-4AAB6B86F600}"/>
+                  <a16:creationId xmlns:a16="http://schemas.microsoft.com/office/drawing/2014/main" xmlns="" id="{EC3E0684-8AE8-4214-BF7B-4AAB6B86F600}"/>
                 </a:ext>
               </a:extLst>
             </p:cNvPr>
@@ -20167,7 +20062,7 @@
               <p:cNvPr id="85" name="Rectangle 84">
                 <a:extLst>
                   <a:ext uri="{FF2B5EF4-FFF2-40B4-BE49-F238E27FC236}">
-                    <a16:creationId xmlns="" xmlns:a16="http://schemas.microsoft.com/office/drawing/2014/main" id="{CF8E04A3-B6B4-4F3C-BB6B-AF9929DDA237}"/>
+                    <a16:creationId xmlns:a16="http://schemas.microsoft.com/office/drawing/2014/main" xmlns="" id="{CF8E04A3-B6B4-4F3C-BB6B-AF9929DDA237}"/>
                   </a:ext>
                 </a:extLst>
               </p:cNvPr>
@@ -20226,7 +20121,7 @@
               <p:cNvPr id="86" name="Arc 85">
                 <a:extLst>
                   <a:ext uri="{FF2B5EF4-FFF2-40B4-BE49-F238E27FC236}">
-                    <a16:creationId xmlns="" xmlns:a16="http://schemas.microsoft.com/office/drawing/2014/main" id="{18A95974-DAB2-4BF8-9192-96278D1744CD}"/>
+                    <a16:creationId xmlns:a16="http://schemas.microsoft.com/office/drawing/2014/main" xmlns="" id="{18A95974-DAB2-4BF8-9192-96278D1744CD}"/>
                   </a:ext>
                 </a:extLst>
               </p:cNvPr>
@@ -20305,7 +20200,7 @@
             <p:cNvPr id="87" name="Group 86">
               <a:extLst>
                 <a:ext uri="{FF2B5EF4-FFF2-40B4-BE49-F238E27FC236}">
-                  <a16:creationId xmlns="" xmlns:a16="http://schemas.microsoft.com/office/drawing/2014/main" id="{C97BDBFC-6DCF-4D05-9235-AF24FD08B7BA}"/>
+                  <a16:creationId xmlns:a16="http://schemas.microsoft.com/office/drawing/2014/main" xmlns="" id="{C97BDBFC-6DCF-4D05-9235-AF24FD08B7BA}"/>
                 </a:ext>
               </a:extLst>
             </p:cNvPr>
@@ -20325,7 +20220,7 @@
               <p:cNvPr id="88" name="Rectangle 87">
                 <a:extLst>
                   <a:ext uri="{FF2B5EF4-FFF2-40B4-BE49-F238E27FC236}">
-                    <a16:creationId xmlns="" xmlns:a16="http://schemas.microsoft.com/office/drawing/2014/main" id="{4AB8CE96-3DF3-4063-9F27-D4DB07BB75EF}"/>
+                    <a16:creationId xmlns:a16="http://schemas.microsoft.com/office/drawing/2014/main" xmlns="" id="{4AB8CE96-3DF3-4063-9F27-D4DB07BB75EF}"/>
                   </a:ext>
                 </a:extLst>
               </p:cNvPr>
@@ -20384,7 +20279,7 @@
               <p:cNvPr id="89" name="Arc 88">
                 <a:extLst>
                   <a:ext uri="{FF2B5EF4-FFF2-40B4-BE49-F238E27FC236}">
-                    <a16:creationId xmlns="" xmlns:a16="http://schemas.microsoft.com/office/drawing/2014/main" id="{309BD817-14B6-4AA7-A1F6-6EAEFBC3A86F}"/>
+                    <a16:creationId xmlns:a16="http://schemas.microsoft.com/office/drawing/2014/main" xmlns="" id="{309BD817-14B6-4AA7-A1F6-6EAEFBC3A86F}"/>
                   </a:ext>
                 </a:extLst>
               </p:cNvPr>
@@ -20463,7 +20358,7 @@
             <p:cNvPr id="90" name="Group 89">
               <a:extLst>
                 <a:ext uri="{FF2B5EF4-FFF2-40B4-BE49-F238E27FC236}">
-                  <a16:creationId xmlns="" xmlns:a16="http://schemas.microsoft.com/office/drawing/2014/main" id="{C6951FED-2BD7-4859-B333-5B1CAEF8AB8D}"/>
+                  <a16:creationId xmlns:a16="http://schemas.microsoft.com/office/drawing/2014/main" xmlns="" id="{C6951FED-2BD7-4859-B333-5B1CAEF8AB8D}"/>
                 </a:ext>
               </a:extLst>
             </p:cNvPr>
@@ -20483,7 +20378,7 @@
               <p:cNvPr id="91" name="Rectangle 90">
                 <a:extLst>
                   <a:ext uri="{FF2B5EF4-FFF2-40B4-BE49-F238E27FC236}">
-                    <a16:creationId xmlns="" xmlns:a16="http://schemas.microsoft.com/office/drawing/2014/main" id="{FE30C63D-F045-40E9-8C54-26DA5BDA0F44}"/>
+                    <a16:creationId xmlns:a16="http://schemas.microsoft.com/office/drawing/2014/main" xmlns="" id="{FE30C63D-F045-40E9-8C54-26DA5BDA0F44}"/>
                   </a:ext>
                 </a:extLst>
               </p:cNvPr>
@@ -20542,7 +20437,7 @@
               <p:cNvPr id="92" name="Arc 91">
                 <a:extLst>
                   <a:ext uri="{FF2B5EF4-FFF2-40B4-BE49-F238E27FC236}">
-                    <a16:creationId xmlns="" xmlns:a16="http://schemas.microsoft.com/office/drawing/2014/main" id="{434A2720-2A66-40B1-AC7E-5C244C6E6EB9}"/>
+                    <a16:creationId xmlns:a16="http://schemas.microsoft.com/office/drawing/2014/main" xmlns="" id="{434A2720-2A66-40B1-AC7E-5C244C6E6EB9}"/>
                   </a:ext>
                 </a:extLst>
               </p:cNvPr>
@@ -20621,7 +20516,7 @@
             <p:cNvPr id="93" name="Group 92">
               <a:extLst>
                 <a:ext uri="{FF2B5EF4-FFF2-40B4-BE49-F238E27FC236}">
-                  <a16:creationId xmlns="" xmlns:a16="http://schemas.microsoft.com/office/drawing/2014/main" id="{3253887B-E245-4C89-84BB-C89576187B4D}"/>
+                  <a16:creationId xmlns:a16="http://schemas.microsoft.com/office/drawing/2014/main" xmlns="" id="{3253887B-E245-4C89-84BB-C89576187B4D}"/>
                 </a:ext>
               </a:extLst>
             </p:cNvPr>
@@ -20641,7 +20536,7 @@
               <p:cNvPr id="94" name="Rectangle 93">
                 <a:extLst>
                   <a:ext uri="{FF2B5EF4-FFF2-40B4-BE49-F238E27FC236}">
-                    <a16:creationId xmlns="" xmlns:a16="http://schemas.microsoft.com/office/drawing/2014/main" id="{C2935527-C9EF-4950-89BB-EB1207B25EAD}"/>
+                    <a16:creationId xmlns:a16="http://schemas.microsoft.com/office/drawing/2014/main" xmlns="" id="{C2935527-C9EF-4950-89BB-EB1207B25EAD}"/>
                   </a:ext>
                 </a:extLst>
               </p:cNvPr>
@@ -20700,7 +20595,7 @@
               <p:cNvPr id="95" name="Arc 94">
                 <a:extLst>
                   <a:ext uri="{FF2B5EF4-FFF2-40B4-BE49-F238E27FC236}">
-                    <a16:creationId xmlns="" xmlns:a16="http://schemas.microsoft.com/office/drawing/2014/main" id="{B885AD0D-2A97-4761-A7E2-81AE7730FF98}"/>
+                    <a16:creationId xmlns:a16="http://schemas.microsoft.com/office/drawing/2014/main" xmlns="" id="{B885AD0D-2A97-4761-A7E2-81AE7730FF98}"/>
                   </a:ext>
                 </a:extLst>
               </p:cNvPr>
@@ -20779,7 +20674,7 @@
             <p:cNvPr id="96" name="Group 95">
               <a:extLst>
                 <a:ext uri="{FF2B5EF4-FFF2-40B4-BE49-F238E27FC236}">
-                  <a16:creationId xmlns="" xmlns:a16="http://schemas.microsoft.com/office/drawing/2014/main" id="{B20895E6-FBAD-4249-90F9-43369FD2080F}"/>
+                  <a16:creationId xmlns:a16="http://schemas.microsoft.com/office/drawing/2014/main" xmlns="" id="{B20895E6-FBAD-4249-90F9-43369FD2080F}"/>
                 </a:ext>
               </a:extLst>
             </p:cNvPr>
@@ -20799,7 +20694,7 @@
               <p:cNvPr id="97" name="Rectangle 96">
                 <a:extLst>
                   <a:ext uri="{FF2B5EF4-FFF2-40B4-BE49-F238E27FC236}">
-                    <a16:creationId xmlns="" xmlns:a16="http://schemas.microsoft.com/office/drawing/2014/main" id="{416F99E9-E132-4AB6-9501-719E390B2951}"/>
+                    <a16:creationId xmlns:a16="http://schemas.microsoft.com/office/drawing/2014/main" xmlns="" id="{416F99E9-E132-4AB6-9501-719E390B2951}"/>
                   </a:ext>
                 </a:extLst>
               </p:cNvPr>
@@ -20858,7 +20753,7 @@
               <p:cNvPr id="98" name="Arc 97">
                 <a:extLst>
                   <a:ext uri="{FF2B5EF4-FFF2-40B4-BE49-F238E27FC236}">
-                    <a16:creationId xmlns="" xmlns:a16="http://schemas.microsoft.com/office/drawing/2014/main" id="{7BF41422-E1EF-4A49-906D-7C9E43200378}"/>
+                    <a16:creationId xmlns:a16="http://schemas.microsoft.com/office/drawing/2014/main" xmlns="" id="{7BF41422-E1EF-4A49-906D-7C9E43200378}"/>
                   </a:ext>
                 </a:extLst>
               </p:cNvPr>
@@ -20937,7 +20832,7 @@
             <p:cNvPr id="99" name="Group 98">
               <a:extLst>
                 <a:ext uri="{FF2B5EF4-FFF2-40B4-BE49-F238E27FC236}">
-                  <a16:creationId xmlns="" xmlns:a16="http://schemas.microsoft.com/office/drawing/2014/main" id="{3A6C8FCE-3906-4A51-8C51-53A21458A79D}"/>
+                  <a16:creationId xmlns:a16="http://schemas.microsoft.com/office/drawing/2014/main" xmlns="" id="{3A6C8FCE-3906-4A51-8C51-53A21458A79D}"/>
                 </a:ext>
               </a:extLst>
             </p:cNvPr>
@@ -20957,7 +20852,7 @@
               <p:cNvPr id="100" name="Rectangle 99">
                 <a:extLst>
                   <a:ext uri="{FF2B5EF4-FFF2-40B4-BE49-F238E27FC236}">
-                    <a16:creationId xmlns="" xmlns:a16="http://schemas.microsoft.com/office/drawing/2014/main" id="{01B7306C-C82A-4CBC-8810-B196E2B85FD9}"/>
+                    <a16:creationId xmlns:a16="http://schemas.microsoft.com/office/drawing/2014/main" xmlns="" id="{01B7306C-C82A-4CBC-8810-B196E2B85FD9}"/>
                   </a:ext>
                 </a:extLst>
               </p:cNvPr>
@@ -21016,7 +20911,7 @@
               <p:cNvPr id="101" name="Arc 100">
                 <a:extLst>
                   <a:ext uri="{FF2B5EF4-FFF2-40B4-BE49-F238E27FC236}">
-                    <a16:creationId xmlns="" xmlns:a16="http://schemas.microsoft.com/office/drawing/2014/main" id="{4309EB4B-A1C1-41B8-9E71-43E4632DE81A}"/>
+                    <a16:creationId xmlns:a16="http://schemas.microsoft.com/office/drawing/2014/main" xmlns="" id="{4309EB4B-A1C1-41B8-9E71-43E4632DE81A}"/>
                   </a:ext>
                 </a:extLst>
               </p:cNvPr>
@@ -21095,7 +20990,7 @@
             <p:cNvPr id="102" name="Group 101">
               <a:extLst>
                 <a:ext uri="{FF2B5EF4-FFF2-40B4-BE49-F238E27FC236}">
-                  <a16:creationId xmlns="" xmlns:a16="http://schemas.microsoft.com/office/drawing/2014/main" id="{C74B4894-B5D2-4362-964C-D4DC0546060A}"/>
+                  <a16:creationId xmlns:a16="http://schemas.microsoft.com/office/drawing/2014/main" xmlns="" id="{C74B4894-B5D2-4362-964C-D4DC0546060A}"/>
                 </a:ext>
               </a:extLst>
             </p:cNvPr>
@@ -21115,7 +21010,7 @@
               <p:cNvPr id="103" name="Rectangle 102">
                 <a:extLst>
                   <a:ext uri="{FF2B5EF4-FFF2-40B4-BE49-F238E27FC236}">
-                    <a16:creationId xmlns="" xmlns:a16="http://schemas.microsoft.com/office/drawing/2014/main" id="{DA95D981-4D5B-4F4F-8A82-69838938508F}"/>
+                    <a16:creationId xmlns:a16="http://schemas.microsoft.com/office/drawing/2014/main" xmlns="" id="{DA95D981-4D5B-4F4F-8A82-69838938508F}"/>
                   </a:ext>
                 </a:extLst>
               </p:cNvPr>
@@ -21174,7 +21069,7 @@
               <p:cNvPr id="104" name="Arc 103">
                 <a:extLst>
                   <a:ext uri="{FF2B5EF4-FFF2-40B4-BE49-F238E27FC236}">
-                    <a16:creationId xmlns="" xmlns:a16="http://schemas.microsoft.com/office/drawing/2014/main" id="{E4822634-A39A-4B0D-8399-883328FCA1EE}"/>
+                    <a16:creationId xmlns:a16="http://schemas.microsoft.com/office/drawing/2014/main" xmlns="" id="{E4822634-A39A-4B0D-8399-883328FCA1EE}"/>
                   </a:ext>
                 </a:extLst>
               </p:cNvPr>
@@ -21253,7 +21148,7 @@
             <p:cNvPr id="105" name="Group 104">
               <a:extLst>
                 <a:ext uri="{FF2B5EF4-FFF2-40B4-BE49-F238E27FC236}">
-                  <a16:creationId xmlns="" xmlns:a16="http://schemas.microsoft.com/office/drawing/2014/main" id="{AC0C8900-7AAE-4DAD-9853-250BA8E46217}"/>
+                  <a16:creationId xmlns:a16="http://schemas.microsoft.com/office/drawing/2014/main" xmlns="" id="{AC0C8900-7AAE-4DAD-9853-250BA8E46217}"/>
                 </a:ext>
               </a:extLst>
             </p:cNvPr>
@@ -21273,7 +21168,7 @@
               <p:cNvPr id="106" name="Rectangle 105">
                 <a:extLst>
                   <a:ext uri="{FF2B5EF4-FFF2-40B4-BE49-F238E27FC236}">
-                    <a16:creationId xmlns="" xmlns:a16="http://schemas.microsoft.com/office/drawing/2014/main" id="{8F16C3F5-5111-4385-95DB-684995C5DA9E}"/>
+                    <a16:creationId xmlns:a16="http://schemas.microsoft.com/office/drawing/2014/main" xmlns="" id="{8F16C3F5-5111-4385-95DB-684995C5DA9E}"/>
                   </a:ext>
                 </a:extLst>
               </p:cNvPr>
@@ -21332,7 +21227,7 @@
               <p:cNvPr id="107" name="Arc 106">
                 <a:extLst>
                   <a:ext uri="{FF2B5EF4-FFF2-40B4-BE49-F238E27FC236}">
-                    <a16:creationId xmlns="" xmlns:a16="http://schemas.microsoft.com/office/drawing/2014/main" id="{C8E4EC42-A513-472E-AE69-66EF8F71937C}"/>
+                    <a16:creationId xmlns:a16="http://schemas.microsoft.com/office/drawing/2014/main" xmlns="" id="{C8E4EC42-A513-472E-AE69-66EF8F71937C}"/>
                   </a:ext>
                 </a:extLst>
               </p:cNvPr>
@@ -21411,7 +21306,7 @@
             <p:cNvPr id="108" name="Group 107">
               <a:extLst>
                 <a:ext uri="{FF2B5EF4-FFF2-40B4-BE49-F238E27FC236}">
-                  <a16:creationId xmlns="" xmlns:a16="http://schemas.microsoft.com/office/drawing/2014/main" id="{B9DF2A69-06AC-4DC9-B6C7-9A1B9D012585}"/>
+                  <a16:creationId xmlns:a16="http://schemas.microsoft.com/office/drawing/2014/main" xmlns="" id="{B9DF2A69-06AC-4DC9-B6C7-9A1B9D012585}"/>
                 </a:ext>
               </a:extLst>
             </p:cNvPr>
@@ -21431,7 +21326,7 @@
               <p:cNvPr id="109" name="Rectangle 108">
                 <a:extLst>
                   <a:ext uri="{FF2B5EF4-FFF2-40B4-BE49-F238E27FC236}">
-                    <a16:creationId xmlns="" xmlns:a16="http://schemas.microsoft.com/office/drawing/2014/main" id="{66D59475-186E-4F7A-A501-ABEDCC08DC98}"/>
+                    <a16:creationId xmlns:a16="http://schemas.microsoft.com/office/drawing/2014/main" xmlns="" id="{66D59475-186E-4F7A-A501-ABEDCC08DC98}"/>
                   </a:ext>
                 </a:extLst>
               </p:cNvPr>
@@ -21490,7 +21385,7 @@
               <p:cNvPr id="110" name="Arc 109">
                 <a:extLst>
                   <a:ext uri="{FF2B5EF4-FFF2-40B4-BE49-F238E27FC236}">
-                    <a16:creationId xmlns="" xmlns:a16="http://schemas.microsoft.com/office/drawing/2014/main" id="{55C929AA-C5D4-4A29-94FC-BF99C03F9430}"/>
+                    <a16:creationId xmlns:a16="http://schemas.microsoft.com/office/drawing/2014/main" xmlns="" id="{55C929AA-C5D4-4A29-94FC-BF99C03F9430}"/>
                   </a:ext>
                 </a:extLst>
               </p:cNvPr>
@@ -21569,7 +21464,7 @@
             <p:cNvPr id="111" name="Group 110">
               <a:extLst>
                 <a:ext uri="{FF2B5EF4-FFF2-40B4-BE49-F238E27FC236}">
-                  <a16:creationId xmlns="" xmlns:a16="http://schemas.microsoft.com/office/drawing/2014/main" id="{26F5DDE8-77F1-4A19-9A73-FA16AD387091}"/>
+                  <a16:creationId xmlns:a16="http://schemas.microsoft.com/office/drawing/2014/main" xmlns="" id="{26F5DDE8-77F1-4A19-9A73-FA16AD387091}"/>
                 </a:ext>
               </a:extLst>
             </p:cNvPr>
@@ -21589,7 +21484,7 @@
               <p:cNvPr id="112" name="Rectangle 111">
                 <a:extLst>
                   <a:ext uri="{FF2B5EF4-FFF2-40B4-BE49-F238E27FC236}">
-                    <a16:creationId xmlns="" xmlns:a16="http://schemas.microsoft.com/office/drawing/2014/main" id="{3975D25C-1E30-46E2-BA99-3037ADE31704}"/>
+                    <a16:creationId xmlns:a16="http://schemas.microsoft.com/office/drawing/2014/main" xmlns="" id="{3975D25C-1E30-46E2-BA99-3037ADE31704}"/>
                   </a:ext>
                 </a:extLst>
               </p:cNvPr>
@@ -21648,7 +21543,7 @@
               <p:cNvPr id="113" name="Arc 112">
                 <a:extLst>
                   <a:ext uri="{FF2B5EF4-FFF2-40B4-BE49-F238E27FC236}">
-                    <a16:creationId xmlns="" xmlns:a16="http://schemas.microsoft.com/office/drawing/2014/main" id="{5489E9B8-DC06-4350-B467-61A9DA0B02A7}"/>
+                    <a16:creationId xmlns:a16="http://schemas.microsoft.com/office/drawing/2014/main" xmlns="" id="{5489E9B8-DC06-4350-B467-61A9DA0B02A7}"/>
                   </a:ext>
                 </a:extLst>
               </p:cNvPr>
@@ -21727,7 +21622,7 @@
             <p:cNvPr id="114" name="Group 113">
               <a:extLst>
                 <a:ext uri="{FF2B5EF4-FFF2-40B4-BE49-F238E27FC236}">
-                  <a16:creationId xmlns="" xmlns:a16="http://schemas.microsoft.com/office/drawing/2014/main" id="{0375CE18-5EC1-4881-8142-DC1BC91AD094}"/>
+                  <a16:creationId xmlns:a16="http://schemas.microsoft.com/office/drawing/2014/main" xmlns="" id="{0375CE18-5EC1-4881-8142-DC1BC91AD094}"/>
                 </a:ext>
               </a:extLst>
             </p:cNvPr>
@@ -21747,7 +21642,7 @@
               <p:cNvPr id="115" name="Rectangle 114">
                 <a:extLst>
                   <a:ext uri="{FF2B5EF4-FFF2-40B4-BE49-F238E27FC236}">
-                    <a16:creationId xmlns="" xmlns:a16="http://schemas.microsoft.com/office/drawing/2014/main" id="{10A76D25-919A-40D9-9554-EFE2D3956BE4}"/>
+                    <a16:creationId xmlns:a16="http://schemas.microsoft.com/office/drawing/2014/main" xmlns="" id="{10A76D25-919A-40D9-9554-EFE2D3956BE4}"/>
                   </a:ext>
                 </a:extLst>
               </p:cNvPr>
@@ -21806,7 +21701,7 @@
               <p:cNvPr id="116" name="Arc 115">
                 <a:extLst>
                   <a:ext uri="{FF2B5EF4-FFF2-40B4-BE49-F238E27FC236}">
-                    <a16:creationId xmlns="" xmlns:a16="http://schemas.microsoft.com/office/drawing/2014/main" id="{F541D253-66CC-4C59-909C-302800ABEEFC}"/>
+                    <a16:creationId xmlns:a16="http://schemas.microsoft.com/office/drawing/2014/main" xmlns="" id="{F541D253-66CC-4C59-909C-302800ABEEFC}"/>
                   </a:ext>
                 </a:extLst>
               </p:cNvPr>
@@ -21885,7 +21780,7 @@
             <p:cNvPr id="117" name="Group 116">
               <a:extLst>
                 <a:ext uri="{FF2B5EF4-FFF2-40B4-BE49-F238E27FC236}">
-                  <a16:creationId xmlns="" xmlns:a16="http://schemas.microsoft.com/office/drawing/2014/main" id="{D86A99F9-8CBA-4BBB-88F7-14582E27C64C}"/>
+                  <a16:creationId xmlns:a16="http://schemas.microsoft.com/office/drawing/2014/main" xmlns="" id="{D86A99F9-8CBA-4BBB-88F7-14582E27C64C}"/>
                 </a:ext>
               </a:extLst>
             </p:cNvPr>
@@ -21905,7 +21800,7 @@
               <p:cNvPr id="118" name="Rectangle 117">
                 <a:extLst>
                   <a:ext uri="{FF2B5EF4-FFF2-40B4-BE49-F238E27FC236}">
-                    <a16:creationId xmlns="" xmlns:a16="http://schemas.microsoft.com/office/drawing/2014/main" id="{16259704-CA38-4525-8489-D1FECD12BDBC}"/>
+                    <a16:creationId xmlns:a16="http://schemas.microsoft.com/office/drawing/2014/main" xmlns="" id="{16259704-CA38-4525-8489-D1FECD12BDBC}"/>
                   </a:ext>
                 </a:extLst>
               </p:cNvPr>
@@ -21964,7 +21859,7 @@
               <p:cNvPr id="119" name="Arc 118">
                 <a:extLst>
                   <a:ext uri="{FF2B5EF4-FFF2-40B4-BE49-F238E27FC236}">
-                    <a16:creationId xmlns="" xmlns:a16="http://schemas.microsoft.com/office/drawing/2014/main" id="{40F4FCA1-5992-49D0-8CE6-8488CF6BAF04}"/>
+                    <a16:creationId xmlns:a16="http://schemas.microsoft.com/office/drawing/2014/main" xmlns="" id="{40F4FCA1-5992-49D0-8CE6-8488CF6BAF04}"/>
                   </a:ext>
                 </a:extLst>
               </p:cNvPr>
@@ -22043,7 +21938,7 @@
             <p:cNvPr id="120" name="Group 119">
               <a:extLst>
                 <a:ext uri="{FF2B5EF4-FFF2-40B4-BE49-F238E27FC236}">
-                  <a16:creationId xmlns="" xmlns:a16="http://schemas.microsoft.com/office/drawing/2014/main" id="{F5C59377-7214-4209-BA16-86D5D1DAE2B0}"/>
+                  <a16:creationId xmlns:a16="http://schemas.microsoft.com/office/drawing/2014/main" xmlns="" id="{F5C59377-7214-4209-BA16-86D5D1DAE2B0}"/>
                 </a:ext>
               </a:extLst>
             </p:cNvPr>
@@ -22063,7 +21958,7 @@
               <p:cNvPr id="121" name="Rectangle 120">
                 <a:extLst>
                   <a:ext uri="{FF2B5EF4-FFF2-40B4-BE49-F238E27FC236}">
-                    <a16:creationId xmlns="" xmlns:a16="http://schemas.microsoft.com/office/drawing/2014/main" id="{959A5D35-C7AE-458F-BBB5-71CD3A3F97F8}"/>
+                    <a16:creationId xmlns:a16="http://schemas.microsoft.com/office/drawing/2014/main" xmlns="" id="{959A5D35-C7AE-458F-BBB5-71CD3A3F97F8}"/>
                   </a:ext>
                 </a:extLst>
               </p:cNvPr>
@@ -22122,7 +22017,7 @@
               <p:cNvPr id="122" name="Arc 121">
                 <a:extLst>
                   <a:ext uri="{FF2B5EF4-FFF2-40B4-BE49-F238E27FC236}">
-                    <a16:creationId xmlns="" xmlns:a16="http://schemas.microsoft.com/office/drawing/2014/main" id="{F490A229-65A6-4DFF-870F-4B92A114A66A}"/>
+                    <a16:creationId xmlns:a16="http://schemas.microsoft.com/office/drawing/2014/main" xmlns="" id="{F490A229-65A6-4DFF-870F-4B92A114A66A}"/>
                   </a:ext>
                 </a:extLst>
               </p:cNvPr>
@@ -22201,7 +22096,7 @@
             <p:cNvPr id="123" name="Group 122">
               <a:extLst>
                 <a:ext uri="{FF2B5EF4-FFF2-40B4-BE49-F238E27FC236}">
-                  <a16:creationId xmlns="" xmlns:a16="http://schemas.microsoft.com/office/drawing/2014/main" id="{9EC6FFFF-2006-4366-8566-0113AD9F036A}"/>
+                  <a16:creationId xmlns:a16="http://schemas.microsoft.com/office/drawing/2014/main" xmlns="" id="{9EC6FFFF-2006-4366-8566-0113AD9F036A}"/>
                 </a:ext>
               </a:extLst>
             </p:cNvPr>
@@ -22221,7 +22116,7 @@
               <p:cNvPr id="124" name="Rectangle 123">
                 <a:extLst>
                   <a:ext uri="{FF2B5EF4-FFF2-40B4-BE49-F238E27FC236}">
-                    <a16:creationId xmlns="" xmlns:a16="http://schemas.microsoft.com/office/drawing/2014/main" id="{595E399E-0521-4D5B-914F-29C3ADDF2B72}"/>
+                    <a16:creationId xmlns:a16="http://schemas.microsoft.com/office/drawing/2014/main" xmlns="" id="{595E399E-0521-4D5B-914F-29C3ADDF2B72}"/>
                   </a:ext>
                 </a:extLst>
               </p:cNvPr>
@@ -22280,7 +22175,7 @@
               <p:cNvPr id="125" name="Arc 124">
                 <a:extLst>
                   <a:ext uri="{FF2B5EF4-FFF2-40B4-BE49-F238E27FC236}">
-                    <a16:creationId xmlns="" xmlns:a16="http://schemas.microsoft.com/office/drawing/2014/main" id="{14739334-2472-4756-B880-7780C40DA407}"/>
+                    <a16:creationId xmlns:a16="http://schemas.microsoft.com/office/drawing/2014/main" xmlns="" id="{14739334-2472-4756-B880-7780C40DA407}"/>
                   </a:ext>
                 </a:extLst>
               </p:cNvPr>
@@ -22359,7 +22254,7 @@
             <p:cNvPr id="126" name="Group 125">
               <a:extLst>
                 <a:ext uri="{FF2B5EF4-FFF2-40B4-BE49-F238E27FC236}">
-                  <a16:creationId xmlns="" xmlns:a16="http://schemas.microsoft.com/office/drawing/2014/main" id="{6D7FEFCF-F5E2-48A4-8DA2-466E3FA530E8}"/>
+                  <a16:creationId xmlns:a16="http://schemas.microsoft.com/office/drawing/2014/main" xmlns="" id="{6D7FEFCF-F5E2-48A4-8DA2-466E3FA530E8}"/>
                 </a:ext>
               </a:extLst>
             </p:cNvPr>
@@ -22379,7 +22274,7 @@
               <p:cNvPr id="127" name="Rectangle 126">
                 <a:extLst>
                   <a:ext uri="{FF2B5EF4-FFF2-40B4-BE49-F238E27FC236}">
-                    <a16:creationId xmlns="" xmlns:a16="http://schemas.microsoft.com/office/drawing/2014/main" id="{5B8C7798-2FB8-447C-BA5C-ECB75C74E5AD}"/>
+                    <a16:creationId xmlns:a16="http://schemas.microsoft.com/office/drawing/2014/main" xmlns="" id="{5B8C7798-2FB8-447C-BA5C-ECB75C74E5AD}"/>
                   </a:ext>
                 </a:extLst>
               </p:cNvPr>
@@ -22438,7 +22333,7 @@
               <p:cNvPr id="128" name="Arc 127">
                 <a:extLst>
                   <a:ext uri="{FF2B5EF4-FFF2-40B4-BE49-F238E27FC236}">
-                    <a16:creationId xmlns="" xmlns:a16="http://schemas.microsoft.com/office/drawing/2014/main" id="{DDFE7CA2-AC7D-4CF0-A779-1F7EC6161969}"/>
+                    <a16:creationId xmlns:a16="http://schemas.microsoft.com/office/drawing/2014/main" xmlns="" id="{DDFE7CA2-AC7D-4CF0-A779-1F7EC6161969}"/>
                   </a:ext>
                 </a:extLst>
               </p:cNvPr>
@@ -22517,7 +22412,7 @@
             <p:cNvPr id="129" name="Group 128">
               <a:extLst>
                 <a:ext uri="{FF2B5EF4-FFF2-40B4-BE49-F238E27FC236}">
-                  <a16:creationId xmlns="" xmlns:a16="http://schemas.microsoft.com/office/drawing/2014/main" id="{EF6B5FAD-EB1F-43DC-8B99-11CAD21D64C9}"/>
+                  <a16:creationId xmlns:a16="http://schemas.microsoft.com/office/drawing/2014/main" xmlns="" id="{EF6B5FAD-EB1F-43DC-8B99-11CAD21D64C9}"/>
                 </a:ext>
               </a:extLst>
             </p:cNvPr>
@@ -22537,7 +22432,7 @@
               <p:cNvPr id="130" name="Rectangle 129">
                 <a:extLst>
                   <a:ext uri="{FF2B5EF4-FFF2-40B4-BE49-F238E27FC236}">
-                    <a16:creationId xmlns="" xmlns:a16="http://schemas.microsoft.com/office/drawing/2014/main" id="{B817890A-729D-4FBB-8EF7-DAFD6F73427B}"/>
+                    <a16:creationId xmlns:a16="http://schemas.microsoft.com/office/drawing/2014/main" xmlns="" id="{B817890A-729D-4FBB-8EF7-DAFD6F73427B}"/>
                   </a:ext>
                 </a:extLst>
               </p:cNvPr>
@@ -22596,7 +22491,7 @@
               <p:cNvPr id="131" name="Arc 130">
                 <a:extLst>
                   <a:ext uri="{FF2B5EF4-FFF2-40B4-BE49-F238E27FC236}">
-                    <a16:creationId xmlns="" xmlns:a16="http://schemas.microsoft.com/office/drawing/2014/main" id="{EAD6132E-2435-4771-A3CC-CCE94E7A9600}"/>
+                    <a16:creationId xmlns:a16="http://schemas.microsoft.com/office/drawing/2014/main" xmlns="" id="{EAD6132E-2435-4771-A3CC-CCE94E7A9600}"/>
                   </a:ext>
                 </a:extLst>
               </p:cNvPr>
@@ -22675,7 +22570,7 @@
             <p:cNvPr id="132" name="Group 131">
               <a:extLst>
                 <a:ext uri="{FF2B5EF4-FFF2-40B4-BE49-F238E27FC236}">
-                  <a16:creationId xmlns="" xmlns:a16="http://schemas.microsoft.com/office/drawing/2014/main" id="{2B7006E1-B188-46BA-BAA5-15A960905F4C}"/>
+                  <a16:creationId xmlns:a16="http://schemas.microsoft.com/office/drawing/2014/main" xmlns="" id="{2B7006E1-B188-46BA-BAA5-15A960905F4C}"/>
                 </a:ext>
               </a:extLst>
             </p:cNvPr>
@@ -22695,7 +22590,7 @@
               <p:cNvPr id="133" name="Rectangle 132">
                 <a:extLst>
                   <a:ext uri="{FF2B5EF4-FFF2-40B4-BE49-F238E27FC236}">
-                    <a16:creationId xmlns="" xmlns:a16="http://schemas.microsoft.com/office/drawing/2014/main" id="{D01250CF-AFA1-4A19-B3C7-7F163609380B}"/>
+                    <a16:creationId xmlns:a16="http://schemas.microsoft.com/office/drawing/2014/main" xmlns="" id="{D01250CF-AFA1-4A19-B3C7-7F163609380B}"/>
                   </a:ext>
                 </a:extLst>
               </p:cNvPr>
@@ -22754,7 +22649,7 @@
               <p:cNvPr id="134" name="Arc 133">
                 <a:extLst>
                   <a:ext uri="{FF2B5EF4-FFF2-40B4-BE49-F238E27FC236}">
-                    <a16:creationId xmlns="" xmlns:a16="http://schemas.microsoft.com/office/drawing/2014/main" id="{1014BA5C-C370-44EB-84DA-2D69E36CE6C3}"/>
+                    <a16:creationId xmlns:a16="http://schemas.microsoft.com/office/drawing/2014/main" xmlns="" id="{1014BA5C-C370-44EB-84DA-2D69E36CE6C3}"/>
                   </a:ext>
                 </a:extLst>
               </p:cNvPr>
@@ -22833,7 +22728,7 @@
             <p:cNvPr id="135" name="Group 134">
               <a:extLst>
                 <a:ext uri="{FF2B5EF4-FFF2-40B4-BE49-F238E27FC236}">
-                  <a16:creationId xmlns="" xmlns:a16="http://schemas.microsoft.com/office/drawing/2014/main" id="{AD8CB7E5-EBC4-4791-B93B-D0B41B862B83}"/>
+                  <a16:creationId xmlns:a16="http://schemas.microsoft.com/office/drawing/2014/main" xmlns="" id="{AD8CB7E5-EBC4-4791-B93B-D0B41B862B83}"/>
                 </a:ext>
               </a:extLst>
             </p:cNvPr>
@@ -22853,7 +22748,7 @@
               <p:cNvPr id="136" name="Rectangle 135">
                 <a:extLst>
                   <a:ext uri="{FF2B5EF4-FFF2-40B4-BE49-F238E27FC236}">
-                    <a16:creationId xmlns="" xmlns:a16="http://schemas.microsoft.com/office/drawing/2014/main" id="{CF456FF3-391C-4C8E-A128-A413BDBBB225}"/>
+                    <a16:creationId xmlns:a16="http://schemas.microsoft.com/office/drawing/2014/main" xmlns="" id="{CF456FF3-391C-4C8E-A128-A413BDBBB225}"/>
                   </a:ext>
                 </a:extLst>
               </p:cNvPr>
@@ -22912,7 +22807,7 @@
               <p:cNvPr id="137" name="Arc 136">
                 <a:extLst>
                   <a:ext uri="{FF2B5EF4-FFF2-40B4-BE49-F238E27FC236}">
-                    <a16:creationId xmlns="" xmlns:a16="http://schemas.microsoft.com/office/drawing/2014/main" id="{8838FE2A-04D7-44E3-97C3-54338832CB9A}"/>
+                    <a16:creationId xmlns:a16="http://schemas.microsoft.com/office/drawing/2014/main" xmlns="" id="{8838FE2A-04D7-44E3-97C3-54338832CB9A}"/>
                   </a:ext>
                 </a:extLst>
               </p:cNvPr>
@@ -22992,7 +22887,7 @@
           <p:cNvPr id="209" name="TextBox 208">
             <a:extLst>
               <a:ext uri="{FF2B5EF4-FFF2-40B4-BE49-F238E27FC236}">
-                <a16:creationId xmlns="" xmlns:a16="http://schemas.microsoft.com/office/drawing/2014/main" id="{97B6C5F2-384F-48A1-BC25-56C6849F9A23}"/>
+                <a16:creationId xmlns:a16="http://schemas.microsoft.com/office/drawing/2014/main" xmlns="" id="{97B6C5F2-384F-48A1-BC25-56C6849F9A23}"/>
               </a:ext>
             </a:extLst>
           </p:cNvPr>
@@ -23001,8 +22896,8 @@
         </p:nvSpPr>
         <p:spPr>
           <a:xfrm>
-            <a:off x="494514" y="459500"/>
-            <a:ext cx="3099191" cy="461665"/>
+            <a:off x="638936" y="520252"/>
+            <a:ext cx="4949947" cy="461665"/>
           </a:xfrm>
           <a:prstGeom prst="rect">
             <a:avLst/>
@@ -23027,73 +22922,16 @@
                 <a:latin typeface="Hand Of Sean" panose="02000500000000000000" pitchFamily="2" charset="-128"/>
                 <a:ea typeface="Hand Of Sean" panose="02000500000000000000" pitchFamily="2" charset="-128"/>
               </a:rPr>
-              <a:t> II</a:t>
+              <a:t> </a:t>
             </a:r>
-            <a:endParaRPr lang="en-US" sz="2400" dirty="0">
-              <a:latin typeface="Hand Of Sean" panose="02000500000000000000" pitchFamily="2" charset="-128"/>
-              <a:ea typeface="Hand Of Sean" panose="02000500000000000000" pitchFamily="2" charset="-128"/>
-            </a:endParaRPr>
-          </a:p>
-        </p:txBody>
-      </p:sp>
-      <p:sp>
-        <p:nvSpPr>
-          <p:cNvPr id="210" name="TextBox 209">
-            <a:extLst>
-              <a:ext uri="{FF2B5EF4-FFF2-40B4-BE49-F238E27FC236}">
-                <a16:creationId xmlns="" xmlns:a16="http://schemas.microsoft.com/office/drawing/2014/main" id="{3466BF93-A147-4F52-A7E5-9E9F8BDE7A42}"/>
-              </a:ext>
-            </a:extLst>
-          </p:cNvPr>
-          <p:cNvSpPr txBox="1"/>
-          <p:nvPr/>
-        </p:nvSpPr>
-        <p:spPr>
-          <a:xfrm>
-            <a:off x="636549" y="1122224"/>
-            <a:ext cx="4963748" cy="3862596"/>
-          </a:xfrm>
-          <a:prstGeom prst="rect">
-            <a:avLst/>
-          </a:prstGeom>
-          <a:noFill/>
-        </p:spPr>
-        <p:txBody>
-          <a:bodyPr wrap="square" rtlCol="0">
-            <a:spAutoFit/>
-          </a:bodyPr>
-          <a:lstStyle/>
-          <a:p>
-            <a:pPr>
-              <a:lnSpc>
-                <a:spcPct val="250000"/>
-              </a:lnSpc>
-            </a:pPr>
             <a:r>
-              <a:rPr lang="en-US" sz="1400" dirty="0">
-                <a:solidFill>
-                  <a:schemeClr val="tx1">
-                    <a:alpha val="50000"/>
-                  </a:schemeClr>
-                </a:solidFill>
+              <a:rPr lang="pl-PL" sz="2400" dirty="0" smtClean="0">
                 <a:latin typeface="Hand Of Sean" panose="02000500000000000000" pitchFamily="2" charset="-128"/>
                 <a:ea typeface="Hand Of Sean" panose="02000500000000000000" pitchFamily="2" charset="-128"/>
               </a:rPr>
-              <a:t>Lorem ipsum dolor sit amet, consectetuer adipiscing elit. Maecenas porttitor congue massa. Fusce posuere, magna sed pulvinar ultricies, purus lectus malesuada libero, sit amet commodo magna eros quis urna.</a:t>
+              <a:t>II – PAŹDZIERNIK</a:t>
             </a:r>
-          </a:p>
-          <a:p>
-            <a:pPr>
-              <a:lnSpc>
-                <a:spcPct val="250000"/>
-              </a:lnSpc>
-            </a:pPr>
-            <a:endParaRPr lang="en-US" sz="1400" dirty="0">
-              <a:solidFill>
-                <a:schemeClr val="tx1">
-                  <a:alpha val="50000"/>
-                </a:schemeClr>
-              </a:solidFill>
+            <a:endParaRPr lang="en-US" sz="2400" dirty="0">
               <a:latin typeface="Hand Of Sean" panose="02000500000000000000" pitchFamily="2" charset="-128"/>
               <a:ea typeface="Hand Of Sean" panose="02000500000000000000" pitchFamily="2" charset="-128"/>
             </a:endParaRPr>
@@ -23154,7 +22992,7 @@
           <p:cNvPr id="4" name="Rectangle 3">
             <a:extLst>
               <a:ext uri="{FF2B5EF4-FFF2-40B4-BE49-F238E27FC236}">
-                <a16:creationId xmlns="" xmlns:a16="http://schemas.microsoft.com/office/drawing/2014/main" id="{33F222A8-AF2A-4292-8A95-0C3AD37A109D}"/>
+                <a16:creationId xmlns:a16="http://schemas.microsoft.com/office/drawing/2014/main" xmlns="" id="{33F222A8-AF2A-4292-8A95-0C3AD37A109D}"/>
               </a:ext>
             </a:extLst>
           </p:cNvPr>
@@ -23213,7 +23051,7 @@
           <p:cNvPr id="2" name="Group 1">
             <a:extLst>
               <a:ext uri="{FF2B5EF4-FFF2-40B4-BE49-F238E27FC236}">
-                <a16:creationId xmlns="" xmlns:a16="http://schemas.microsoft.com/office/drawing/2014/main" id="{82455CA8-3E7B-475F-BE73-7D424E5A8C0C}"/>
+                <a16:creationId xmlns:a16="http://schemas.microsoft.com/office/drawing/2014/main" xmlns="" id="{82455CA8-3E7B-475F-BE73-7D424E5A8C0C}"/>
               </a:ext>
             </a:extLst>
           </p:cNvPr>
@@ -23233,7 +23071,7 @@
             <p:cNvPr id="10" name="Group 9">
               <a:extLst>
                 <a:ext uri="{FF2B5EF4-FFF2-40B4-BE49-F238E27FC236}">
-                  <a16:creationId xmlns="" xmlns:a16="http://schemas.microsoft.com/office/drawing/2014/main" id="{AEE5042A-E067-4FB7-BCFF-00BB33BFEDEC}"/>
+                  <a16:creationId xmlns:a16="http://schemas.microsoft.com/office/drawing/2014/main" xmlns="" id="{AEE5042A-E067-4FB7-BCFF-00BB33BFEDEC}"/>
                 </a:ext>
               </a:extLst>
             </p:cNvPr>
@@ -23253,7 +23091,7 @@
               <p:cNvPr id="5" name="Rectangle 4">
                 <a:extLst>
                   <a:ext uri="{FF2B5EF4-FFF2-40B4-BE49-F238E27FC236}">
-                    <a16:creationId xmlns="" xmlns:a16="http://schemas.microsoft.com/office/drawing/2014/main" id="{9ECC8D50-758B-45D1-9832-058DA749338C}"/>
+                    <a16:creationId xmlns:a16="http://schemas.microsoft.com/office/drawing/2014/main" xmlns="" id="{9ECC8D50-758B-45D1-9832-058DA749338C}"/>
                   </a:ext>
                 </a:extLst>
               </p:cNvPr>
@@ -23314,7 +23152,7 @@
               <p:cNvPr id="9" name="Arc 8">
                 <a:extLst>
                   <a:ext uri="{FF2B5EF4-FFF2-40B4-BE49-F238E27FC236}">
-                    <a16:creationId xmlns="" xmlns:a16="http://schemas.microsoft.com/office/drawing/2014/main" id="{FC783E55-1922-4926-8D97-EC60526709F7}"/>
+                    <a16:creationId xmlns:a16="http://schemas.microsoft.com/office/drawing/2014/main" xmlns="" id="{FC783E55-1922-4926-8D97-EC60526709F7}"/>
                   </a:ext>
                 </a:extLst>
               </p:cNvPr>
@@ -23393,7 +23231,7 @@
             <p:cNvPr id="78" name="Group 77">
               <a:extLst>
                 <a:ext uri="{FF2B5EF4-FFF2-40B4-BE49-F238E27FC236}">
-                  <a16:creationId xmlns="" xmlns:a16="http://schemas.microsoft.com/office/drawing/2014/main" id="{E48E30C9-A74F-4C52-AD04-FC9A5CBD8258}"/>
+                  <a16:creationId xmlns:a16="http://schemas.microsoft.com/office/drawing/2014/main" xmlns="" id="{E48E30C9-A74F-4C52-AD04-FC9A5CBD8258}"/>
                 </a:ext>
               </a:extLst>
             </p:cNvPr>
@@ -23413,7 +23251,7 @@
               <p:cNvPr id="79" name="Rectangle 78">
                 <a:extLst>
                   <a:ext uri="{FF2B5EF4-FFF2-40B4-BE49-F238E27FC236}">
-                    <a16:creationId xmlns="" xmlns:a16="http://schemas.microsoft.com/office/drawing/2014/main" id="{9D80A7DB-810E-4588-BE25-E9F7C34D3DB1}"/>
+                    <a16:creationId xmlns:a16="http://schemas.microsoft.com/office/drawing/2014/main" xmlns="" id="{9D80A7DB-810E-4588-BE25-E9F7C34D3DB1}"/>
                   </a:ext>
                 </a:extLst>
               </p:cNvPr>
@@ -23474,7 +23312,7 @@
               <p:cNvPr id="80" name="Arc 79">
                 <a:extLst>
                   <a:ext uri="{FF2B5EF4-FFF2-40B4-BE49-F238E27FC236}">
-                    <a16:creationId xmlns="" xmlns:a16="http://schemas.microsoft.com/office/drawing/2014/main" id="{0CEE252C-3F6B-425D-A974-8C322FD62AA8}"/>
+                    <a16:creationId xmlns:a16="http://schemas.microsoft.com/office/drawing/2014/main" xmlns="" id="{0CEE252C-3F6B-425D-A974-8C322FD62AA8}"/>
                   </a:ext>
                 </a:extLst>
               </p:cNvPr>
@@ -23553,7 +23391,7 @@
             <p:cNvPr id="81" name="Group 80">
               <a:extLst>
                 <a:ext uri="{FF2B5EF4-FFF2-40B4-BE49-F238E27FC236}">
-                  <a16:creationId xmlns="" xmlns:a16="http://schemas.microsoft.com/office/drawing/2014/main" id="{BDE4CAF1-67FB-4A00-A957-F84932EF37EA}"/>
+                  <a16:creationId xmlns:a16="http://schemas.microsoft.com/office/drawing/2014/main" xmlns="" id="{BDE4CAF1-67FB-4A00-A957-F84932EF37EA}"/>
                 </a:ext>
               </a:extLst>
             </p:cNvPr>
@@ -23573,7 +23411,7 @@
               <p:cNvPr id="82" name="Rectangle 81">
                 <a:extLst>
                   <a:ext uri="{FF2B5EF4-FFF2-40B4-BE49-F238E27FC236}">
-                    <a16:creationId xmlns="" xmlns:a16="http://schemas.microsoft.com/office/drawing/2014/main" id="{74C944AF-D50A-425E-A441-BD46E8CB9783}"/>
+                    <a16:creationId xmlns:a16="http://schemas.microsoft.com/office/drawing/2014/main" xmlns="" id="{74C944AF-D50A-425E-A441-BD46E8CB9783}"/>
                   </a:ext>
                 </a:extLst>
               </p:cNvPr>
@@ -23634,7 +23472,7 @@
               <p:cNvPr id="83" name="Arc 82">
                 <a:extLst>
                   <a:ext uri="{FF2B5EF4-FFF2-40B4-BE49-F238E27FC236}">
-                    <a16:creationId xmlns="" xmlns:a16="http://schemas.microsoft.com/office/drawing/2014/main" id="{AE95EC9D-DB78-417E-AF31-C543DE84C1EE}"/>
+                    <a16:creationId xmlns:a16="http://schemas.microsoft.com/office/drawing/2014/main" xmlns="" id="{AE95EC9D-DB78-417E-AF31-C543DE84C1EE}"/>
                   </a:ext>
                 </a:extLst>
               </p:cNvPr>
@@ -23713,7 +23551,7 @@
             <p:cNvPr id="84" name="Group 83">
               <a:extLst>
                 <a:ext uri="{FF2B5EF4-FFF2-40B4-BE49-F238E27FC236}">
-                  <a16:creationId xmlns="" xmlns:a16="http://schemas.microsoft.com/office/drawing/2014/main" id="{EC3E0684-8AE8-4214-BF7B-4AAB6B86F600}"/>
+                  <a16:creationId xmlns:a16="http://schemas.microsoft.com/office/drawing/2014/main" xmlns="" id="{EC3E0684-8AE8-4214-BF7B-4AAB6B86F600}"/>
                 </a:ext>
               </a:extLst>
             </p:cNvPr>
@@ -23733,7 +23571,7 @@
               <p:cNvPr id="85" name="Rectangle 84">
                 <a:extLst>
                   <a:ext uri="{FF2B5EF4-FFF2-40B4-BE49-F238E27FC236}">
-                    <a16:creationId xmlns="" xmlns:a16="http://schemas.microsoft.com/office/drawing/2014/main" id="{CF8E04A3-B6B4-4F3C-BB6B-AF9929DDA237}"/>
+                    <a16:creationId xmlns:a16="http://schemas.microsoft.com/office/drawing/2014/main" xmlns="" id="{CF8E04A3-B6B4-4F3C-BB6B-AF9929DDA237}"/>
                   </a:ext>
                 </a:extLst>
               </p:cNvPr>
@@ -23794,7 +23632,7 @@
               <p:cNvPr id="86" name="Arc 85">
                 <a:extLst>
                   <a:ext uri="{FF2B5EF4-FFF2-40B4-BE49-F238E27FC236}">
-                    <a16:creationId xmlns="" xmlns:a16="http://schemas.microsoft.com/office/drawing/2014/main" id="{18A95974-DAB2-4BF8-9192-96278D1744CD}"/>
+                    <a16:creationId xmlns:a16="http://schemas.microsoft.com/office/drawing/2014/main" xmlns="" id="{18A95974-DAB2-4BF8-9192-96278D1744CD}"/>
                   </a:ext>
                 </a:extLst>
               </p:cNvPr>
@@ -23873,7 +23711,7 @@
             <p:cNvPr id="87" name="Group 86">
               <a:extLst>
                 <a:ext uri="{FF2B5EF4-FFF2-40B4-BE49-F238E27FC236}">
-                  <a16:creationId xmlns="" xmlns:a16="http://schemas.microsoft.com/office/drawing/2014/main" id="{C97BDBFC-6DCF-4D05-9235-AF24FD08B7BA}"/>
+                  <a16:creationId xmlns:a16="http://schemas.microsoft.com/office/drawing/2014/main" xmlns="" id="{C97BDBFC-6DCF-4D05-9235-AF24FD08B7BA}"/>
                 </a:ext>
               </a:extLst>
             </p:cNvPr>
@@ -23893,7 +23731,7 @@
               <p:cNvPr id="88" name="Rectangle 87">
                 <a:extLst>
                   <a:ext uri="{FF2B5EF4-FFF2-40B4-BE49-F238E27FC236}">
-                    <a16:creationId xmlns="" xmlns:a16="http://schemas.microsoft.com/office/drawing/2014/main" id="{4AB8CE96-3DF3-4063-9F27-D4DB07BB75EF}"/>
+                    <a16:creationId xmlns:a16="http://schemas.microsoft.com/office/drawing/2014/main" xmlns="" id="{4AB8CE96-3DF3-4063-9F27-D4DB07BB75EF}"/>
                   </a:ext>
                 </a:extLst>
               </p:cNvPr>
@@ -23954,7 +23792,7 @@
               <p:cNvPr id="89" name="Arc 88">
                 <a:extLst>
                   <a:ext uri="{FF2B5EF4-FFF2-40B4-BE49-F238E27FC236}">
-                    <a16:creationId xmlns="" xmlns:a16="http://schemas.microsoft.com/office/drawing/2014/main" id="{309BD817-14B6-4AA7-A1F6-6EAEFBC3A86F}"/>
+                    <a16:creationId xmlns:a16="http://schemas.microsoft.com/office/drawing/2014/main" xmlns="" id="{309BD817-14B6-4AA7-A1F6-6EAEFBC3A86F}"/>
                   </a:ext>
                 </a:extLst>
               </p:cNvPr>
@@ -24033,7 +23871,7 @@
             <p:cNvPr id="90" name="Group 89">
               <a:extLst>
                 <a:ext uri="{FF2B5EF4-FFF2-40B4-BE49-F238E27FC236}">
-                  <a16:creationId xmlns="" xmlns:a16="http://schemas.microsoft.com/office/drawing/2014/main" id="{C6951FED-2BD7-4859-B333-5B1CAEF8AB8D}"/>
+                  <a16:creationId xmlns:a16="http://schemas.microsoft.com/office/drawing/2014/main" xmlns="" id="{C6951FED-2BD7-4859-B333-5B1CAEF8AB8D}"/>
                 </a:ext>
               </a:extLst>
             </p:cNvPr>
@@ -24053,7 +23891,7 @@
               <p:cNvPr id="91" name="Rectangle 90">
                 <a:extLst>
                   <a:ext uri="{FF2B5EF4-FFF2-40B4-BE49-F238E27FC236}">
-                    <a16:creationId xmlns="" xmlns:a16="http://schemas.microsoft.com/office/drawing/2014/main" id="{FE30C63D-F045-40E9-8C54-26DA5BDA0F44}"/>
+                    <a16:creationId xmlns:a16="http://schemas.microsoft.com/office/drawing/2014/main" xmlns="" id="{FE30C63D-F045-40E9-8C54-26DA5BDA0F44}"/>
                   </a:ext>
                 </a:extLst>
               </p:cNvPr>
@@ -24114,7 +23952,7 @@
               <p:cNvPr id="92" name="Arc 91">
                 <a:extLst>
                   <a:ext uri="{FF2B5EF4-FFF2-40B4-BE49-F238E27FC236}">
-                    <a16:creationId xmlns="" xmlns:a16="http://schemas.microsoft.com/office/drawing/2014/main" id="{434A2720-2A66-40B1-AC7E-5C244C6E6EB9}"/>
+                    <a16:creationId xmlns:a16="http://schemas.microsoft.com/office/drawing/2014/main" xmlns="" id="{434A2720-2A66-40B1-AC7E-5C244C6E6EB9}"/>
                   </a:ext>
                 </a:extLst>
               </p:cNvPr>
@@ -24193,7 +24031,7 @@
             <p:cNvPr id="93" name="Group 92">
               <a:extLst>
                 <a:ext uri="{FF2B5EF4-FFF2-40B4-BE49-F238E27FC236}">
-                  <a16:creationId xmlns="" xmlns:a16="http://schemas.microsoft.com/office/drawing/2014/main" id="{3253887B-E245-4C89-84BB-C89576187B4D}"/>
+                  <a16:creationId xmlns:a16="http://schemas.microsoft.com/office/drawing/2014/main" xmlns="" id="{3253887B-E245-4C89-84BB-C89576187B4D}"/>
                 </a:ext>
               </a:extLst>
             </p:cNvPr>
@@ -24213,7 +24051,7 @@
               <p:cNvPr id="94" name="Rectangle 93">
                 <a:extLst>
                   <a:ext uri="{FF2B5EF4-FFF2-40B4-BE49-F238E27FC236}">
-                    <a16:creationId xmlns="" xmlns:a16="http://schemas.microsoft.com/office/drawing/2014/main" id="{C2935527-C9EF-4950-89BB-EB1207B25EAD}"/>
+                    <a16:creationId xmlns:a16="http://schemas.microsoft.com/office/drawing/2014/main" xmlns="" id="{C2935527-C9EF-4950-89BB-EB1207B25EAD}"/>
                   </a:ext>
                 </a:extLst>
               </p:cNvPr>
@@ -24274,7 +24112,7 @@
               <p:cNvPr id="95" name="Arc 94">
                 <a:extLst>
                   <a:ext uri="{FF2B5EF4-FFF2-40B4-BE49-F238E27FC236}">
-                    <a16:creationId xmlns="" xmlns:a16="http://schemas.microsoft.com/office/drawing/2014/main" id="{B885AD0D-2A97-4761-A7E2-81AE7730FF98}"/>
+                    <a16:creationId xmlns:a16="http://schemas.microsoft.com/office/drawing/2014/main" xmlns="" id="{B885AD0D-2A97-4761-A7E2-81AE7730FF98}"/>
                   </a:ext>
                 </a:extLst>
               </p:cNvPr>
@@ -24353,7 +24191,7 @@
             <p:cNvPr id="96" name="Group 95">
               <a:extLst>
                 <a:ext uri="{FF2B5EF4-FFF2-40B4-BE49-F238E27FC236}">
-                  <a16:creationId xmlns="" xmlns:a16="http://schemas.microsoft.com/office/drawing/2014/main" id="{B20895E6-FBAD-4249-90F9-43369FD2080F}"/>
+                  <a16:creationId xmlns:a16="http://schemas.microsoft.com/office/drawing/2014/main" xmlns="" id="{B20895E6-FBAD-4249-90F9-43369FD2080F}"/>
                 </a:ext>
               </a:extLst>
             </p:cNvPr>
@@ -24373,7 +24211,7 @@
               <p:cNvPr id="97" name="Rectangle 96">
                 <a:extLst>
                   <a:ext uri="{FF2B5EF4-FFF2-40B4-BE49-F238E27FC236}">
-                    <a16:creationId xmlns="" xmlns:a16="http://schemas.microsoft.com/office/drawing/2014/main" id="{416F99E9-E132-4AB6-9501-719E390B2951}"/>
+                    <a16:creationId xmlns:a16="http://schemas.microsoft.com/office/drawing/2014/main" xmlns="" id="{416F99E9-E132-4AB6-9501-719E390B2951}"/>
                   </a:ext>
                 </a:extLst>
               </p:cNvPr>
@@ -24434,7 +24272,7 @@
               <p:cNvPr id="98" name="Arc 97">
                 <a:extLst>
                   <a:ext uri="{FF2B5EF4-FFF2-40B4-BE49-F238E27FC236}">
-                    <a16:creationId xmlns="" xmlns:a16="http://schemas.microsoft.com/office/drawing/2014/main" id="{7BF41422-E1EF-4A49-906D-7C9E43200378}"/>
+                    <a16:creationId xmlns:a16="http://schemas.microsoft.com/office/drawing/2014/main" xmlns="" id="{7BF41422-E1EF-4A49-906D-7C9E43200378}"/>
                   </a:ext>
                 </a:extLst>
               </p:cNvPr>
@@ -24513,7 +24351,7 @@
             <p:cNvPr id="99" name="Group 98">
               <a:extLst>
                 <a:ext uri="{FF2B5EF4-FFF2-40B4-BE49-F238E27FC236}">
-                  <a16:creationId xmlns="" xmlns:a16="http://schemas.microsoft.com/office/drawing/2014/main" id="{3A6C8FCE-3906-4A51-8C51-53A21458A79D}"/>
+                  <a16:creationId xmlns:a16="http://schemas.microsoft.com/office/drawing/2014/main" xmlns="" id="{3A6C8FCE-3906-4A51-8C51-53A21458A79D}"/>
                 </a:ext>
               </a:extLst>
             </p:cNvPr>
@@ -24533,7 +24371,7 @@
               <p:cNvPr id="100" name="Rectangle 99">
                 <a:extLst>
                   <a:ext uri="{FF2B5EF4-FFF2-40B4-BE49-F238E27FC236}">
-                    <a16:creationId xmlns="" xmlns:a16="http://schemas.microsoft.com/office/drawing/2014/main" id="{01B7306C-C82A-4CBC-8810-B196E2B85FD9}"/>
+                    <a16:creationId xmlns:a16="http://schemas.microsoft.com/office/drawing/2014/main" xmlns="" id="{01B7306C-C82A-4CBC-8810-B196E2B85FD9}"/>
                   </a:ext>
                 </a:extLst>
               </p:cNvPr>
@@ -24594,7 +24432,7 @@
               <p:cNvPr id="101" name="Arc 100">
                 <a:extLst>
                   <a:ext uri="{FF2B5EF4-FFF2-40B4-BE49-F238E27FC236}">
-                    <a16:creationId xmlns="" xmlns:a16="http://schemas.microsoft.com/office/drawing/2014/main" id="{4309EB4B-A1C1-41B8-9E71-43E4632DE81A}"/>
+                    <a16:creationId xmlns:a16="http://schemas.microsoft.com/office/drawing/2014/main" xmlns="" id="{4309EB4B-A1C1-41B8-9E71-43E4632DE81A}"/>
                   </a:ext>
                 </a:extLst>
               </p:cNvPr>
@@ -24673,7 +24511,7 @@
             <p:cNvPr id="102" name="Group 101">
               <a:extLst>
                 <a:ext uri="{FF2B5EF4-FFF2-40B4-BE49-F238E27FC236}">
-                  <a16:creationId xmlns="" xmlns:a16="http://schemas.microsoft.com/office/drawing/2014/main" id="{C74B4894-B5D2-4362-964C-D4DC0546060A}"/>
+                  <a16:creationId xmlns:a16="http://schemas.microsoft.com/office/drawing/2014/main" xmlns="" id="{C74B4894-B5D2-4362-964C-D4DC0546060A}"/>
                 </a:ext>
               </a:extLst>
             </p:cNvPr>
@@ -24693,7 +24531,7 @@
               <p:cNvPr id="103" name="Rectangle 102">
                 <a:extLst>
                   <a:ext uri="{FF2B5EF4-FFF2-40B4-BE49-F238E27FC236}">
-                    <a16:creationId xmlns="" xmlns:a16="http://schemas.microsoft.com/office/drawing/2014/main" id="{DA95D981-4D5B-4F4F-8A82-69838938508F}"/>
+                    <a16:creationId xmlns:a16="http://schemas.microsoft.com/office/drawing/2014/main" xmlns="" id="{DA95D981-4D5B-4F4F-8A82-69838938508F}"/>
                   </a:ext>
                 </a:extLst>
               </p:cNvPr>
@@ -24754,7 +24592,7 @@
               <p:cNvPr id="104" name="Arc 103">
                 <a:extLst>
                   <a:ext uri="{FF2B5EF4-FFF2-40B4-BE49-F238E27FC236}">
-                    <a16:creationId xmlns="" xmlns:a16="http://schemas.microsoft.com/office/drawing/2014/main" id="{E4822634-A39A-4B0D-8399-883328FCA1EE}"/>
+                    <a16:creationId xmlns:a16="http://schemas.microsoft.com/office/drawing/2014/main" xmlns="" id="{E4822634-A39A-4B0D-8399-883328FCA1EE}"/>
                   </a:ext>
                 </a:extLst>
               </p:cNvPr>
@@ -24833,7 +24671,7 @@
             <p:cNvPr id="105" name="Group 104">
               <a:extLst>
                 <a:ext uri="{FF2B5EF4-FFF2-40B4-BE49-F238E27FC236}">
-                  <a16:creationId xmlns="" xmlns:a16="http://schemas.microsoft.com/office/drawing/2014/main" id="{AC0C8900-7AAE-4DAD-9853-250BA8E46217}"/>
+                  <a16:creationId xmlns:a16="http://schemas.microsoft.com/office/drawing/2014/main" xmlns="" id="{AC0C8900-7AAE-4DAD-9853-250BA8E46217}"/>
                 </a:ext>
               </a:extLst>
             </p:cNvPr>
@@ -24853,7 +24691,7 @@
               <p:cNvPr id="106" name="Rectangle 105">
                 <a:extLst>
                   <a:ext uri="{FF2B5EF4-FFF2-40B4-BE49-F238E27FC236}">
-                    <a16:creationId xmlns="" xmlns:a16="http://schemas.microsoft.com/office/drawing/2014/main" id="{8F16C3F5-5111-4385-95DB-684995C5DA9E}"/>
+                    <a16:creationId xmlns:a16="http://schemas.microsoft.com/office/drawing/2014/main" xmlns="" id="{8F16C3F5-5111-4385-95DB-684995C5DA9E}"/>
                   </a:ext>
                 </a:extLst>
               </p:cNvPr>
@@ -24914,7 +24752,7 @@
               <p:cNvPr id="107" name="Arc 106">
                 <a:extLst>
                   <a:ext uri="{FF2B5EF4-FFF2-40B4-BE49-F238E27FC236}">
-                    <a16:creationId xmlns="" xmlns:a16="http://schemas.microsoft.com/office/drawing/2014/main" id="{C8E4EC42-A513-472E-AE69-66EF8F71937C}"/>
+                    <a16:creationId xmlns:a16="http://schemas.microsoft.com/office/drawing/2014/main" xmlns="" id="{C8E4EC42-A513-472E-AE69-66EF8F71937C}"/>
                   </a:ext>
                 </a:extLst>
               </p:cNvPr>
@@ -24993,7 +24831,7 @@
             <p:cNvPr id="108" name="Group 107">
               <a:extLst>
                 <a:ext uri="{FF2B5EF4-FFF2-40B4-BE49-F238E27FC236}">
-                  <a16:creationId xmlns="" xmlns:a16="http://schemas.microsoft.com/office/drawing/2014/main" id="{B9DF2A69-06AC-4DC9-B6C7-9A1B9D012585}"/>
+                  <a16:creationId xmlns:a16="http://schemas.microsoft.com/office/drawing/2014/main" xmlns="" id="{B9DF2A69-06AC-4DC9-B6C7-9A1B9D012585}"/>
                 </a:ext>
               </a:extLst>
             </p:cNvPr>
@@ -25013,7 +24851,7 @@
               <p:cNvPr id="109" name="Rectangle 108">
                 <a:extLst>
                   <a:ext uri="{FF2B5EF4-FFF2-40B4-BE49-F238E27FC236}">
-                    <a16:creationId xmlns="" xmlns:a16="http://schemas.microsoft.com/office/drawing/2014/main" id="{66D59475-186E-4F7A-A501-ABEDCC08DC98}"/>
+                    <a16:creationId xmlns:a16="http://schemas.microsoft.com/office/drawing/2014/main" xmlns="" id="{66D59475-186E-4F7A-A501-ABEDCC08DC98}"/>
                   </a:ext>
                 </a:extLst>
               </p:cNvPr>
@@ -25074,7 +24912,7 @@
               <p:cNvPr id="110" name="Arc 109">
                 <a:extLst>
                   <a:ext uri="{FF2B5EF4-FFF2-40B4-BE49-F238E27FC236}">
-                    <a16:creationId xmlns="" xmlns:a16="http://schemas.microsoft.com/office/drawing/2014/main" id="{55C929AA-C5D4-4A29-94FC-BF99C03F9430}"/>
+                    <a16:creationId xmlns:a16="http://schemas.microsoft.com/office/drawing/2014/main" xmlns="" id="{55C929AA-C5D4-4A29-94FC-BF99C03F9430}"/>
                   </a:ext>
                 </a:extLst>
               </p:cNvPr>
@@ -25153,7 +24991,7 @@
             <p:cNvPr id="111" name="Group 110">
               <a:extLst>
                 <a:ext uri="{FF2B5EF4-FFF2-40B4-BE49-F238E27FC236}">
-                  <a16:creationId xmlns="" xmlns:a16="http://schemas.microsoft.com/office/drawing/2014/main" id="{26F5DDE8-77F1-4A19-9A73-FA16AD387091}"/>
+                  <a16:creationId xmlns:a16="http://schemas.microsoft.com/office/drawing/2014/main" xmlns="" id="{26F5DDE8-77F1-4A19-9A73-FA16AD387091}"/>
                 </a:ext>
               </a:extLst>
             </p:cNvPr>
@@ -25173,7 +25011,7 @@
               <p:cNvPr id="112" name="Rectangle 111">
                 <a:extLst>
                   <a:ext uri="{FF2B5EF4-FFF2-40B4-BE49-F238E27FC236}">
-                    <a16:creationId xmlns="" xmlns:a16="http://schemas.microsoft.com/office/drawing/2014/main" id="{3975D25C-1E30-46E2-BA99-3037ADE31704}"/>
+                    <a16:creationId xmlns:a16="http://schemas.microsoft.com/office/drawing/2014/main" xmlns="" id="{3975D25C-1E30-46E2-BA99-3037ADE31704}"/>
                   </a:ext>
                 </a:extLst>
               </p:cNvPr>
@@ -25234,7 +25072,7 @@
               <p:cNvPr id="113" name="Arc 112">
                 <a:extLst>
                   <a:ext uri="{FF2B5EF4-FFF2-40B4-BE49-F238E27FC236}">
-                    <a16:creationId xmlns="" xmlns:a16="http://schemas.microsoft.com/office/drawing/2014/main" id="{5489E9B8-DC06-4350-B467-61A9DA0B02A7}"/>
+                    <a16:creationId xmlns:a16="http://schemas.microsoft.com/office/drawing/2014/main" xmlns="" id="{5489E9B8-DC06-4350-B467-61A9DA0B02A7}"/>
                   </a:ext>
                 </a:extLst>
               </p:cNvPr>
@@ -25313,7 +25151,7 @@
             <p:cNvPr id="114" name="Group 113">
               <a:extLst>
                 <a:ext uri="{FF2B5EF4-FFF2-40B4-BE49-F238E27FC236}">
-                  <a16:creationId xmlns="" xmlns:a16="http://schemas.microsoft.com/office/drawing/2014/main" id="{0375CE18-5EC1-4881-8142-DC1BC91AD094}"/>
+                  <a16:creationId xmlns:a16="http://schemas.microsoft.com/office/drawing/2014/main" xmlns="" id="{0375CE18-5EC1-4881-8142-DC1BC91AD094}"/>
                 </a:ext>
               </a:extLst>
             </p:cNvPr>
@@ -25333,7 +25171,7 @@
               <p:cNvPr id="115" name="Rectangle 114">
                 <a:extLst>
                   <a:ext uri="{FF2B5EF4-FFF2-40B4-BE49-F238E27FC236}">
-                    <a16:creationId xmlns="" xmlns:a16="http://schemas.microsoft.com/office/drawing/2014/main" id="{10A76D25-919A-40D9-9554-EFE2D3956BE4}"/>
+                    <a16:creationId xmlns:a16="http://schemas.microsoft.com/office/drawing/2014/main" xmlns="" id="{10A76D25-919A-40D9-9554-EFE2D3956BE4}"/>
                   </a:ext>
                 </a:extLst>
               </p:cNvPr>
@@ -25394,7 +25232,7 @@
               <p:cNvPr id="116" name="Arc 115">
                 <a:extLst>
                   <a:ext uri="{FF2B5EF4-FFF2-40B4-BE49-F238E27FC236}">
-                    <a16:creationId xmlns="" xmlns:a16="http://schemas.microsoft.com/office/drawing/2014/main" id="{F541D253-66CC-4C59-909C-302800ABEEFC}"/>
+                    <a16:creationId xmlns:a16="http://schemas.microsoft.com/office/drawing/2014/main" xmlns="" id="{F541D253-66CC-4C59-909C-302800ABEEFC}"/>
                   </a:ext>
                 </a:extLst>
               </p:cNvPr>
@@ -25473,7 +25311,7 @@
             <p:cNvPr id="117" name="Group 116">
               <a:extLst>
                 <a:ext uri="{FF2B5EF4-FFF2-40B4-BE49-F238E27FC236}">
-                  <a16:creationId xmlns="" xmlns:a16="http://schemas.microsoft.com/office/drawing/2014/main" id="{D86A99F9-8CBA-4BBB-88F7-14582E27C64C}"/>
+                  <a16:creationId xmlns:a16="http://schemas.microsoft.com/office/drawing/2014/main" xmlns="" id="{D86A99F9-8CBA-4BBB-88F7-14582E27C64C}"/>
                 </a:ext>
               </a:extLst>
             </p:cNvPr>
@@ -25493,7 +25331,7 @@
               <p:cNvPr id="118" name="Rectangle 117">
                 <a:extLst>
                   <a:ext uri="{FF2B5EF4-FFF2-40B4-BE49-F238E27FC236}">
-                    <a16:creationId xmlns="" xmlns:a16="http://schemas.microsoft.com/office/drawing/2014/main" id="{16259704-CA38-4525-8489-D1FECD12BDBC}"/>
+                    <a16:creationId xmlns:a16="http://schemas.microsoft.com/office/drawing/2014/main" xmlns="" id="{16259704-CA38-4525-8489-D1FECD12BDBC}"/>
                   </a:ext>
                 </a:extLst>
               </p:cNvPr>
@@ -25554,7 +25392,7 @@
               <p:cNvPr id="119" name="Arc 118">
                 <a:extLst>
                   <a:ext uri="{FF2B5EF4-FFF2-40B4-BE49-F238E27FC236}">
-                    <a16:creationId xmlns="" xmlns:a16="http://schemas.microsoft.com/office/drawing/2014/main" id="{40F4FCA1-5992-49D0-8CE6-8488CF6BAF04}"/>
+                    <a16:creationId xmlns:a16="http://schemas.microsoft.com/office/drawing/2014/main" xmlns="" id="{40F4FCA1-5992-49D0-8CE6-8488CF6BAF04}"/>
                   </a:ext>
                 </a:extLst>
               </p:cNvPr>
@@ -25633,7 +25471,7 @@
             <p:cNvPr id="120" name="Group 119">
               <a:extLst>
                 <a:ext uri="{FF2B5EF4-FFF2-40B4-BE49-F238E27FC236}">
-                  <a16:creationId xmlns="" xmlns:a16="http://schemas.microsoft.com/office/drawing/2014/main" id="{F5C59377-7214-4209-BA16-86D5D1DAE2B0}"/>
+                  <a16:creationId xmlns:a16="http://schemas.microsoft.com/office/drawing/2014/main" xmlns="" id="{F5C59377-7214-4209-BA16-86D5D1DAE2B0}"/>
                 </a:ext>
               </a:extLst>
             </p:cNvPr>
@@ -25653,7 +25491,7 @@
               <p:cNvPr id="121" name="Rectangle 120">
                 <a:extLst>
                   <a:ext uri="{FF2B5EF4-FFF2-40B4-BE49-F238E27FC236}">
-                    <a16:creationId xmlns="" xmlns:a16="http://schemas.microsoft.com/office/drawing/2014/main" id="{959A5D35-C7AE-458F-BBB5-71CD3A3F97F8}"/>
+                    <a16:creationId xmlns:a16="http://schemas.microsoft.com/office/drawing/2014/main" xmlns="" id="{959A5D35-C7AE-458F-BBB5-71CD3A3F97F8}"/>
                   </a:ext>
                 </a:extLst>
               </p:cNvPr>
@@ -25714,7 +25552,7 @@
               <p:cNvPr id="122" name="Arc 121">
                 <a:extLst>
                   <a:ext uri="{FF2B5EF4-FFF2-40B4-BE49-F238E27FC236}">
-                    <a16:creationId xmlns="" xmlns:a16="http://schemas.microsoft.com/office/drawing/2014/main" id="{F490A229-65A6-4DFF-870F-4B92A114A66A}"/>
+                    <a16:creationId xmlns:a16="http://schemas.microsoft.com/office/drawing/2014/main" xmlns="" id="{F490A229-65A6-4DFF-870F-4B92A114A66A}"/>
                   </a:ext>
                 </a:extLst>
               </p:cNvPr>
@@ -25793,7 +25631,7 @@
             <p:cNvPr id="123" name="Group 122">
               <a:extLst>
                 <a:ext uri="{FF2B5EF4-FFF2-40B4-BE49-F238E27FC236}">
-                  <a16:creationId xmlns="" xmlns:a16="http://schemas.microsoft.com/office/drawing/2014/main" id="{9EC6FFFF-2006-4366-8566-0113AD9F036A}"/>
+                  <a16:creationId xmlns:a16="http://schemas.microsoft.com/office/drawing/2014/main" xmlns="" id="{9EC6FFFF-2006-4366-8566-0113AD9F036A}"/>
                 </a:ext>
               </a:extLst>
             </p:cNvPr>
@@ -25813,7 +25651,7 @@
               <p:cNvPr id="124" name="Rectangle 123">
                 <a:extLst>
                   <a:ext uri="{FF2B5EF4-FFF2-40B4-BE49-F238E27FC236}">
-                    <a16:creationId xmlns="" xmlns:a16="http://schemas.microsoft.com/office/drawing/2014/main" id="{595E399E-0521-4D5B-914F-29C3ADDF2B72}"/>
+                    <a16:creationId xmlns:a16="http://schemas.microsoft.com/office/drawing/2014/main" xmlns="" id="{595E399E-0521-4D5B-914F-29C3ADDF2B72}"/>
                   </a:ext>
                 </a:extLst>
               </p:cNvPr>
@@ -25874,7 +25712,7 @@
               <p:cNvPr id="125" name="Arc 124">
                 <a:extLst>
                   <a:ext uri="{FF2B5EF4-FFF2-40B4-BE49-F238E27FC236}">
-                    <a16:creationId xmlns="" xmlns:a16="http://schemas.microsoft.com/office/drawing/2014/main" id="{14739334-2472-4756-B880-7780C40DA407}"/>
+                    <a16:creationId xmlns:a16="http://schemas.microsoft.com/office/drawing/2014/main" xmlns="" id="{14739334-2472-4756-B880-7780C40DA407}"/>
                   </a:ext>
                 </a:extLst>
               </p:cNvPr>
@@ -25953,7 +25791,7 @@
             <p:cNvPr id="126" name="Group 125">
               <a:extLst>
                 <a:ext uri="{FF2B5EF4-FFF2-40B4-BE49-F238E27FC236}">
-                  <a16:creationId xmlns="" xmlns:a16="http://schemas.microsoft.com/office/drawing/2014/main" id="{6D7FEFCF-F5E2-48A4-8DA2-466E3FA530E8}"/>
+                  <a16:creationId xmlns:a16="http://schemas.microsoft.com/office/drawing/2014/main" xmlns="" id="{6D7FEFCF-F5E2-48A4-8DA2-466E3FA530E8}"/>
                 </a:ext>
               </a:extLst>
             </p:cNvPr>
@@ -25973,7 +25811,7 @@
               <p:cNvPr id="127" name="Rectangle 126">
                 <a:extLst>
                   <a:ext uri="{FF2B5EF4-FFF2-40B4-BE49-F238E27FC236}">
-                    <a16:creationId xmlns="" xmlns:a16="http://schemas.microsoft.com/office/drawing/2014/main" id="{5B8C7798-2FB8-447C-BA5C-ECB75C74E5AD}"/>
+                    <a16:creationId xmlns:a16="http://schemas.microsoft.com/office/drawing/2014/main" xmlns="" id="{5B8C7798-2FB8-447C-BA5C-ECB75C74E5AD}"/>
                   </a:ext>
                 </a:extLst>
               </p:cNvPr>
@@ -26034,7 +25872,7 @@
               <p:cNvPr id="128" name="Arc 127">
                 <a:extLst>
                   <a:ext uri="{FF2B5EF4-FFF2-40B4-BE49-F238E27FC236}">
-                    <a16:creationId xmlns="" xmlns:a16="http://schemas.microsoft.com/office/drawing/2014/main" id="{DDFE7CA2-AC7D-4CF0-A779-1F7EC6161969}"/>
+                    <a16:creationId xmlns:a16="http://schemas.microsoft.com/office/drawing/2014/main" xmlns="" id="{DDFE7CA2-AC7D-4CF0-A779-1F7EC6161969}"/>
                   </a:ext>
                 </a:extLst>
               </p:cNvPr>
@@ -26113,7 +25951,7 @@
             <p:cNvPr id="129" name="Group 128">
               <a:extLst>
                 <a:ext uri="{FF2B5EF4-FFF2-40B4-BE49-F238E27FC236}">
-                  <a16:creationId xmlns="" xmlns:a16="http://schemas.microsoft.com/office/drawing/2014/main" id="{EF6B5FAD-EB1F-43DC-8B99-11CAD21D64C9}"/>
+                  <a16:creationId xmlns:a16="http://schemas.microsoft.com/office/drawing/2014/main" xmlns="" id="{EF6B5FAD-EB1F-43DC-8B99-11CAD21D64C9}"/>
                 </a:ext>
               </a:extLst>
             </p:cNvPr>
@@ -26133,7 +25971,7 @@
               <p:cNvPr id="130" name="Rectangle 129">
                 <a:extLst>
                   <a:ext uri="{FF2B5EF4-FFF2-40B4-BE49-F238E27FC236}">
-                    <a16:creationId xmlns="" xmlns:a16="http://schemas.microsoft.com/office/drawing/2014/main" id="{B817890A-729D-4FBB-8EF7-DAFD6F73427B}"/>
+                    <a16:creationId xmlns:a16="http://schemas.microsoft.com/office/drawing/2014/main" xmlns="" id="{B817890A-729D-4FBB-8EF7-DAFD6F73427B}"/>
                   </a:ext>
                 </a:extLst>
               </p:cNvPr>
@@ -26194,7 +26032,7 @@
               <p:cNvPr id="131" name="Arc 130">
                 <a:extLst>
                   <a:ext uri="{FF2B5EF4-FFF2-40B4-BE49-F238E27FC236}">
-                    <a16:creationId xmlns="" xmlns:a16="http://schemas.microsoft.com/office/drawing/2014/main" id="{EAD6132E-2435-4771-A3CC-CCE94E7A9600}"/>
+                    <a16:creationId xmlns:a16="http://schemas.microsoft.com/office/drawing/2014/main" xmlns="" id="{EAD6132E-2435-4771-A3CC-CCE94E7A9600}"/>
                   </a:ext>
                 </a:extLst>
               </p:cNvPr>
@@ -26273,7 +26111,7 @@
             <p:cNvPr id="132" name="Group 131">
               <a:extLst>
                 <a:ext uri="{FF2B5EF4-FFF2-40B4-BE49-F238E27FC236}">
-                  <a16:creationId xmlns="" xmlns:a16="http://schemas.microsoft.com/office/drawing/2014/main" id="{2B7006E1-B188-46BA-BAA5-15A960905F4C}"/>
+                  <a16:creationId xmlns:a16="http://schemas.microsoft.com/office/drawing/2014/main" xmlns="" id="{2B7006E1-B188-46BA-BAA5-15A960905F4C}"/>
                 </a:ext>
               </a:extLst>
             </p:cNvPr>
@@ -26293,7 +26131,7 @@
               <p:cNvPr id="133" name="Rectangle 132">
                 <a:extLst>
                   <a:ext uri="{FF2B5EF4-FFF2-40B4-BE49-F238E27FC236}">
-                    <a16:creationId xmlns="" xmlns:a16="http://schemas.microsoft.com/office/drawing/2014/main" id="{D01250CF-AFA1-4A19-B3C7-7F163609380B}"/>
+                    <a16:creationId xmlns:a16="http://schemas.microsoft.com/office/drawing/2014/main" xmlns="" id="{D01250CF-AFA1-4A19-B3C7-7F163609380B}"/>
                   </a:ext>
                 </a:extLst>
               </p:cNvPr>
@@ -26354,7 +26192,7 @@
               <p:cNvPr id="134" name="Arc 133">
                 <a:extLst>
                   <a:ext uri="{FF2B5EF4-FFF2-40B4-BE49-F238E27FC236}">
-                    <a16:creationId xmlns="" xmlns:a16="http://schemas.microsoft.com/office/drawing/2014/main" id="{1014BA5C-C370-44EB-84DA-2D69E36CE6C3}"/>
+                    <a16:creationId xmlns:a16="http://schemas.microsoft.com/office/drawing/2014/main" xmlns="" id="{1014BA5C-C370-44EB-84DA-2D69E36CE6C3}"/>
                   </a:ext>
                 </a:extLst>
               </p:cNvPr>
@@ -26433,7 +26271,7 @@
             <p:cNvPr id="135" name="Group 134">
               <a:extLst>
                 <a:ext uri="{FF2B5EF4-FFF2-40B4-BE49-F238E27FC236}">
-                  <a16:creationId xmlns="" xmlns:a16="http://schemas.microsoft.com/office/drawing/2014/main" id="{AD8CB7E5-EBC4-4791-B93B-D0B41B862B83}"/>
+                  <a16:creationId xmlns:a16="http://schemas.microsoft.com/office/drawing/2014/main" xmlns="" id="{AD8CB7E5-EBC4-4791-B93B-D0B41B862B83}"/>
                 </a:ext>
               </a:extLst>
             </p:cNvPr>
@@ -26453,7 +26291,7 @@
               <p:cNvPr id="136" name="Rectangle 135">
                 <a:extLst>
                   <a:ext uri="{FF2B5EF4-FFF2-40B4-BE49-F238E27FC236}">
-                    <a16:creationId xmlns="" xmlns:a16="http://schemas.microsoft.com/office/drawing/2014/main" id="{CF456FF3-391C-4C8E-A128-A413BDBBB225}"/>
+                    <a16:creationId xmlns:a16="http://schemas.microsoft.com/office/drawing/2014/main" xmlns="" id="{CF456FF3-391C-4C8E-A128-A413BDBBB225}"/>
                   </a:ext>
                 </a:extLst>
               </p:cNvPr>
@@ -26514,7 +26352,7 @@
               <p:cNvPr id="137" name="Arc 136">
                 <a:extLst>
                   <a:ext uri="{FF2B5EF4-FFF2-40B4-BE49-F238E27FC236}">
-                    <a16:creationId xmlns="" xmlns:a16="http://schemas.microsoft.com/office/drawing/2014/main" id="{8838FE2A-04D7-44E3-97C3-54338832CB9A}"/>
+                    <a16:creationId xmlns:a16="http://schemas.microsoft.com/office/drawing/2014/main" xmlns="" id="{8838FE2A-04D7-44E3-97C3-54338832CB9A}"/>
                   </a:ext>
                 </a:extLst>
               </p:cNvPr>
@@ -26594,7 +26432,7 @@
           <p:cNvPr id="67" name="TextBox 66">
             <a:extLst>
               <a:ext uri="{FF2B5EF4-FFF2-40B4-BE49-F238E27FC236}">
-                <a16:creationId xmlns="" xmlns:a16="http://schemas.microsoft.com/office/drawing/2014/main" id="{B61BA890-3B17-4CDD-AD01-1D48392C3EE8}"/>
+                <a16:creationId xmlns:a16="http://schemas.microsoft.com/office/drawing/2014/main" xmlns="" id="{B61BA890-3B17-4CDD-AD01-1D48392C3EE8}"/>
               </a:ext>
             </a:extLst>
           </p:cNvPr>
